--- a/slides/lec04_web.pptx
+++ b/slides/lec04_web.pptx
@@ -250,7 +250,7 @@
           <a:p>
             <a:fld id="{26C21ED3-A5B8-0F43-BEC8-3BB1C1D7A737}" type="datetimeFigureOut">
               <a:rPr lang="en-US" smtClean="0"/>
-              <a:t>2/7/18</a:t>
+              <a:t>2/8/18</a:t>
             </a:fld>
             <a:endParaRPr lang="en-US"/>
           </a:p>
@@ -667,14 +667,14 @@
               <ma14:placeholderFlag xmlns:ma14="http://schemas.microsoft.com/office/mac/drawingml/2011/main" val="1"/>
             </a:ext>
             <a:ext uri="{909E8E84-426E-40dd-AFC4-6F175D3DCCD1}">
-              <a14:hiddenFill xmlns:a14="http://schemas.microsoft.com/office/drawing/2010/main" xmlns="">
+              <a14:hiddenFill xmlns="" xmlns:a14="http://schemas.microsoft.com/office/drawing/2010/main">
                 <a:solidFill>
                   <a:srgbClr val="FFFFFF"/>
                 </a:solidFill>
               </a14:hiddenFill>
             </a:ext>
             <a:ext uri="{91240B29-F687-4f45-9708-019B960494DF}">
-              <a14:hiddenLine xmlns:a14="http://schemas.microsoft.com/office/drawing/2010/main" xmlns="" w="9525">
+              <a14:hiddenLine xmlns="" xmlns:a14="http://schemas.microsoft.com/office/drawing/2010/main" w="9525">
                 <a:solidFill>
                   <a:srgbClr val="000000"/>
                 </a:solidFill>
@@ -758,14 +758,14 @@
               <ma14:placeholderFlag xmlns:ma14="http://schemas.microsoft.com/office/mac/drawingml/2011/main" val="1"/>
             </a:ext>
             <a:ext uri="{909E8E84-426E-40dd-AFC4-6F175D3DCCD1}">
-              <a14:hiddenFill xmlns:a14="http://schemas.microsoft.com/office/drawing/2010/main" xmlns="">
+              <a14:hiddenFill xmlns="" xmlns:a14="http://schemas.microsoft.com/office/drawing/2010/main">
                 <a:solidFill>
                   <a:srgbClr val="FFFFFF"/>
                 </a:solidFill>
               </a14:hiddenFill>
             </a:ext>
             <a:ext uri="{91240B29-F687-4f45-9708-019B960494DF}">
-              <a14:hiddenLine xmlns:a14="http://schemas.microsoft.com/office/drawing/2010/main" xmlns="" w="9525">
+              <a14:hiddenLine xmlns="" xmlns:a14="http://schemas.microsoft.com/office/drawing/2010/main" w="9525">
                 <a:solidFill>
                   <a:srgbClr val="000000"/>
                 </a:solidFill>
@@ -846,14 +846,14 @@
           <a:ln/>
           <a:extLst>
             <a:ext uri="{909E8E84-426E-40dd-AFC4-6F175D3DCCD1}">
-              <a14:hiddenFill xmlns:a14="http://schemas.microsoft.com/office/drawing/2010/main" xmlns="">
+              <a14:hiddenFill xmlns="" xmlns:a14="http://schemas.microsoft.com/office/drawing/2010/main">
                 <a:solidFill>
                   <a:srgbClr val="FFFFFF"/>
                 </a:solidFill>
               </a14:hiddenFill>
             </a:ext>
             <a:ext uri="{91240B29-F687-4f45-9708-019B960494DF}">
-              <a14:hiddenLine xmlns:a14="http://schemas.microsoft.com/office/drawing/2010/main" xmlns="" w="9525">
+              <a14:hiddenLine xmlns="" xmlns:a14="http://schemas.microsoft.com/office/drawing/2010/main" w="9525">
                 <a:solidFill>
                   <a:srgbClr val="000000"/>
                 </a:solidFill>
@@ -937,14 +937,14 @@
           <a:ln/>
           <a:extLst>
             <a:ext uri="{909E8E84-426E-40dd-AFC4-6F175D3DCCD1}">
-              <a14:hiddenFill xmlns:a14="http://schemas.microsoft.com/office/drawing/2010/main" xmlns="">
+              <a14:hiddenFill xmlns="" xmlns:a14="http://schemas.microsoft.com/office/drawing/2010/main">
                 <a:solidFill>
                   <a:srgbClr val="FFFFFF"/>
                 </a:solidFill>
               </a14:hiddenFill>
             </a:ext>
             <a:ext uri="{91240B29-F687-4f45-9708-019B960494DF}">
-              <a14:hiddenLine xmlns:a14="http://schemas.microsoft.com/office/drawing/2010/main" xmlns="" w="9525">
+              <a14:hiddenLine xmlns="" xmlns:a14="http://schemas.microsoft.com/office/drawing/2010/main" w="9525">
                 <a:solidFill>
                   <a:srgbClr val="000000"/>
                 </a:solidFill>
@@ -1169,14 +1169,14 @@
               <ma14:placeholderFlag xmlns:ma14="http://schemas.microsoft.com/office/mac/drawingml/2011/main" val="1"/>
             </a:ext>
             <a:ext uri="{909E8E84-426E-40dd-AFC4-6F175D3DCCD1}">
-              <a14:hiddenFill xmlns:a14="http://schemas.microsoft.com/office/drawing/2010/main" xmlns="">
+              <a14:hiddenFill xmlns="" xmlns:a14="http://schemas.microsoft.com/office/drawing/2010/main">
                 <a:solidFill>
                   <a:srgbClr val="FFFFFF"/>
                 </a:solidFill>
               </a14:hiddenFill>
             </a:ext>
             <a:ext uri="{91240B29-F687-4f45-9708-019B960494DF}">
-              <a14:hiddenLine xmlns:a14="http://schemas.microsoft.com/office/drawing/2010/main" xmlns="" w="9525">
+              <a14:hiddenLine xmlns="" xmlns:a14="http://schemas.microsoft.com/office/drawing/2010/main" w="9525">
                 <a:solidFill>
                   <a:srgbClr val="000000"/>
                 </a:solidFill>
@@ -1260,14 +1260,14 @@
               <ma14:placeholderFlag xmlns:ma14="http://schemas.microsoft.com/office/mac/drawingml/2011/main" val="1"/>
             </a:ext>
             <a:ext uri="{909E8E84-426E-40dd-AFC4-6F175D3DCCD1}">
-              <a14:hiddenFill xmlns:a14="http://schemas.microsoft.com/office/drawing/2010/main" xmlns="">
+              <a14:hiddenFill xmlns="" xmlns:a14="http://schemas.microsoft.com/office/drawing/2010/main">
                 <a:solidFill>
                   <a:srgbClr val="FFFFFF"/>
                 </a:solidFill>
               </a14:hiddenFill>
             </a:ext>
             <a:ext uri="{91240B29-F687-4f45-9708-019B960494DF}">
-              <a14:hiddenLine xmlns:a14="http://schemas.microsoft.com/office/drawing/2010/main" xmlns="" w="9525">
+              <a14:hiddenLine xmlns="" xmlns:a14="http://schemas.microsoft.com/office/drawing/2010/main" w="9525">
                 <a:solidFill>
                   <a:srgbClr val="000000"/>
                 </a:solidFill>
@@ -1348,14 +1348,14 @@
           <a:ln/>
           <a:extLst>
             <a:ext uri="{909E8E84-426E-40dd-AFC4-6F175D3DCCD1}">
-              <a14:hiddenFill xmlns:a14="http://schemas.microsoft.com/office/drawing/2010/main" xmlns="">
+              <a14:hiddenFill xmlns="" xmlns:a14="http://schemas.microsoft.com/office/drawing/2010/main">
                 <a:solidFill>
                   <a:srgbClr val="FFFFFF"/>
                 </a:solidFill>
               </a14:hiddenFill>
             </a:ext>
             <a:ext uri="{91240B29-F687-4f45-9708-019B960494DF}">
-              <a14:hiddenLine xmlns:a14="http://schemas.microsoft.com/office/drawing/2010/main" xmlns="" w="9525">
+              <a14:hiddenLine xmlns="" xmlns:a14="http://schemas.microsoft.com/office/drawing/2010/main" w="9525">
                 <a:solidFill>
                   <a:srgbClr val="000000"/>
                 </a:solidFill>
@@ -1442,14 +1442,14 @@
               <ma14:placeholderFlag xmlns:ma14="http://schemas.microsoft.com/office/mac/drawingml/2011/main" val="1"/>
             </a:ext>
             <a:ext uri="{909E8E84-426E-40dd-AFC4-6F175D3DCCD1}">
-              <a14:hiddenFill xmlns:a14="http://schemas.microsoft.com/office/drawing/2010/main" xmlns="">
+              <a14:hiddenFill xmlns="" xmlns:a14="http://schemas.microsoft.com/office/drawing/2010/main">
                 <a:solidFill>
                   <a:srgbClr val="FFFFFF"/>
                 </a:solidFill>
               </a14:hiddenFill>
             </a:ext>
             <a:ext uri="{91240B29-F687-4f45-9708-019B960494DF}">
-              <a14:hiddenLine xmlns:a14="http://schemas.microsoft.com/office/drawing/2010/main" xmlns="" w="9525">
+              <a14:hiddenLine xmlns="" xmlns:a14="http://schemas.microsoft.com/office/drawing/2010/main" w="9525">
                 <a:solidFill>
                   <a:srgbClr val="000000"/>
                 </a:solidFill>
@@ -1547,14 +1547,14 @@
               <ma14:placeholderFlag xmlns:ma14="http://schemas.microsoft.com/office/mac/drawingml/2011/main" val="1"/>
             </a:ext>
             <a:ext uri="{909E8E84-426E-40dd-AFC4-6F175D3DCCD1}">
-              <a14:hiddenFill xmlns:a14="http://schemas.microsoft.com/office/drawing/2010/main" xmlns="">
+              <a14:hiddenFill xmlns="" xmlns:a14="http://schemas.microsoft.com/office/drawing/2010/main">
                 <a:solidFill>
                   <a:srgbClr val="FFFFFF"/>
                 </a:solidFill>
               </a14:hiddenFill>
             </a:ext>
             <a:ext uri="{91240B29-F687-4f45-9708-019B960494DF}">
-              <a14:hiddenLine xmlns:a14="http://schemas.microsoft.com/office/drawing/2010/main" xmlns="" w="9525">
+              <a14:hiddenLine xmlns="" xmlns:a14="http://schemas.microsoft.com/office/drawing/2010/main" w="9525">
                 <a:solidFill>
                   <a:srgbClr val="000000"/>
                 </a:solidFill>
@@ -1723,14 +1723,14 @@
               <ma14:placeholderFlag xmlns:ma14="http://schemas.microsoft.com/office/mac/drawingml/2011/main" val="1"/>
             </a:ext>
             <a:ext uri="{909E8E84-426E-40dd-AFC4-6F175D3DCCD1}">
-              <a14:hiddenFill xmlns:a14="http://schemas.microsoft.com/office/drawing/2010/main" xmlns="">
+              <a14:hiddenFill xmlns="" xmlns:a14="http://schemas.microsoft.com/office/drawing/2010/main">
                 <a:solidFill>
                   <a:srgbClr val="FFFFFF"/>
                 </a:solidFill>
               </a14:hiddenFill>
             </a:ext>
             <a:ext uri="{91240B29-F687-4f45-9708-019B960494DF}">
-              <a14:hiddenLine xmlns:a14="http://schemas.microsoft.com/office/drawing/2010/main" xmlns="" w="9525">
+              <a14:hiddenLine xmlns="" xmlns:a14="http://schemas.microsoft.com/office/drawing/2010/main" w="9525">
                 <a:solidFill>
                   <a:srgbClr val="000000"/>
                 </a:solidFill>
@@ -1814,14 +1814,14 @@
               <ma14:placeholderFlag xmlns:ma14="http://schemas.microsoft.com/office/mac/drawingml/2011/main" val="1"/>
             </a:ext>
             <a:ext uri="{909E8E84-426E-40dd-AFC4-6F175D3DCCD1}">
-              <a14:hiddenFill xmlns:a14="http://schemas.microsoft.com/office/drawing/2010/main" xmlns="">
+              <a14:hiddenFill xmlns="" xmlns:a14="http://schemas.microsoft.com/office/drawing/2010/main">
                 <a:solidFill>
                   <a:srgbClr val="FFFFFF"/>
                 </a:solidFill>
               </a14:hiddenFill>
             </a:ext>
             <a:ext uri="{91240B29-F687-4f45-9708-019B960494DF}">
-              <a14:hiddenLine xmlns:a14="http://schemas.microsoft.com/office/drawing/2010/main" xmlns="" w="9525">
+              <a14:hiddenLine xmlns="" xmlns:a14="http://schemas.microsoft.com/office/drawing/2010/main" w="9525">
                 <a:solidFill>
                   <a:srgbClr val="000000"/>
                 </a:solidFill>
@@ -1905,14 +1905,14 @@
               <ma14:placeholderFlag xmlns:ma14="http://schemas.microsoft.com/office/mac/drawingml/2011/main" val="1"/>
             </a:ext>
             <a:ext uri="{909E8E84-426E-40dd-AFC4-6F175D3DCCD1}">
-              <a14:hiddenFill xmlns:a14="http://schemas.microsoft.com/office/drawing/2010/main" xmlns="">
+              <a14:hiddenFill xmlns="" xmlns:a14="http://schemas.microsoft.com/office/drawing/2010/main">
                 <a:solidFill>
                   <a:srgbClr val="FFFFFF"/>
                 </a:solidFill>
               </a14:hiddenFill>
             </a:ext>
             <a:ext uri="{91240B29-F687-4f45-9708-019B960494DF}">
-              <a14:hiddenLine xmlns:a14="http://schemas.microsoft.com/office/drawing/2010/main" xmlns="" w="9525">
+              <a14:hiddenLine xmlns="" xmlns:a14="http://schemas.microsoft.com/office/drawing/2010/main" w="9525">
                 <a:solidFill>
                   <a:srgbClr val="000000"/>
                 </a:solidFill>
@@ -2004,14 +2004,14 @@
               <ma14:placeholderFlag xmlns:ma14="http://schemas.microsoft.com/office/mac/drawingml/2011/main" val="1"/>
             </a:ext>
             <a:ext uri="{909E8E84-426E-40dd-AFC4-6F175D3DCCD1}">
-              <a14:hiddenFill xmlns:a14="http://schemas.microsoft.com/office/drawing/2010/main" xmlns="">
+              <a14:hiddenFill xmlns="" xmlns:a14="http://schemas.microsoft.com/office/drawing/2010/main">
                 <a:solidFill>
                   <a:srgbClr val="FFFFFF"/>
                 </a:solidFill>
               </a14:hiddenFill>
             </a:ext>
             <a:ext uri="{91240B29-F687-4f45-9708-019B960494DF}">
-              <a14:hiddenLine xmlns:a14="http://schemas.microsoft.com/office/drawing/2010/main" xmlns="" w="9525">
+              <a14:hiddenLine xmlns="" xmlns:a14="http://schemas.microsoft.com/office/drawing/2010/main" w="9525">
                 <a:solidFill>
                   <a:srgbClr val="000000"/>
                 </a:solidFill>
@@ -2230,8 +2230,169 @@
                 <a:ea typeface="ＭＳ Ｐゴシック" charset="0"/>
                 <a:cs typeface="ＭＳ Ｐゴシック" charset="0"/>
               </a:rPr>
-              <a:t> presentation was the first to publicly demonstrate all of these elements in a single system. The demonstration was highly influential and spawned similar projects at Xerox PARC in the early 1970s. The underlying technologies influenced both the Apple Macintosh and Microsoft Windows graphical user interface operating systems in the 1980s and 1990s.</a:t>
-            </a:r>
+              <a:t> presentation was the first to publicly demonstrate all of these elements in a single system. The demonstration was highly influential and spawned similar projects at Xerox PARC in the early 1970s. The underlying technologies influenced both the Apple Macintosh and Microsoft Windows graphical user interface operating systems in the 1980s and 1990s</a:t>
+            </a:r>
+            <a:r>
+              <a:rPr lang="en-US" dirty="0" smtClean="0">
+                <a:ea typeface="ＭＳ Ｐゴシック" charset="0"/>
+                <a:cs typeface="ＭＳ Ｐゴシック" charset="0"/>
+              </a:rPr>
+              <a:t>.</a:t>
+            </a:r>
+          </a:p>
+          <a:p>
+            <a:pPr marL="0" marR="0" indent="0" algn="l" defTabSz="914400" rtl="0" eaLnBrk="1" fontAlgn="auto" latinLnBrk="0" hangingPunct="1">
+              <a:lnSpc>
+                <a:spcPct val="100000"/>
+              </a:lnSpc>
+              <a:spcBef>
+                <a:spcPts val="0"/>
+              </a:spcBef>
+              <a:spcAft>
+                <a:spcPts val="0"/>
+              </a:spcAft>
+              <a:buClrTx/>
+              <a:buSzTx/>
+              <a:buFontTx/>
+              <a:buNone/>
+              <a:tabLst/>
+              <a:defRPr/>
+            </a:pPr>
+            <a:endParaRPr lang="en-US" dirty="0" smtClean="0">
+              <a:ea typeface="ＭＳ Ｐゴシック" charset="0"/>
+              <a:cs typeface="ＭＳ Ｐゴシック" charset="0"/>
+            </a:endParaRPr>
+          </a:p>
+          <a:p>
+            <a:pPr marL="0" marR="0" indent="0" algn="l" defTabSz="914400" rtl="0" eaLnBrk="1" fontAlgn="auto" latinLnBrk="0" hangingPunct="1">
+              <a:lnSpc>
+                <a:spcPct val="100000"/>
+              </a:lnSpc>
+              <a:spcBef>
+                <a:spcPts val="0"/>
+              </a:spcBef>
+              <a:spcAft>
+                <a:spcPts val="0"/>
+              </a:spcAft>
+              <a:buClrTx/>
+              <a:buSzTx/>
+              <a:buFontTx/>
+              <a:buNone/>
+              <a:tabLst/>
+              <a:defRPr/>
+            </a:pPr>
+            <a:r>
+              <a:rPr lang="en-US" dirty="0" smtClean="0">
+                <a:ea typeface="ＭＳ Ｐゴシック" charset="0"/>
+                <a:cs typeface="ＭＳ Ｐゴシック" charset="0"/>
+              </a:rPr>
+              <a:t>https://</a:t>
+            </a:r>
+            <a:r>
+              <a:rPr lang="en-US" dirty="0" err="1" smtClean="0">
+                <a:ea typeface="ＭＳ Ｐゴシック" charset="0"/>
+                <a:cs typeface="ＭＳ Ｐゴシック" charset="0"/>
+              </a:rPr>
+              <a:t>www.youtube.com</a:t>
+            </a:r>
+            <a:r>
+              <a:rPr lang="en-US" dirty="0" smtClean="0">
+                <a:ea typeface="ＭＳ Ｐゴシック" charset="0"/>
+                <a:cs typeface="ＭＳ Ｐゴシック" charset="0"/>
+              </a:rPr>
+              <a:t>/</a:t>
+            </a:r>
+            <a:r>
+              <a:rPr lang="en-US" dirty="0" err="1" smtClean="0">
+                <a:ea typeface="ＭＳ Ｐゴシック" charset="0"/>
+                <a:cs typeface="ＭＳ Ｐゴシック" charset="0"/>
+              </a:rPr>
+              <a:t>watch?v</a:t>
+            </a:r>
+            <a:r>
+              <a:rPr lang="en-US" dirty="0" smtClean="0">
+                <a:ea typeface="ＭＳ Ｐゴシック" charset="0"/>
+                <a:cs typeface="ＭＳ Ｐゴシック" charset="0"/>
+              </a:rPr>
+              <a:t>=VScVgXM7lQQ&amp;list=PLCGFadV4FqU2yAqCzKaxnKKXgnJBUrKTE</a:t>
+            </a:r>
+          </a:p>
+          <a:p>
+            <a:pPr marL="0" marR="0" indent="0" algn="l" defTabSz="914400" rtl="0" eaLnBrk="1" fontAlgn="auto" latinLnBrk="0" hangingPunct="1">
+              <a:lnSpc>
+                <a:spcPct val="100000"/>
+              </a:lnSpc>
+              <a:spcBef>
+                <a:spcPts val="0"/>
+              </a:spcBef>
+              <a:spcAft>
+                <a:spcPts val="0"/>
+              </a:spcAft>
+              <a:buClrTx/>
+              <a:buSzTx/>
+              <a:buFontTx/>
+              <a:buNone/>
+              <a:tabLst/>
+              <a:defRPr/>
+            </a:pPr>
+            <a:r>
+              <a:rPr lang="en-US" dirty="0" smtClean="0">
+                <a:ea typeface="ＭＳ Ｐゴシック" charset="0"/>
+                <a:cs typeface="ＭＳ Ｐゴシック" charset="0"/>
+              </a:rPr>
+              <a:t>https://</a:t>
+            </a:r>
+            <a:r>
+              <a:rPr lang="en-US" dirty="0" err="1" smtClean="0">
+                <a:ea typeface="ＭＳ Ｐゴシック" charset="0"/>
+                <a:cs typeface="ＭＳ Ｐゴシック" charset="0"/>
+              </a:rPr>
+              <a:t>www.youtube.com</a:t>
+            </a:r>
+            <a:r>
+              <a:rPr lang="en-US" dirty="0" smtClean="0">
+                <a:ea typeface="ＭＳ Ｐゴシック" charset="0"/>
+                <a:cs typeface="ＭＳ Ｐゴシック" charset="0"/>
+              </a:rPr>
+              <a:t>/</a:t>
+            </a:r>
+            <a:r>
+              <a:rPr lang="en-US" dirty="0" err="1" smtClean="0">
+                <a:ea typeface="ＭＳ Ｐゴシック" charset="0"/>
+                <a:cs typeface="ＭＳ Ｐゴシック" charset="0"/>
+              </a:rPr>
+              <a:t>watch?v</a:t>
+            </a:r>
+            <a:r>
+              <a:rPr lang="en-US" dirty="0" smtClean="0">
+                <a:ea typeface="ＭＳ Ｐゴシック" charset="0"/>
+                <a:cs typeface="ＭＳ Ｐゴシック" charset="0"/>
+              </a:rPr>
+              <a:t>=74c8LntW7fo</a:t>
+            </a:r>
+          </a:p>
+          <a:p>
+            <a:pPr marL="0" marR="0" indent="0" algn="l" defTabSz="914400" rtl="0" eaLnBrk="1" fontAlgn="auto" latinLnBrk="0" hangingPunct="1">
+              <a:lnSpc>
+                <a:spcPct val="100000"/>
+              </a:lnSpc>
+              <a:spcBef>
+                <a:spcPts val="0"/>
+              </a:spcBef>
+              <a:spcAft>
+                <a:spcPts val="0"/>
+              </a:spcAft>
+              <a:buClrTx/>
+              <a:buSzTx/>
+              <a:buFontTx/>
+              <a:buNone/>
+              <a:tabLst/>
+              <a:defRPr/>
+            </a:pPr>
+            <a:endParaRPr lang="en-US" dirty="0" smtClean="0">
+              <a:ea typeface="ＭＳ Ｐゴシック" charset="0"/>
+              <a:cs typeface="ＭＳ Ｐゴシック" charset="0"/>
+            </a:endParaRPr>
           </a:p>
           <a:p>
             <a:pPr marL="0" marR="0" indent="0" algn="l" defTabSz="914400" rtl="0" eaLnBrk="1" fontAlgn="auto" latinLnBrk="0" hangingPunct="1">
@@ -2328,14 +2489,14 @@
               <ma14:placeholderFlag xmlns:ma14="http://schemas.microsoft.com/office/mac/drawingml/2011/main" val="1"/>
             </a:ext>
             <a:ext uri="{909E8E84-426E-40dd-AFC4-6F175D3DCCD1}">
-              <a14:hiddenFill xmlns:a14="http://schemas.microsoft.com/office/drawing/2010/main" xmlns="">
+              <a14:hiddenFill xmlns="" xmlns:a14="http://schemas.microsoft.com/office/drawing/2010/main">
                 <a:solidFill>
                   <a:srgbClr val="FFFFFF"/>
                 </a:solidFill>
               </a14:hiddenFill>
             </a:ext>
             <a:ext uri="{91240B29-F687-4f45-9708-019B960494DF}">
-              <a14:hiddenLine xmlns:a14="http://schemas.microsoft.com/office/drawing/2010/main" xmlns="" w="9525">
+              <a14:hiddenLine xmlns="" xmlns:a14="http://schemas.microsoft.com/office/drawing/2010/main" w="9525">
                 <a:solidFill>
                   <a:srgbClr val="000000"/>
                 </a:solidFill>
@@ -2350,7 +2511,28 @@
           <a:bodyPr/>
           <a:lstStyle/>
           <a:p>
-            <a:endParaRPr lang="en-US">
+            <a:r>
+              <a:rPr lang="en-US" dirty="0" smtClean="0">
+                <a:ea typeface="ＭＳ Ｐゴシック" charset="0"/>
+                <a:cs typeface="ＭＳ Ｐゴシック" charset="0"/>
+              </a:rPr>
+              <a:t>https://</a:t>
+            </a:r>
+            <a:r>
+              <a:rPr lang="en-US" dirty="0" err="1" smtClean="0">
+                <a:ea typeface="ＭＳ Ｐゴシック" charset="0"/>
+                <a:cs typeface="ＭＳ Ｐゴシック" charset="0"/>
+              </a:rPr>
+              <a:t>hpbn.co</a:t>
+            </a:r>
+            <a:r>
+              <a:rPr lang="en-US" dirty="0" smtClean="0">
+                <a:ea typeface="ＭＳ Ｐゴシック" charset="0"/>
+                <a:cs typeface="ＭＳ Ｐゴシック" charset="0"/>
+              </a:rPr>
+              <a:t>/brief-history-of-http/</a:t>
+            </a:r>
+            <a:endParaRPr lang="en-US" dirty="0">
               <a:ea typeface="ＭＳ Ｐゴシック" charset="0"/>
               <a:cs typeface="ＭＳ Ｐゴシック" charset="0"/>
             </a:endParaRPr>
@@ -2427,14 +2609,14 @@
               <ma14:placeholderFlag xmlns:ma14="http://schemas.microsoft.com/office/mac/drawingml/2011/main" val="1"/>
             </a:ext>
             <a:ext uri="{909E8E84-426E-40dd-AFC4-6F175D3DCCD1}">
-              <a14:hiddenFill xmlns:a14="http://schemas.microsoft.com/office/drawing/2010/main" xmlns="">
+              <a14:hiddenFill xmlns="" xmlns:a14="http://schemas.microsoft.com/office/drawing/2010/main">
                 <a:solidFill>
                   <a:srgbClr val="FFFFFF"/>
                 </a:solidFill>
               </a14:hiddenFill>
             </a:ext>
             <a:ext uri="{91240B29-F687-4f45-9708-019B960494DF}">
-              <a14:hiddenLine xmlns:a14="http://schemas.microsoft.com/office/drawing/2010/main" xmlns="" w="9525">
+              <a14:hiddenLine xmlns="" xmlns:a14="http://schemas.microsoft.com/office/drawing/2010/main" w="9525">
                 <a:solidFill>
                   <a:srgbClr val="000000"/>
                 </a:solidFill>
@@ -2518,14 +2700,14 @@
               <ma14:placeholderFlag xmlns:ma14="http://schemas.microsoft.com/office/mac/drawingml/2011/main" val="1"/>
             </a:ext>
             <a:ext uri="{909E8E84-426E-40dd-AFC4-6F175D3DCCD1}">
-              <a14:hiddenFill xmlns:a14="http://schemas.microsoft.com/office/drawing/2010/main" xmlns="">
+              <a14:hiddenFill xmlns="" xmlns:a14="http://schemas.microsoft.com/office/drawing/2010/main">
                 <a:solidFill>
                   <a:srgbClr val="FFFFFF"/>
                 </a:solidFill>
               </a14:hiddenFill>
             </a:ext>
             <a:ext uri="{91240B29-F687-4f45-9708-019B960494DF}">
-              <a14:hiddenLine xmlns:a14="http://schemas.microsoft.com/office/drawing/2010/main" xmlns="" w="9525">
+              <a14:hiddenLine xmlns="" xmlns:a14="http://schemas.microsoft.com/office/drawing/2010/main" w="9525">
                 <a:solidFill>
                   <a:srgbClr val="000000"/>
                 </a:solidFill>
@@ -2799,14 +2981,14 @@
               <ma14:placeholderFlag xmlns:ma14="http://schemas.microsoft.com/office/mac/drawingml/2011/main" val="1"/>
             </a:ext>
             <a:ext uri="{909E8E84-426E-40dd-AFC4-6F175D3DCCD1}">
-              <a14:hiddenFill xmlns:a14="http://schemas.microsoft.com/office/drawing/2010/main" xmlns="">
+              <a14:hiddenFill xmlns="" xmlns:a14="http://schemas.microsoft.com/office/drawing/2010/main">
                 <a:solidFill>
                   <a:srgbClr val="FFFFFF"/>
                 </a:solidFill>
               </a14:hiddenFill>
             </a:ext>
             <a:ext uri="{91240B29-F687-4f45-9708-019B960494DF}">
-              <a14:hiddenLine xmlns:a14="http://schemas.microsoft.com/office/drawing/2010/main" xmlns="" w="9525">
+              <a14:hiddenLine xmlns="" xmlns:a14="http://schemas.microsoft.com/office/drawing/2010/main" w="9525">
                 <a:solidFill>
                   <a:srgbClr val="000000"/>
                 </a:solidFill>
@@ -2972,7 +3154,7 @@
           <a:p>
             <a:fld id="{ECF56177-CEF1-0141-836F-3867E7E9C1D8}" type="datetime1">
               <a:rPr lang="en-US" smtClean="0"/>
-              <a:t>2/7/18</a:t>
+              <a:t>2/8/18</a:t>
             </a:fld>
             <a:endParaRPr lang="en-US"/>
           </a:p>
@@ -3142,7 +3324,7 @@
           <a:p>
             <a:fld id="{4CDC8FB9-92E9-4C40-A76A-6D1CDAB665BB}" type="datetime1">
               <a:rPr lang="en-US" smtClean="0"/>
-              <a:t>2/7/18</a:t>
+              <a:t>2/8/18</a:t>
             </a:fld>
             <a:endParaRPr lang="en-US"/>
           </a:p>
@@ -3322,7 +3504,7 @@
           <a:p>
             <a:fld id="{F8F03505-CCE7-CA4C-B4F1-35193B6B5156}" type="datetime1">
               <a:rPr lang="en-US" smtClean="0"/>
-              <a:t>2/7/18</a:t>
+              <a:t>2/8/18</a:t>
             </a:fld>
             <a:endParaRPr lang="en-US"/>
           </a:p>
@@ -3492,7 +3674,7 @@
           <a:p>
             <a:fld id="{A02E57FB-CD21-0942-A714-152EC4568E9D}" type="datetime1">
               <a:rPr lang="en-US" smtClean="0"/>
-              <a:t>2/7/18</a:t>
+              <a:t>2/8/18</a:t>
             </a:fld>
             <a:endParaRPr lang="en-US"/>
           </a:p>
@@ -3736,7 +3918,7 @@
           <a:p>
             <a:fld id="{77AD2927-A654-D74D-A6C0-BF96EF7229C7}" type="datetime1">
               <a:rPr lang="en-US" smtClean="0"/>
-              <a:t>2/7/18</a:t>
+              <a:t>2/8/18</a:t>
             </a:fld>
             <a:endParaRPr lang="en-US"/>
           </a:p>
@@ -3968,7 +4150,7 @@
           <a:p>
             <a:fld id="{37B554B6-7788-2348-9289-7CAD598A9555}" type="datetime1">
               <a:rPr lang="en-US" smtClean="0"/>
-              <a:t>2/7/18</a:t>
+              <a:t>2/8/18</a:t>
             </a:fld>
             <a:endParaRPr lang="en-US"/>
           </a:p>
@@ -4335,7 +4517,7 @@
           <a:p>
             <a:fld id="{CCE331CB-FA13-3243-AD80-8733E43C7C1F}" type="datetime1">
               <a:rPr lang="en-US" smtClean="0"/>
-              <a:t>2/7/18</a:t>
+              <a:t>2/8/18</a:t>
             </a:fld>
             <a:endParaRPr lang="en-US"/>
           </a:p>
@@ -4453,7 +4635,7 @@
           <a:p>
             <a:fld id="{C0172A9A-4F1F-854A-9B1E-96AFCC4A9B03}" type="datetime1">
               <a:rPr lang="en-US" smtClean="0"/>
-              <a:t>2/7/18</a:t>
+              <a:t>2/8/18</a:t>
             </a:fld>
             <a:endParaRPr lang="en-US"/>
           </a:p>
@@ -4548,7 +4730,7 @@
           <a:p>
             <a:fld id="{2D504595-1B90-0F4A-A1D0-6609637EC4CD}" type="datetime1">
               <a:rPr lang="en-US" smtClean="0"/>
-              <a:t>2/7/18</a:t>
+              <a:t>2/8/18</a:t>
             </a:fld>
             <a:endParaRPr lang="en-US"/>
           </a:p>
@@ -4825,7 +5007,7 @@
           <a:p>
             <a:fld id="{F48EB26F-796F-BD4B-9EC5-A039FE9C305B}" type="datetime1">
               <a:rPr lang="en-US" smtClean="0"/>
-              <a:t>2/7/18</a:t>
+              <a:t>2/8/18</a:t>
             </a:fld>
             <a:endParaRPr lang="en-US"/>
           </a:p>
@@ -5082,7 +5264,7 @@
           <a:p>
             <a:fld id="{CDC2C28A-C946-0143-970B-84B8FE5654F4}" type="datetime1">
               <a:rPr lang="en-US" smtClean="0"/>
-              <a:t>2/7/18</a:t>
+              <a:t>2/8/18</a:t>
             </a:fld>
             <a:endParaRPr lang="en-US"/>
           </a:p>
@@ -5295,7 +5477,7 @@
           <a:p>
             <a:fld id="{A831EFE4-169C-9248-BC74-4797ECDAE130}" type="datetime1">
               <a:rPr lang="en-US" smtClean="0"/>
-              <a:t>2/7/18</a:t>
+              <a:t>2/8/18</a:t>
             </a:fld>
             <a:endParaRPr lang="en-US"/>
           </a:p>
@@ -6192,12 +6374,12 @@
           <a:effectLst/>
           <a:extLst>
             <a:ext uri="{909E8E84-426E-40dd-AFC4-6F175D3DCCD1}">
-              <a14:hiddenFill xmlns:a14="http://schemas.microsoft.com/office/drawing/2010/main" xmlns="">
+              <a14:hiddenFill xmlns="" xmlns:a14="http://schemas.microsoft.com/office/drawing/2010/main">
                 <a:noFill/>
               </a14:hiddenFill>
             </a:ext>
             <a:ext uri="{AF507438-7753-43e0-B8FC-AC1667EBCBE1}">
-              <a14:hiddenEffects xmlns:a14="http://schemas.microsoft.com/office/drawing/2010/main" xmlns="">
+              <a14:hiddenEffects xmlns="" xmlns:a14="http://schemas.microsoft.com/office/drawing/2010/main">
                 <a:effectLst>
                   <a:outerShdw blurRad="63500" dist="38099" dir="2700000" algn="ctr" rotWithShape="0">
                     <a:schemeClr val="bg2">
@@ -6250,12 +6432,12 @@
           <a:effectLst/>
           <a:extLst>
             <a:ext uri="{909E8E84-426E-40dd-AFC4-6F175D3DCCD1}">
-              <a14:hiddenFill xmlns:a14="http://schemas.microsoft.com/office/drawing/2010/main" xmlns="">
+              <a14:hiddenFill xmlns="" xmlns:a14="http://schemas.microsoft.com/office/drawing/2010/main">
                 <a:noFill/>
               </a14:hiddenFill>
             </a:ext>
             <a:ext uri="{AF507438-7753-43e0-B8FC-AC1667EBCBE1}">
-              <a14:hiddenEffects xmlns:a14="http://schemas.microsoft.com/office/drawing/2010/main" xmlns="">
+              <a14:hiddenEffects xmlns="" xmlns:a14="http://schemas.microsoft.com/office/drawing/2010/main">
                 <a:effectLst>
                   <a:outerShdw blurRad="63500" dist="38099" dir="2700000" algn="ctr" rotWithShape="0">
                     <a:schemeClr val="bg2">
@@ -6303,14 +6485,14 @@
           <a:effectLst/>
           <a:extLst>
             <a:ext uri="{909E8E84-426E-40dd-AFC4-6F175D3DCCD1}">
-              <a14:hiddenFill xmlns:a14="http://schemas.microsoft.com/office/drawing/2010/main" xmlns="">
+              <a14:hiddenFill xmlns="" xmlns:a14="http://schemas.microsoft.com/office/drawing/2010/main">
                 <a:solidFill>
                   <a:schemeClr val="bg2"/>
                 </a:solidFill>
               </a14:hiddenFill>
             </a:ext>
             <a:ext uri="{91240B29-F687-4f45-9708-019B960494DF}">
-              <a14:hiddenLine xmlns:a14="http://schemas.microsoft.com/office/drawing/2010/main" xmlns="" w="25400">
+              <a14:hiddenLine xmlns="" xmlns:a14="http://schemas.microsoft.com/office/drawing/2010/main" w="25400">
                 <a:solidFill>
                   <a:schemeClr val="tx1"/>
                 </a:solidFill>
@@ -6320,7 +6502,7 @@
               </a14:hiddenLine>
             </a:ext>
             <a:ext uri="{AF507438-7753-43e0-B8FC-AC1667EBCBE1}">
-              <a14:hiddenEffects xmlns:a14="http://schemas.microsoft.com/office/drawing/2010/main" xmlns="">
+              <a14:hiddenEffects xmlns="" xmlns:a14="http://schemas.microsoft.com/office/drawing/2010/main">
                 <a:effectLst>
                   <a:outerShdw blurRad="63500" dist="38099" dir="2700000" algn="ctr" rotWithShape="0">
                     <a:schemeClr val="bg2">
@@ -6374,14 +6556,14 @@
           <a:effectLst/>
           <a:extLst>
             <a:ext uri="{909E8E84-426E-40dd-AFC4-6F175D3DCCD1}">
-              <a14:hiddenFill xmlns:a14="http://schemas.microsoft.com/office/drawing/2010/main" xmlns="">
+              <a14:hiddenFill xmlns="" xmlns:a14="http://schemas.microsoft.com/office/drawing/2010/main">
                 <a:solidFill>
                   <a:schemeClr val="bg2"/>
                 </a:solidFill>
               </a14:hiddenFill>
             </a:ext>
             <a:ext uri="{91240B29-F687-4f45-9708-019B960494DF}">
-              <a14:hiddenLine xmlns:a14="http://schemas.microsoft.com/office/drawing/2010/main" xmlns="" w="25400">
+              <a14:hiddenLine xmlns="" xmlns:a14="http://schemas.microsoft.com/office/drawing/2010/main" w="25400">
                 <a:solidFill>
                   <a:schemeClr val="tx1"/>
                 </a:solidFill>
@@ -6391,7 +6573,7 @@
               </a14:hiddenLine>
             </a:ext>
             <a:ext uri="{AF507438-7753-43e0-B8FC-AC1667EBCBE1}">
-              <a14:hiddenEffects xmlns:a14="http://schemas.microsoft.com/office/drawing/2010/main" xmlns="">
+              <a14:hiddenEffects xmlns="" xmlns:a14="http://schemas.microsoft.com/office/drawing/2010/main">
                 <a:effectLst>
                   <a:outerShdw blurRad="63500" dist="38099" dir="2700000" algn="ctr" rotWithShape="0">
                     <a:schemeClr val="bg2">
@@ -6450,12 +6632,12 @@
           <a:effectLst/>
           <a:extLst>
             <a:ext uri="{909E8E84-426E-40dd-AFC4-6F175D3DCCD1}">
-              <a14:hiddenFill xmlns:a14="http://schemas.microsoft.com/office/drawing/2010/main" xmlns="">
+              <a14:hiddenFill xmlns="" xmlns:a14="http://schemas.microsoft.com/office/drawing/2010/main">
                 <a:noFill/>
               </a14:hiddenFill>
             </a:ext>
             <a:ext uri="{AF507438-7753-43e0-B8FC-AC1667EBCBE1}">
-              <a14:hiddenEffects xmlns:a14="http://schemas.microsoft.com/office/drawing/2010/main" xmlns="">
+              <a14:hiddenEffects xmlns="" xmlns:a14="http://schemas.microsoft.com/office/drawing/2010/main">
                 <a:effectLst>
                   <a:outerShdw blurRad="63500" dist="38099" dir="2700000" algn="ctr" rotWithShape="0">
                     <a:schemeClr val="bg2">
@@ -6503,14 +6685,14 @@
           <a:effectLst/>
           <a:extLst>
             <a:ext uri="{909E8E84-426E-40dd-AFC4-6F175D3DCCD1}">
-              <a14:hiddenFill xmlns:a14="http://schemas.microsoft.com/office/drawing/2010/main" xmlns="">
+              <a14:hiddenFill xmlns="" xmlns:a14="http://schemas.microsoft.com/office/drawing/2010/main">
                 <a:solidFill>
                   <a:schemeClr val="bg2"/>
                 </a:solidFill>
               </a14:hiddenFill>
             </a:ext>
             <a:ext uri="{91240B29-F687-4f45-9708-019B960494DF}">
-              <a14:hiddenLine xmlns:a14="http://schemas.microsoft.com/office/drawing/2010/main" xmlns="" w="25400">
+              <a14:hiddenLine xmlns="" xmlns:a14="http://schemas.microsoft.com/office/drawing/2010/main" w="25400">
                 <a:solidFill>
                   <a:schemeClr val="tx1"/>
                 </a:solidFill>
@@ -6520,7 +6702,7 @@
               </a14:hiddenLine>
             </a:ext>
             <a:ext uri="{AF507438-7753-43e0-B8FC-AC1667EBCBE1}">
-              <a14:hiddenEffects xmlns:a14="http://schemas.microsoft.com/office/drawing/2010/main" xmlns="">
+              <a14:hiddenEffects xmlns="" xmlns:a14="http://schemas.microsoft.com/office/drawing/2010/main">
                 <a:effectLst>
                   <a:outerShdw blurRad="63500" dist="38099" dir="2700000" algn="ctr" rotWithShape="0">
                     <a:schemeClr val="bg2">
@@ -6594,12 +6776,12 @@
           <a:effectLst/>
           <a:extLst>
             <a:ext uri="{909E8E84-426E-40dd-AFC4-6F175D3DCCD1}">
-              <a14:hiddenFill xmlns:a14="http://schemas.microsoft.com/office/drawing/2010/main" xmlns="">
+              <a14:hiddenFill xmlns="" xmlns:a14="http://schemas.microsoft.com/office/drawing/2010/main">
                 <a:noFill/>
               </a14:hiddenFill>
             </a:ext>
             <a:ext uri="{AF507438-7753-43e0-B8FC-AC1667EBCBE1}">
-              <a14:hiddenEffects xmlns:a14="http://schemas.microsoft.com/office/drawing/2010/main" xmlns="">
+              <a14:hiddenEffects xmlns="" xmlns:a14="http://schemas.microsoft.com/office/drawing/2010/main">
                 <a:effectLst>
                   <a:outerShdw blurRad="63500" dist="38099" dir="2700000" algn="ctr" rotWithShape="0">
                     <a:schemeClr val="bg2">
@@ -6647,14 +6829,14 @@
           <a:effectLst/>
           <a:extLst>
             <a:ext uri="{909E8E84-426E-40dd-AFC4-6F175D3DCCD1}">
-              <a14:hiddenFill xmlns:a14="http://schemas.microsoft.com/office/drawing/2010/main" xmlns="">
+              <a14:hiddenFill xmlns="" xmlns:a14="http://schemas.microsoft.com/office/drawing/2010/main">
                 <a:solidFill>
                   <a:schemeClr val="bg2"/>
                 </a:solidFill>
               </a14:hiddenFill>
             </a:ext>
             <a:ext uri="{91240B29-F687-4f45-9708-019B960494DF}">
-              <a14:hiddenLine xmlns:a14="http://schemas.microsoft.com/office/drawing/2010/main" xmlns="" w="25400">
+              <a14:hiddenLine xmlns="" xmlns:a14="http://schemas.microsoft.com/office/drawing/2010/main" w="25400">
                 <a:solidFill>
                   <a:schemeClr val="tx1"/>
                 </a:solidFill>
@@ -6664,7 +6846,7 @@
               </a14:hiddenLine>
             </a:ext>
             <a:ext uri="{AF507438-7753-43e0-B8FC-AC1667EBCBE1}">
-              <a14:hiddenEffects xmlns:a14="http://schemas.microsoft.com/office/drawing/2010/main" xmlns="">
+              <a14:hiddenEffects xmlns="" xmlns:a14="http://schemas.microsoft.com/office/drawing/2010/main">
                 <a:effectLst>
                   <a:outerShdw blurRad="63500" dist="38099" dir="2700000" algn="ctr" rotWithShape="0">
                     <a:schemeClr val="bg2">
@@ -6723,12 +6905,12 @@
           <a:effectLst/>
           <a:extLst>
             <a:ext uri="{909E8E84-426E-40dd-AFC4-6F175D3DCCD1}">
-              <a14:hiddenFill xmlns:a14="http://schemas.microsoft.com/office/drawing/2010/main" xmlns="">
+              <a14:hiddenFill xmlns="" xmlns:a14="http://schemas.microsoft.com/office/drawing/2010/main">
                 <a:noFill/>
               </a14:hiddenFill>
             </a:ext>
             <a:ext uri="{AF507438-7753-43e0-B8FC-AC1667EBCBE1}">
-              <a14:hiddenEffects xmlns:a14="http://schemas.microsoft.com/office/drawing/2010/main" xmlns="">
+              <a14:hiddenEffects xmlns="" xmlns:a14="http://schemas.microsoft.com/office/drawing/2010/main">
                 <a:effectLst>
                   <a:outerShdw blurRad="63500" dist="38099" dir="2700000" algn="ctr" rotWithShape="0">
                     <a:schemeClr val="bg2">
@@ -6776,14 +6958,14 @@
           <a:effectLst/>
           <a:extLst>
             <a:ext uri="{909E8E84-426E-40dd-AFC4-6F175D3DCCD1}">
-              <a14:hiddenFill xmlns:a14="http://schemas.microsoft.com/office/drawing/2010/main" xmlns="">
+              <a14:hiddenFill xmlns="" xmlns:a14="http://schemas.microsoft.com/office/drawing/2010/main">
                 <a:solidFill>
                   <a:schemeClr val="bg2"/>
                 </a:solidFill>
               </a14:hiddenFill>
             </a:ext>
             <a:ext uri="{91240B29-F687-4f45-9708-019B960494DF}">
-              <a14:hiddenLine xmlns:a14="http://schemas.microsoft.com/office/drawing/2010/main" xmlns="" w="25400">
+              <a14:hiddenLine xmlns="" xmlns:a14="http://schemas.microsoft.com/office/drawing/2010/main" w="25400">
                 <a:solidFill>
                   <a:schemeClr val="tx1"/>
                 </a:solidFill>
@@ -6793,7 +6975,7 @@
               </a14:hiddenLine>
             </a:ext>
             <a:ext uri="{AF507438-7753-43e0-B8FC-AC1667EBCBE1}">
-              <a14:hiddenEffects xmlns:a14="http://schemas.microsoft.com/office/drawing/2010/main" xmlns="">
+              <a14:hiddenEffects xmlns="" xmlns:a14="http://schemas.microsoft.com/office/drawing/2010/main">
                 <a:effectLst>
                   <a:outerShdw blurRad="63500" dist="38099" dir="2700000" algn="ctr" rotWithShape="0">
                     <a:schemeClr val="bg2">
@@ -6852,12 +7034,12 @@
           <a:effectLst/>
           <a:extLst>
             <a:ext uri="{909E8E84-426E-40dd-AFC4-6F175D3DCCD1}">
-              <a14:hiddenFill xmlns:a14="http://schemas.microsoft.com/office/drawing/2010/main" xmlns="">
+              <a14:hiddenFill xmlns="" xmlns:a14="http://schemas.microsoft.com/office/drawing/2010/main">
                 <a:noFill/>
               </a14:hiddenFill>
             </a:ext>
             <a:ext uri="{AF507438-7753-43e0-B8FC-AC1667EBCBE1}">
-              <a14:hiddenEffects xmlns:a14="http://schemas.microsoft.com/office/drawing/2010/main" xmlns="">
+              <a14:hiddenEffects xmlns="" xmlns:a14="http://schemas.microsoft.com/office/drawing/2010/main">
                 <a:effectLst>
                   <a:outerShdw blurRad="63500" dist="38099" dir="2700000" algn="ctr" rotWithShape="0">
                     <a:schemeClr val="bg2">
@@ -6910,12 +7092,12 @@
           <a:effectLst/>
           <a:extLst>
             <a:ext uri="{909E8E84-426E-40dd-AFC4-6F175D3DCCD1}">
-              <a14:hiddenFill xmlns:a14="http://schemas.microsoft.com/office/drawing/2010/main" xmlns="">
+              <a14:hiddenFill xmlns="" xmlns:a14="http://schemas.microsoft.com/office/drawing/2010/main">
                 <a:noFill/>
               </a14:hiddenFill>
             </a:ext>
             <a:ext uri="{AF507438-7753-43e0-B8FC-AC1667EBCBE1}">
-              <a14:hiddenEffects xmlns:a14="http://schemas.microsoft.com/office/drawing/2010/main" xmlns="">
+              <a14:hiddenEffects xmlns="" xmlns:a14="http://schemas.microsoft.com/office/drawing/2010/main">
                 <a:effectLst>
                   <a:outerShdw blurRad="63500" dist="38099" dir="2700000" algn="ctr" rotWithShape="0">
                     <a:schemeClr val="bg2">
@@ -6968,12 +7150,12 @@
           <a:effectLst/>
           <a:extLst>
             <a:ext uri="{909E8E84-426E-40dd-AFC4-6F175D3DCCD1}">
-              <a14:hiddenFill xmlns:a14="http://schemas.microsoft.com/office/drawing/2010/main" xmlns="">
+              <a14:hiddenFill xmlns="" xmlns:a14="http://schemas.microsoft.com/office/drawing/2010/main">
                 <a:noFill/>
               </a14:hiddenFill>
             </a:ext>
             <a:ext uri="{AF507438-7753-43e0-B8FC-AC1667EBCBE1}">
-              <a14:hiddenEffects xmlns:a14="http://schemas.microsoft.com/office/drawing/2010/main" xmlns="">
+              <a14:hiddenEffects xmlns="" xmlns:a14="http://schemas.microsoft.com/office/drawing/2010/main">
                 <a:effectLst>
                   <a:outerShdw blurRad="63500" dist="38099" dir="2700000" algn="ctr" rotWithShape="0">
                     <a:schemeClr val="bg2">
@@ -7037,14 +7219,14 @@
             <a:effectLst/>
             <a:extLst>
               <a:ext uri="{909E8E84-426E-40dd-AFC4-6F175D3DCCD1}">
-                <a14:hiddenFill xmlns:a14="http://schemas.microsoft.com/office/drawing/2010/main" xmlns="">
+                <a14:hiddenFill xmlns="" xmlns:a14="http://schemas.microsoft.com/office/drawing/2010/main">
                   <a:solidFill>
                     <a:schemeClr val="bg2"/>
                   </a:solidFill>
                 </a14:hiddenFill>
               </a:ext>
               <a:ext uri="{91240B29-F687-4f45-9708-019B960494DF}">
-                <a14:hiddenLine xmlns:a14="http://schemas.microsoft.com/office/drawing/2010/main" xmlns="" w="25400">
+                <a14:hiddenLine xmlns="" xmlns:a14="http://schemas.microsoft.com/office/drawing/2010/main" w="25400">
                   <a:solidFill>
                     <a:schemeClr val="tx1"/>
                   </a:solidFill>
@@ -7054,7 +7236,7 @@
                 </a14:hiddenLine>
               </a:ext>
               <a:ext uri="{AF507438-7753-43e0-B8FC-AC1667EBCBE1}">
-                <a14:hiddenEffects xmlns:a14="http://schemas.microsoft.com/office/drawing/2010/main" xmlns="">
+                <a14:hiddenEffects xmlns="" xmlns:a14="http://schemas.microsoft.com/office/drawing/2010/main">
                   <a:effectLst>
                     <a:outerShdw blurRad="63500" dist="38099" dir="2700000" algn="ctr" rotWithShape="0">
                       <a:schemeClr val="bg2">
@@ -7108,14 +7290,14 @@
             <a:effectLst/>
             <a:extLst>
               <a:ext uri="{909E8E84-426E-40dd-AFC4-6F175D3DCCD1}">
-                <a14:hiddenFill xmlns:a14="http://schemas.microsoft.com/office/drawing/2010/main" xmlns="">
+                <a14:hiddenFill xmlns="" xmlns:a14="http://schemas.microsoft.com/office/drawing/2010/main">
                   <a:solidFill>
                     <a:schemeClr val="bg2"/>
                   </a:solidFill>
                 </a14:hiddenFill>
               </a:ext>
               <a:ext uri="{91240B29-F687-4f45-9708-019B960494DF}">
-                <a14:hiddenLine xmlns:a14="http://schemas.microsoft.com/office/drawing/2010/main" xmlns="" w="25400">
+                <a14:hiddenLine xmlns="" xmlns:a14="http://schemas.microsoft.com/office/drawing/2010/main" w="25400">
                   <a:solidFill>
                     <a:schemeClr val="tx1"/>
                   </a:solidFill>
@@ -7125,7 +7307,7 @@
                 </a14:hiddenLine>
               </a:ext>
               <a:ext uri="{AF507438-7753-43e0-B8FC-AC1667EBCBE1}">
-                <a14:hiddenEffects xmlns:a14="http://schemas.microsoft.com/office/drawing/2010/main" xmlns="">
+                <a14:hiddenEffects xmlns="" xmlns:a14="http://schemas.microsoft.com/office/drawing/2010/main">
                   <a:effectLst>
                     <a:outerShdw blurRad="63500" dist="38099" dir="2700000" algn="ctr" rotWithShape="0">
                       <a:schemeClr val="bg2">
@@ -7179,14 +7361,14 @@
             <a:effectLst/>
             <a:extLst>
               <a:ext uri="{909E8E84-426E-40dd-AFC4-6F175D3DCCD1}">
-                <a14:hiddenFill xmlns:a14="http://schemas.microsoft.com/office/drawing/2010/main" xmlns="">
+                <a14:hiddenFill xmlns="" xmlns:a14="http://schemas.microsoft.com/office/drawing/2010/main">
                   <a:solidFill>
                     <a:schemeClr val="bg2"/>
                   </a:solidFill>
                 </a14:hiddenFill>
               </a:ext>
               <a:ext uri="{91240B29-F687-4f45-9708-019B960494DF}">
-                <a14:hiddenLine xmlns:a14="http://schemas.microsoft.com/office/drawing/2010/main" xmlns="" w="25400">
+                <a14:hiddenLine xmlns="" xmlns:a14="http://schemas.microsoft.com/office/drawing/2010/main" w="25400">
                   <a:solidFill>
                     <a:schemeClr val="tx1"/>
                   </a:solidFill>
@@ -7196,7 +7378,7 @@
                 </a14:hiddenLine>
               </a:ext>
               <a:ext uri="{AF507438-7753-43e0-B8FC-AC1667EBCBE1}">
-                <a14:hiddenEffects xmlns:a14="http://schemas.microsoft.com/office/drawing/2010/main" xmlns="">
+                <a14:hiddenEffects xmlns="" xmlns:a14="http://schemas.microsoft.com/office/drawing/2010/main">
                   <a:effectLst>
                     <a:outerShdw blurRad="63500" dist="38099" dir="2700000" algn="ctr" rotWithShape="0">
                       <a:schemeClr val="bg2">
@@ -7259,14 +7441,14 @@
           <a:effectLst/>
           <a:extLst>
             <a:ext uri="{909E8E84-426E-40dd-AFC4-6F175D3DCCD1}">
-              <a14:hiddenFill xmlns:a14="http://schemas.microsoft.com/office/drawing/2010/main" xmlns="">
+              <a14:hiddenFill xmlns="" xmlns:a14="http://schemas.microsoft.com/office/drawing/2010/main">
                 <a:solidFill>
                   <a:schemeClr val="bg2"/>
                 </a:solidFill>
               </a14:hiddenFill>
             </a:ext>
             <a:ext uri="{AF507438-7753-43e0-B8FC-AC1667EBCBE1}">
-              <a14:hiddenEffects xmlns:a14="http://schemas.microsoft.com/office/drawing/2010/main" xmlns="">
+              <a14:hiddenEffects xmlns="" xmlns:a14="http://schemas.microsoft.com/office/drawing/2010/main">
                 <a:effectLst>
                   <a:outerShdw blurRad="63500" dist="38099" dir="2700000" algn="ctr" rotWithShape="0">
                     <a:schemeClr val="bg2">
@@ -7322,14 +7504,14 @@
           <a:effectLst/>
           <a:extLst>
             <a:ext uri="{909E8E84-426E-40dd-AFC4-6F175D3DCCD1}">
-              <a14:hiddenFill xmlns:a14="http://schemas.microsoft.com/office/drawing/2010/main" xmlns="">
+              <a14:hiddenFill xmlns="" xmlns:a14="http://schemas.microsoft.com/office/drawing/2010/main">
                 <a:solidFill>
                   <a:schemeClr val="bg2"/>
                 </a:solidFill>
               </a14:hiddenFill>
             </a:ext>
             <a:ext uri="{AF507438-7753-43e0-B8FC-AC1667EBCBE1}">
-              <a14:hiddenEffects xmlns:a14="http://schemas.microsoft.com/office/drawing/2010/main" xmlns="">
+              <a14:hiddenEffects xmlns="" xmlns:a14="http://schemas.microsoft.com/office/drawing/2010/main">
                 <a:effectLst>
                   <a:outerShdw blurRad="63500" dist="38099" dir="2700000" algn="ctr" rotWithShape="0">
                     <a:schemeClr val="bg2">
@@ -7377,14 +7559,14 @@
           <a:effectLst/>
           <a:extLst>
             <a:ext uri="{909E8E84-426E-40dd-AFC4-6F175D3DCCD1}">
-              <a14:hiddenFill xmlns:a14="http://schemas.microsoft.com/office/drawing/2010/main" xmlns="">
+              <a14:hiddenFill xmlns="" xmlns:a14="http://schemas.microsoft.com/office/drawing/2010/main">
                 <a:solidFill>
                   <a:schemeClr val="bg2"/>
                 </a:solidFill>
               </a14:hiddenFill>
             </a:ext>
             <a:ext uri="{91240B29-F687-4f45-9708-019B960494DF}">
-              <a14:hiddenLine xmlns:a14="http://schemas.microsoft.com/office/drawing/2010/main" xmlns="" w="25400">
+              <a14:hiddenLine xmlns="" xmlns:a14="http://schemas.microsoft.com/office/drawing/2010/main" w="25400">
                 <a:solidFill>
                   <a:schemeClr val="tx1"/>
                 </a:solidFill>
@@ -7394,7 +7576,7 @@
               </a14:hiddenLine>
             </a:ext>
             <a:ext uri="{AF507438-7753-43e0-B8FC-AC1667EBCBE1}">
-              <a14:hiddenEffects xmlns:a14="http://schemas.microsoft.com/office/drawing/2010/main" xmlns="">
+              <a14:hiddenEffects xmlns="" xmlns:a14="http://schemas.microsoft.com/office/drawing/2010/main">
                 <a:effectLst>
                   <a:outerShdw blurRad="63500" dist="38099" dir="2700000" algn="ctr" rotWithShape="0">
                     <a:schemeClr val="bg2">
@@ -7458,14 +7640,14 @@
           <a:effectLst/>
           <a:extLst>
             <a:ext uri="{909E8E84-426E-40dd-AFC4-6F175D3DCCD1}">
-              <a14:hiddenFill xmlns:a14="http://schemas.microsoft.com/office/drawing/2010/main" xmlns="">
+              <a14:hiddenFill xmlns="" xmlns:a14="http://schemas.microsoft.com/office/drawing/2010/main">
                 <a:solidFill>
                   <a:schemeClr val="bg2"/>
                 </a:solidFill>
               </a14:hiddenFill>
             </a:ext>
             <a:ext uri="{91240B29-F687-4f45-9708-019B960494DF}">
-              <a14:hiddenLine xmlns:a14="http://schemas.microsoft.com/office/drawing/2010/main" xmlns="" w="25400">
+              <a14:hiddenLine xmlns="" xmlns:a14="http://schemas.microsoft.com/office/drawing/2010/main" w="25400">
                 <a:solidFill>
                   <a:schemeClr val="tx1"/>
                 </a:solidFill>
@@ -7475,7 +7657,7 @@
               </a14:hiddenLine>
             </a:ext>
             <a:ext uri="{AF507438-7753-43e0-B8FC-AC1667EBCBE1}">
-              <a14:hiddenEffects xmlns:a14="http://schemas.microsoft.com/office/drawing/2010/main" xmlns="">
+              <a14:hiddenEffects xmlns="" xmlns:a14="http://schemas.microsoft.com/office/drawing/2010/main">
                 <a:effectLst>
                   <a:outerShdw blurRad="63500" dist="38099" dir="2700000" algn="ctr" rotWithShape="0">
                     <a:schemeClr val="bg2">
@@ -7539,14 +7721,14 @@
           <a:effectLst/>
           <a:extLst>
             <a:ext uri="{909E8E84-426E-40dd-AFC4-6F175D3DCCD1}">
-              <a14:hiddenFill xmlns:a14="http://schemas.microsoft.com/office/drawing/2010/main" xmlns="">
+              <a14:hiddenFill xmlns="" xmlns:a14="http://schemas.microsoft.com/office/drawing/2010/main">
                 <a:solidFill>
                   <a:schemeClr val="bg2"/>
                 </a:solidFill>
               </a14:hiddenFill>
             </a:ext>
             <a:ext uri="{91240B29-F687-4f45-9708-019B960494DF}">
-              <a14:hiddenLine xmlns:a14="http://schemas.microsoft.com/office/drawing/2010/main" xmlns="" w="25400">
+              <a14:hiddenLine xmlns="" xmlns:a14="http://schemas.microsoft.com/office/drawing/2010/main" w="25400">
                 <a:solidFill>
                   <a:schemeClr val="tx1"/>
                 </a:solidFill>
@@ -7556,7 +7738,7 @@
               </a14:hiddenLine>
             </a:ext>
             <a:ext uri="{AF507438-7753-43e0-B8FC-AC1667EBCBE1}">
-              <a14:hiddenEffects xmlns:a14="http://schemas.microsoft.com/office/drawing/2010/main" xmlns="">
+              <a14:hiddenEffects xmlns="" xmlns:a14="http://schemas.microsoft.com/office/drawing/2010/main">
                 <a:effectLst>
                   <a:outerShdw blurRad="63500" dist="38099" dir="2700000" algn="ctr" rotWithShape="0">
                     <a:schemeClr val="bg2">
@@ -7625,12 +7807,12 @@
           <a:effectLst/>
           <a:extLst>
             <a:ext uri="{909E8E84-426E-40dd-AFC4-6F175D3DCCD1}">
-              <a14:hiddenFill xmlns:a14="http://schemas.microsoft.com/office/drawing/2010/main" xmlns="">
+              <a14:hiddenFill xmlns="" xmlns:a14="http://schemas.microsoft.com/office/drawing/2010/main">
                 <a:noFill/>
               </a14:hiddenFill>
             </a:ext>
             <a:ext uri="{AF507438-7753-43e0-B8FC-AC1667EBCBE1}">
-              <a14:hiddenEffects xmlns:a14="http://schemas.microsoft.com/office/drawing/2010/main" xmlns="">
+              <a14:hiddenEffects xmlns="" xmlns:a14="http://schemas.microsoft.com/office/drawing/2010/main">
                 <a:effectLst>
                   <a:outerShdw blurRad="63500" dist="38099" dir="2700000" algn="ctr" rotWithShape="0">
                     <a:schemeClr val="bg2">
@@ -7683,12 +7865,12 @@
           <a:effectLst/>
           <a:extLst>
             <a:ext uri="{909E8E84-426E-40dd-AFC4-6F175D3DCCD1}">
-              <a14:hiddenFill xmlns:a14="http://schemas.microsoft.com/office/drawing/2010/main" xmlns="">
+              <a14:hiddenFill xmlns="" xmlns:a14="http://schemas.microsoft.com/office/drawing/2010/main">
                 <a:noFill/>
               </a14:hiddenFill>
             </a:ext>
             <a:ext uri="{AF507438-7753-43e0-B8FC-AC1667EBCBE1}">
-              <a14:hiddenEffects xmlns:a14="http://schemas.microsoft.com/office/drawing/2010/main" xmlns="">
+              <a14:hiddenEffects xmlns="" xmlns:a14="http://schemas.microsoft.com/office/drawing/2010/main">
                 <a:effectLst>
                   <a:outerShdw blurRad="63500" dist="38099" dir="2700000" algn="ctr" rotWithShape="0">
                     <a:schemeClr val="bg2">
@@ -7736,14 +7918,14 @@
           <a:effectLst/>
           <a:extLst>
             <a:ext uri="{909E8E84-426E-40dd-AFC4-6F175D3DCCD1}">
-              <a14:hiddenFill xmlns:a14="http://schemas.microsoft.com/office/drawing/2010/main" xmlns="">
+              <a14:hiddenFill xmlns="" xmlns:a14="http://schemas.microsoft.com/office/drawing/2010/main">
                 <a:solidFill>
                   <a:schemeClr val="bg2"/>
                 </a:solidFill>
               </a14:hiddenFill>
             </a:ext>
             <a:ext uri="{91240B29-F687-4f45-9708-019B960494DF}">
-              <a14:hiddenLine xmlns:a14="http://schemas.microsoft.com/office/drawing/2010/main" xmlns="" w="25400">
+              <a14:hiddenLine xmlns="" xmlns:a14="http://schemas.microsoft.com/office/drawing/2010/main" w="25400">
                 <a:solidFill>
                   <a:schemeClr val="tx1"/>
                 </a:solidFill>
@@ -7753,7 +7935,7 @@
               </a14:hiddenLine>
             </a:ext>
             <a:ext uri="{AF507438-7753-43e0-B8FC-AC1667EBCBE1}">
-              <a14:hiddenEffects xmlns:a14="http://schemas.microsoft.com/office/drawing/2010/main" xmlns="">
+              <a14:hiddenEffects xmlns="" xmlns:a14="http://schemas.microsoft.com/office/drawing/2010/main">
                 <a:effectLst>
                   <a:outerShdw blurRad="63500" dist="38099" dir="2700000" algn="ctr" rotWithShape="0">
                     <a:schemeClr val="bg2">
@@ -8638,14 +8820,14 @@
           </a:ln>
           <a:extLst>
             <a:ext uri="{909E8E84-426E-40dd-AFC4-6F175D3DCCD1}">
-              <a14:hiddenFill xmlns:a14="http://schemas.microsoft.com/office/drawing/2010/main" xmlns="">
+              <a14:hiddenFill xmlns="" xmlns:a14="http://schemas.microsoft.com/office/drawing/2010/main">
                 <a:solidFill>
                   <a:srgbClr val="FFFFFF"/>
                 </a:solidFill>
               </a14:hiddenFill>
             </a:ext>
             <a:ext uri="{91240B29-F687-4f45-9708-019B960494DF}">
-              <a14:hiddenLine xmlns:a14="http://schemas.microsoft.com/office/drawing/2010/main" xmlns="" w="9525">
+              <a14:hiddenLine xmlns="" xmlns:a14="http://schemas.microsoft.com/office/drawing/2010/main" w="9525">
                 <a:solidFill>
                   <a:srgbClr val="000000"/>
                 </a:solidFill>
@@ -9021,14 +9203,14 @@
           </a:ln>
           <a:extLst>
             <a:ext uri="{909E8E84-426E-40dd-AFC4-6F175D3DCCD1}">
-              <a14:hiddenFill xmlns:a14="http://schemas.microsoft.com/office/drawing/2010/main" xmlns="">
+              <a14:hiddenFill xmlns="" xmlns:a14="http://schemas.microsoft.com/office/drawing/2010/main">
                 <a:solidFill>
                   <a:srgbClr val="FFFFFF"/>
                 </a:solidFill>
               </a14:hiddenFill>
             </a:ext>
             <a:ext uri="{91240B29-F687-4f45-9708-019B960494DF}">
-              <a14:hiddenLine xmlns:a14="http://schemas.microsoft.com/office/drawing/2010/main" xmlns="" w="9525">
+              <a14:hiddenLine xmlns="" xmlns:a14="http://schemas.microsoft.com/office/drawing/2010/main" w="9525">
                 <a:solidFill>
                   <a:srgbClr val="000000"/>
                 </a:solidFill>
@@ -9200,7 +9382,7 @@
           </a:ln>
           <a:extLst>
             <a:ext uri="{909E8E84-426E-40dd-AFC4-6F175D3DCCD1}">
-              <a14:hiddenFill xmlns:a14="http://schemas.microsoft.com/office/drawing/2010/main" xmlns="">
+              <a14:hiddenFill xmlns="" xmlns:a14="http://schemas.microsoft.com/office/drawing/2010/main">
                 <a:noFill/>
               </a14:hiddenFill>
             </a:ext>
@@ -9292,7 +9474,7 @@
           </a:ln>
           <a:extLst>
             <a:ext uri="{909E8E84-426E-40dd-AFC4-6F175D3DCCD1}">
-              <a14:hiddenFill xmlns:a14="http://schemas.microsoft.com/office/drawing/2010/main" xmlns="">
+              <a14:hiddenFill xmlns="" xmlns:a14="http://schemas.microsoft.com/office/drawing/2010/main">
                 <a:solidFill>
                   <a:srgbClr val="FFFFFF"/>
                 </a:solidFill>
@@ -9331,14 +9513,14 @@
           </a:ln>
           <a:extLst>
             <a:ext uri="{909E8E84-426E-40dd-AFC4-6F175D3DCCD1}">
-              <a14:hiddenFill xmlns:a14="http://schemas.microsoft.com/office/drawing/2010/main" xmlns="">
+              <a14:hiddenFill xmlns="" xmlns:a14="http://schemas.microsoft.com/office/drawing/2010/main">
                 <a:solidFill>
                   <a:srgbClr val="FFFFFF"/>
                 </a:solidFill>
               </a14:hiddenFill>
             </a:ext>
             <a:ext uri="{91240B29-F687-4f45-9708-019B960494DF}">
-              <a14:hiddenLine xmlns:a14="http://schemas.microsoft.com/office/drawing/2010/main" xmlns="" w="9525">
+              <a14:hiddenLine xmlns="" xmlns:a14="http://schemas.microsoft.com/office/drawing/2010/main" w="9525">
                 <a:solidFill>
                   <a:srgbClr val="000000"/>
                 </a:solidFill>
@@ -9516,7 +9698,7 @@
           </a:ln>
           <a:extLst>
             <a:ext uri="{909E8E84-426E-40dd-AFC4-6F175D3DCCD1}">
-              <a14:hiddenFill xmlns:a14="http://schemas.microsoft.com/office/drawing/2010/main" xmlns="">
+              <a14:hiddenFill xmlns="" xmlns:a14="http://schemas.microsoft.com/office/drawing/2010/main">
                 <a:noFill/>
               </a14:hiddenFill>
             </a:ext>
@@ -9553,14 +9735,14 @@
           </a:ln>
           <a:extLst>
             <a:ext uri="{909E8E84-426E-40dd-AFC4-6F175D3DCCD1}">
-              <a14:hiddenFill xmlns:a14="http://schemas.microsoft.com/office/drawing/2010/main" xmlns="">
+              <a14:hiddenFill xmlns="" xmlns:a14="http://schemas.microsoft.com/office/drawing/2010/main">
                 <a:solidFill>
                   <a:srgbClr val="FFFFFF"/>
                 </a:solidFill>
               </a14:hiddenFill>
             </a:ext>
             <a:ext uri="{91240B29-F687-4f45-9708-019B960494DF}">
-              <a14:hiddenLine xmlns:a14="http://schemas.microsoft.com/office/drawing/2010/main" xmlns="" w="9525">
+              <a14:hiddenLine xmlns="" xmlns:a14="http://schemas.microsoft.com/office/drawing/2010/main" w="9525">
                 <a:solidFill>
                   <a:srgbClr val="000000"/>
                 </a:solidFill>
@@ -9757,7 +9939,7 @@
             </a:ln>
             <a:extLst>
               <a:ext uri="{909E8E84-426E-40dd-AFC4-6F175D3DCCD1}">
-                <a14:hiddenFill xmlns:a14="http://schemas.microsoft.com/office/drawing/2010/main" xmlns="">
+                <a14:hiddenFill xmlns="" xmlns:a14="http://schemas.microsoft.com/office/drawing/2010/main">
                   <a:solidFill>
                     <a:srgbClr val="FFFFFF"/>
                   </a:solidFill>
@@ -9800,7 +9982,7 @@
             </a:ln>
             <a:extLst>
               <a:ext uri="{909E8E84-426E-40dd-AFC4-6F175D3DCCD1}">
-                <a14:hiddenFill xmlns:a14="http://schemas.microsoft.com/office/drawing/2010/main" xmlns="">
+                <a14:hiddenFill xmlns="" xmlns:a14="http://schemas.microsoft.com/office/drawing/2010/main">
                   <a:solidFill>
                     <a:srgbClr val="FFFFFF"/>
                   </a:solidFill>
@@ -9845,7 +10027,7 @@
             </a:ln>
             <a:extLst>
               <a:ext uri="{909E8E84-426E-40dd-AFC4-6F175D3DCCD1}">
-                <a14:hiddenFill xmlns:a14="http://schemas.microsoft.com/office/drawing/2010/main" xmlns="">
+                <a14:hiddenFill xmlns="" xmlns:a14="http://schemas.microsoft.com/office/drawing/2010/main">
                   <a:noFill/>
                 </a14:hiddenFill>
               </a:ext>
@@ -9896,7 +10078,7 @@
             </a:ln>
             <a:extLst>
               <a:ext uri="{909E8E84-426E-40dd-AFC4-6F175D3DCCD1}">
-                <a14:hiddenFill xmlns:a14="http://schemas.microsoft.com/office/drawing/2010/main" xmlns="">
+                <a14:hiddenFill xmlns="" xmlns:a14="http://schemas.microsoft.com/office/drawing/2010/main">
                   <a:solidFill>
                     <a:srgbClr val="FFFFFF"/>
                   </a:solidFill>
@@ -9939,7 +10121,7 @@
             </a:ln>
             <a:extLst>
               <a:ext uri="{909E8E84-426E-40dd-AFC4-6F175D3DCCD1}">
-                <a14:hiddenFill xmlns:a14="http://schemas.microsoft.com/office/drawing/2010/main" xmlns="">
+                <a14:hiddenFill xmlns="" xmlns:a14="http://schemas.microsoft.com/office/drawing/2010/main">
                   <a:solidFill>
                     <a:srgbClr val="FFFFFF"/>
                   </a:solidFill>
@@ -9984,7 +10166,7 @@
             </a:ln>
             <a:extLst>
               <a:ext uri="{909E8E84-426E-40dd-AFC4-6F175D3DCCD1}">
-                <a14:hiddenFill xmlns:a14="http://schemas.microsoft.com/office/drawing/2010/main" xmlns="">
+                <a14:hiddenFill xmlns="" xmlns:a14="http://schemas.microsoft.com/office/drawing/2010/main">
                   <a:noFill/>
                 </a14:hiddenFill>
               </a:ext>
@@ -10035,7 +10217,7 @@
             </a:ln>
             <a:extLst>
               <a:ext uri="{909E8E84-426E-40dd-AFC4-6F175D3DCCD1}">
-                <a14:hiddenFill xmlns:a14="http://schemas.microsoft.com/office/drawing/2010/main" xmlns="">
+                <a14:hiddenFill xmlns="" xmlns:a14="http://schemas.microsoft.com/office/drawing/2010/main">
                   <a:solidFill>
                     <a:srgbClr val="FFFFFF"/>
                   </a:solidFill>
@@ -10078,7 +10260,7 @@
             </a:ln>
             <a:extLst>
               <a:ext uri="{909E8E84-426E-40dd-AFC4-6F175D3DCCD1}">
-                <a14:hiddenFill xmlns:a14="http://schemas.microsoft.com/office/drawing/2010/main" xmlns="">
+                <a14:hiddenFill xmlns="" xmlns:a14="http://schemas.microsoft.com/office/drawing/2010/main">
                   <a:solidFill>
                     <a:srgbClr val="FFFFFF"/>
                   </a:solidFill>
@@ -10123,7 +10305,7 @@
             </a:ln>
             <a:extLst>
               <a:ext uri="{909E8E84-426E-40dd-AFC4-6F175D3DCCD1}">
-                <a14:hiddenFill xmlns:a14="http://schemas.microsoft.com/office/drawing/2010/main" xmlns="">
+                <a14:hiddenFill xmlns="" xmlns:a14="http://schemas.microsoft.com/office/drawing/2010/main">
                   <a:noFill/>
                 </a14:hiddenFill>
               </a:ext>
@@ -10380,14 +10562,14 @@
           </a:ln>
           <a:extLst>
             <a:ext uri="{909E8E84-426E-40dd-AFC4-6F175D3DCCD1}">
-              <a14:hiddenFill xmlns:a14="http://schemas.microsoft.com/office/drawing/2010/main" xmlns="">
+              <a14:hiddenFill xmlns="" xmlns:a14="http://schemas.microsoft.com/office/drawing/2010/main">
                 <a:solidFill>
                   <a:srgbClr val="FFFFFF"/>
                 </a:solidFill>
               </a14:hiddenFill>
             </a:ext>
             <a:ext uri="{91240B29-F687-4f45-9708-019B960494DF}">
-              <a14:hiddenLine xmlns:a14="http://schemas.microsoft.com/office/drawing/2010/main" xmlns="" w="9525">
+              <a14:hiddenLine xmlns="" xmlns:a14="http://schemas.microsoft.com/office/drawing/2010/main" w="9525">
                 <a:solidFill>
                   <a:srgbClr val="000000"/>
                 </a:solidFill>
@@ -10794,14 +10976,14 @@
           </a:ln>
           <a:extLst>
             <a:ext uri="{909E8E84-426E-40dd-AFC4-6F175D3DCCD1}">
-              <a14:hiddenFill xmlns:a14="http://schemas.microsoft.com/office/drawing/2010/main" xmlns="">
+              <a14:hiddenFill xmlns="" xmlns:a14="http://schemas.microsoft.com/office/drawing/2010/main">
                 <a:solidFill>
                   <a:srgbClr val="FFFFFF"/>
                 </a:solidFill>
               </a14:hiddenFill>
             </a:ext>
             <a:ext uri="{91240B29-F687-4f45-9708-019B960494DF}">
-              <a14:hiddenLine xmlns:a14="http://schemas.microsoft.com/office/drawing/2010/main" xmlns="" w="9525">
+              <a14:hiddenLine xmlns="" xmlns:a14="http://schemas.microsoft.com/office/drawing/2010/main" w="9525">
                 <a:solidFill>
                   <a:srgbClr val="000000"/>
                 </a:solidFill>
@@ -10973,7 +11155,7 @@
           </a:ln>
           <a:extLst>
             <a:ext uri="{909E8E84-426E-40dd-AFC4-6F175D3DCCD1}">
-              <a14:hiddenFill xmlns:a14="http://schemas.microsoft.com/office/drawing/2010/main" xmlns="">
+              <a14:hiddenFill xmlns="" xmlns:a14="http://schemas.microsoft.com/office/drawing/2010/main">
                 <a:noFill/>
               </a14:hiddenFill>
             </a:ext>
@@ -11065,7 +11247,7 @@
           </a:ln>
           <a:extLst>
             <a:ext uri="{909E8E84-426E-40dd-AFC4-6F175D3DCCD1}">
-              <a14:hiddenFill xmlns:a14="http://schemas.microsoft.com/office/drawing/2010/main" xmlns="">
+              <a14:hiddenFill xmlns="" xmlns:a14="http://schemas.microsoft.com/office/drawing/2010/main">
                 <a:solidFill>
                   <a:srgbClr val="FFFFFF"/>
                 </a:solidFill>
@@ -11104,14 +11286,14 @@
           </a:ln>
           <a:extLst>
             <a:ext uri="{909E8E84-426E-40dd-AFC4-6F175D3DCCD1}">
-              <a14:hiddenFill xmlns:a14="http://schemas.microsoft.com/office/drawing/2010/main" xmlns="">
+              <a14:hiddenFill xmlns="" xmlns:a14="http://schemas.microsoft.com/office/drawing/2010/main">
                 <a:solidFill>
                   <a:srgbClr val="FFFFFF"/>
                 </a:solidFill>
               </a14:hiddenFill>
             </a:ext>
             <a:ext uri="{91240B29-F687-4f45-9708-019B960494DF}">
-              <a14:hiddenLine xmlns:a14="http://schemas.microsoft.com/office/drawing/2010/main" xmlns="" w="9525">
+              <a14:hiddenLine xmlns="" xmlns:a14="http://schemas.microsoft.com/office/drawing/2010/main" w="9525">
                 <a:solidFill>
                   <a:srgbClr val="000000"/>
                 </a:solidFill>
@@ -11289,7 +11471,7 @@
           </a:ln>
           <a:extLst>
             <a:ext uri="{909E8E84-426E-40dd-AFC4-6F175D3DCCD1}">
-              <a14:hiddenFill xmlns:a14="http://schemas.microsoft.com/office/drawing/2010/main" xmlns="">
+              <a14:hiddenFill xmlns="" xmlns:a14="http://schemas.microsoft.com/office/drawing/2010/main">
                 <a:noFill/>
               </a14:hiddenFill>
             </a:ext>
@@ -11326,14 +11508,14 @@
           </a:ln>
           <a:extLst>
             <a:ext uri="{909E8E84-426E-40dd-AFC4-6F175D3DCCD1}">
-              <a14:hiddenFill xmlns:a14="http://schemas.microsoft.com/office/drawing/2010/main" xmlns="">
+              <a14:hiddenFill xmlns="" xmlns:a14="http://schemas.microsoft.com/office/drawing/2010/main">
                 <a:solidFill>
                   <a:srgbClr val="FFFFFF"/>
                 </a:solidFill>
               </a14:hiddenFill>
             </a:ext>
             <a:ext uri="{91240B29-F687-4f45-9708-019B960494DF}">
-              <a14:hiddenLine xmlns:a14="http://schemas.microsoft.com/office/drawing/2010/main" xmlns="" w="9525">
+              <a14:hiddenLine xmlns="" xmlns:a14="http://schemas.microsoft.com/office/drawing/2010/main" w="9525">
                 <a:solidFill>
                   <a:srgbClr val="000000"/>
                 </a:solidFill>
@@ -11530,7 +11712,7 @@
             </a:ln>
             <a:extLst>
               <a:ext uri="{909E8E84-426E-40dd-AFC4-6F175D3DCCD1}">
-                <a14:hiddenFill xmlns:a14="http://schemas.microsoft.com/office/drawing/2010/main" xmlns="">
+                <a14:hiddenFill xmlns="" xmlns:a14="http://schemas.microsoft.com/office/drawing/2010/main">
                   <a:solidFill>
                     <a:srgbClr val="FFFFFF"/>
                   </a:solidFill>
@@ -11573,7 +11755,7 @@
             </a:ln>
             <a:extLst>
               <a:ext uri="{909E8E84-426E-40dd-AFC4-6F175D3DCCD1}">
-                <a14:hiddenFill xmlns:a14="http://schemas.microsoft.com/office/drawing/2010/main" xmlns="">
+                <a14:hiddenFill xmlns="" xmlns:a14="http://schemas.microsoft.com/office/drawing/2010/main">
                   <a:solidFill>
                     <a:srgbClr val="FFFFFF"/>
                   </a:solidFill>
@@ -11618,7 +11800,7 @@
             </a:ln>
             <a:extLst>
               <a:ext uri="{909E8E84-426E-40dd-AFC4-6F175D3DCCD1}">
-                <a14:hiddenFill xmlns:a14="http://schemas.microsoft.com/office/drawing/2010/main" xmlns="">
+                <a14:hiddenFill xmlns="" xmlns:a14="http://schemas.microsoft.com/office/drawing/2010/main">
                   <a:noFill/>
                 </a14:hiddenFill>
               </a:ext>
@@ -11787,14 +11969,14 @@
           </a:ln>
           <a:extLst>
             <a:ext uri="{909E8E84-426E-40dd-AFC4-6F175D3DCCD1}">
-              <a14:hiddenFill xmlns:a14="http://schemas.microsoft.com/office/drawing/2010/main" xmlns="">
+              <a14:hiddenFill xmlns="" xmlns:a14="http://schemas.microsoft.com/office/drawing/2010/main">
                 <a:solidFill>
                   <a:srgbClr val="FFFFFF"/>
                 </a:solidFill>
               </a14:hiddenFill>
             </a:ext>
             <a:ext uri="{91240B29-F687-4f45-9708-019B960494DF}">
-              <a14:hiddenLine xmlns:a14="http://schemas.microsoft.com/office/drawing/2010/main" xmlns="" w="9525">
+              <a14:hiddenLine xmlns="" xmlns:a14="http://schemas.microsoft.com/office/drawing/2010/main" w="9525">
                 <a:solidFill>
                   <a:srgbClr val="000000"/>
                 </a:solidFill>
@@ -12072,14 +12254,14 @@
           </a:ln>
           <a:extLst>
             <a:ext uri="{909E8E84-426E-40dd-AFC4-6F175D3DCCD1}">
-              <a14:hiddenFill xmlns:a14="http://schemas.microsoft.com/office/drawing/2010/main" xmlns="">
+              <a14:hiddenFill xmlns="" xmlns:a14="http://schemas.microsoft.com/office/drawing/2010/main">
                 <a:solidFill>
                   <a:srgbClr val="FFFFFF"/>
                 </a:solidFill>
               </a14:hiddenFill>
             </a:ext>
             <a:ext uri="{91240B29-F687-4f45-9708-019B960494DF}">
-              <a14:hiddenLine xmlns:a14="http://schemas.microsoft.com/office/drawing/2010/main" xmlns="" w="9525">
+              <a14:hiddenLine xmlns="" xmlns:a14="http://schemas.microsoft.com/office/drawing/2010/main" w="9525">
                 <a:solidFill>
                   <a:srgbClr val="000000"/>
                 </a:solidFill>
@@ -12358,14 +12540,14 @@
           </a:ln>
           <a:extLst>
             <a:ext uri="{909E8E84-426E-40dd-AFC4-6F175D3DCCD1}">
-              <a14:hiddenFill xmlns:a14="http://schemas.microsoft.com/office/drawing/2010/main" xmlns="">
+              <a14:hiddenFill xmlns="" xmlns:a14="http://schemas.microsoft.com/office/drawing/2010/main">
                 <a:solidFill>
                   <a:srgbClr val="FFFFFF"/>
                 </a:solidFill>
               </a14:hiddenFill>
             </a:ext>
             <a:ext uri="{91240B29-F687-4f45-9708-019B960494DF}">
-              <a14:hiddenLine xmlns:a14="http://schemas.microsoft.com/office/drawing/2010/main" xmlns="" w="9525">
+              <a14:hiddenLine xmlns="" xmlns:a14="http://schemas.microsoft.com/office/drawing/2010/main" w="9525">
                 <a:solidFill>
                   <a:srgbClr val="000000"/>
                 </a:solidFill>
@@ -12549,7 +12731,7 @@
           </a:ln>
           <a:extLst>
             <a:ext uri="{909E8E84-426E-40dd-AFC4-6F175D3DCCD1}">
-              <a14:hiddenFill xmlns:a14="http://schemas.microsoft.com/office/drawing/2010/main" xmlns="">
+              <a14:hiddenFill xmlns="" xmlns:a14="http://schemas.microsoft.com/office/drawing/2010/main">
                 <a:noFill/>
               </a14:hiddenFill>
             </a:ext>
@@ -12640,7 +12822,7 @@
           </a:ln>
           <a:extLst>
             <a:ext uri="{909E8E84-426E-40dd-AFC4-6F175D3DCCD1}">
-              <a14:hiddenFill xmlns:a14="http://schemas.microsoft.com/office/drawing/2010/main" xmlns="">
+              <a14:hiddenFill xmlns="" xmlns:a14="http://schemas.microsoft.com/office/drawing/2010/main">
                 <a:solidFill>
                   <a:srgbClr val="FFFFFF"/>
                 </a:solidFill>
@@ -12678,14 +12860,14 @@
           </a:ln>
           <a:extLst>
             <a:ext uri="{909E8E84-426E-40dd-AFC4-6F175D3DCCD1}">
-              <a14:hiddenFill xmlns:a14="http://schemas.microsoft.com/office/drawing/2010/main" xmlns="">
+              <a14:hiddenFill xmlns="" xmlns:a14="http://schemas.microsoft.com/office/drawing/2010/main">
                 <a:solidFill>
                   <a:srgbClr val="FFFFFF"/>
                 </a:solidFill>
               </a14:hiddenFill>
             </a:ext>
             <a:ext uri="{91240B29-F687-4f45-9708-019B960494DF}">
-              <a14:hiddenLine xmlns:a14="http://schemas.microsoft.com/office/drawing/2010/main" xmlns="" w="9525">
+              <a14:hiddenLine xmlns="" xmlns:a14="http://schemas.microsoft.com/office/drawing/2010/main" w="9525">
                 <a:solidFill>
                   <a:srgbClr val="000000"/>
                 </a:solidFill>
@@ -12857,7 +13039,7 @@
           </a:ln>
           <a:extLst>
             <a:ext uri="{909E8E84-426E-40dd-AFC4-6F175D3DCCD1}">
-              <a14:hiddenFill xmlns:a14="http://schemas.microsoft.com/office/drawing/2010/main" xmlns="">
+              <a14:hiddenFill xmlns="" xmlns:a14="http://schemas.microsoft.com/office/drawing/2010/main">
                 <a:noFill/>
               </a14:hiddenFill>
             </a:ext>
@@ -12914,7 +13096,7 @@
             </a:ln>
             <a:extLst>
               <a:ext uri="{909E8E84-426E-40dd-AFC4-6F175D3DCCD1}">
-                <a14:hiddenFill xmlns:a14="http://schemas.microsoft.com/office/drawing/2010/main" xmlns="">
+                <a14:hiddenFill xmlns="" xmlns:a14="http://schemas.microsoft.com/office/drawing/2010/main">
                   <a:solidFill>
                     <a:srgbClr val="FFFFFF"/>
                   </a:solidFill>
@@ -12957,7 +13139,7 @@
             </a:ln>
             <a:extLst>
               <a:ext uri="{909E8E84-426E-40dd-AFC4-6F175D3DCCD1}">
-                <a14:hiddenFill xmlns:a14="http://schemas.microsoft.com/office/drawing/2010/main" xmlns="">
+                <a14:hiddenFill xmlns="" xmlns:a14="http://schemas.microsoft.com/office/drawing/2010/main">
                   <a:solidFill>
                     <a:srgbClr val="FFFFFF"/>
                   </a:solidFill>
@@ -13002,7 +13184,7 @@
             </a:ln>
             <a:extLst>
               <a:ext uri="{909E8E84-426E-40dd-AFC4-6F175D3DCCD1}">
-                <a14:hiddenFill xmlns:a14="http://schemas.microsoft.com/office/drawing/2010/main" xmlns="">
+                <a14:hiddenFill xmlns="" xmlns:a14="http://schemas.microsoft.com/office/drawing/2010/main">
                   <a:noFill/>
                 </a14:hiddenFill>
               </a:ext>
@@ -13053,7 +13235,7 @@
             </a:ln>
             <a:extLst>
               <a:ext uri="{909E8E84-426E-40dd-AFC4-6F175D3DCCD1}">
-                <a14:hiddenFill xmlns:a14="http://schemas.microsoft.com/office/drawing/2010/main" xmlns="">
+                <a14:hiddenFill xmlns="" xmlns:a14="http://schemas.microsoft.com/office/drawing/2010/main">
                   <a:solidFill>
                     <a:srgbClr val="FFFFFF"/>
                   </a:solidFill>
@@ -13096,7 +13278,7 @@
             </a:ln>
             <a:extLst>
               <a:ext uri="{909E8E84-426E-40dd-AFC4-6F175D3DCCD1}">
-                <a14:hiddenFill xmlns:a14="http://schemas.microsoft.com/office/drawing/2010/main" xmlns="">
+                <a14:hiddenFill xmlns="" xmlns:a14="http://schemas.microsoft.com/office/drawing/2010/main">
                   <a:solidFill>
                     <a:srgbClr val="FFFFFF"/>
                   </a:solidFill>
@@ -13141,7 +13323,7 @@
             </a:ln>
             <a:extLst>
               <a:ext uri="{909E8E84-426E-40dd-AFC4-6F175D3DCCD1}">
-                <a14:hiddenFill xmlns:a14="http://schemas.microsoft.com/office/drawing/2010/main" xmlns="">
+                <a14:hiddenFill xmlns="" xmlns:a14="http://schemas.microsoft.com/office/drawing/2010/main">
                   <a:noFill/>
                 </a14:hiddenFill>
               </a:ext>
@@ -13192,7 +13374,7 @@
             </a:ln>
             <a:extLst>
               <a:ext uri="{909E8E84-426E-40dd-AFC4-6F175D3DCCD1}">
-                <a14:hiddenFill xmlns:a14="http://schemas.microsoft.com/office/drawing/2010/main" xmlns="">
+                <a14:hiddenFill xmlns="" xmlns:a14="http://schemas.microsoft.com/office/drawing/2010/main">
                   <a:solidFill>
                     <a:srgbClr val="FFFFFF"/>
                   </a:solidFill>
@@ -13235,7 +13417,7 @@
             </a:ln>
             <a:extLst>
               <a:ext uri="{909E8E84-426E-40dd-AFC4-6F175D3DCCD1}">
-                <a14:hiddenFill xmlns:a14="http://schemas.microsoft.com/office/drawing/2010/main" xmlns="">
+                <a14:hiddenFill xmlns="" xmlns:a14="http://schemas.microsoft.com/office/drawing/2010/main">
                   <a:solidFill>
                     <a:srgbClr val="FFFFFF"/>
                   </a:solidFill>
@@ -13280,7 +13462,7 @@
             </a:ln>
             <a:extLst>
               <a:ext uri="{909E8E84-426E-40dd-AFC4-6F175D3DCCD1}">
-                <a14:hiddenFill xmlns:a14="http://schemas.microsoft.com/office/drawing/2010/main" xmlns="">
+                <a14:hiddenFill xmlns="" xmlns:a14="http://schemas.microsoft.com/office/drawing/2010/main">
                   <a:noFill/>
                 </a14:hiddenFill>
               </a:ext>
@@ -14407,14 +14589,14 @@
           </a:ln>
           <a:extLst>
             <a:ext uri="{909E8E84-426E-40dd-AFC4-6F175D3DCCD1}">
-              <a14:hiddenFill xmlns:a14="http://schemas.microsoft.com/office/drawing/2010/main" xmlns="">
+              <a14:hiddenFill xmlns="" xmlns:a14="http://schemas.microsoft.com/office/drawing/2010/main">
                 <a:solidFill>
                   <a:srgbClr val="FFFFFF"/>
                 </a:solidFill>
               </a14:hiddenFill>
             </a:ext>
             <a:ext uri="{91240B29-F687-4f45-9708-019B960494DF}">
-              <a14:hiddenLine xmlns:a14="http://schemas.microsoft.com/office/drawing/2010/main" xmlns="" w="9525">
+              <a14:hiddenLine xmlns="" xmlns:a14="http://schemas.microsoft.com/office/drawing/2010/main" w="9525">
                 <a:solidFill>
                   <a:srgbClr val="000000"/>
                 </a:solidFill>
@@ -14498,7 +14680,7 @@
           </a:ln>
           <a:extLst>
             <a:ext uri="{909E8E84-426E-40dd-AFC4-6F175D3DCCD1}">
-              <a14:hiddenFill xmlns:a14="http://schemas.microsoft.com/office/drawing/2010/main" xmlns="">
+              <a14:hiddenFill xmlns="" xmlns:a14="http://schemas.microsoft.com/office/drawing/2010/main">
                 <a:solidFill>
                   <a:srgbClr val="FFFFFF"/>
                 </a:solidFill>
@@ -14536,14 +14718,14 @@
           </a:ln>
           <a:extLst>
             <a:ext uri="{909E8E84-426E-40dd-AFC4-6F175D3DCCD1}">
-              <a14:hiddenFill xmlns:a14="http://schemas.microsoft.com/office/drawing/2010/main" xmlns="">
+              <a14:hiddenFill xmlns="" xmlns:a14="http://schemas.microsoft.com/office/drawing/2010/main">
                 <a:solidFill>
                   <a:srgbClr val="FFFFFF"/>
                 </a:solidFill>
               </a14:hiddenFill>
             </a:ext>
             <a:ext uri="{91240B29-F687-4f45-9708-019B960494DF}">
-              <a14:hiddenLine xmlns:a14="http://schemas.microsoft.com/office/drawing/2010/main" xmlns="" w="9525">
+              <a14:hiddenLine xmlns="" xmlns:a14="http://schemas.microsoft.com/office/drawing/2010/main" w="9525">
                 <a:solidFill>
                   <a:srgbClr val="000000"/>
                 </a:solidFill>
@@ -14714,7 +14896,7 @@
           </a:ln>
           <a:extLst>
             <a:ext uri="{909E8E84-426E-40dd-AFC4-6F175D3DCCD1}">
-              <a14:hiddenFill xmlns:a14="http://schemas.microsoft.com/office/drawing/2010/main" xmlns="">
+              <a14:hiddenFill xmlns="" xmlns:a14="http://schemas.microsoft.com/office/drawing/2010/main">
                 <a:noFill/>
               </a14:hiddenFill>
             </a:ext>
@@ -14750,14 +14932,14 @@
           </a:ln>
           <a:extLst>
             <a:ext uri="{909E8E84-426E-40dd-AFC4-6F175D3DCCD1}">
-              <a14:hiddenFill xmlns:a14="http://schemas.microsoft.com/office/drawing/2010/main" xmlns="">
+              <a14:hiddenFill xmlns="" xmlns:a14="http://schemas.microsoft.com/office/drawing/2010/main">
                 <a:solidFill>
                   <a:srgbClr val="FFFFFF"/>
                 </a:solidFill>
               </a14:hiddenFill>
             </a:ext>
             <a:ext uri="{91240B29-F687-4f45-9708-019B960494DF}">
-              <a14:hiddenLine xmlns:a14="http://schemas.microsoft.com/office/drawing/2010/main" xmlns="" w="9525">
+              <a14:hiddenLine xmlns="" xmlns:a14="http://schemas.microsoft.com/office/drawing/2010/main" w="9525">
                 <a:solidFill>
                   <a:srgbClr val="000000"/>
                 </a:solidFill>
@@ -14984,7 +15166,7 @@
           </a:ln>
           <a:extLst>
             <a:ext uri="{909E8E84-426E-40dd-AFC4-6F175D3DCCD1}">
-              <a14:hiddenFill xmlns:a14="http://schemas.microsoft.com/office/drawing/2010/main" xmlns="">
+              <a14:hiddenFill xmlns="" xmlns:a14="http://schemas.microsoft.com/office/drawing/2010/main">
                 <a:solidFill>
                   <a:srgbClr val="FFFFFF"/>
                 </a:solidFill>
@@ -15022,14 +15204,14 @@
           </a:ln>
           <a:extLst>
             <a:ext uri="{909E8E84-426E-40dd-AFC4-6F175D3DCCD1}">
-              <a14:hiddenFill xmlns:a14="http://schemas.microsoft.com/office/drawing/2010/main" xmlns="">
+              <a14:hiddenFill xmlns="" xmlns:a14="http://schemas.microsoft.com/office/drawing/2010/main">
                 <a:solidFill>
                   <a:srgbClr val="FFFFFF"/>
                 </a:solidFill>
               </a14:hiddenFill>
             </a:ext>
             <a:ext uri="{91240B29-F687-4f45-9708-019B960494DF}">
-              <a14:hiddenLine xmlns:a14="http://schemas.microsoft.com/office/drawing/2010/main" xmlns="" w="9525">
+              <a14:hiddenLine xmlns="" xmlns:a14="http://schemas.microsoft.com/office/drawing/2010/main" w="9525">
                 <a:solidFill>
                   <a:srgbClr val="000000"/>
                 </a:solidFill>
@@ -15322,7 +15504,7 @@
           </a:ln>
           <a:extLst>
             <a:ext uri="{909E8E84-426E-40dd-AFC4-6F175D3DCCD1}">
-              <a14:hiddenFill xmlns:a14="http://schemas.microsoft.com/office/drawing/2010/main" xmlns="">
+              <a14:hiddenFill xmlns="" xmlns:a14="http://schemas.microsoft.com/office/drawing/2010/main">
                 <a:solidFill>
                   <a:srgbClr val="FFFFFF"/>
                 </a:solidFill>
@@ -15373,14 +15555,14 @@
           </a:ln>
           <a:extLst>
             <a:ext uri="{909E8E84-426E-40dd-AFC4-6F175D3DCCD1}">
-              <a14:hiddenFill xmlns:a14="http://schemas.microsoft.com/office/drawing/2010/main" xmlns="">
+              <a14:hiddenFill xmlns="" xmlns:a14="http://schemas.microsoft.com/office/drawing/2010/main">
                 <a:solidFill>
                   <a:srgbClr val="FFFFFF"/>
                 </a:solidFill>
               </a14:hiddenFill>
             </a:ext>
             <a:ext uri="{91240B29-F687-4f45-9708-019B960494DF}">
-              <a14:hiddenLine xmlns:a14="http://schemas.microsoft.com/office/drawing/2010/main" xmlns="" w="9525">
+              <a14:hiddenLine xmlns="" xmlns:a14="http://schemas.microsoft.com/office/drawing/2010/main" w="9525">
                 <a:solidFill>
                   <a:srgbClr val="000000"/>
                 </a:solidFill>
@@ -15414,14 +15596,14 @@
           </a:ln>
           <a:extLst>
             <a:ext uri="{909E8E84-426E-40dd-AFC4-6F175D3DCCD1}">
-              <a14:hiddenFill xmlns:a14="http://schemas.microsoft.com/office/drawing/2010/main" xmlns="">
+              <a14:hiddenFill xmlns="" xmlns:a14="http://schemas.microsoft.com/office/drawing/2010/main">
                 <a:solidFill>
                   <a:srgbClr val="FFFFFF"/>
                 </a:solidFill>
               </a14:hiddenFill>
             </a:ext>
             <a:ext uri="{91240B29-F687-4f45-9708-019B960494DF}">
-              <a14:hiddenLine xmlns:a14="http://schemas.microsoft.com/office/drawing/2010/main" xmlns="" w="9525">
+              <a14:hiddenLine xmlns="" xmlns:a14="http://schemas.microsoft.com/office/drawing/2010/main" w="9525">
                 <a:solidFill>
                   <a:srgbClr val="000000"/>
                 </a:solidFill>
@@ -18689,12 +18871,12 @@
             <a:effectLst/>
             <a:extLst>
               <a:ext uri="{909E8E84-426E-40dd-AFC4-6F175D3DCCD1}">
-                <a14:hiddenFill xmlns:a14="http://schemas.microsoft.com/office/drawing/2010/main" xmlns="">
+                <a14:hiddenFill xmlns="" xmlns:a14="http://schemas.microsoft.com/office/drawing/2010/main">
                   <a:noFill/>
                 </a14:hiddenFill>
               </a:ext>
               <a:ext uri="{AF507438-7753-43e0-B8FC-AC1667EBCBE1}">
-                <a14:hiddenEffects xmlns:a14="http://schemas.microsoft.com/office/drawing/2010/main" xmlns="">
+                <a14:hiddenEffects xmlns="" xmlns:a14="http://schemas.microsoft.com/office/drawing/2010/main">
                   <a:effectLst>
                     <a:outerShdw blurRad="63500" dist="38099" dir="2700000" algn="ctr" rotWithShape="0">
                       <a:schemeClr val="bg2">
@@ -18747,12 +18929,12 @@
             <a:effectLst/>
             <a:extLst>
               <a:ext uri="{909E8E84-426E-40dd-AFC4-6F175D3DCCD1}">
-                <a14:hiddenFill xmlns:a14="http://schemas.microsoft.com/office/drawing/2010/main" xmlns="">
+                <a14:hiddenFill xmlns="" xmlns:a14="http://schemas.microsoft.com/office/drawing/2010/main">
                   <a:noFill/>
                 </a14:hiddenFill>
               </a:ext>
               <a:ext uri="{AF507438-7753-43e0-B8FC-AC1667EBCBE1}">
-                <a14:hiddenEffects xmlns:a14="http://schemas.microsoft.com/office/drawing/2010/main" xmlns="">
+                <a14:hiddenEffects xmlns="" xmlns:a14="http://schemas.microsoft.com/office/drawing/2010/main">
                   <a:effectLst>
                     <a:outerShdw blurRad="63500" dist="38099" dir="2700000" algn="ctr" rotWithShape="0">
                       <a:schemeClr val="bg2">
@@ -18800,14 +18982,14 @@
             <a:effectLst/>
             <a:extLst>
               <a:ext uri="{909E8E84-426E-40dd-AFC4-6F175D3DCCD1}">
-                <a14:hiddenFill xmlns:a14="http://schemas.microsoft.com/office/drawing/2010/main" xmlns="">
+                <a14:hiddenFill xmlns="" xmlns:a14="http://schemas.microsoft.com/office/drawing/2010/main">
                   <a:solidFill>
                     <a:schemeClr val="bg2"/>
                   </a:solidFill>
                 </a14:hiddenFill>
               </a:ext>
               <a:ext uri="{91240B29-F687-4f45-9708-019B960494DF}">
-                <a14:hiddenLine xmlns:a14="http://schemas.microsoft.com/office/drawing/2010/main" xmlns="" w="25400">
+                <a14:hiddenLine xmlns="" xmlns:a14="http://schemas.microsoft.com/office/drawing/2010/main" w="25400">
                   <a:solidFill>
                     <a:schemeClr val="tx1"/>
                   </a:solidFill>
@@ -18817,7 +18999,7 @@
                 </a14:hiddenLine>
               </a:ext>
               <a:ext uri="{AF507438-7753-43e0-B8FC-AC1667EBCBE1}">
-                <a14:hiddenEffects xmlns:a14="http://schemas.microsoft.com/office/drawing/2010/main" xmlns="">
+                <a14:hiddenEffects xmlns="" xmlns:a14="http://schemas.microsoft.com/office/drawing/2010/main">
                   <a:effectLst>
                     <a:outerShdw blurRad="63500" dist="38099" dir="2700000" algn="ctr" rotWithShape="0">
                       <a:schemeClr val="bg2">
@@ -18871,14 +19053,14 @@
             <a:effectLst/>
             <a:extLst>
               <a:ext uri="{909E8E84-426E-40dd-AFC4-6F175D3DCCD1}">
-                <a14:hiddenFill xmlns:a14="http://schemas.microsoft.com/office/drawing/2010/main" xmlns="">
+                <a14:hiddenFill xmlns="" xmlns:a14="http://schemas.microsoft.com/office/drawing/2010/main">
                   <a:solidFill>
                     <a:schemeClr val="bg2"/>
                   </a:solidFill>
                 </a14:hiddenFill>
               </a:ext>
               <a:ext uri="{91240B29-F687-4f45-9708-019B960494DF}">
-                <a14:hiddenLine xmlns:a14="http://schemas.microsoft.com/office/drawing/2010/main" xmlns="" w="25400">
+                <a14:hiddenLine xmlns="" xmlns:a14="http://schemas.microsoft.com/office/drawing/2010/main" w="25400">
                   <a:solidFill>
                     <a:schemeClr val="tx1"/>
                   </a:solidFill>
@@ -18888,7 +19070,7 @@
                 </a14:hiddenLine>
               </a:ext>
               <a:ext uri="{AF507438-7753-43e0-B8FC-AC1667EBCBE1}">
-                <a14:hiddenEffects xmlns:a14="http://schemas.microsoft.com/office/drawing/2010/main" xmlns="">
+                <a14:hiddenEffects xmlns="" xmlns:a14="http://schemas.microsoft.com/office/drawing/2010/main">
                   <a:effectLst>
                     <a:outerShdw blurRad="63500" dist="38099" dir="2700000" algn="ctr" rotWithShape="0">
                       <a:schemeClr val="bg2">
@@ -18947,12 +19129,12 @@
             <a:effectLst/>
             <a:extLst>
               <a:ext uri="{909E8E84-426E-40dd-AFC4-6F175D3DCCD1}">
-                <a14:hiddenFill xmlns:a14="http://schemas.microsoft.com/office/drawing/2010/main" xmlns="">
+                <a14:hiddenFill xmlns="" xmlns:a14="http://schemas.microsoft.com/office/drawing/2010/main">
                   <a:noFill/>
                 </a14:hiddenFill>
               </a:ext>
               <a:ext uri="{AF507438-7753-43e0-B8FC-AC1667EBCBE1}">
-                <a14:hiddenEffects xmlns:a14="http://schemas.microsoft.com/office/drawing/2010/main" xmlns="">
+                <a14:hiddenEffects xmlns="" xmlns:a14="http://schemas.microsoft.com/office/drawing/2010/main">
                   <a:effectLst>
                     <a:outerShdw blurRad="63500" dist="38099" dir="2700000" algn="ctr" rotWithShape="0">
                       <a:schemeClr val="bg2">
@@ -19000,14 +19182,14 @@
             <a:effectLst/>
             <a:extLst>
               <a:ext uri="{909E8E84-426E-40dd-AFC4-6F175D3DCCD1}">
-                <a14:hiddenFill xmlns:a14="http://schemas.microsoft.com/office/drawing/2010/main" xmlns="">
+                <a14:hiddenFill xmlns="" xmlns:a14="http://schemas.microsoft.com/office/drawing/2010/main">
                   <a:solidFill>
                     <a:schemeClr val="bg2"/>
                   </a:solidFill>
                 </a14:hiddenFill>
               </a:ext>
               <a:ext uri="{91240B29-F687-4f45-9708-019B960494DF}">
-                <a14:hiddenLine xmlns:a14="http://schemas.microsoft.com/office/drawing/2010/main" xmlns="" w="25400">
+                <a14:hiddenLine xmlns="" xmlns:a14="http://schemas.microsoft.com/office/drawing/2010/main" w="25400">
                   <a:solidFill>
                     <a:schemeClr val="tx1"/>
                   </a:solidFill>
@@ -19017,7 +19199,7 @@
                 </a14:hiddenLine>
               </a:ext>
               <a:ext uri="{AF507438-7753-43e0-B8FC-AC1667EBCBE1}">
-                <a14:hiddenEffects xmlns:a14="http://schemas.microsoft.com/office/drawing/2010/main" xmlns="">
+                <a14:hiddenEffects xmlns="" xmlns:a14="http://schemas.microsoft.com/office/drawing/2010/main">
                   <a:effectLst>
                     <a:outerShdw blurRad="63500" dist="38099" dir="2700000" algn="ctr" rotWithShape="0">
                       <a:schemeClr val="bg2">
@@ -19091,12 +19273,12 @@
             <a:effectLst/>
             <a:extLst>
               <a:ext uri="{909E8E84-426E-40dd-AFC4-6F175D3DCCD1}">
-                <a14:hiddenFill xmlns:a14="http://schemas.microsoft.com/office/drawing/2010/main" xmlns="">
+                <a14:hiddenFill xmlns="" xmlns:a14="http://schemas.microsoft.com/office/drawing/2010/main">
                   <a:noFill/>
                 </a14:hiddenFill>
               </a:ext>
               <a:ext uri="{AF507438-7753-43e0-B8FC-AC1667EBCBE1}">
-                <a14:hiddenEffects xmlns:a14="http://schemas.microsoft.com/office/drawing/2010/main" xmlns="">
+                <a14:hiddenEffects xmlns="" xmlns:a14="http://schemas.microsoft.com/office/drawing/2010/main">
                   <a:effectLst>
                     <a:outerShdw blurRad="63500" dist="38099" dir="2700000" algn="ctr" rotWithShape="0">
                       <a:schemeClr val="bg2">
@@ -19144,14 +19326,14 @@
             <a:effectLst/>
             <a:extLst>
               <a:ext uri="{909E8E84-426E-40dd-AFC4-6F175D3DCCD1}">
-                <a14:hiddenFill xmlns:a14="http://schemas.microsoft.com/office/drawing/2010/main" xmlns="">
+                <a14:hiddenFill xmlns="" xmlns:a14="http://schemas.microsoft.com/office/drawing/2010/main">
                   <a:solidFill>
                     <a:schemeClr val="bg2"/>
                   </a:solidFill>
                 </a14:hiddenFill>
               </a:ext>
               <a:ext uri="{91240B29-F687-4f45-9708-019B960494DF}">
-                <a14:hiddenLine xmlns:a14="http://schemas.microsoft.com/office/drawing/2010/main" xmlns="" w="25400">
+                <a14:hiddenLine xmlns="" xmlns:a14="http://schemas.microsoft.com/office/drawing/2010/main" w="25400">
                   <a:solidFill>
                     <a:schemeClr val="tx1"/>
                   </a:solidFill>
@@ -19161,7 +19343,7 @@
                 </a14:hiddenLine>
               </a:ext>
               <a:ext uri="{AF507438-7753-43e0-B8FC-AC1667EBCBE1}">
-                <a14:hiddenEffects xmlns:a14="http://schemas.microsoft.com/office/drawing/2010/main" xmlns="">
+                <a14:hiddenEffects xmlns="" xmlns:a14="http://schemas.microsoft.com/office/drawing/2010/main">
                   <a:effectLst>
                     <a:outerShdw blurRad="63500" dist="38099" dir="2700000" algn="ctr" rotWithShape="0">
                       <a:schemeClr val="bg2">
@@ -19220,12 +19402,12 @@
             <a:effectLst/>
             <a:extLst>
               <a:ext uri="{909E8E84-426E-40dd-AFC4-6F175D3DCCD1}">
-                <a14:hiddenFill xmlns:a14="http://schemas.microsoft.com/office/drawing/2010/main" xmlns="">
+                <a14:hiddenFill xmlns="" xmlns:a14="http://schemas.microsoft.com/office/drawing/2010/main">
                   <a:noFill/>
                 </a14:hiddenFill>
               </a:ext>
               <a:ext uri="{AF507438-7753-43e0-B8FC-AC1667EBCBE1}">
-                <a14:hiddenEffects xmlns:a14="http://schemas.microsoft.com/office/drawing/2010/main" xmlns="">
+                <a14:hiddenEffects xmlns="" xmlns:a14="http://schemas.microsoft.com/office/drawing/2010/main">
                   <a:effectLst>
                     <a:outerShdw blurRad="63500" dist="38099" dir="2700000" algn="ctr" rotWithShape="0">
                       <a:schemeClr val="bg2">
@@ -19273,14 +19455,14 @@
             <a:effectLst/>
             <a:extLst>
               <a:ext uri="{909E8E84-426E-40dd-AFC4-6F175D3DCCD1}">
-                <a14:hiddenFill xmlns:a14="http://schemas.microsoft.com/office/drawing/2010/main" xmlns="">
+                <a14:hiddenFill xmlns="" xmlns:a14="http://schemas.microsoft.com/office/drawing/2010/main">
                   <a:solidFill>
                     <a:schemeClr val="bg2"/>
                   </a:solidFill>
                 </a14:hiddenFill>
               </a:ext>
               <a:ext uri="{91240B29-F687-4f45-9708-019B960494DF}">
-                <a14:hiddenLine xmlns:a14="http://schemas.microsoft.com/office/drawing/2010/main" xmlns="" w="25400">
+                <a14:hiddenLine xmlns="" xmlns:a14="http://schemas.microsoft.com/office/drawing/2010/main" w="25400">
                   <a:solidFill>
                     <a:schemeClr val="tx1"/>
                   </a:solidFill>
@@ -19290,7 +19472,7 @@
                 </a14:hiddenLine>
               </a:ext>
               <a:ext uri="{AF507438-7753-43e0-B8FC-AC1667EBCBE1}">
-                <a14:hiddenEffects xmlns:a14="http://schemas.microsoft.com/office/drawing/2010/main" xmlns="">
+                <a14:hiddenEffects xmlns="" xmlns:a14="http://schemas.microsoft.com/office/drawing/2010/main">
                   <a:effectLst>
                     <a:outerShdw blurRad="63500" dist="38099" dir="2700000" algn="ctr" rotWithShape="0">
                       <a:schemeClr val="bg2">
@@ -19352,14 +19534,14 @@
             <a:effectLst/>
             <a:extLst>
               <a:ext uri="{909E8E84-426E-40dd-AFC4-6F175D3DCCD1}">
-                <a14:hiddenFill xmlns:a14="http://schemas.microsoft.com/office/drawing/2010/main" xmlns="">
+                <a14:hiddenFill xmlns="" xmlns:a14="http://schemas.microsoft.com/office/drawing/2010/main">
                   <a:solidFill>
                     <a:schemeClr val="bg2"/>
                   </a:solidFill>
                 </a14:hiddenFill>
               </a:ext>
               <a:ext uri="{AF507438-7753-43e0-B8FC-AC1667EBCBE1}">
-                <a14:hiddenEffects xmlns:a14="http://schemas.microsoft.com/office/drawing/2010/main" xmlns="">
+                <a14:hiddenEffects xmlns="" xmlns:a14="http://schemas.microsoft.com/office/drawing/2010/main">
                   <a:effectLst>
                     <a:outerShdw blurRad="63500" dist="38099" dir="2700000" algn="ctr" rotWithShape="0">
                       <a:schemeClr val="bg2">
@@ -19407,14 +19589,14 @@
             <a:effectLst/>
             <a:extLst>
               <a:ext uri="{909E8E84-426E-40dd-AFC4-6F175D3DCCD1}">
-                <a14:hiddenFill xmlns:a14="http://schemas.microsoft.com/office/drawing/2010/main" xmlns="">
+                <a14:hiddenFill xmlns="" xmlns:a14="http://schemas.microsoft.com/office/drawing/2010/main">
                   <a:solidFill>
                     <a:schemeClr val="bg2"/>
                   </a:solidFill>
                 </a14:hiddenFill>
               </a:ext>
               <a:ext uri="{91240B29-F687-4f45-9708-019B960494DF}">
-                <a14:hiddenLine xmlns:a14="http://schemas.microsoft.com/office/drawing/2010/main" xmlns="" w="25400">
+                <a14:hiddenLine xmlns="" xmlns:a14="http://schemas.microsoft.com/office/drawing/2010/main" w="25400">
                   <a:solidFill>
                     <a:schemeClr val="tx1"/>
                   </a:solidFill>
@@ -19424,7 +19606,7 @@
                 </a14:hiddenLine>
               </a:ext>
               <a:ext uri="{AF507438-7753-43e0-B8FC-AC1667EBCBE1}">
-                <a14:hiddenEffects xmlns:a14="http://schemas.microsoft.com/office/drawing/2010/main" xmlns="">
+                <a14:hiddenEffects xmlns="" xmlns:a14="http://schemas.microsoft.com/office/drawing/2010/main">
                   <a:effectLst>
                     <a:outerShdw blurRad="63500" dist="38099" dir="2700000" algn="ctr" rotWithShape="0">
                       <a:schemeClr val="bg2">
@@ -19491,14 +19673,14 @@
             <a:effectLst/>
             <a:extLst>
               <a:ext uri="{909E8E84-426E-40dd-AFC4-6F175D3DCCD1}">
-                <a14:hiddenFill xmlns:a14="http://schemas.microsoft.com/office/drawing/2010/main" xmlns="">
+                <a14:hiddenFill xmlns="" xmlns:a14="http://schemas.microsoft.com/office/drawing/2010/main">
                   <a:solidFill>
                     <a:schemeClr val="bg2"/>
                   </a:solidFill>
                 </a14:hiddenFill>
               </a:ext>
               <a:ext uri="{AF507438-7753-43e0-B8FC-AC1667EBCBE1}">
-                <a14:hiddenEffects xmlns:a14="http://schemas.microsoft.com/office/drawing/2010/main" xmlns="">
+                <a14:hiddenEffects xmlns="" xmlns:a14="http://schemas.microsoft.com/office/drawing/2010/main">
                   <a:effectLst>
                     <a:outerShdw blurRad="63500" dist="38099" dir="2700000" algn="ctr" rotWithShape="0">
                       <a:schemeClr val="bg2">
@@ -19546,14 +19728,14 @@
             <a:effectLst/>
             <a:extLst>
               <a:ext uri="{909E8E84-426E-40dd-AFC4-6F175D3DCCD1}">
-                <a14:hiddenFill xmlns:a14="http://schemas.microsoft.com/office/drawing/2010/main" xmlns="">
+                <a14:hiddenFill xmlns="" xmlns:a14="http://schemas.microsoft.com/office/drawing/2010/main">
                   <a:solidFill>
                     <a:schemeClr val="bg2"/>
                   </a:solidFill>
                 </a14:hiddenFill>
               </a:ext>
               <a:ext uri="{91240B29-F687-4f45-9708-019B960494DF}">
-                <a14:hiddenLine xmlns:a14="http://schemas.microsoft.com/office/drawing/2010/main" xmlns="" w="25400">
+                <a14:hiddenLine xmlns="" xmlns:a14="http://schemas.microsoft.com/office/drawing/2010/main" w="25400">
                   <a:solidFill>
                     <a:schemeClr val="tx1"/>
                   </a:solidFill>
@@ -19563,7 +19745,7 @@
                 </a14:hiddenLine>
               </a:ext>
               <a:ext uri="{AF507438-7753-43e0-B8FC-AC1667EBCBE1}">
-                <a14:hiddenEffects xmlns:a14="http://schemas.microsoft.com/office/drawing/2010/main" xmlns="">
+                <a14:hiddenEffects xmlns="" xmlns:a14="http://schemas.microsoft.com/office/drawing/2010/main">
                   <a:effectLst>
                     <a:outerShdw blurRad="63500" dist="38099" dir="2700000" algn="ctr" rotWithShape="0">
                       <a:schemeClr val="bg2">
@@ -19630,14 +19812,14 @@
             <a:effectLst/>
             <a:extLst>
               <a:ext uri="{909E8E84-426E-40dd-AFC4-6F175D3DCCD1}">
-                <a14:hiddenFill xmlns:a14="http://schemas.microsoft.com/office/drawing/2010/main" xmlns="">
+                <a14:hiddenFill xmlns="" xmlns:a14="http://schemas.microsoft.com/office/drawing/2010/main">
                   <a:solidFill>
                     <a:schemeClr val="bg2"/>
                   </a:solidFill>
                 </a14:hiddenFill>
               </a:ext>
               <a:ext uri="{AF507438-7753-43e0-B8FC-AC1667EBCBE1}">
-                <a14:hiddenEffects xmlns:a14="http://schemas.microsoft.com/office/drawing/2010/main" xmlns="">
+                <a14:hiddenEffects xmlns="" xmlns:a14="http://schemas.microsoft.com/office/drawing/2010/main">
                   <a:effectLst>
                     <a:outerShdw blurRad="63500" dist="38099" dir="2700000" algn="ctr" rotWithShape="0">
                       <a:schemeClr val="bg2">
@@ -19685,14 +19867,14 @@
             <a:effectLst/>
             <a:extLst>
               <a:ext uri="{909E8E84-426E-40dd-AFC4-6F175D3DCCD1}">
-                <a14:hiddenFill xmlns:a14="http://schemas.microsoft.com/office/drawing/2010/main" xmlns="">
+                <a14:hiddenFill xmlns="" xmlns:a14="http://schemas.microsoft.com/office/drawing/2010/main">
                   <a:solidFill>
                     <a:schemeClr val="bg2"/>
                   </a:solidFill>
                 </a14:hiddenFill>
               </a:ext>
               <a:ext uri="{91240B29-F687-4f45-9708-019B960494DF}">
-                <a14:hiddenLine xmlns:a14="http://schemas.microsoft.com/office/drawing/2010/main" xmlns="" w="25400">
+                <a14:hiddenLine xmlns="" xmlns:a14="http://schemas.microsoft.com/office/drawing/2010/main" w="25400">
                   <a:solidFill>
                     <a:schemeClr val="tx1"/>
                   </a:solidFill>
@@ -19702,7 +19884,7 @@
                 </a14:hiddenLine>
               </a:ext>
               <a:ext uri="{AF507438-7753-43e0-B8FC-AC1667EBCBE1}">
-                <a14:hiddenEffects xmlns:a14="http://schemas.microsoft.com/office/drawing/2010/main" xmlns="">
+                <a14:hiddenEffects xmlns="" xmlns:a14="http://schemas.microsoft.com/office/drawing/2010/main">
                   <a:effectLst>
                     <a:outerShdw blurRad="63500" dist="38099" dir="2700000" algn="ctr" rotWithShape="0">
                       <a:schemeClr val="bg2">
@@ -20259,14 +20441,14 @@
           </a:ln>
           <a:extLst>
             <a:ext uri="{909E8E84-426E-40dd-AFC4-6F175D3DCCD1}">
-              <a14:hiddenFill xmlns:a14="http://schemas.microsoft.com/office/drawing/2010/main" xmlns="">
+              <a14:hiddenFill xmlns="" xmlns:a14="http://schemas.microsoft.com/office/drawing/2010/main">
                 <a:solidFill>
                   <a:srgbClr val="FFFFFF"/>
                 </a:solidFill>
               </a14:hiddenFill>
             </a:ext>
             <a:ext uri="{91240B29-F687-4f45-9708-019B960494DF}">
-              <a14:hiddenLine xmlns:a14="http://schemas.microsoft.com/office/drawing/2010/main" xmlns="" w="9525">
+              <a14:hiddenLine xmlns="" xmlns:a14="http://schemas.microsoft.com/office/drawing/2010/main" w="9525">
                 <a:solidFill>
                   <a:srgbClr val="000000"/>
                 </a:solidFill>
@@ -20421,7 +20603,7 @@
             </a:ln>
             <a:extLst>
               <a:ext uri="{909E8E84-426E-40dd-AFC4-6F175D3DCCD1}">
-                <a14:hiddenFill xmlns:a14="http://schemas.microsoft.com/office/drawing/2010/main" xmlns="">
+                <a14:hiddenFill xmlns="" xmlns:a14="http://schemas.microsoft.com/office/drawing/2010/main">
                   <a:noFill/>
                 </a14:hiddenFill>
               </a:ext>
@@ -20457,14 +20639,14 @@
             </a:ln>
             <a:extLst>
               <a:ext uri="{909E8E84-426E-40dd-AFC4-6F175D3DCCD1}">
-                <a14:hiddenFill xmlns:a14="http://schemas.microsoft.com/office/drawing/2010/main" xmlns="">
+                <a14:hiddenFill xmlns="" xmlns:a14="http://schemas.microsoft.com/office/drawing/2010/main">
                   <a:solidFill>
                     <a:srgbClr val="FFFFFF"/>
                   </a:solidFill>
                 </a14:hiddenFill>
               </a:ext>
               <a:ext uri="{91240B29-F687-4f45-9708-019B960494DF}">
-                <a14:hiddenLine xmlns:a14="http://schemas.microsoft.com/office/drawing/2010/main" xmlns="" w="9525">
+                <a14:hiddenLine xmlns="" xmlns:a14="http://schemas.microsoft.com/office/drawing/2010/main" w="9525">
                   <a:solidFill>
                     <a:srgbClr val="000000"/>
                   </a:solidFill>
@@ -20651,7 +20833,7 @@
             </a:ln>
             <a:extLst>
               <a:ext uri="{909E8E84-426E-40dd-AFC4-6F175D3DCCD1}">
-                <a14:hiddenFill xmlns:a14="http://schemas.microsoft.com/office/drawing/2010/main" xmlns="">
+                <a14:hiddenFill xmlns="" xmlns:a14="http://schemas.microsoft.com/office/drawing/2010/main">
                   <a:noFill/>
                 </a14:hiddenFill>
               </a:ext>
@@ -20687,14 +20869,14 @@
             </a:ln>
             <a:extLst>
               <a:ext uri="{909E8E84-426E-40dd-AFC4-6F175D3DCCD1}">
-                <a14:hiddenFill xmlns:a14="http://schemas.microsoft.com/office/drawing/2010/main" xmlns="">
+                <a14:hiddenFill xmlns="" xmlns:a14="http://schemas.microsoft.com/office/drawing/2010/main">
                   <a:solidFill>
                     <a:srgbClr val="FFFFFF"/>
                   </a:solidFill>
                 </a14:hiddenFill>
               </a:ext>
               <a:ext uri="{91240B29-F687-4f45-9708-019B960494DF}">
-                <a14:hiddenLine xmlns:a14="http://schemas.microsoft.com/office/drawing/2010/main" xmlns="" w="9525">
+                <a14:hiddenLine xmlns="" xmlns:a14="http://schemas.microsoft.com/office/drawing/2010/main" w="9525">
                   <a:solidFill>
                     <a:srgbClr val="000000"/>
                   </a:solidFill>
@@ -20765,7 +20947,7 @@
             </a:ln>
             <a:extLst>
               <a:ext uri="{909E8E84-426E-40dd-AFC4-6F175D3DCCD1}">
-                <a14:hiddenFill xmlns:a14="http://schemas.microsoft.com/office/drawing/2010/main" xmlns="">
+                <a14:hiddenFill xmlns="" xmlns:a14="http://schemas.microsoft.com/office/drawing/2010/main">
                   <a:noFill/>
                 </a14:hiddenFill>
               </a:ext>
@@ -20801,14 +20983,14 @@
             </a:ln>
             <a:extLst>
               <a:ext uri="{909E8E84-426E-40dd-AFC4-6F175D3DCCD1}">
-                <a14:hiddenFill xmlns:a14="http://schemas.microsoft.com/office/drawing/2010/main" xmlns="">
+                <a14:hiddenFill xmlns="" xmlns:a14="http://schemas.microsoft.com/office/drawing/2010/main">
                   <a:solidFill>
                     <a:srgbClr val="FFFFFF"/>
                   </a:solidFill>
                 </a14:hiddenFill>
               </a:ext>
               <a:ext uri="{91240B29-F687-4f45-9708-019B960494DF}">
-                <a14:hiddenLine xmlns:a14="http://schemas.microsoft.com/office/drawing/2010/main" xmlns="" w="9525">
+                <a14:hiddenLine xmlns="" xmlns:a14="http://schemas.microsoft.com/office/drawing/2010/main" w="9525">
                   <a:solidFill>
                     <a:srgbClr val="000000"/>
                   </a:solidFill>
@@ -20879,7 +21061,7 @@
             </a:ln>
             <a:extLst>
               <a:ext uri="{909E8E84-426E-40dd-AFC4-6F175D3DCCD1}">
-                <a14:hiddenFill xmlns:a14="http://schemas.microsoft.com/office/drawing/2010/main" xmlns="">
+                <a14:hiddenFill xmlns="" xmlns:a14="http://schemas.microsoft.com/office/drawing/2010/main">
                   <a:noFill/>
                 </a14:hiddenFill>
               </a:ext>
@@ -20915,14 +21097,14 @@
             </a:ln>
             <a:extLst>
               <a:ext uri="{909E8E84-426E-40dd-AFC4-6F175D3DCCD1}">
-                <a14:hiddenFill xmlns:a14="http://schemas.microsoft.com/office/drawing/2010/main" xmlns="">
+                <a14:hiddenFill xmlns="" xmlns:a14="http://schemas.microsoft.com/office/drawing/2010/main">
                   <a:solidFill>
                     <a:srgbClr val="FFFFFF"/>
                   </a:solidFill>
                 </a14:hiddenFill>
               </a:ext>
               <a:ext uri="{91240B29-F687-4f45-9708-019B960494DF}">
-                <a14:hiddenLine xmlns:a14="http://schemas.microsoft.com/office/drawing/2010/main" xmlns="" w="9525">
+                <a14:hiddenLine xmlns="" xmlns:a14="http://schemas.microsoft.com/office/drawing/2010/main" w="9525">
                   <a:solidFill>
                     <a:srgbClr val="000000"/>
                   </a:solidFill>
@@ -20993,7 +21175,7 @@
             </a:ln>
             <a:extLst>
               <a:ext uri="{909E8E84-426E-40dd-AFC4-6F175D3DCCD1}">
-                <a14:hiddenFill xmlns:a14="http://schemas.microsoft.com/office/drawing/2010/main" xmlns="">
+                <a14:hiddenFill xmlns="" xmlns:a14="http://schemas.microsoft.com/office/drawing/2010/main">
                   <a:noFill/>
                 </a14:hiddenFill>
               </a:ext>
@@ -21029,14 +21211,14 @@
             </a:ln>
             <a:extLst>
               <a:ext uri="{909E8E84-426E-40dd-AFC4-6F175D3DCCD1}">
-                <a14:hiddenFill xmlns:a14="http://schemas.microsoft.com/office/drawing/2010/main" xmlns="">
+                <a14:hiddenFill xmlns="" xmlns:a14="http://schemas.microsoft.com/office/drawing/2010/main">
                   <a:solidFill>
                     <a:srgbClr val="FFFFFF"/>
                   </a:solidFill>
                 </a14:hiddenFill>
               </a:ext>
               <a:ext uri="{91240B29-F687-4f45-9708-019B960494DF}">
-                <a14:hiddenLine xmlns:a14="http://schemas.microsoft.com/office/drawing/2010/main" xmlns="" w="9525">
+                <a14:hiddenLine xmlns="" xmlns:a14="http://schemas.microsoft.com/office/drawing/2010/main" w="9525">
                   <a:solidFill>
                     <a:srgbClr val="000000"/>
                   </a:solidFill>
@@ -21107,7 +21289,7 @@
             </a:ln>
             <a:extLst>
               <a:ext uri="{909E8E84-426E-40dd-AFC4-6F175D3DCCD1}">
-                <a14:hiddenFill xmlns:a14="http://schemas.microsoft.com/office/drawing/2010/main" xmlns="">
+                <a14:hiddenFill xmlns="" xmlns:a14="http://schemas.microsoft.com/office/drawing/2010/main">
                   <a:noFill/>
                 </a14:hiddenFill>
               </a:ext>
@@ -21143,14 +21325,14 @@
             </a:ln>
             <a:extLst>
               <a:ext uri="{909E8E84-426E-40dd-AFC4-6F175D3DCCD1}">
-                <a14:hiddenFill xmlns:a14="http://schemas.microsoft.com/office/drawing/2010/main" xmlns="">
+                <a14:hiddenFill xmlns="" xmlns:a14="http://schemas.microsoft.com/office/drawing/2010/main">
                   <a:solidFill>
                     <a:srgbClr val="FFFFFF"/>
                   </a:solidFill>
                 </a14:hiddenFill>
               </a:ext>
               <a:ext uri="{91240B29-F687-4f45-9708-019B960494DF}">
-                <a14:hiddenLine xmlns:a14="http://schemas.microsoft.com/office/drawing/2010/main" xmlns="" w="9525">
+                <a14:hiddenLine xmlns="" xmlns:a14="http://schemas.microsoft.com/office/drawing/2010/main" w="9525">
                   <a:solidFill>
                     <a:srgbClr val="000000"/>
                   </a:solidFill>
@@ -21221,7 +21403,7 @@
             </a:ln>
             <a:extLst>
               <a:ext uri="{909E8E84-426E-40dd-AFC4-6F175D3DCCD1}">
-                <a14:hiddenFill xmlns:a14="http://schemas.microsoft.com/office/drawing/2010/main" xmlns="">
+                <a14:hiddenFill xmlns="" xmlns:a14="http://schemas.microsoft.com/office/drawing/2010/main">
                   <a:noFill/>
                 </a14:hiddenFill>
               </a:ext>
@@ -21262,7 +21444,7 @@
             </a:ln>
             <a:extLst>
               <a:ext uri="{909E8E84-426E-40dd-AFC4-6F175D3DCCD1}">
-                <a14:hiddenFill xmlns:a14="http://schemas.microsoft.com/office/drawing/2010/main" xmlns="">
+                <a14:hiddenFill xmlns="" xmlns:a14="http://schemas.microsoft.com/office/drawing/2010/main">
                   <a:noFill/>
                 </a14:hiddenFill>
               </a:ext>
@@ -21303,7 +21485,7 @@
             </a:ln>
             <a:extLst>
               <a:ext uri="{909E8E84-426E-40dd-AFC4-6F175D3DCCD1}">
-                <a14:hiddenFill xmlns:a14="http://schemas.microsoft.com/office/drawing/2010/main" xmlns="">
+                <a14:hiddenFill xmlns="" xmlns:a14="http://schemas.microsoft.com/office/drawing/2010/main">
                   <a:noFill/>
                 </a14:hiddenFill>
               </a:ext>
@@ -21362,7 +21544,7 @@
             </a:ln>
             <a:extLst>
               <a:ext uri="{909E8E84-426E-40dd-AFC4-6F175D3DCCD1}">
-                <a14:hiddenFill xmlns:a14="http://schemas.microsoft.com/office/drawing/2010/main" xmlns="">
+                <a14:hiddenFill xmlns="" xmlns:a14="http://schemas.microsoft.com/office/drawing/2010/main">
                   <a:noFill/>
                 </a14:hiddenFill>
               </a:ext>
@@ -21404,7 +21586,7 @@
             </a:ln>
             <a:extLst>
               <a:ext uri="{909E8E84-426E-40dd-AFC4-6F175D3DCCD1}">
-                <a14:hiddenFill xmlns:a14="http://schemas.microsoft.com/office/drawing/2010/main" xmlns="">
+                <a14:hiddenFill xmlns="" xmlns:a14="http://schemas.microsoft.com/office/drawing/2010/main">
                   <a:noFill/>
                 </a14:hiddenFill>
               </a:ext>
@@ -21446,7 +21628,7 @@
             </a:ln>
             <a:extLst>
               <a:ext uri="{909E8E84-426E-40dd-AFC4-6F175D3DCCD1}">
-                <a14:hiddenFill xmlns:a14="http://schemas.microsoft.com/office/drawing/2010/main" xmlns="">
+                <a14:hiddenFill xmlns="" xmlns:a14="http://schemas.microsoft.com/office/drawing/2010/main">
                   <a:noFill/>
                 </a14:hiddenFill>
               </a:ext>
@@ -21488,7 +21670,7 @@
             </a:ln>
             <a:extLst>
               <a:ext uri="{909E8E84-426E-40dd-AFC4-6F175D3DCCD1}">
-                <a14:hiddenFill xmlns:a14="http://schemas.microsoft.com/office/drawing/2010/main" xmlns="">
+                <a14:hiddenFill xmlns="" xmlns:a14="http://schemas.microsoft.com/office/drawing/2010/main">
                   <a:noFill/>
                 </a14:hiddenFill>
               </a:ext>
@@ -21530,7 +21712,7 @@
             </a:ln>
             <a:extLst>
               <a:ext uri="{909E8E84-426E-40dd-AFC4-6F175D3DCCD1}">
-                <a14:hiddenFill xmlns:a14="http://schemas.microsoft.com/office/drawing/2010/main" xmlns="">
+                <a14:hiddenFill xmlns="" xmlns:a14="http://schemas.microsoft.com/office/drawing/2010/main">
                   <a:noFill/>
                 </a14:hiddenFill>
               </a:ext>
@@ -21587,7 +21769,7 @@
               </a:ln>
               <a:extLst>
                 <a:ext uri="{909E8E84-426E-40dd-AFC4-6F175D3DCCD1}">
-                  <a14:hiddenFill xmlns:a14="http://schemas.microsoft.com/office/drawing/2010/main" xmlns="">
+                  <a14:hiddenFill xmlns="" xmlns:a14="http://schemas.microsoft.com/office/drawing/2010/main">
                     <a:noFill/>
                   </a14:hiddenFill>
                 </a:ext>
@@ -21628,7 +21810,7 @@
               </a:ln>
               <a:extLst>
                 <a:ext uri="{909E8E84-426E-40dd-AFC4-6F175D3DCCD1}">
-                  <a14:hiddenFill xmlns:a14="http://schemas.microsoft.com/office/drawing/2010/main" xmlns="">
+                  <a14:hiddenFill xmlns="" xmlns:a14="http://schemas.microsoft.com/office/drawing/2010/main">
                     <a:noFill/>
                   </a14:hiddenFill>
                 </a:ext>
@@ -21669,7 +21851,7 @@
               </a:ln>
               <a:extLst>
                 <a:ext uri="{909E8E84-426E-40dd-AFC4-6F175D3DCCD1}">
-                  <a14:hiddenFill xmlns:a14="http://schemas.microsoft.com/office/drawing/2010/main" xmlns="">
+                  <a14:hiddenFill xmlns="" xmlns:a14="http://schemas.microsoft.com/office/drawing/2010/main">
                     <a:noFill/>
                   </a14:hiddenFill>
                 </a:ext>
@@ -21710,7 +21892,7 @@
               </a:ln>
               <a:extLst>
                 <a:ext uri="{909E8E84-426E-40dd-AFC4-6F175D3DCCD1}">
-                  <a14:hiddenFill xmlns:a14="http://schemas.microsoft.com/office/drawing/2010/main" xmlns="">
+                  <a14:hiddenFill xmlns="" xmlns:a14="http://schemas.microsoft.com/office/drawing/2010/main">
                     <a:noFill/>
                   </a14:hiddenFill>
                 </a:ext>
@@ -21751,7 +21933,7 @@
               </a:ln>
               <a:extLst>
                 <a:ext uri="{909E8E84-426E-40dd-AFC4-6F175D3DCCD1}">
-                  <a14:hiddenFill xmlns:a14="http://schemas.microsoft.com/office/drawing/2010/main" xmlns="">
+                  <a14:hiddenFill xmlns="" xmlns:a14="http://schemas.microsoft.com/office/drawing/2010/main">
                     <a:noFill/>
                   </a14:hiddenFill>
                 </a:ext>
@@ -21792,7 +21974,7 @@
               </a:ln>
               <a:extLst>
                 <a:ext uri="{909E8E84-426E-40dd-AFC4-6F175D3DCCD1}">
-                  <a14:hiddenFill xmlns:a14="http://schemas.microsoft.com/office/drawing/2010/main" xmlns="">
+                  <a14:hiddenFill xmlns="" xmlns:a14="http://schemas.microsoft.com/office/drawing/2010/main">
                     <a:noFill/>
                   </a14:hiddenFill>
                 </a:ext>
@@ -21849,7 +22031,7 @@
                 </a:ln>
                 <a:extLst>
                   <a:ext uri="{909E8E84-426E-40dd-AFC4-6F175D3DCCD1}">
-                    <a14:hiddenFill xmlns:a14="http://schemas.microsoft.com/office/drawing/2010/main" xmlns="">
+                    <a14:hiddenFill xmlns="" xmlns:a14="http://schemas.microsoft.com/office/drawing/2010/main">
                       <a:noFill/>
                     </a14:hiddenFill>
                   </a:ext>
@@ -21890,7 +22072,7 @@
                 </a:ln>
                 <a:extLst>
                   <a:ext uri="{909E8E84-426E-40dd-AFC4-6F175D3DCCD1}">
-                    <a14:hiddenFill xmlns:a14="http://schemas.microsoft.com/office/drawing/2010/main" xmlns="">
+                    <a14:hiddenFill xmlns="" xmlns:a14="http://schemas.microsoft.com/office/drawing/2010/main">
                       <a:noFill/>
                     </a14:hiddenFill>
                   </a:ext>
@@ -21931,7 +22113,7 @@
                 </a:ln>
                 <a:extLst>
                   <a:ext uri="{909E8E84-426E-40dd-AFC4-6F175D3DCCD1}">
-                    <a14:hiddenFill xmlns:a14="http://schemas.microsoft.com/office/drawing/2010/main" xmlns="">
+                    <a14:hiddenFill xmlns="" xmlns:a14="http://schemas.microsoft.com/office/drawing/2010/main">
                       <a:noFill/>
                     </a14:hiddenFill>
                   </a:ext>
@@ -21971,7 +22153,7 @@
             </a:ln>
             <a:extLst>
               <a:ext uri="{91240B29-F687-4f45-9708-019B960494DF}">
-                <a14:hiddenLine xmlns:a14="http://schemas.microsoft.com/office/drawing/2010/main" xmlns="" w="9525">
+                <a14:hiddenLine xmlns="" xmlns:a14="http://schemas.microsoft.com/office/drawing/2010/main" w="9525">
                   <a:solidFill>
                     <a:srgbClr val="000000"/>
                   </a:solidFill>
@@ -22014,7 +22196,7 @@
             </a:ln>
             <a:extLst>
               <a:ext uri="{91240B29-F687-4f45-9708-019B960494DF}">
-                <a14:hiddenLine xmlns:a14="http://schemas.microsoft.com/office/drawing/2010/main" xmlns="" w="9525">
+                <a14:hiddenLine xmlns="" xmlns:a14="http://schemas.microsoft.com/office/drawing/2010/main" w="9525">
                   <a:solidFill>
                     <a:srgbClr val="000000"/>
                   </a:solidFill>
@@ -22061,14 +22243,14 @@
           <a:effectLst/>
           <a:extLst>
             <a:ext uri="{909E8E84-426E-40dd-AFC4-6F175D3DCCD1}">
-              <a14:hiddenFill xmlns:a14="http://schemas.microsoft.com/office/drawing/2010/main" xmlns="">
+              <a14:hiddenFill xmlns="" xmlns:a14="http://schemas.microsoft.com/office/drawing/2010/main">
                 <a:solidFill>
                   <a:schemeClr val="bg2"/>
                 </a:solidFill>
               </a14:hiddenFill>
             </a:ext>
             <a:ext uri="{91240B29-F687-4f45-9708-019B960494DF}">
-              <a14:hiddenLine xmlns:a14="http://schemas.microsoft.com/office/drawing/2010/main" xmlns="" w="25400">
+              <a14:hiddenLine xmlns="" xmlns:a14="http://schemas.microsoft.com/office/drawing/2010/main" w="25400">
                 <a:solidFill>
                   <a:schemeClr val="tx1"/>
                 </a:solidFill>
@@ -22078,7 +22260,7 @@
               </a14:hiddenLine>
             </a:ext>
             <a:ext uri="{AF507438-7753-43e0-B8FC-AC1667EBCBE1}">
-              <a14:hiddenEffects xmlns:a14="http://schemas.microsoft.com/office/drawing/2010/main" xmlns="">
+              <a14:hiddenEffects xmlns="" xmlns:a14="http://schemas.microsoft.com/office/drawing/2010/main">
                 <a:effectLst>
                   <a:outerShdw blurRad="63500" dist="38099" dir="2700000" algn="ctr" rotWithShape="0">
                     <a:schemeClr val="bg2">
@@ -22133,14 +22315,14 @@
           <a:effectLst/>
           <a:extLst>
             <a:ext uri="{909E8E84-426E-40dd-AFC4-6F175D3DCCD1}">
-              <a14:hiddenFill xmlns:a14="http://schemas.microsoft.com/office/drawing/2010/main" xmlns="">
+              <a14:hiddenFill xmlns="" xmlns:a14="http://schemas.microsoft.com/office/drawing/2010/main">
                 <a:solidFill>
                   <a:schemeClr val="bg2"/>
                 </a:solidFill>
               </a14:hiddenFill>
             </a:ext>
             <a:ext uri="{91240B29-F687-4f45-9708-019B960494DF}">
-              <a14:hiddenLine xmlns:a14="http://schemas.microsoft.com/office/drawing/2010/main" xmlns="" w="25400">
+              <a14:hiddenLine xmlns="" xmlns:a14="http://schemas.microsoft.com/office/drawing/2010/main" w="25400">
                 <a:solidFill>
                   <a:schemeClr val="tx1"/>
                 </a:solidFill>
@@ -22150,7 +22332,7 @@
               </a14:hiddenLine>
             </a:ext>
             <a:ext uri="{AF507438-7753-43e0-B8FC-AC1667EBCBE1}">
-              <a14:hiddenEffects xmlns:a14="http://schemas.microsoft.com/office/drawing/2010/main" xmlns="">
+              <a14:hiddenEffects xmlns="" xmlns:a14="http://schemas.microsoft.com/office/drawing/2010/main">
                 <a:effectLst>
                   <a:outerShdw blurRad="63500" dist="38099" dir="2700000" algn="ctr" rotWithShape="0">
                     <a:schemeClr val="bg2">
@@ -23484,7 +23666,7 @@
           </a:ln>
           <a:extLst>
             <a:ext uri="{909E8E84-426E-40dd-AFC4-6F175D3DCCD1}">
-              <a14:hiddenFill xmlns:a14="http://schemas.microsoft.com/office/drawing/2010/main" xmlns="">
+              <a14:hiddenFill xmlns="" xmlns:a14="http://schemas.microsoft.com/office/drawing/2010/main">
                 <a:noFill/>
               </a14:hiddenFill>
             </a:ext>
@@ -23525,7 +23707,7 @@
           </a:ln>
           <a:extLst>
             <a:ext uri="{909E8E84-426E-40dd-AFC4-6F175D3DCCD1}">
-              <a14:hiddenFill xmlns:a14="http://schemas.microsoft.com/office/drawing/2010/main" xmlns="">
+              <a14:hiddenFill xmlns="" xmlns:a14="http://schemas.microsoft.com/office/drawing/2010/main">
                 <a:noFill/>
               </a14:hiddenFill>
             </a:ext>
@@ -23561,14 +23743,14 @@
           </a:ln>
           <a:extLst>
             <a:ext uri="{909E8E84-426E-40dd-AFC4-6F175D3DCCD1}">
-              <a14:hiddenFill xmlns:a14="http://schemas.microsoft.com/office/drawing/2010/main" xmlns="">
+              <a14:hiddenFill xmlns="" xmlns:a14="http://schemas.microsoft.com/office/drawing/2010/main">
                 <a:solidFill>
                   <a:srgbClr val="FFFFFF"/>
                 </a:solidFill>
               </a14:hiddenFill>
             </a:ext>
             <a:ext uri="{91240B29-F687-4f45-9708-019B960494DF}">
-              <a14:hiddenLine xmlns:a14="http://schemas.microsoft.com/office/drawing/2010/main" xmlns="" w="25400">
+              <a14:hiddenLine xmlns="" xmlns:a14="http://schemas.microsoft.com/office/drawing/2010/main" w="25400">
                 <a:solidFill>
                   <a:srgbClr val="000000"/>
                 </a:solidFill>
@@ -23735,14 +23917,14 @@
           </a:ln>
           <a:extLst>
             <a:ext uri="{909E8E84-426E-40dd-AFC4-6F175D3DCCD1}">
-              <a14:hiddenFill xmlns:a14="http://schemas.microsoft.com/office/drawing/2010/main" xmlns="">
+              <a14:hiddenFill xmlns="" xmlns:a14="http://schemas.microsoft.com/office/drawing/2010/main">
                 <a:solidFill>
                   <a:srgbClr val="FFFFFF"/>
                 </a:solidFill>
               </a14:hiddenFill>
             </a:ext>
             <a:ext uri="{91240B29-F687-4f45-9708-019B960494DF}">
-              <a14:hiddenLine xmlns:a14="http://schemas.microsoft.com/office/drawing/2010/main" xmlns="" w="25400">
+              <a14:hiddenLine xmlns="" xmlns:a14="http://schemas.microsoft.com/office/drawing/2010/main" w="25400">
                 <a:solidFill>
                   <a:srgbClr val="000000"/>
                 </a:solidFill>
@@ -23914,7 +24096,7 @@
           </a:ln>
           <a:extLst>
             <a:ext uri="{909E8E84-426E-40dd-AFC4-6F175D3DCCD1}">
-              <a14:hiddenFill xmlns:a14="http://schemas.microsoft.com/office/drawing/2010/main" xmlns="">
+              <a14:hiddenFill xmlns="" xmlns:a14="http://schemas.microsoft.com/office/drawing/2010/main">
                 <a:noFill/>
               </a14:hiddenFill>
             </a:ext>
@@ -23950,14 +24132,14 @@
           </a:ln>
           <a:extLst>
             <a:ext uri="{909E8E84-426E-40dd-AFC4-6F175D3DCCD1}">
-              <a14:hiddenFill xmlns:a14="http://schemas.microsoft.com/office/drawing/2010/main" xmlns="">
+              <a14:hiddenFill xmlns="" xmlns:a14="http://schemas.microsoft.com/office/drawing/2010/main">
                 <a:solidFill>
                   <a:srgbClr val="FFFFFF"/>
                 </a:solidFill>
               </a14:hiddenFill>
             </a:ext>
             <a:ext uri="{91240B29-F687-4f45-9708-019B960494DF}">
-              <a14:hiddenLine xmlns:a14="http://schemas.microsoft.com/office/drawing/2010/main" xmlns="" w="25400">
+              <a14:hiddenLine xmlns="" xmlns:a14="http://schemas.microsoft.com/office/drawing/2010/main" w="25400">
                 <a:solidFill>
                   <a:srgbClr val="000000"/>
                 </a:solidFill>
@@ -24126,7 +24308,7 @@
           </a:ln>
           <a:extLst>
             <a:ext uri="{909E8E84-426E-40dd-AFC4-6F175D3DCCD1}">
-              <a14:hiddenFill xmlns:a14="http://schemas.microsoft.com/office/drawing/2010/main" xmlns="">
+              <a14:hiddenFill xmlns="" xmlns:a14="http://schemas.microsoft.com/office/drawing/2010/main">
                 <a:noFill/>
               </a14:hiddenFill>
             </a:ext>
@@ -24162,14 +24344,14 @@
           </a:ln>
           <a:extLst>
             <a:ext uri="{909E8E84-426E-40dd-AFC4-6F175D3DCCD1}">
-              <a14:hiddenFill xmlns:a14="http://schemas.microsoft.com/office/drawing/2010/main" xmlns="">
+              <a14:hiddenFill xmlns="" xmlns:a14="http://schemas.microsoft.com/office/drawing/2010/main">
                 <a:solidFill>
                   <a:srgbClr val="FFFFFF"/>
                 </a:solidFill>
               </a14:hiddenFill>
             </a:ext>
             <a:ext uri="{91240B29-F687-4f45-9708-019B960494DF}">
-              <a14:hiddenLine xmlns:a14="http://schemas.microsoft.com/office/drawing/2010/main" xmlns="" w="25400">
+              <a14:hiddenLine xmlns="" xmlns:a14="http://schemas.microsoft.com/office/drawing/2010/main" w="25400">
                 <a:solidFill>
                   <a:srgbClr val="000000"/>
                 </a:solidFill>
@@ -24338,7 +24520,7 @@
           </a:ln>
           <a:extLst>
             <a:ext uri="{909E8E84-426E-40dd-AFC4-6F175D3DCCD1}">
-              <a14:hiddenFill xmlns:a14="http://schemas.microsoft.com/office/drawing/2010/main" xmlns="">
+              <a14:hiddenFill xmlns="" xmlns:a14="http://schemas.microsoft.com/office/drawing/2010/main">
                 <a:noFill/>
               </a14:hiddenFill>
             </a:ext>
@@ -24374,14 +24556,14 @@
           </a:ln>
           <a:extLst>
             <a:ext uri="{909E8E84-426E-40dd-AFC4-6F175D3DCCD1}">
-              <a14:hiddenFill xmlns:a14="http://schemas.microsoft.com/office/drawing/2010/main" xmlns="">
+              <a14:hiddenFill xmlns="" xmlns:a14="http://schemas.microsoft.com/office/drawing/2010/main">
                 <a:solidFill>
                   <a:srgbClr val="FFFFFF"/>
                 </a:solidFill>
               </a14:hiddenFill>
             </a:ext>
             <a:ext uri="{91240B29-F687-4f45-9708-019B960494DF}">
-              <a14:hiddenLine xmlns:a14="http://schemas.microsoft.com/office/drawing/2010/main" xmlns="" w="25400">
+              <a14:hiddenLine xmlns="" xmlns:a14="http://schemas.microsoft.com/office/drawing/2010/main" w="25400">
                 <a:solidFill>
                   <a:srgbClr val="000000"/>
                 </a:solidFill>
@@ -24550,7 +24732,7 @@
           </a:ln>
           <a:extLst>
             <a:ext uri="{909E8E84-426E-40dd-AFC4-6F175D3DCCD1}">
-              <a14:hiddenFill xmlns:a14="http://schemas.microsoft.com/office/drawing/2010/main" xmlns="">
+              <a14:hiddenFill xmlns="" xmlns:a14="http://schemas.microsoft.com/office/drawing/2010/main">
                 <a:noFill/>
               </a14:hiddenFill>
             </a:ext>
@@ -24586,14 +24768,14 @@
           </a:ln>
           <a:extLst>
             <a:ext uri="{909E8E84-426E-40dd-AFC4-6F175D3DCCD1}">
-              <a14:hiddenFill xmlns:a14="http://schemas.microsoft.com/office/drawing/2010/main" xmlns="">
+              <a14:hiddenFill xmlns="" xmlns:a14="http://schemas.microsoft.com/office/drawing/2010/main">
                 <a:solidFill>
                   <a:srgbClr val="FFFFFF"/>
                 </a:solidFill>
               </a14:hiddenFill>
             </a:ext>
             <a:ext uri="{91240B29-F687-4f45-9708-019B960494DF}">
-              <a14:hiddenLine xmlns:a14="http://schemas.microsoft.com/office/drawing/2010/main" xmlns="" w="25400">
+              <a14:hiddenLine xmlns="" xmlns:a14="http://schemas.microsoft.com/office/drawing/2010/main" w="25400">
                 <a:solidFill>
                   <a:srgbClr val="000000"/>
                 </a:solidFill>
@@ -24762,7 +24944,7 @@
           </a:ln>
           <a:extLst>
             <a:ext uri="{909E8E84-426E-40dd-AFC4-6F175D3DCCD1}">
-              <a14:hiddenFill xmlns:a14="http://schemas.microsoft.com/office/drawing/2010/main" xmlns="">
+              <a14:hiddenFill xmlns="" xmlns:a14="http://schemas.microsoft.com/office/drawing/2010/main">
                 <a:noFill/>
               </a14:hiddenFill>
             </a:ext>
@@ -24798,14 +24980,14 @@
           </a:ln>
           <a:extLst>
             <a:ext uri="{909E8E84-426E-40dd-AFC4-6F175D3DCCD1}">
-              <a14:hiddenFill xmlns:a14="http://schemas.microsoft.com/office/drawing/2010/main" xmlns="">
+              <a14:hiddenFill xmlns="" xmlns:a14="http://schemas.microsoft.com/office/drawing/2010/main">
                 <a:solidFill>
                   <a:srgbClr val="FFFFFF"/>
                 </a:solidFill>
               </a14:hiddenFill>
             </a:ext>
             <a:ext uri="{91240B29-F687-4f45-9708-019B960494DF}">
-              <a14:hiddenLine xmlns:a14="http://schemas.microsoft.com/office/drawing/2010/main" xmlns="" w="25400">
+              <a14:hiddenLine xmlns="" xmlns:a14="http://schemas.microsoft.com/office/drawing/2010/main" w="25400">
                 <a:solidFill>
                   <a:srgbClr val="000000"/>
                 </a:solidFill>
@@ -24974,7 +25156,7 @@
           </a:ln>
           <a:extLst>
             <a:ext uri="{909E8E84-426E-40dd-AFC4-6F175D3DCCD1}">
-              <a14:hiddenFill xmlns:a14="http://schemas.microsoft.com/office/drawing/2010/main" xmlns="">
+              <a14:hiddenFill xmlns="" xmlns:a14="http://schemas.microsoft.com/office/drawing/2010/main">
                 <a:noFill/>
               </a14:hiddenFill>
             </a:ext>
@@ -25010,14 +25192,14 @@
           </a:ln>
           <a:extLst>
             <a:ext uri="{909E8E84-426E-40dd-AFC4-6F175D3DCCD1}">
-              <a14:hiddenFill xmlns:a14="http://schemas.microsoft.com/office/drawing/2010/main" xmlns="">
+              <a14:hiddenFill xmlns="" xmlns:a14="http://schemas.microsoft.com/office/drawing/2010/main">
                 <a:solidFill>
                   <a:srgbClr val="FFFFFF"/>
                 </a:solidFill>
               </a14:hiddenFill>
             </a:ext>
             <a:ext uri="{91240B29-F687-4f45-9708-019B960494DF}">
-              <a14:hiddenLine xmlns:a14="http://schemas.microsoft.com/office/drawing/2010/main" xmlns="" w="25400">
+              <a14:hiddenLine xmlns="" xmlns:a14="http://schemas.microsoft.com/office/drawing/2010/main" w="25400">
                 <a:solidFill>
                   <a:srgbClr val="000000"/>
                 </a:solidFill>
@@ -26867,14 +27049,14 @@
           </a:ln>
           <a:extLst>
             <a:ext uri="{909E8E84-426E-40dd-AFC4-6F175D3DCCD1}">
-              <a14:hiddenFill xmlns:a14="http://schemas.microsoft.com/office/drawing/2010/main" xmlns="">
+              <a14:hiddenFill xmlns="" xmlns:a14="http://schemas.microsoft.com/office/drawing/2010/main">
                 <a:solidFill>
                   <a:srgbClr val="FFFFFF"/>
                 </a:solidFill>
               </a14:hiddenFill>
             </a:ext>
             <a:ext uri="{91240B29-F687-4f45-9708-019B960494DF}">
-              <a14:hiddenLine xmlns:a14="http://schemas.microsoft.com/office/drawing/2010/main" xmlns="" w="9525">
+              <a14:hiddenLine xmlns="" xmlns:a14="http://schemas.microsoft.com/office/drawing/2010/main" w="9525">
                 <a:solidFill>
                   <a:srgbClr val="000000"/>
                 </a:solidFill>
@@ -28516,7 +28698,7 @@
             </a:ln>
             <a:extLst>
               <a:ext uri="{909E8E84-426E-40dd-AFC4-6F175D3DCCD1}">
-                <a14:hiddenFill xmlns:a14="http://schemas.microsoft.com/office/drawing/2010/main" xmlns="">
+                <a14:hiddenFill xmlns="" xmlns:a14="http://schemas.microsoft.com/office/drawing/2010/main">
                   <a:noFill/>
                 </a14:hiddenFill>
               </a:ext>
@@ -28559,7 +28741,7 @@
             </a:ln>
             <a:extLst>
               <a:ext uri="{909E8E84-426E-40dd-AFC4-6F175D3DCCD1}">
-                <a14:hiddenFill xmlns:a14="http://schemas.microsoft.com/office/drawing/2010/main" xmlns="">
+                <a14:hiddenFill xmlns="" xmlns:a14="http://schemas.microsoft.com/office/drawing/2010/main">
                   <a:noFill/>
                 </a14:hiddenFill>
               </a:ext>
@@ -28733,7 +28915,7 @@
             </a:ln>
             <a:extLst>
               <a:ext uri="{909E8E84-426E-40dd-AFC4-6F175D3DCCD1}">
-                <a14:hiddenFill xmlns:a14="http://schemas.microsoft.com/office/drawing/2010/main" xmlns="">
+                <a14:hiddenFill xmlns="" xmlns:a14="http://schemas.microsoft.com/office/drawing/2010/main">
                   <a:noFill/>
                 </a14:hiddenFill>
               </a:ext>
@@ -28776,7 +28958,7 @@
             </a:ln>
             <a:extLst>
               <a:ext uri="{909E8E84-426E-40dd-AFC4-6F175D3DCCD1}">
-                <a14:hiddenFill xmlns:a14="http://schemas.microsoft.com/office/drawing/2010/main" xmlns="">
+                <a14:hiddenFill xmlns="" xmlns:a14="http://schemas.microsoft.com/office/drawing/2010/main">
                   <a:noFill/>
                 </a14:hiddenFill>
               </a:ext>
@@ -28819,7 +29001,7 @@
             </a:ln>
             <a:extLst>
               <a:ext uri="{909E8E84-426E-40dd-AFC4-6F175D3DCCD1}">
-                <a14:hiddenFill xmlns:a14="http://schemas.microsoft.com/office/drawing/2010/main" xmlns="">
+                <a14:hiddenFill xmlns="" xmlns:a14="http://schemas.microsoft.com/office/drawing/2010/main">
                   <a:noFill/>
                 </a14:hiddenFill>
               </a:ext>
@@ -28862,7 +29044,7 @@
             </a:ln>
             <a:extLst>
               <a:ext uri="{909E8E84-426E-40dd-AFC4-6F175D3DCCD1}">
-                <a14:hiddenFill xmlns:a14="http://schemas.microsoft.com/office/drawing/2010/main" xmlns="">
+                <a14:hiddenFill xmlns="" xmlns:a14="http://schemas.microsoft.com/office/drawing/2010/main">
                   <a:solidFill>
                     <a:srgbClr val="FFFFFF"/>
                   </a:solidFill>
@@ -29275,7 +29457,7 @@
             </a:ln>
             <a:extLst>
               <a:ext uri="{909E8E84-426E-40dd-AFC4-6F175D3DCCD1}">
-                <a14:hiddenFill xmlns:a14="http://schemas.microsoft.com/office/drawing/2010/main" xmlns="">
+                <a14:hiddenFill xmlns="" xmlns:a14="http://schemas.microsoft.com/office/drawing/2010/main">
                   <a:noFill/>
                 </a14:hiddenFill>
               </a:ext>
@@ -29318,7 +29500,7 @@
             </a:ln>
             <a:extLst>
               <a:ext uri="{909E8E84-426E-40dd-AFC4-6F175D3DCCD1}">
-                <a14:hiddenFill xmlns:a14="http://schemas.microsoft.com/office/drawing/2010/main" xmlns="">
+                <a14:hiddenFill xmlns="" xmlns:a14="http://schemas.microsoft.com/office/drawing/2010/main">
                   <a:noFill/>
                 </a14:hiddenFill>
               </a:ext>
@@ -29361,7 +29543,7 @@
             </a:ln>
             <a:extLst>
               <a:ext uri="{909E8E84-426E-40dd-AFC4-6F175D3DCCD1}">
-                <a14:hiddenFill xmlns:a14="http://schemas.microsoft.com/office/drawing/2010/main" xmlns="">
+                <a14:hiddenFill xmlns="" xmlns:a14="http://schemas.microsoft.com/office/drawing/2010/main">
                   <a:noFill/>
                 </a14:hiddenFill>
               </a:ext>
@@ -29575,7 +29757,7 @@
             </a:ln>
             <a:extLst>
               <a:ext uri="{909E8E84-426E-40dd-AFC4-6F175D3DCCD1}">
-                <a14:hiddenFill xmlns:a14="http://schemas.microsoft.com/office/drawing/2010/main" xmlns="">
+                <a14:hiddenFill xmlns="" xmlns:a14="http://schemas.microsoft.com/office/drawing/2010/main">
                   <a:noFill/>
                 </a14:hiddenFill>
               </a:ext>
@@ -29618,7 +29800,7 @@
             </a:ln>
             <a:extLst>
               <a:ext uri="{909E8E84-426E-40dd-AFC4-6F175D3DCCD1}">
-                <a14:hiddenFill xmlns:a14="http://schemas.microsoft.com/office/drawing/2010/main" xmlns="">
+                <a14:hiddenFill xmlns="" xmlns:a14="http://schemas.microsoft.com/office/drawing/2010/main">
                   <a:noFill/>
                 </a14:hiddenFill>
               </a:ext>
@@ -29792,7 +29974,7 @@
             </a:ln>
             <a:extLst>
               <a:ext uri="{909E8E84-426E-40dd-AFC4-6F175D3DCCD1}">
-                <a14:hiddenFill xmlns:a14="http://schemas.microsoft.com/office/drawing/2010/main" xmlns="">
+                <a14:hiddenFill xmlns="" xmlns:a14="http://schemas.microsoft.com/office/drawing/2010/main">
                   <a:noFill/>
                 </a14:hiddenFill>
               </a:ext>
@@ -29835,7 +30017,7 @@
             </a:ln>
             <a:extLst>
               <a:ext uri="{909E8E84-426E-40dd-AFC4-6F175D3DCCD1}">
-                <a14:hiddenFill xmlns:a14="http://schemas.microsoft.com/office/drawing/2010/main" xmlns="">
+                <a14:hiddenFill xmlns="" xmlns:a14="http://schemas.microsoft.com/office/drawing/2010/main">
                   <a:noFill/>
                 </a14:hiddenFill>
               </a:ext>
@@ -29878,7 +30060,7 @@
             </a:ln>
             <a:extLst>
               <a:ext uri="{909E8E84-426E-40dd-AFC4-6F175D3DCCD1}">
-                <a14:hiddenFill xmlns:a14="http://schemas.microsoft.com/office/drawing/2010/main" xmlns="">
+                <a14:hiddenFill xmlns="" xmlns:a14="http://schemas.microsoft.com/office/drawing/2010/main">
                   <a:noFill/>
                 </a14:hiddenFill>
               </a:ext>
@@ -29921,7 +30103,7 @@
             </a:ln>
             <a:extLst>
               <a:ext uri="{909E8E84-426E-40dd-AFC4-6F175D3DCCD1}">
-                <a14:hiddenFill xmlns:a14="http://schemas.microsoft.com/office/drawing/2010/main" xmlns="">
+                <a14:hiddenFill xmlns="" xmlns:a14="http://schemas.microsoft.com/office/drawing/2010/main">
                   <a:solidFill>
                     <a:srgbClr val="FFFFFF"/>
                   </a:solidFill>
@@ -30334,7 +30516,7 @@
             </a:ln>
             <a:extLst>
               <a:ext uri="{909E8E84-426E-40dd-AFC4-6F175D3DCCD1}">
-                <a14:hiddenFill xmlns:a14="http://schemas.microsoft.com/office/drawing/2010/main" xmlns="">
+                <a14:hiddenFill xmlns="" xmlns:a14="http://schemas.microsoft.com/office/drawing/2010/main">
                   <a:noFill/>
                 </a14:hiddenFill>
               </a:ext>
@@ -30377,7 +30559,7 @@
             </a:ln>
             <a:extLst>
               <a:ext uri="{909E8E84-426E-40dd-AFC4-6F175D3DCCD1}">
-                <a14:hiddenFill xmlns:a14="http://schemas.microsoft.com/office/drawing/2010/main" xmlns="">
+                <a14:hiddenFill xmlns="" xmlns:a14="http://schemas.microsoft.com/office/drawing/2010/main">
                   <a:noFill/>
                 </a14:hiddenFill>
               </a:ext>
@@ -30420,7 +30602,7 @@
             </a:ln>
             <a:extLst>
               <a:ext uri="{909E8E84-426E-40dd-AFC4-6F175D3DCCD1}">
-                <a14:hiddenFill xmlns:a14="http://schemas.microsoft.com/office/drawing/2010/main" xmlns="">
+                <a14:hiddenFill xmlns="" xmlns:a14="http://schemas.microsoft.com/office/drawing/2010/main">
                   <a:noFill/>
                 </a14:hiddenFill>
               </a:ext>
@@ -30634,7 +30816,7 @@
             </a:ln>
             <a:extLst>
               <a:ext uri="{909E8E84-426E-40dd-AFC4-6F175D3DCCD1}">
-                <a14:hiddenFill xmlns:a14="http://schemas.microsoft.com/office/drawing/2010/main" xmlns="">
+                <a14:hiddenFill xmlns="" xmlns:a14="http://schemas.microsoft.com/office/drawing/2010/main">
                   <a:noFill/>
                 </a14:hiddenFill>
               </a:ext>
@@ -30677,7 +30859,7 @@
             </a:ln>
             <a:extLst>
               <a:ext uri="{909E8E84-426E-40dd-AFC4-6F175D3DCCD1}">
-                <a14:hiddenFill xmlns:a14="http://schemas.microsoft.com/office/drawing/2010/main" xmlns="">
+                <a14:hiddenFill xmlns="" xmlns:a14="http://schemas.microsoft.com/office/drawing/2010/main">
                   <a:noFill/>
                 </a14:hiddenFill>
               </a:ext>
@@ -30851,7 +31033,7 @@
             </a:ln>
             <a:extLst>
               <a:ext uri="{909E8E84-426E-40dd-AFC4-6F175D3DCCD1}">
-                <a14:hiddenFill xmlns:a14="http://schemas.microsoft.com/office/drawing/2010/main" xmlns="">
+                <a14:hiddenFill xmlns="" xmlns:a14="http://schemas.microsoft.com/office/drawing/2010/main">
                   <a:noFill/>
                 </a14:hiddenFill>
               </a:ext>
@@ -30894,7 +31076,7 @@
             </a:ln>
             <a:extLst>
               <a:ext uri="{909E8E84-426E-40dd-AFC4-6F175D3DCCD1}">
-                <a14:hiddenFill xmlns:a14="http://schemas.microsoft.com/office/drawing/2010/main" xmlns="">
+                <a14:hiddenFill xmlns="" xmlns:a14="http://schemas.microsoft.com/office/drawing/2010/main">
                   <a:noFill/>
                 </a14:hiddenFill>
               </a:ext>
@@ -30937,7 +31119,7 @@
             </a:ln>
             <a:extLst>
               <a:ext uri="{909E8E84-426E-40dd-AFC4-6F175D3DCCD1}">
-                <a14:hiddenFill xmlns:a14="http://schemas.microsoft.com/office/drawing/2010/main" xmlns="">
+                <a14:hiddenFill xmlns="" xmlns:a14="http://schemas.microsoft.com/office/drawing/2010/main">
                   <a:noFill/>
                 </a14:hiddenFill>
               </a:ext>
@@ -30980,7 +31162,7 @@
             </a:ln>
             <a:extLst>
               <a:ext uri="{909E8E84-426E-40dd-AFC4-6F175D3DCCD1}">
-                <a14:hiddenFill xmlns:a14="http://schemas.microsoft.com/office/drawing/2010/main" xmlns="">
+                <a14:hiddenFill xmlns="" xmlns:a14="http://schemas.microsoft.com/office/drawing/2010/main">
                   <a:solidFill>
                     <a:srgbClr val="FFFFFF"/>
                   </a:solidFill>
@@ -31393,7 +31575,7 @@
             </a:ln>
             <a:extLst>
               <a:ext uri="{909E8E84-426E-40dd-AFC4-6F175D3DCCD1}">
-                <a14:hiddenFill xmlns:a14="http://schemas.microsoft.com/office/drawing/2010/main" xmlns="">
+                <a14:hiddenFill xmlns="" xmlns:a14="http://schemas.microsoft.com/office/drawing/2010/main">
                   <a:noFill/>
                 </a14:hiddenFill>
               </a:ext>
@@ -31436,7 +31618,7 @@
             </a:ln>
             <a:extLst>
               <a:ext uri="{909E8E84-426E-40dd-AFC4-6F175D3DCCD1}">
-                <a14:hiddenFill xmlns:a14="http://schemas.microsoft.com/office/drawing/2010/main" xmlns="">
+                <a14:hiddenFill xmlns="" xmlns:a14="http://schemas.microsoft.com/office/drawing/2010/main">
                   <a:noFill/>
                 </a14:hiddenFill>
               </a:ext>
@@ -31479,7 +31661,7 @@
             </a:ln>
             <a:extLst>
               <a:ext uri="{909E8E84-426E-40dd-AFC4-6F175D3DCCD1}">
-                <a14:hiddenFill xmlns:a14="http://schemas.microsoft.com/office/drawing/2010/main" xmlns="">
+                <a14:hiddenFill xmlns="" xmlns:a14="http://schemas.microsoft.com/office/drawing/2010/main">
                   <a:noFill/>
                 </a14:hiddenFill>
               </a:ext>
@@ -31693,7 +31875,7 @@
             </a:ln>
             <a:extLst>
               <a:ext uri="{909E8E84-426E-40dd-AFC4-6F175D3DCCD1}">
-                <a14:hiddenFill xmlns:a14="http://schemas.microsoft.com/office/drawing/2010/main" xmlns="">
+                <a14:hiddenFill xmlns="" xmlns:a14="http://schemas.microsoft.com/office/drawing/2010/main">
                   <a:noFill/>
                 </a14:hiddenFill>
               </a:ext>
@@ -31736,7 +31918,7 @@
             </a:ln>
             <a:extLst>
               <a:ext uri="{909E8E84-426E-40dd-AFC4-6F175D3DCCD1}">
-                <a14:hiddenFill xmlns:a14="http://schemas.microsoft.com/office/drawing/2010/main" xmlns="">
+                <a14:hiddenFill xmlns="" xmlns:a14="http://schemas.microsoft.com/office/drawing/2010/main">
                   <a:noFill/>
                 </a14:hiddenFill>
               </a:ext>
@@ -31910,7 +32092,7 @@
             </a:ln>
             <a:extLst>
               <a:ext uri="{909E8E84-426E-40dd-AFC4-6F175D3DCCD1}">
-                <a14:hiddenFill xmlns:a14="http://schemas.microsoft.com/office/drawing/2010/main" xmlns="">
+                <a14:hiddenFill xmlns="" xmlns:a14="http://schemas.microsoft.com/office/drawing/2010/main">
                   <a:noFill/>
                 </a14:hiddenFill>
               </a:ext>
@@ -31953,7 +32135,7 @@
             </a:ln>
             <a:extLst>
               <a:ext uri="{909E8E84-426E-40dd-AFC4-6F175D3DCCD1}">
-                <a14:hiddenFill xmlns:a14="http://schemas.microsoft.com/office/drawing/2010/main" xmlns="">
+                <a14:hiddenFill xmlns="" xmlns:a14="http://schemas.microsoft.com/office/drawing/2010/main">
                   <a:noFill/>
                 </a14:hiddenFill>
               </a:ext>
@@ -31996,7 +32178,7 @@
             </a:ln>
             <a:extLst>
               <a:ext uri="{909E8E84-426E-40dd-AFC4-6F175D3DCCD1}">
-                <a14:hiddenFill xmlns:a14="http://schemas.microsoft.com/office/drawing/2010/main" xmlns="">
+                <a14:hiddenFill xmlns="" xmlns:a14="http://schemas.microsoft.com/office/drawing/2010/main">
                   <a:noFill/>
                 </a14:hiddenFill>
               </a:ext>
@@ -32039,7 +32221,7 @@
             </a:ln>
             <a:extLst>
               <a:ext uri="{909E8E84-426E-40dd-AFC4-6F175D3DCCD1}">
-                <a14:hiddenFill xmlns:a14="http://schemas.microsoft.com/office/drawing/2010/main" xmlns="">
+                <a14:hiddenFill xmlns="" xmlns:a14="http://schemas.microsoft.com/office/drawing/2010/main">
                   <a:solidFill>
                     <a:srgbClr val="FFFFFF"/>
                   </a:solidFill>
@@ -32452,7 +32634,7 @@
             </a:ln>
             <a:extLst>
               <a:ext uri="{909E8E84-426E-40dd-AFC4-6F175D3DCCD1}">
-                <a14:hiddenFill xmlns:a14="http://schemas.microsoft.com/office/drawing/2010/main" xmlns="">
+                <a14:hiddenFill xmlns="" xmlns:a14="http://schemas.microsoft.com/office/drawing/2010/main">
                   <a:noFill/>
                 </a14:hiddenFill>
               </a:ext>
@@ -32495,7 +32677,7 @@
             </a:ln>
             <a:extLst>
               <a:ext uri="{909E8E84-426E-40dd-AFC4-6F175D3DCCD1}">
-                <a14:hiddenFill xmlns:a14="http://schemas.microsoft.com/office/drawing/2010/main" xmlns="">
+                <a14:hiddenFill xmlns="" xmlns:a14="http://schemas.microsoft.com/office/drawing/2010/main">
                   <a:noFill/>
                 </a14:hiddenFill>
               </a:ext>
@@ -32538,7 +32720,7 @@
             </a:ln>
             <a:extLst>
               <a:ext uri="{909E8E84-426E-40dd-AFC4-6F175D3DCCD1}">
-                <a14:hiddenFill xmlns:a14="http://schemas.microsoft.com/office/drawing/2010/main" xmlns="">
+                <a14:hiddenFill xmlns="" xmlns:a14="http://schemas.microsoft.com/office/drawing/2010/main">
                   <a:noFill/>
                 </a14:hiddenFill>
               </a:ext>
@@ -33556,14 +33738,14 @@
           <a:effectLst/>
           <a:extLst>
             <a:ext uri="{909E8E84-426E-40dd-AFC4-6F175D3DCCD1}">
-              <a14:hiddenFill xmlns:a14="http://schemas.microsoft.com/office/drawing/2010/main" xmlns="">
+              <a14:hiddenFill xmlns="" xmlns:a14="http://schemas.microsoft.com/office/drawing/2010/main">
                 <a:solidFill>
                   <a:schemeClr val="bg1"/>
                 </a:solidFill>
               </a14:hiddenFill>
             </a:ext>
             <a:ext uri="{91240B29-F687-4f45-9708-019B960494DF}">
-              <a14:hiddenLine xmlns:a14="http://schemas.microsoft.com/office/drawing/2010/main" xmlns="" w="25400">
+              <a14:hiddenLine xmlns="" xmlns:a14="http://schemas.microsoft.com/office/drawing/2010/main" w="25400">
                 <a:solidFill>
                   <a:schemeClr val="tx1"/>
                 </a:solidFill>
@@ -33573,7 +33755,7 @@
               </a14:hiddenLine>
             </a:ext>
             <a:ext uri="{AF507438-7753-43e0-B8FC-AC1667EBCBE1}">
-              <a14:hiddenEffects xmlns:a14="http://schemas.microsoft.com/office/drawing/2010/main" xmlns="">
+              <a14:hiddenEffects xmlns="" xmlns:a14="http://schemas.microsoft.com/office/drawing/2010/main">
                 <a:effectLst>
                   <a:outerShdw blurRad="63500" dist="38099" dir="2700000" algn="ctr" rotWithShape="0">
                     <a:schemeClr val="bg2">
@@ -33623,14 +33805,14 @@
           <a:effectLst/>
           <a:extLst>
             <a:ext uri="{909E8E84-426E-40dd-AFC4-6F175D3DCCD1}">
-              <a14:hiddenFill xmlns:a14="http://schemas.microsoft.com/office/drawing/2010/main" xmlns="">
+              <a14:hiddenFill xmlns="" xmlns:a14="http://schemas.microsoft.com/office/drawing/2010/main">
                 <a:solidFill>
                   <a:schemeClr val="bg1"/>
                 </a:solidFill>
               </a14:hiddenFill>
             </a:ext>
             <a:ext uri="{91240B29-F687-4f45-9708-019B960494DF}">
-              <a14:hiddenLine xmlns:a14="http://schemas.microsoft.com/office/drawing/2010/main" xmlns="" w="25400">
+              <a14:hiddenLine xmlns="" xmlns:a14="http://schemas.microsoft.com/office/drawing/2010/main" w="25400">
                 <a:solidFill>
                   <a:schemeClr val="tx1"/>
                 </a:solidFill>
@@ -33640,7 +33822,7 @@
               </a14:hiddenLine>
             </a:ext>
             <a:ext uri="{AF507438-7753-43e0-B8FC-AC1667EBCBE1}">
-              <a14:hiddenEffects xmlns:a14="http://schemas.microsoft.com/office/drawing/2010/main" xmlns="">
+              <a14:hiddenEffects xmlns="" xmlns:a14="http://schemas.microsoft.com/office/drawing/2010/main">
                 <a:effectLst>
                   <a:outerShdw blurRad="63500" dist="38099" dir="2700000" algn="ctr" rotWithShape="0">
                     <a:schemeClr val="bg2">
@@ -33754,14 +33936,14 @@
           <a:effectLst/>
           <a:extLst>
             <a:ext uri="{909E8E84-426E-40dd-AFC4-6F175D3DCCD1}">
-              <a14:hiddenFill xmlns:a14="http://schemas.microsoft.com/office/drawing/2010/main" xmlns="">
+              <a14:hiddenFill xmlns="" xmlns:a14="http://schemas.microsoft.com/office/drawing/2010/main">
                 <a:solidFill>
                   <a:schemeClr val="bg1"/>
                 </a:solidFill>
               </a14:hiddenFill>
             </a:ext>
             <a:ext uri="{AF507438-7753-43e0-B8FC-AC1667EBCBE1}">
-              <a14:hiddenEffects xmlns:a14="http://schemas.microsoft.com/office/drawing/2010/main" xmlns="">
+              <a14:hiddenEffects xmlns="" xmlns:a14="http://schemas.microsoft.com/office/drawing/2010/main">
                 <a:effectLst>
                   <a:outerShdw blurRad="63500" dist="35921" dir="2700000" algn="ctr" rotWithShape="0">
                     <a:schemeClr val="bg2"/>
@@ -33852,14 +34034,14 @@
           <a:effectLst/>
           <a:extLst>
             <a:ext uri="{909E8E84-426E-40dd-AFC4-6F175D3DCCD1}">
-              <a14:hiddenFill xmlns:a14="http://schemas.microsoft.com/office/drawing/2010/main" xmlns="">
+              <a14:hiddenFill xmlns="" xmlns:a14="http://schemas.microsoft.com/office/drawing/2010/main">
                 <a:solidFill>
                   <a:schemeClr val="bg1"/>
                 </a:solidFill>
               </a14:hiddenFill>
             </a:ext>
             <a:ext uri="{AF507438-7753-43e0-B8FC-AC1667EBCBE1}">
-              <a14:hiddenEffects xmlns:a14="http://schemas.microsoft.com/office/drawing/2010/main" xmlns="">
+              <a14:hiddenEffects xmlns="" xmlns:a14="http://schemas.microsoft.com/office/drawing/2010/main">
                 <a:effectLst>
                   <a:outerShdw blurRad="63500" dist="35921" dir="2700000" algn="ctr" rotWithShape="0">
                     <a:schemeClr val="bg2"/>
@@ -33958,14 +34140,14 @@
           <a:effectLst/>
           <a:extLst>
             <a:ext uri="{909E8E84-426E-40dd-AFC4-6F175D3DCCD1}">
-              <a14:hiddenFill xmlns:a14="http://schemas.microsoft.com/office/drawing/2010/main" xmlns="">
+              <a14:hiddenFill xmlns="" xmlns:a14="http://schemas.microsoft.com/office/drawing/2010/main">
                 <a:solidFill>
                   <a:schemeClr val="bg1"/>
                 </a:solidFill>
               </a14:hiddenFill>
             </a:ext>
             <a:ext uri="{AF507438-7753-43e0-B8FC-AC1667EBCBE1}">
-              <a14:hiddenEffects xmlns:a14="http://schemas.microsoft.com/office/drawing/2010/main" xmlns="">
+              <a14:hiddenEffects xmlns="" xmlns:a14="http://schemas.microsoft.com/office/drawing/2010/main">
                 <a:effectLst>
                   <a:outerShdw blurRad="63500" dist="35921" dir="2700000" algn="ctr" rotWithShape="0">
                     <a:schemeClr val="bg2"/>
@@ -34064,14 +34246,14 @@
           <a:effectLst/>
           <a:extLst>
             <a:ext uri="{909E8E84-426E-40dd-AFC4-6F175D3DCCD1}">
-              <a14:hiddenFill xmlns:a14="http://schemas.microsoft.com/office/drawing/2010/main" xmlns="">
+              <a14:hiddenFill xmlns="" xmlns:a14="http://schemas.microsoft.com/office/drawing/2010/main">
                 <a:solidFill>
                   <a:schemeClr val="bg1"/>
                 </a:solidFill>
               </a14:hiddenFill>
             </a:ext>
             <a:ext uri="{AF507438-7753-43e0-B8FC-AC1667EBCBE1}">
-              <a14:hiddenEffects xmlns:a14="http://schemas.microsoft.com/office/drawing/2010/main" xmlns="">
+              <a14:hiddenEffects xmlns="" xmlns:a14="http://schemas.microsoft.com/office/drawing/2010/main">
                 <a:effectLst>
                   <a:outerShdw blurRad="63500" dist="35921" dir="2700000" algn="ctr" rotWithShape="0">
                     <a:schemeClr val="bg2"/>
@@ -34114,14 +34296,14 @@
           <a:effectLst/>
           <a:extLst>
             <a:ext uri="{909E8E84-426E-40dd-AFC4-6F175D3DCCD1}">
-              <a14:hiddenFill xmlns:a14="http://schemas.microsoft.com/office/drawing/2010/main" xmlns="">
+              <a14:hiddenFill xmlns="" xmlns:a14="http://schemas.microsoft.com/office/drawing/2010/main">
                 <a:solidFill>
                   <a:schemeClr val="bg1"/>
                 </a:solidFill>
               </a14:hiddenFill>
             </a:ext>
             <a:ext uri="{91240B29-F687-4f45-9708-019B960494DF}">
-              <a14:hiddenLine xmlns:a14="http://schemas.microsoft.com/office/drawing/2010/main" xmlns="" w="25400">
+              <a14:hiddenLine xmlns="" xmlns:a14="http://schemas.microsoft.com/office/drawing/2010/main" w="25400">
                 <a:solidFill>
                   <a:schemeClr val="tx2"/>
                 </a:solidFill>
@@ -34131,7 +34313,7 @@
               </a14:hiddenLine>
             </a:ext>
             <a:ext uri="{AF507438-7753-43e0-B8FC-AC1667EBCBE1}">
-              <a14:hiddenEffects xmlns:a14="http://schemas.microsoft.com/office/drawing/2010/main" xmlns="">
+              <a14:hiddenEffects xmlns="" xmlns:a14="http://schemas.microsoft.com/office/drawing/2010/main">
                 <a:effectLst>
                   <a:outerShdw blurRad="63500" dist="38099" dir="2700000" algn="ctr" rotWithShape="0">
                     <a:schemeClr val="bg2">
@@ -34184,14 +34366,14 @@
           <a:effectLst/>
           <a:extLst>
             <a:ext uri="{909E8E84-426E-40dd-AFC4-6F175D3DCCD1}">
-              <a14:hiddenFill xmlns:a14="http://schemas.microsoft.com/office/drawing/2010/main" xmlns="">
+              <a14:hiddenFill xmlns="" xmlns:a14="http://schemas.microsoft.com/office/drawing/2010/main">
                 <a:solidFill>
                   <a:schemeClr val="bg1"/>
                 </a:solidFill>
               </a14:hiddenFill>
             </a:ext>
             <a:ext uri="{91240B29-F687-4f45-9708-019B960494DF}">
-              <a14:hiddenLine xmlns:a14="http://schemas.microsoft.com/office/drawing/2010/main" xmlns="" w="25400">
+              <a14:hiddenLine xmlns="" xmlns:a14="http://schemas.microsoft.com/office/drawing/2010/main" w="25400">
                 <a:solidFill>
                   <a:schemeClr val="tx2"/>
                 </a:solidFill>
@@ -34201,7 +34383,7 @@
               </a14:hiddenLine>
             </a:ext>
             <a:ext uri="{AF507438-7753-43e0-B8FC-AC1667EBCBE1}">
-              <a14:hiddenEffects xmlns:a14="http://schemas.microsoft.com/office/drawing/2010/main" xmlns="">
+              <a14:hiddenEffects xmlns="" xmlns:a14="http://schemas.microsoft.com/office/drawing/2010/main">
                 <a:effectLst>
                   <a:outerShdw blurRad="63500" dist="38099" dir="2700000" algn="ctr" rotWithShape="0">
                     <a:schemeClr val="bg2">
@@ -34251,14 +34433,14 @@
           <a:effectLst/>
           <a:extLst>
             <a:ext uri="{909E8E84-426E-40dd-AFC4-6F175D3DCCD1}">
-              <a14:hiddenFill xmlns:a14="http://schemas.microsoft.com/office/drawing/2010/main" xmlns="">
+              <a14:hiddenFill xmlns="" xmlns:a14="http://schemas.microsoft.com/office/drawing/2010/main">
                 <a:solidFill>
                   <a:schemeClr val="bg1"/>
                 </a:solidFill>
               </a14:hiddenFill>
             </a:ext>
             <a:ext uri="{91240B29-F687-4f45-9708-019B960494DF}">
-              <a14:hiddenLine xmlns:a14="http://schemas.microsoft.com/office/drawing/2010/main" xmlns="" w="25400">
+              <a14:hiddenLine xmlns="" xmlns:a14="http://schemas.microsoft.com/office/drawing/2010/main" w="25400">
                 <a:solidFill>
                   <a:schemeClr val="tx2"/>
                 </a:solidFill>
@@ -34268,7 +34450,7 @@
               </a14:hiddenLine>
             </a:ext>
             <a:ext uri="{AF507438-7753-43e0-B8FC-AC1667EBCBE1}">
-              <a14:hiddenEffects xmlns:a14="http://schemas.microsoft.com/office/drawing/2010/main" xmlns="">
+              <a14:hiddenEffects xmlns="" xmlns:a14="http://schemas.microsoft.com/office/drawing/2010/main">
                 <a:effectLst>
                   <a:outerShdw blurRad="63500" dist="38099" dir="2700000" algn="ctr" rotWithShape="0">
                     <a:schemeClr val="bg2">
@@ -34313,7 +34495,7 @@
           <a:graphicData uri="http://schemas.openxmlformats.org/presentationml/2006/ole">
             <mc:AlternateContent xmlns:mc="http://schemas.openxmlformats.org/markup-compatibility/2006">
               <mc:Choice xmlns:v="urn:schemas-microsoft-com:vml" Requires="v">
-                <p:oleObj spid="_x0000_s1057" name="Clip" r:id="rId3" imgW="2106360" imgH="3468960" progId="MS_ClipArt_Gallery.5">
+                <p:oleObj spid="_x0000_s1061" name="Clip" r:id="rId3" imgW="2106360" imgH="3468960" progId="MS_ClipArt_Gallery.5">
                   <p:embed/>
                 </p:oleObj>
               </mc:Choice>
@@ -34356,14 +34538,14 @@
                       <a:effectLst/>
                       <a:extLst>
                         <a:ext uri="{909E8E84-426E-40dd-AFC4-6F175D3DCCD1}">
-                          <a14:hiddenFill xmlns:a14="http://schemas.microsoft.com/office/drawing/2010/main" xmlns="">
+                          <a14:hiddenFill xmlns="" xmlns:a14="http://schemas.microsoft.com/office/drawing/2010/main">
                             <a:solidFill>
                               <a:srgbClr val="FFFFFF"/>
                             </a:solidFill>
                           </a14:hiddenFill>
                         </a:ext>
                         <a:ext uri="{91240B29-F687-4f45-9708-019B960494DF}">
-                          <a14:hiddenLine xmlns:a14="http://schemas.microsoft.com/office/drawing/2010/main" xmlns="" w="9525">
+                          <a14:hiddenLine xmlns="" xmlns:a14="http://schemas.microsoft.com/office/drawing/2010/main" w="9525">
                             <a:solidFill>
                               <a:srgbClr val="000000"/>
                             </a:solidFill>
@@ -34373,7 +34555,7 @@
                           </a14:hiddenLine>
                         </a:ext>
                         <a:ext uri="{AF507438-7753-43e0-B8FC-AC1667EBCBE1}">
-                          <a14:hiddenEffects xmlns:a14="http://schemas.microsoft.com/office/drawing/2010/main" xmlns="">
+                          <a14:hiddenEffects xmlns="" xmlns:a14="http://schemas.microsoft.com/office/drawing/2010/main">
                             <a:effectLst>
                               <a:outerShdw blurRad="63500" dist="38099" dir="2700000" algn="ctr" rotWithShape="0">
                                 <a:srgbClr val="000000">
@@ -34733,7 +34915,7 @@
             </a:ln>
             <a:extLst>
               <a:ext uri="{909E8E84-426E-40dd-AFC4-6F175D3DCCD1}">
-                <a14:hiddenFill xmlns:a14="http://schemas.microsoft.com/office/drawing/2010/main" xmlns="">
+                <a14:hiddenFill xmlns="" xmlns:a14="http://schemas.microsoft.com/office/drawing/2010/main">
                   <a:noFill/>
                 </a14:hiddenFill>
               </a:ext>
@@ -34776,7 +34958,7 @@
             </a:ln>
             <a:extLst>
               <a:ext uri="{909E8E84-426E-40dd-AFC4-6F175D3DCCD1}">
-                <a14:hiddenFill xmlns:a14="http://schemas.microsoft.com/office/drawing/2010/main" xmlns="">
+                <a14:hiddenFill xmlns="" xmlns:a14="http://schemas.microsoft.com/office/drawing/2010/main">
                   <a:noFill/>
                 </a14:hiddenFill>
               </a:ext>
@@ -34950,7 +35132,7 @@
             </a:ln>
             <a:extLst>
               <a:ext uri="{909E8E84-426E-40dd-AFC4-6F175D3DCCD1}">
-                <a14:hiddenFill xmlns:a14="http://schemas.microsoft.com/office/drawing/2010/main" xmlns="">
+                <a14:hiddenFill xmlns="" xmlns:a14="http://schemas.microsoft.com/office/drawing/2010/main">
                   <a:noFill/>
                 </a14:hiddenFill>
               </a:ext>
@@ -34993,7 +35175,7 @@
             </a:ln>
             <a:extLst>
               <a:ext uri="{909E8E84-426E-40dd-AFC4-6F175D3DCCD1}">
-                <a14:hiddenFill xmlns:a14="http://schemas.microsoft.com/office/drawing/2010/main" xmlns="">
+                <a14:hiddenFill xmlns="" xmlns:a14="http://schemas.microsoft.com/office/drawing/2010/main">
                   <a:noFill/>
                 </a14:hiddenFill>
               </a:ext>
@@ -35036,7 +35218,7 @@
             </a:ln>
             <a:extLst>
               <a:ext uri="{909E8E84-426E-40dd-AFC4-6F175D3DCCD1}">
-                <a14:hiddenFill xmlns:a14="http://schemas.microsoft.com/office/drawing/2010/main" xmlns="">
+                <a14:hiddenFill xmlns="" xmlns:a14="http://schemas.microsoft.com/office/drawing/2010/main">
                   <a:noFill/>
                 </a14:hiddenFill>
               </a:ext>
@@ -35079,7 +35261,7 @@
             </a:ln>
             <a:extLst>
               <a:ext uri="{909E8E84-426E-40dd-AFC4-6F175D3DCCD1}">
-                <a14:hiddenFill xmlns:a14="http://schemas.microsoft.com/office/drawing/2010/main" xmlns="">
+                <a14:hiddenFill xmlns="" xmlns:a14="http://schemas.microsoft.com/office/drawing/2010/main">
                   <a:solidFill>
                     <a:srgbClr val="FFFFFF"/>
                   </a:solidFill>
@@ -35492,7 +35674,7 @@
             </a:ln>
             <a:extLst>
               <a:ext uri="{909E8E84-426E-40dd-AFC4-6F175D3DCCD1}">
-                <a14:hiddenFill xmlns:a14="http://schemas.microsoft.com/office/drawing/2010/main" xmlns="">
+                <a14:hiddenFill xmlns="" xmlns:a14="http://schemas.microsoft.com/office/drawing/2010/main">
                   <a:noFill/>
                 </a14:hiddenFill>
               </a:ext>
@@ -35535,7 +35717,7 @@
             </a:ln>
             <a:extLst>
               <a:ext uri="{909E8E84-426E-40dd-AFC4-6F175D3DCCD1}">
-                <a14:hiddenFill xmlns:a14="http://schemas.microsoft.com/office/drawing/2010/main" xmlns="">
+                <a14:hiddenFill xmlns="" xmlns:a14="http://schemas.microsoft.com/office/drawing/2010/main">
                   <a:noFill/>
                 </a14:hiddenFill>
               </a:ext>
@@ -35578,7 +35760,7 @@
             </a:ln>
             <a:extLst>
               <a:ext uri="{909E8E84-426E-40dd-AFC4-6F175D3DCCD1}">
-                <a14:hiddenFill xmlns:a14="http://schemas.microsoft.com/office/drawing/2010/main" xmlns="">
+                <a14:hiddenFill xmlns="" xmlns:a14="http://schemas.microsoft.com/office/drawing/2010/main">
                   <a:noFill/>
                 </a14:hiddenFill>
               </a:ext>
@@ -35792,7 +35974,7 @@
             </a:ln>
             <a:extLst>
               <a:ext uri="{909E8E84-426E-40dd-AFC4-6F175D3DCCD1}">
-                <a14:hiddenFill xmlns:a14="http://schemas.microsoft.com/office/drawing/2010/main" xmlns="">
+                <a14:hiddenFill xmlns="" xmlns:a14="http://schemas.microsoft.com/office/drawing/2010/main">
                   <a:noFill/>
                 </a14:hiddenFill>
               </a:ext>
@@ -35835,7 +36017,7 @@
             </a:ln>
             <a:extLst>
               <a:ext uri="{909E8E84-426E-40dd-AFC4-6F175D3DCCD1}">
-                <a14:hiddenFill xmlns:a14="http://schemas.microsoft.com/office/drawing/2010/main" xmlns="">
+                <a14:hiddenFill xmlns="" xmlns:a14="http://schemas.microsoft.com/office/drawing/2010/main">
                   <a:noFill/>
                 </a14:hiddenFill>
               </a:ext>
@@ -36009,7 +36191,7 @@
             </a:ln>
             <a:extLst>
               <a:ext uri="{909E8E84-426E-40dd-AFC4-6F175D3DCCD1}">
-                <a14:hiddenFill xmlns:a14="http://schemas.microsoft.com/office/drawing/2010/main" xmlns="">
+                <a14:hiddenFill xmlns="" xmlns:a14="http://schemas.microsoft.com/office/drawing/2010/main">
                   <a:noFill/>
                 </a14:hiddenFill>
               </a:ext>
@@ -36052,7 +36234,7 @@
             </a:ln>
             <a:extLst>
               <a:ext uri="{909E8E84-426E-40dd-AFC4-6F175D3DCCD1}">
-                <a14:hiddenFill xmlns:a14="http://schemas.microsoft.com/office/drawing/2010/main" xmlns="">
+                <a14:hiddenFill xmlns="" xmlns:a14="http://schemas.microsoft.com/office/drawing/2010/main">
                   <a:noFill/>
                 </a14:hiddenFill>
               </a:ext>
@@ -36095,7 +36277,7 @@
             </a:ln>
             <a:extLst>
               <a:ext uri="{909E8E84-426E-40dd-AFC4-6F175D3DCCD1}">
-                <a14:hiddenFill xmlns:a14="http://schemas.microsoft.com/office/drawing/2010/main" xmlns="">
+                <a14:hiddenFill xmlns="" xmlns:a14="http://schemas.microsoft.com/office/drawing/2010/main">
                   <a:noFill/>
                 </a14:hiddenFill>
               </a:ext>
@@ -36138,7 +36320,7 @@
             </a:ln>
             <a:extLst>
               <a:ext uri="{909E8E84-426E-40dd-AFC4-6F175D3DCCD1}">
-                <a14:hiddenFill xmlns:a14="http://schemas.microsoft.com/office/drawing/2010/main" xmlns="">
+                <a14:hiddenFill xmlns="" xmlns:a14="http://schemas.microsoft.com/office/drawing/2010/main">
                   <a:solidFill>
                     <a:srgbClr val="FFFFFF"/>
                   </a:solidFill>
@@ -36551,7 +36733,7 @@
             </a:ln>
             <a:extLst>
               <a:ext uri="{909E8E84-426E-40dd-AFC4-6F175D3DCCD1}">
-                <a14:hiddenFill xmlns:a14="http://schemas.microsoft.com/office/drawing/2010/main" xmlns="">
+                <a14:hiddenFill xmlns="" xmlns:a14="http://schemas.microsoft.com/office/drawing/2010/main">
                   <a:noFill/>
                 </a14:hiddenFill>
               </a:ext>
@@ -36594,7 +36776,7 @@
             </a:ln>
             <a:extLst>
               <a:ext uri="{909E8E84-426E-40dd-AFC4-6F175D3DCCD1}">
-                <a14:hiddenFill xmlns:a14="http://schemas.microsoft.com/office/drawing/2010/main" xmlns="">
+                <a14:hiddenFill xmlns="" xmlns:a14="http://schemas.microsoft.com/office/drawing/2010/main">
                   <a:noFill/>
                 </a14:hiddenFill>
               </a:ext>
@@ -36637,7 +36819,7 @@
             </a:ln>
             <a:extLst>
               <a:ext uri="{909E8E84-426E-40dd-AFC4-6F175D3DCCD1}">
-                <a14:hiddenFill xmlns:a14="http://schemas.microsoft.com/office/drawing/2010/main" xmlns="">
+                <a14:hiddenFill xmlns="" xmlns:a14="http://schemas.microsoft.com/office/drawing/2010/main">
                   <a:noFill/>
                 </a14:hiddenFill>
               </a:ext>
@@ -36851,7 +37033,7 @@
             </a:ln>
             <a:extLst>
               <a:ext uri="{909E8E84-426E-40dd-AFC4-6F175D3DCCD1}">
-                <a14:hiddenFill xmlns:a14="http://schemas.microsoft.com/office/drawing/2010/main" xmlns="">
+                <a14:hiddenFill xmlns="" xmlns:a14="http://schemas.microsoft.com/office/drawing/2010/main">
                   <a:noFill/>
                 </a14:hiddenFill>
               </a:ext>
@@ -36894,7 +37076,7 @@
             </a:ln>
             <a:extLst>
               <a:ext uri="{909E8E84-426E-40dd-AFC4-6F175D3DCCD1}">
-                <a14:hiddenFill xmlns:a14="http://schemas.microsoft.com/office/drawing/2010/main" xmlns="">
+                <a14:hiddenFill xmlns="" xmlns:a14="http://schemas.microsoft.com/office/drawing/2010/main">
                   <a:noFill/>
                 </a14:hiddenFill>
               </a:ext>
@@ -37068,7 +37250,7 @@
             </a:ln>
             <a:extLst>
               <a:ext uri="{909E8E84-426E-40dd-AFC4-6F175D3DCCD1}">
-                <a14:hiddenFill xmlns:a14="http://schemas.microsoft.com/office/drawing/2010/main" xmlns="">
+                <a14:hiddenFill xmlns="" xmlns:a14="http://schemas.microsoft.com/office/drawing/2010/main">
                   <a:noFill/>
                 </a14:hiddenFill>
               </a:ext>
@@ -37111,7 +37293,7 @@
             </a:ln>
             <a:extLst>
               <a:ext uri="{909E8E84-426E-40dd-AFC4-6F175D3DCCD1}">
-                <a14:hiddenFill xmlns:a14="http://schemas.microsoft.com/office/drawing/2010/main" xmlns="">
+                <a14:hiddenFill xmlns="" xmlns:a14="http://schemas.microsoft.com/office/drawing/2010/main">
                   <a:noFill/>
                 </a14:hiddenFill>
               </a:ext>
@@ -37154,7 +37336,7 @@
             </a:ln>
             <a:extLst>
               <a:ext uri="{909E8E84-426E-40dd-AFC4-6F175D3DCCD1}">
-                <a14:hiddenFill xmlns:a14="http://schemas.microsoft.com/office/drawing/2010/main" xmlns="">
+                <a14:hiddenFill xmlns="" xmlns:a14="http://schemas.microsoft.com/office/drawing/2010/main">
                   <a:noFill/>
                 </a14:hiddenFill>
               </a:ext>
@@ -37197,7 +37379,7 @@
             </a:ln>
             <a:extLst>
               <a:ext uri="{909E8E84-426E-40dd-AFC4-6F175D3DCCD1}">
-                <a14:hiddenFill xmlns:a14="http://schemas.microsoft.com/office/drawing/2010/main" xmlns="">
+                <a14:hiddenFill xmlns="" xmlns:a14="http://schemas.microsoft.com/office/drawing/2010/main">
                   <a:solidFill>
                     <a:srgbClr val="FFFFFF"/>
                   </a:solidFill>
@@ -37610,7 +37792,7 @@
             </a:ln>
             <a:extLst>
               <a:ext uri="{909E8E84-426E-40dd-AFC4-6F175D3DCCD1}">
-                <a14:hiddenFill xmlns:a14="http://schemas.microsoft.com/office/drawing/2010/main" xmlns="">
+                <a14:hiddenFill xmlns="" xmlns:a14="http://schemas.microsoft.com/office/drawing/2010/main">
                   <a:noFill/>
                 </a14:hiddenFill>
               </a:ext>
@@ -37653,7 +37835,7 @@
             </a:ln>
             <a:extLst>
               <a:ext uri="{909E8E84-426E-40dd-AFC4-6F175D3DCCD1}">
-                <a14:hiddenFill xmlns:a14="http://schemas.microsoft.com/office/drawing/2010/main" xmlns="">
+                <a14:hiddenFill xmlns="" xmlns:a14="http://schemas.microsoft.com/office/drawing/2010/main">
                   <a:noFill/>
                 </a14:hiddenFill>
               </a:ext>
@@ -37696,7 +37878,7 @@
             </a:ln>
             <a:extLst>
               <a:ext uri="{909E8E84-426E-40dd-AFC4-6F175D3DCCD1}">
-                <a14:hiddenFill xmlns:a14="http://schemas.microsoft.com/office/drawing/2010/main" xmlns="">
+                <a14:hiddenFill xmlns="" xmlns:a14="http://schemas.microsoft.com/office/drawing/2010/main">
                   <a:noFill/>
                 </a14:hiddenFill>
               </a:ext>
@@ -37910,7 +38092,7 @@
             </a:ln>
             <a:extLst>
               <a:ext uri="{909E8E84-426E-40dd-AFC4-6F175D3DCCD1}">
-                <a14:hiddenFill xmlns:a14="http://schemas.microsoft.com/office/drawing/2010/main" xmlns="">
+                <a14:hiddenFill xmlns="" xmlns:a14="http://schemas.microsoft.com/office/drawing/2010/main">
                   <a:noFill/>
                 </a14:hiddenFill>
               </a:ext>
@@ -37953,7 +38135,7 @@
             </a:ln>
             <a:extLst>
               <a:ext uri="{909E8E84-426E-40dd-AFC4-6F175D3DCCD1}">
-                <a14:hiddenFill xmlns:a14="http://schemas.microsoft.com/office/drawing/2010/main" xmlns="">
+                <a14:hiddenFill xmlns="" xmlns:a14="http://schemas.microsoft.com/office/drawing/2010/main">
                   <a:noFill/>
                 </a14:hiddenFill>
               </a:ext>
@@ -38127,7 +38309,7 @@
             </a:ln>
             <a:extLst>
               <a:ext uri="{909E8E84-426E-40dd-AFC4-6F175D3DCCD1}">
-                <a14:hiddenFill xmlns:a14="http://schemas.microsoft.com/office/drawing/2010/main" xmlns="">
+                <a14:hiddenFill xmlns="" xmlns:a14="http://schemas.microsoft.com/office/drawing/2010/main">
                   <a:noFill/>
                 </a14:hiddenFill>
               </a:ext>
@@ -38170,7 +38352,7 @@
             </a:ln>
             <a:extLst>
               <a:ext uri="{909E8E84-426E-40dd-AFC4-6F175D3DCCD1}">
-                <a14:hiddenFill xmlns:a14="http://schemas.microsoft.com/office/drawing/2010/main" xmlns="">
+                <a14:hiddenFill xmlns="" xmlns:a14="http://schemas.microsoft.com/office/drawing/2010/main">
                   <a:noFill/>
                 </a14:hiddenFill>
               </a:ext>
@@ -38213,7 +38395,7 @@
             </a:ln>
             <a:extLst>
               <a:ext uri="{909E8E84-426E-40dd-AFC4-6F175D3DCCD1}">
-                <a14:hiddenFill xmlns:a14="http://schemas.microsoft.com/office/drawing/2010/main" xmlns="">
+                <a14:hiddenFill xmlns="" xmlns:a14="http://schemas.microsoft.com/office/drawing/2010/main">
                   <a:noFill/>
                 </a14:hiddenFill>
               </a:ext>
@@ -38256,7 +38438,7 @@
             </a:ln>
             <a:extLst>
               <a:ext uri="{909E8E84-426E-40dd-AFC4-6F175D3DCCD1}">
-                <a14:hiddenFill xmlns:a14="http://schemas.microsoft.com/office/drawing/2010/main" xmlns="">
+                <a14:hiddenFill xmlns="" xmlns:a14="http://schemas.microsoft.com/office/drawing/2010/main">
                   <a:solidFill>
                     <a:srgbClr val="FFFFFF"/>
                   </a:solidFill>
@@ -38669,7 +38851,7 @@
             </a:ln>
             <a:extLst>
               <a:ext uri="{909E8E84-426E-40dd-AFC4-6F175D3DCCD1}">
-                <a14:hiddenFill xmlns:a14="http://schemas.microsoft.com/office/drawing/2010/main" xmlns="">
+                <a14:hiddenFill xmlns="" xmlns:a14="http://schemas.microsoft.com/office/drawing/2010/main">
                   <a:noFill/>
                 </a14:hiddenFill>
               </a:ext>
@@ -38712,7 +38894,7 @@
             </a:ln>
             <a:extLst>
               <a:ext uri="{909E8E84-426E-40dd-AFC4-6F175D3DCCD1}">
-                <a14:hiddenFill xmlns:a14="http://schemas.microsoft.com/office/drawing/2010/main" xmlns="">
+                <a14:hiddenFill xmlns="" xmlns:a14="http://schemas.microsoft.com/office/drawing/2010/main">
                   <a:noFill/>
                 </a14:hiddenFill>
               </a:ext>
@@ -38755,7 +38937,7 @@
             </a:ln>
             <a:extLst>
               <a:ext uri="{909E8E84-426E-40dd-AFC4-6F175D3DCCD1}">
-                <a14:hiddenFill xmlns:a14="http://schemas.microsoft.com/office/drawing/2010/main" xmlns="">
+                <a14:hiddenFill xmlns="" xmlns:a14="http://schemas.microsoft.com/office/drawing/2010/main">
                   <a:noFill/>
                 </a14:hiddenFill>
               </a:ext>
@@ -39773,14 +39955,14 @@
           <a:effectLst/>
           <a:extLst>
             <a:ext uri="{909E8E84-426E-40dd-AFC4-6F175D3DCCD1}">
-              <a14:hiddenFill xmlns:a14="http://schemas.microsoft.com/office/drawing/2010/main" xmlns="">
+              <a14:hiddenFill xmlns="" xmlns:a14="http://schemas.microsoft.com/office/drawing/2010/main">
                 <a:solidFill>
                   <a:schemeClr val="bg1"/>
                 </a:solidFill>
               </a14:hiddenFill>
             </a:ext>
             <a:ext uri="{91240B29-F687-4f45-9708-019B960494DF}">
-              <a14:hiddenLine xmlns:a14="http://schemas.microsoft.com/office/drawing/2010/main" xmlns="" w="25400">
+              <a14:hiddenLine xmlns="" xmlns:a14="http://schemas.microsoft.com/office/drawing/2010/main" w="25400">
                 <a:solidFill>
                   <a:schemeClr val="tx1"/>
                 </a:solidFill>
@@ -39790,7 +39972,7 @@
               </a14:hiddenLine>
             </a:ext>
             <a:ext uri="{AF507438-7753-43e0-B8FC-AC1667EBCBE1}">
-              <a14:hiddenEffects xmlns:a14="http://schemas.microsoft.com/office/drawing/2010/main" xmlns="">
+              <a14:hiddenEffects xmlns="" xmlns:a14="http://schemas.microsoft.com/office/drawing/2010/main">
                 <a:effectLst>
                   <a:outerShdw blurRad="63500" dist="38099" dir="2700000" algn="ctr" rotWithShape="0">
                     <a:schemeClr val="bg2">
@@ -39904,14 +40086,14 @@
           <a:effectLst/>
           <a:extLst>
             <a:ext uri="{909E8E84-426E-40dd-AFC4-6F175D3DCCD1}">
-              <a14:hiddenFill xmlns:a14="http://schemas.microsoft.com/office/drawing/2010/main" xmlns="">
+              <a14:hiddenFill xmlns="" xmlns:a14="http://schemas.microsoft.com/office/drawing/2010/main">
                 <a:solidFill>
                   <a:schemeClr val="bg1"/>
                 </a:solidFill>
               </a14:hiddenFill>
             </a:ext>
             <a:ext uri="{AF507438-7753-43e0-B8FC-AC1667EBCBE1}">
-              <a14:hiddenEffects xmlns:a14="http://schemas.microsoft.com/office/drawing/2010/main" xmlns="">
+              <a14:hiddenEffects xmlns="" xmlns:a14="http://schemas.microsoft.com/office/drawing/2010/main">
                 <a:effectLst>
                   <a:outerShdw blurRad="63500" dist="35921" dir="2700000" algn="ctr" rotWithShape="0">
                     <a:schemeClr val="bg2"/>
@@ -40002,14 +40184,14 @@
           <a:effectLst/>
           <a:extLst>
             <a:ext uri="{909E8E84-426E-40dd-AFC4-6F175D3DCCD1}">
-              <a14:hiddenFill xmlns:a14="http://schemas.microsoft.com/office/drawing/2010/main" xmlns="">
+              <a14:hiddenFill xmlns="" xmlns:a14="http://schemas.microsoft.com/office/drawing/2010/main">
                 <a:solidFill>
                   <a:schemeClr val="bg1"/>
                 </a:solidFill>
               </a14:hiddenFill>
             </a:ext>
             <a:ext uri="{AF507438-7753-43e0-B8FC-AC1667EBCBE1}">
-              <a14:hiddenEffects xmlns:a14="http://schemas.microsoft.com/office/drawing/2010/main" xmlns="">
+              <a14:hiddenEffects xmlns="" xmlns:a14="http://schemas.microsoft.com/office/drawing/2010/main">
                 <a:effectLst>
                   <a:outerShdw blurRad="63500" dist="35921" dir="2700000" algn="ctr" rotWithShape="0">
                     <a:schemeClr val="bg2"/>
@@ -40108,14 +40290,14 @@
           <a:effectLst/>
           <a:extLst>
             <a:ext uri="{909E8E84-426E-40dd-AFC4-6F175D3DCCD1}">
-              <a14:hiddenFill xmlns:a14="http://schemas.microsoft.com/office/drawing/2010/main" xmlns="">
+              <a14:hiddenFill xmlns="" xmlns:a14="http://schemas.microsoft.com/office/drawing/2010/main">
                 <a:solidFill>
                   <a:schemeClr val="bg1"/>
                 </a:solidFill>
               </a14:hiddenFill>
             </a:ext>
             <a:ext uri="{AF507438-7753-43e0-B8FC-AC1667EBCBE1}">
-              <a14:hiddenEffects xmlns:a14="http://schemas.microsoft.com/office/drawing/2010/main" xmlns="">
+              <a14:hiddenEffects xmlns="" xmlns:a14="http://schemas.microsoft.com/office/drawing/2010/main">
                 <a:effectLst>
                   <a:outerShdw blurRad="63500" dist="35921" dir="2700000" algn="ctr" rotWithShape="0">
                     <a:schemeClr val="bg2"/>
@@ -40214,14 +40396,14 @@
           <a:effectLst/>
           <a:extLst>
             <a:ext uri="{909E8E84-426E-40dd-AFC4-6F175D3DCCD1}">
-              <a14:hiddenFill xmlns:a14="http://schemas.microsoft.com/office/drawing/2010/main" xmlns="">
+              <a14:hiddenFill xmlns="" xmlns:a14="http://schemas.microsoft.com/office/drawing/2010/main">
                 <a:solidFill>
                   <a:schemeClr val="bg1"/>
                 </a:solidFill>
               </a14:hiddenFill>
             </a:ext>
             <a:ext uri="{AF507438-7753-43e0-B8FC-AC1667EBCBE1}">
-              <a14:hiddenEffects xmlns:a14="http://schemas.microsoft.com/office/drawing/2010/main" xmlns="">
+              <a14:hiddenEffects xmlns="" xmlns:a14="http://schemas.microsoft.com/office/drawing/2010/main">
                 <a:effectLst>
                   <a:outerShdw blurRad="63500" dist="35921" dir="2700000" algn="ctr" rotWithShape="0">
                     <a:schemeClr val="bg2"/>
@@ -40264,14 +40446,14 @@
           <a:effectLst/>
           <a:extLst>
             <a:ext uri="{909E8E84-426E-40dd-AFC4-6F175D3DCCD1}">
-              <a14:hiddenFill xmlns:a14="http://schemas.microsoft.com/office/drawing/2010/main" xmlns="">
+              <a14:hiddenFill xmlns="" xmlns:a14="http://schemas.microsoft.com/office/drawing/2010/main">
                 <a:solidFill>
                   <a:schemeClr val="bg1"/>
                 </a:solidFill>
               </a14:hiddenFill>
             </a:ext>
             <a:ext uri="{91240B29-F687-4f45-9708-019B960494DF}">
-              <a14:hiddenLine xmlns:a14="http://schemas.microsoft.com/office/drawing/2010/main" xmlns="" w="25400">
+              <a14:hiddenLine xmlns="" xmlns:a14="http://schemas.microsoft.com/office/drawing/2010/main" w="25400">
                 <a:solidFill>
                   <a:schemeClr val="tx2"/>
                 </a:solidFill>
@@ -40281,7 +40463,7 @@
               </a14:hiddenLine>
             </a:ext>
             <a:ext uri="{AF507438-7753-43e0-B8FC-AC1667EBCBE1}">
-              <a14:hiddenEffects xmlns:a14="http://schemas.microsoft.com/office/drawing/2010/main" xmlns="">
+              <a14:hiddenEffects xmlns="" xmlns:a14="http://schemas.microsoft.com/office/drawing/2010/main">
                 <a:effectLst>
                   <a:outerShdw blurRad="63500" dist="38099" dir="2700000" algn="ctr" rotWithShape="0">
                     <a:schemeClr val="bg2">
@@ -40334,14 +40516,14 @@
           <a:effectLst/>
           <a:extLst>
             <a:ext uri="{909E8E84-426E-40dd-AFC4-6F175D3DCCD1}">
-              <a14:hiddenFill xmlns:a14="http://schemas.microsoft.com/office/drawing/2010/main" xmlns="">
+              <a14:hiddenFill xmlns="" xmlns:a14="http://schemas.microsoft.com/office/drawing/2010/main">
                 <a:solidFill>
                   <a:schemeClr val="bg1"/>
                 </a:solidFill>
               </a14:hiddenFill>
             </a:ext>
             <a:ext uri="{91240B29-F687-4f45-9708-019B960494DF}">
-              <a14:hiddenLine xmlns:a14="http://schemas.microsoft.com/office/drawing/2010/main" xmlns="" w="25400">
+              <a14:hiddenLine xmlns="" xmlns:a14="http://schemas.microsoft.com/office/drawing/2010/main" w="25400">
                 <a:solidFill>
                   <a:schemeClr val="tx2"/>
                 </a:solidFill>
@@ -40351,7 +40533,7 @@
               </a14:hiddenLine>
             </a:ext>
             <a:ext uri="{AF507438-7753-43e0-B8FC-AC1667EBCBE1}">
-              <a14:hiddenEffects xmlns:a14="http://schemas.microsoft.com/office/drawing/2010/main" xmlns="">
+              <a14:hiddenEffects xmlns="" xmlns:a14="http://schemas.microsoft.com/office/drawing/2010/main">
                 <a:effectLst>
                   <a:outerShdw blurRad="63500" dist="38099" dir="2700000" algn="ctr" rotWithShape="0">
                     <a:schemeClr val="bg2">
@@ -40401,14 +40583,14 @@
           <a:effectLst/>
           <a:extLst>
             <a:ext uri="{909E8E84-426E-40dd-AFC4-6F175D3DCCD1}">
-              <a14:hiddenFill xmlns:a14="http://schemas.microsoft.com/office/drawing/2010/main" xmlns="">
+              <a14:hiddenFill xmlns="" xmlns:a14="http://schemas.microsoft.com/office/drawing/2010/main">
                 <a:solidFill>
                   <a:schemeClr val="bg1"/>
                 </a:solidFill>
               </a14:hiddenFill>
             </a:ext>
             <a:ext uri="{91240B29-F687-4f45-9708-019B960494DF}">
-              <a14:hiddenLine xmlns:a14="http://schemas.microsoft.com/office/drawing/2010/main" xmlns="" w="25400">
+              <a14:hiddenLine xmlns="" xmlns:a14="http://schemas.microsoft.com/office/drawing/2010/main" w="25400">
                 <a:solidFill>
                   <a:schemeClr val="tx2"/>
                 </a:solidFill>
@@ -40418,7 +40600,7 @@
               </a14:hiddenLine>
             </a:ext>
             <a:ext uri="{AF507438-7753-43e0-B8FC-AC1667EBCBE1}">
-              <a14:hiddenEffects xmlns:a14="http://schemas.microsoft.com/office/drawing/2010/main" xmlns="">
+              <a14:hiddenEffects xmlns="" xmlns:a14="http://schemas.microsoft.com/office/drawing/2010/main">
                 <a:effectLst>
                   <a:outerShdw blurRad="63500" dist="38099" dir="2700000" algn="ctr" rotWithShape="0">
                     <a:schemeClr val="bg2">
@@ -40463,7 +40645,7 @@
           <a:graphicData uri="http://schemas.openxmlformats.org/presentationml/2006/ole">
             <mc:AlternateContent xmlns:mc="http://schemas.openxmlformats.org/markup-compatibility/2006">
               <mc:Choice xmlns:v="urn:schemas-microsoft-com:vml" Requires="v">
-                <p:oleObj spid="_x0000_s2081" name="Clip" r:id="rId3" imgW="2107949" imgH="3470495" progId="MS_ClipArt_Gallery.5">
+                <p:oleObj spid="_x0000_s2085" name="Clip" r:id="rId3" imgW="2107949" imgH="3470495" progId="MS_ClipArt_Gallery.5">
                   <p:embed/>
                 </p:oleObj>
               </mc:Choice>
@@ -40506,14 +40688,14 @@
                       <a:effectLst/>
                       <a:extLst>
                         <a:ext uri="{909E8E84-426E-40dd-AFC4-6F175D3DCCD1}">
-                          <a14:hiddenFill xmlns:a14="http://schemas.microsoft.com/office/drawing/2010/main" xmlns="">
+                          <a14:hiddenFill xmlns="" xmlns:a14="http://schemas.microsoft.com/office/drawing/2010/main">
                             <a:solidFill>
                               <a:srgbClr val="FFFFFF"/>
                             </a:solidFill>
                           </a14:hiddenFill>
                         </a:ext>
                         <a:ext uri="{91240B29-F687-4f45-9708-019B960494DF}">
-                          <a14:hiddenLine xmlns:a14="http://schemas.microsoft.com/office/drawing/2010/main" xmlns="" w="9525">
+                          <a14:hiddenLine xmlns="" xmlns:a14="http://schemas.microsoft.com/office/drawing/2010/main" w="9525">
                             <a:solidFill>
                               <a:srgbClr val="000000"/>
                             </a:solidFill>
@@ -40523,7 +40705,7 @@
                           </a14:hiddenLine>
                         </a:ext>
                         <a:ext uri="{AF507438-7753-43e0-B8FC-AC1667EBCBE1}">
-                          <a14:hiddenEffects xmlns:a14="http://schemas.microsoft.com/office/drawing/2010/main" xmlns="">
+                          <a14:hiddenEffects xmlns="" xmlns:a14="http://schemas.microsoft.com/office/drawing/2010/main">
                             <a:effectLst>
                               <a:outerShdw blurRad="63500" dist="38099" dir="2700000" algn="ctr" rotWithShape="0">
                                 <a:srgbClr val="000000">
@@ -40707,7 +40889,7 @@
           </a:ln>
           <a:extLst>
             <a:ext uri="{909E8E84-426E-40dd-AFC4-6F175D3DCCD1}">
-              <a14:hiddenFill xmlns:a14="http://schemas.microsoft.com/office/drawing/2010/main" xmlns="">
+              <a14:hiddenFill xmlns="" xmlns:a14="http://schemas.microsoft.com/office/drawing/2010/main">
                 <a:solidFill>
                   <a:srgbClr val="FFFFFF"/>
                 </a:solidFill>
@@ -40754,7 +40936,7 @@
           </a:ln>
           <a:extLst>
             <a:ext uri="{909E8E84-426E-40dd-AFC4-6F175D3DCCD1}">
-              <a14:hiddenFill xmlns:a14="http://schemas.microsoft.com/office/drawing/2010/main" xmlns="">
+              <a14:hiddenFill xmlns="" xmlns:a14="http://schemas.microsoft.com/office/drawing/2010/main">
                 <a:noFill/>
               </a14:hiddenFill>
             </a:ext>
@@ -40790,14 +40972,14 @@
           </a:ln>
           <a:extLst>
             <a:ext uri="{909E8E84-426E-40dd-AFC4-6F175D3DCCD1}">
-              <a14:hiddenFill xmlns:a14="http://schemas.microsoft.com/office/drawing/2010/main" xmlns="">
+              <a14:hiddenFill xmlns="" xmlns:a14="http://schemas.microsoft.com/office/drawing/2010/main">
                 <a:solidFill>
                   <a:srgbClr val="FFFFFF"/>
                 </a:solidFill>
               </a14:hiddenFill>
             </a:ext>
             <a:ext uri="{91240B29-F687-4f45-9708-019B960494DF}">
-              <a14:hiddenLine xmlns:a14="http://schemas.microsoft.com/office/drawing/2010/main" xmlns="" w="25400">
+              <a14:hiddenLine xmlns="" xmlns:a14="http://schemas.microsoft.com/office/drawing/2010/main" w="25400">
                 <a:solidFill>
                   <a:srgbClr val="000000"/>
                 </a:solidFill>
@@ -41274,7 +41456,7 @@
             </a:ln>
             <a:extLst>
               <a:ext uri="{909E8E84-426E-40dd-AFC4-6F175D3DCCD1}">
-                <a14:hiddenFill xmlns:a14="http://schemas.microsoft.com/office/drawing/2010/main" xmlns="">
+                <a14:hiddenFill xmlns="" xmlns:a14="http://schemas.microsoft.com/office/drawing/2010/main">
                   <a:noFill/>
                 </a14:hiddenFill>
               </a:ext>
@@ -41317,7 +41499,7 @@
             </a:ln>
             <a:extLst>
               <a:ext uri="{909E8E84-426E-40dd-AFC4-6F175D3DCCD1}">
-                <a14:hiddenFill xmlns:a14="http://schemas.microsoft.com/office/drawing/2010/main" xmlns="">
+                <a14:hiddenFill xmlns="" xmlns:a14="http://schemas.microsoft.com/office/drawing/2010/main">
                   <a:noFill/>
                 </a14:hiddenFill>
               </a:ext>
@@ -41491,7 +41673,7 @@
             </a:ln>
             <a:extLst>
               <a:ext uri="{909E8E84-426E-40dd-AFC4-6F175D3DCCD1}">
-                <a14:hiddenFill xmlns:a14="http://schemas.microsoft.com/office/drawing/2010/main" xmlns="">
+                <a14:hiddenFill xmlns="" xmlns:a14="http://schemas.microsoft.com/office/drawing/2010/main">
                   <a:noFill/>
                 </a14:hiddenFill>
               </a:ext>
@@ -41534,7 +41716,7 @@
             </a:ln>
             <a:extLst>
               <a:ext uri="{909E8E84-426E-40dd-AFC4-6F175D3DCCD1}">
-                <a14:hiddenFill xmlns:a14="http://schemas.microsoft.com/office/drawing/2010/main" xmlns="">
+                <a14:hiddenFill xmlns="" xmlns:a14="http://schemas.microsoft.com/office/drawing/2010/main">
                   <a:noFill/>
                 </a14:hiddenFill>
               </a:ext>
@@ -41577,7 +41759,7 @@
             </a:ln>
             <a:extLst>
               <a:ext uri="{909E8E84-426E-40dd-AFC4-6F175D3DCCD1}">
-                <a14:hiddenFill xmlns:a14="http://schemas.microsoft.com/office/drawing/2010/main" xmlns="">
+                <a14:hiddenFill xmlns="" xmlns:a14="http://schemas.microsoft.com/office/drawing/2010/main">
                   <a:noFill/>
                 </a14:hiddenFill>
               </a:ext>
@@ -41620,7 +41802,7 @@
             </a:ln>
             <a:extLst>
               <a:ext uri="{909E8E84-426E-40dd-AFC4-6F175D3DCCD1}">
-                <a14:hiddenFill xmlns:a14="http://schemas.microsoft.com/office/drawing/2010/main" xmlns="">
+                <a14:hiddenFill xmlns="" xmlns:a14="http://schemas.microsoft.com/office/drawing/2010/main">
                   <a:solidFill>
                     <a:srgbClr val="FFFFFF"/>
                   </a:solidFill>
@@ -42033,7 +42215,7 @@
             </a:ln>
             <a:extLst>
               <a:ext uri="{909E8E84-426E-40dd-AFC4-6F175D3DCCD1}">
-                <a14:hiddenFill xmlns:a14="http://schemas.microsoft.com/office/drawing/2010/main" xmlns="">
+                <a14:hiddenFill xmlns="" xmlns:a14="http://schemas.microsoft.com/office/drawing/2010/main">
                   <a:noFill/>
                 </a14:hiddenFill>
               </a:ext>
@@ -42076,7 +42258,7 @@
             </a:ln>
             <a:extLst>
               <a:ext uri="{909E8E84-426E-40dd-AFC4-6F175D3DCCD1}">
-                <a14:hiddenFill xmlns:a14="http://schemas.microsoft.com/office/drawing/2010/main" xmlns="">
+                <a14:hiddenFill xmlns="" xmlns:a14="http://schemas.microsoft.com/office/drawing/2010/main">
                   <a:noFill/>
                 </a14:hiddenFill>
               </a:ext>
@@ -42119,7 +42301,7 @@
             </a:ln>
             <a:extLst>
               <a:ext uri="{909E8E84-426E-40dd-AFC4-6F175D3DCCD1}">
-                <a14:hiddenFill xmlns:a14="http://schemas.microsoft.com/office/drawing/2010/main" xmlns="">
+                <a14:hiddenFill xmlns="" xmlns:a14="http://schemas.microsoft.com/office/drawing/2010/main">
                   <a:noFill/>
                 </a14:hiddenFill>
               </a:ext>
@@ -42333,7 +42515,7 @@
             </a:ln>
             <a:extLst>
               <a:ext uri="{909E8E84-426E-40dd-AFC4-6F175D3DCCD1}">
-                <a14:hiddenFill xmlns:a14="http://schemas.microsoft.com/office/drawing/2010/main" xmlns="">
+                <a14:hiddenFill xmlns="" xmlns:a14="http://schemas.microsoft.com/office/drawing/2010/main">
                   <a:noFill/>
                 </a14:hiddenFill>
               </a:ext>
@@ -42376,7 +42558,7 @@
             </a:ln>
             <a:extLst>
               <a:ext uri="{909E8E84-426E-40dd-AFC4-6F175D3DCCD1}">
-                <a14:hiddenFill xmlns:a14="http://schemas.microsoft.com/office/drawing/2010/main" xmlns="">
+                <a14:hiddenFill xmlns="" xmlns:a14="http://schemas.microsoft.com/office/drawing/2010/main">
                   <a:noFill/>
                 </a14:hiddenFill>
               </a:ext>
@@ -42550,7 +42732,7 @@
             </a:ln>
             <a:extLst>
               <a:ext uri="{909E8E84-426E-40dd-AFC4-6F175D3DCCD1}">
-                <a14:hiddenFill xmlns:a14="http://schemas.microsoft.com/office/drawing/2010/main" xmlns="">
+                <a14:hiddenFill xmlns="" xmlns:a14="http://schemas.microsoft.com/office/drawing/2010/main">
                   <a:noFill/>
                 </a14:hiddenFill>
               </a:ext>
@@ -42593,7 +42775,7 @@
             </a:ln>
             <a:extLst>
               <a:ext uri="{909E8E84-426E-40dd-AFC4-6F175D3DCCD1}">
-                <a14:hiddenFill xmlns:a14="http://schemas.microsoft.com/office/drawing/2010/main" xmlns="">
+                <a14:hiddenFill xmlns="" xmlns:a14="http://schemas.microsoft.com/office/drawing/2010/main">
                   <a:noFill/>
                 </a14:hiddenFill>
               </a:ext>
@@ -42636,7 +42818,7 @@
             </a:ln>
             <a:extLst>
               <a:ext uri="{909E8E84-426E-40dd-AFC4-6F175D3DCCD1}">
-                <a14:hiddenFill xmlns:a14="http://schemas.microsoft.com/office/drawing/2010/main" xmlns="">
+                <a14:hiddenFill xmlns="" xmlns:a14="http://schemas.microsoft.com/office/drawing/2010/main">
                   <a:noFill/>
                 </a14:hiddenFill>
               </a:ext>
@@ -42679,7 +42861,7 @@
             </a:ln>
             <a:extLst>
               <a:ext uri="{909E8E84-426E-40dd-AFC4-6F175D3DCCD1}">
-                <a14:hiddenFill xmlns:a14="http://schemas.microsoft.com/office/drawing/2010/main" xmlns="">
+                <a14:hiddenFill xmlns="" xmlns:a14="http://schemas.microsoft.com/office/drawing/2010/main">
                   <a:solidFill>
                     <a:srgbClr val="FFFFFF"/>
                   </a:solidFill>
@@ -43092,7 +43274,7 @@
             </a:ln>
             <a:extLst>
               <a:ext uri="{909E8E84-426E-40dd-AFC4-6F175D3DCCD1}">
-                <a14:hiddenFill xmlns:a14="http://schemas.microsoft.com/office/drawing/2010/main" xmlns="">
+                <a14:hiddenFill xmlns="" xmlns:a14="http://schemas.microsoft.com/office/drawing/2010/main">
                   <a:noFill/>
                 </a14:hiddenFill>
               </a:ext>
@@ -43135,7 +43317,7 @@
             </a:ln>
             <a:extLst>
               <a:ext uri="{909E8E84-426E-40dd-AFC4-6F175D3DCCD1}">
-                <a14:hiddenFill xmlns:a14="http://schemas.microsoft.com/office/drawing/2010/main" xmlns="">
+                <a14:hiddenFill xmlns="" xmlns:a14="http://schemas.microsoft.com/office/drawing/2010/main">
                   <a:noFill/>
                 </a14:hiddenFill>
               </a:ext>
@@ -43178,7 +43360,7 @@
             </a:ln>
             <a:extLst>
               <a:ext uri="{909E8E84-426E-40dd-AFC4-6F175D3DCCD1}">
-                <a14:hiddenFill xmlns:a14="http://schemas.microsoft.com/office/drawing/2010/main" xmlns="">
+                <a14:hiddenFill xmlns="" xmlns:a14="http://schemas.microsoft.com/office/drawing/2010/main">
                   <a:noFill/>
                 </a14:hiddenFill>
               </a:ext>
@@ -43392,7 +43574,7 @@
             </a:ln>
             <a:extLst>
               <a:ext uri="{909E8E84-426E-40dd-AFC4-6F175D3DCCD1}">
-                <a14:hiddenFill xmlns:a14="http://schemas.microsoft.com/office/drawing/2010/main" xmlns="">
+                <a14:hiddenFill xmlns="" xmlns:a14="http://schemas.microsoft.com/office/drawing/2010/main">
                   <a:noFill/>
                 </a14:hiddenFill>
               </a:ext>
@@ -43435,7 +43617,7 @@
             </a:ln>
             <a:extLst>
               <a:ext uri="{909E8E84-426E-40dd-AFC4-6F175D3DCCD1}">
-                <a14:hiddenFill xmlns:a14="http://schemas.microsoft.com/office/drawing/2010/main" xmlns="">
+                <a14:hiddenFill xmlns="" xmlns:a14="http://schemas.microsoft.com/office/drawing/2010/main">
                   <a:noFill/>
                 </a14:hiddenFill>
               </a:ext>
@@ -43609,7 +43791,7 @@
             </a:ln>
             <a:extLst>
               <a:ext uri="{909E8E84-426E-40dd-AFC4-6F175D3DCCD1}">
-                <a14:hiddenFill xmlns:a14="http://schemas.microsoft.com/office/drawing/2010/main" xmlns="">
+                <a14:hiddenFill xmlns="" xmlns:a14="http://schemas.microsoft.com/office/drawing/2010/main">
                   <a:noFill/>
                 </a14:hiddenFill>
               </a:ext>
@@ -43652,7 +43834,7 @@
             </a:ln>
             <a:extLst>
               <a:ext uri="{909E8E84-426E-40dd-AFC4-6F175D3DCCD1}">
-                <a14:hiddenFill xmlns:a14="http://schemas.microsoft.com/office/drawing/2010/main" xmlns="">
+                <a14:hiddenFill xmlns="" xmlns:a14="http://schemas.microsoft.com/office/drawing/2010/main">
                   <a:noFill/>
                 </a14:hiddenFill>
               </a:ext>
@@ -43695,7 +43877,7 @@
             </a:ln>
             <a:extLst>
               <a:ext uri="{909E8E84-426E-40dd-AFC4-6F175D3DCCD1}">
-                <a14:hiddenFill xmlns:a14="http://schemas.microsoft.com/office/drawing/2010/main" xmlns="">
+                <a14:hiddenFill xmlns="" xmlns:a14="http://schemas.microsoft.com/office/drawing/2010/main">
                   <a:noFill/>
                 </a14:hiddenFill>
               </a:ext>
@@ -43738,7 +43920,7 @@
             </a:ln>
             <a:extLst>
               <a:ext uri="{909E8E84-426E-40dd-AFC4-6F175D3DCCD1}">
-                <a14:hiddenFill xmlns:a14="http://schemas.microsoft.com/office/drawing/2010/main" xmlns="">
+                <a14:hiddenFill xmlns="" xmlns:a14="http://schemas.microsoft.com/office/drawing/2010/main">
                   <a:solidFill>
                     <a:srgbClr val="FFFFFF"/>
                   </a:solidFill>
@@ -44151,7 +44333,7 @@
             </a:ln>
             <a:extLst>
               <a:ext uri="{909E8E84-426E-40dd-AFC4-6F175D3DCCD1}">
-                <a14:hiddenFill xmlns:a14="http://schemas.microsoft.com/office/drawing/2010/main" xmlns="">
+                <a14:hiddenFill xmlns="" xmlns:a14="http://schemas.microsoft.com/office/drawing/2010/main">
                   <a:noFill/>
                 </a14:hiddenFill>
               </a:ext>
@@ -44194,7 +44376,7 @@
             </a:ln>
             <a:extLst>
               <a:ext uri="{909E8E84-426E-40dd-AFC4-6F175D3DCCD1}">
-                <a14:hiddenFill xmlns:a14="http://schemas.microsoft.com/office/drawing/2010/main" xmlns="">
+                <a14:hiddenFill xmlns="" xmlns:a14="http://schemas.microsoft.com/office/drawing/2010/main">
                   <a:noFill/>
                 </a14:hiddenFill>
               </a:ext>
@@ -44237,7 +44419,7 @@
             </a:ln>
             <a:extLst>
               <a:ext uri="{909E8E84-426E-40dd-AFC4-6F175D3DCCD1}">
-                <a14:hiddenFill xmlns:a14="http://schemas.microsoft.com/office/drawing/2010/main" xmlns="">
+                <a14:hiddenFill xmlns="" xmlns:a14="http://schemas.microsoft.com/office/drawing/2010/main">
                   <a:noFill/>
                 </a14:hiddenFill>
               </a:ext>
@@ -44451,7 +44633,7 @@
             </a:ln>
             <a:extLst>
               <a:ext uri="{909E8E84-426E-40dd-AFC4-6F175D3DCCD1}">
-                <a14:hiddenFill xmlns:a14="http://schemas.microsoft.com/office/drawing/2010/main" xmlns="">
+                <a14:hiddenFill xmlns="" xmlns:a14="http://schemas.microsoft.com/office/drawing/2010/main">
                   <a:noFill/>
                 </a14:hiddenFill>
               </a:ext>
@@ -44494,7 +44676,7 @@
             </a:ln>
             <a:extLst>
               <a:ext uri="{909E8E84-426E-40dd-AFC4-6F175D3DCCD1}">
-                <a14:hiddenFill xmlns:a14="http://schemas.microsoft.com/office/drawing/2010/main" xmlns="">
+                <a14:hiddenFill xmlns="" xmlns:a14="http://schemas.microsoft.com/office/drawing/2010/main">
                   <a:noFill/>
                 </a14:hiddenFill>
               </a:ext>
@@ -44668,7 +44850,7 @@
             </a:ln>
             <a:extLst>
               <a:ext uri="{909E8E84-426E-40dd-AFC4-6F175D3DCCD1}">
-                <a14:hiddenFill xmlns:a14="http://schemas.microsoft.com/office/drawing/2010/main" xmlns="">
+                <a14:hiddenFill xmlns="" xmlns:a14="http://schemas.microsoft.com/office/drawing/2010/main">
                   <a:noFill/>
                 </a14:hiddenFill>
               </a:ext>
@@ -44711,7 +44893,7 @@
             </a:ln>
             <a:extLst>
               <a:ext uri="{909E8E84-426E-40dd-AFC4-6F175D3DCCD1}">
-                <a14:hiddenFill xmlns:a14="http://schemas.microsoft.com/office/drawing/2010/main" xmlns="">
+                <a14:hiddenFill xmlns="" xmlns:a14="http://schemas.microsoft.com/office/drawing/2010/main">
                   <a:noFill/>
                 </a14:hiddenFill>
               </a:ext>
@@ -44754,7 +44936,7 @@
             </a:ln>
             <a:extLst>
               <a:ext uri="{909E8E84-426E-40dd-AFC4-6F175D3DCCD1}">
-                <a14:hiddenFill xmlns:a14="http://schemas.microsoft.com/office/drawing/2010/main" xmlns="">
+                <a14:hiddenFill xmlns="" xmlns:a14="http://schemas.microsoft.com/office/drawing/2010/main">
                   <a:noFill/>
                 </a14:hiddenFill>
               </a:ext>
@@ -44797,7 +44979,7 @@
             </a:ln>
             <a:extLst>
               <a:ext uri="{909E8E84-426E-40dd-AFC4-6F175D3DCCD1}">
-                <a14:hiddenFill xmlns:a14="http://schemas.microsoft.com/office/drawing/2010/main" xmlns="">
+                <a14:hiddenFill xmlns="" xmlns:a14="http://schemas.microsoft.com/office/drawing/2010/main">
                   <a:solidFill>
                     <a:srgbClr val="FFFFFF"/>
                   </a:solidFill>
@@ -45210,7 +45392,7 @@
             </a:ln>
             <a:extLst>
               <a:ext uri="{909E8E84-426E-40dd-AFC4-6F175D3DCCD1}">
-                <a14:hiddenFill xmlns:a14="http://schemas.microsoft.com/office/drawing/2010/main" xmlns="">
+                <a14:hiddenFill xmlns="" xmlns:a14="http://schemas.microsoft.com/office/drawing/2010/main">
                   <a:noFill/>
                 </a14:hiddenFill>
               </a:ext>
@@ -45253,7 +45435,7 @@
             </a:ln>
             <a:extLst>
               <a:ext uri="{909E8E84-426E-40dd-AFC4-6F175D3DCCD1}">
-                <a14:hiddenFill xmlns:a14="http://schemas.microsoft.com/office/drawing/2010/main" xmlns="">
+                <a14:hiddenFill xmlns="" xmlns:a14="http://schemas.microsoft.com/office/drawing/2010/main">
                   <a:noFill/>
                 </a14:hiddenFill>
               </a:ext>
@@ -45296,7 +45478,7 @@
             </a:ln>
             <a:extLst>
               <a:ext uri="{909E8E84-426E-40dd-AFC4-6F175D3DCCD1}">
-                <a14:hiddenFill xmlns:a14="http://schemas.microsoft.com/office/drawing/2010/main" xmlns="">
+                <a14:hiddenFill xmlns="" xmlns:a14="http://schemas.microsoft.com/office/drawing/2010/main">
                   <a:noFill/>
                 </a14:hiddenFill>
               </a:ext>
@@ -46341,14 +46523,14 @@
           <a:effectLst/>
           <a:extLst>
             <a:ext uri="{909E8E84-426E-40dd-AFC4-6F175D3DCCD1}">
-              <a14:hiddenFill xmlns:a14="http://schemas.microsoft.com/office/drawing/2010/main" xmlns="">
+              <a14:hiddenFill xmlns="" xmlns:a14="http://schemas.microsoft.com/office/drawing/2010/main">
                 <a:solidFill>
                   <a:schemeClr val="bg1"/>
                 </a:solidFill>
               </a14:hiddenFill>
             </a:ext>
             <a:ext uri="{91240B29-F687-4f45-9708-019B960494DF}">
-              <a14:hiddenLine xmlns:a14="http://schemas.microsoft.com/office/drawing/2010/main" xmlns="" w="25400">
+              <a14:hiddenLine xmlns="" xmlns:a14="http://schemas.microsoft.com/office/drawing/2010/main" w="25400">
                 <a:solidFill>
                   <a:schemeClr val="tx1"/>
                 </a:solidFill>
@@ -46358,7 +46540,7 @@
               </a14:hiddenLine>
             </a:ext>
             <a:ext uri="{AF507438-7753-43e0-B8FC-AC1667EBCBE1}">
-              <a14:hiddenEffects xmlns:a14="http://schemas.microsoft.com/office/drawing/2010/main" xmlns="">
+              <a14:hiddenEffects xmlns="" xmlns:a14="http://schemas.microsoft.com/office/drawing/2010/main">
                 <a:effectLst>
                   <a:outerShdw blurRad="63500" dist="38099" dir="2700000" algn="ctr" rotWithShape="0">
                     <a:schemeClr val="bg2">
@@ -46472,14 +46654,14 @@
           <a:effectLst/>
           <a:extLst>
             <a:ext uri="{909E8E84-426E-40dd-AFC4-6F175D3DCCD1}">
-              <a14:hiddenFill xmlns:a14="http://schemas.microsoft.com/office/drawing/2010/main" xmlns="">
+              <a14:hiddenFill xmlns="" xmlns:a14="http://schemas.microsoft.com/office/drawing/2010/main">
                 <a:solidFill>
                   <a:schemeClr val="bg1"/>
                 </a:solidFill>
               </a14:hiddenFill>
             </a:ext>
             <a:ext uri="{AF507438-7753-43e0-B8FC-AC1667EBCBE1}">
-              <a14:hiddenEffects xmlns:a14="http://schemas.microsoft.com/office/drawing/2010/main" xmlns="">
+              <a14:hiddenEffects xmlns="" xmlns:a14="http://schemas.microsoft.com/office/drawing/2010/main">
                 <a:effectLst>
                   <a:outerShdw blurRad="63500" dist="35921" dir="2700000" algn="ctr" rotWithShape="0">
                     <a:schemeClr val="bg2"/>
@@ -46570,14 +46752,14 @@
           <a:effectLst/>
           <a:extLst>
             <a:ext uri="{909E8E84-426E-40dd-AFC4-6F175D3DCCD1}">
-              <a14:hiddenFill xmlns:a14="http://schemas.microsoft.com/office/drawing/2010/main" xmlns="">
+              <a14:hiddenFill xmlns="" xmlns:a14="http://schemas.microsoft.com/office/drawing/2010/main">
                 <a:solidFill>
                   <a:schemeClr val="bg1"/>
                 </a:solidFill>
               </a14:hiddenFill>
             </a:ext>
             <a:ext uri="{AF507438-7753-43e0-B8FC-AC1667EBCBE1}">
-              <a14:hiddenEffects xmlns:a14="http://schemas.microsoft.com/office/drawing/2010/main" xmlns="">
+              <a14:hiddenEffects xmlns="" xmlns:a14="http://schemas.microsoft.com/office/drawing/2010/main">
                 <a:effectLst>
                   <a:outerShdw blurRad="63500" dist="35921" dir="2700000" algn="ctr" rotWithShape="0">
                     <a:schemeClr val="bg2"/>
@@ -46676,14 +46858,14 @@
           <a:effectLst/>
           <a:extLst>
             <a:ext uri="{909E8E84-426E-40dd-AFC4-6F175D3DCCD1}">
-              <a14:hiddenFill xmlns:a14="http://schemas.microsoft.com/office/drawing/2010/main" xmlns="">
+              <a14:hiddenFill xmlns="" xmlns:a14="http://schemas.microsoft.com/office/drawing/2010/main">
                 <a:solidFill>
                   <a:schemeClr val="bg1"/>
                 </a:solidFill>
               </a14:hiddenFill>
             </a:ext>
             <a:ext uri="{AF507438-7753-43e0-B8FC-AC1667EBCBE1}">
-              <a14:hiddenEffects xmlns:a14="http://schemas.microsoft.com/office/drawing/2010/main" xmlns="">
+              <a14:hiddenEffects xmlns="" xmlns:a14="http://schemas.microsoft.com/office/drawing/2010/main">
                 <a:effectLst>
                   <a:outerShdw blurRad="63500" dist="35921" dir="2700000" algn="ctr" rotWithShape="0">
                     <a:schemeClr val="bg2"/>
@@ -46782,14 +46964,14 @@
           <a:effectLst/>
           <a:extLst>
             <a:ext uri="{909E8E84-426E-40dd-AFC4-6F175D3DCCD1}">
-              <a14:hiddenFill xmlns:a14="http://schemas.microsoft.com/office/drawing/2010/main" xmlns="">
+              <a14:hiddenFill xmlns="" xmlns:a14="http://schemas.microsoft.com/office/drawing/2010/main">
                 <a:solidFill>
                   <a:schemeClr val="bg1"/>
                 </a:solidFill>
               </a14:hiddenFill>
             </a:ext>
             <a:ext uri="{AF507438-7753-43e0-B8FC-AC1667EBCBE1}">
-              <a14:hiddenEffects xmlns:a14="http://schemas.microsoft.com/office/drawing/2010/main" xmlns="">
+              <a14:hiddenEffects xmlns="" xmlns:a14="http://schemas.microsoft.com/office/drawing/2010/main">
                 <a:effectLst>
                   <a:outerShdw blurRad="63500" dist="35921" dir="2700000" algn="ctr" rotWithShape="0">
                     <a:schemeClr val="bg2"/>
@@ -46832,14 +47014,14 @@
           <a:effectLst/>
           <a:extLst>
             <a:ext uri="{909E8E84-426E-40dd-AFC4-6F175D3DCCD1}">
-              <a14:hiddenFill xmlns:a14="http://schemas.microsoft.com/office/drawing/2010/main" xmlns="">
+              <a14:hiddenFill xmlns="" xmlns:a14="http://schemas.microsoft.com/office/drawing/2010/main">
                 <a:solidFill>
                   <a:schemeClr val="bg1"/>
                 </a:solidFill>
               </a14:hiddenFill>
             </a:ext>
             <a:ext uri="{91240B29-F687-4f45-9708-019B960494DF}">
-              <a14:hiddenLine xmlns:a14="http://schemas.microsoft.com/office/drawing/2010/main" xmlns="" w="25400">
+              <a14:hiddenLine xmlns="" xmlns:a14="http://schemas.microsoft.com/office/drawing/2010/main" w="25400">
                 <a:solidFill>
                   <a:schemeClr val="tx2"/>
                 </a:solidFill>
@@ -46849,7 +47031,7 @@
               </a14:hiddenLine>
             </a:ext>
             <a:ext uri="{AF507438-7753-43e0-B8FC-AC1667EBCBE1}">
-              <a14:hiddenEffects xmlns:a14="http://schemas.microsoft.com/office/drawing/2010/main" xmlns="">
+              <a14:hiddenEffects xmlns="" xmlns:a14="http://schemas.microsoft.com/office/drawing/2010/main">
                 <a:effectLst>
                   <a:outerShdw blurRad="63500" dist="38099" dir="2700000" algn="ctr" rotWithShape="0">
                     <a:schemeClr val="bg2">
@@ -46902,14 +47084,14 @@
           <a:effectLst/>
           <a:extLst>
             <a:ext uri="{909E8E84-426E-40dd-AFC4-6F175D3DCCD1}">
-              <a14:hiddenFill xmlns:a14="http://schemas.microsoft.com/office/drawing/2010/main" xmlns="">
+              <a14:hiddenFill xmlns="" xmlns:a14="http://schemas.microsoft.com/office/drawing/2010/main">
                 <a:solidFill>
                   <a:schemeClr val="bg1"/>
                 </a:solidFill>
               </a14:hiddenFill>
             </a:ext>
             <a:ext uri="{91240B29-F687-4f45-9708-019B960494DF}">
-              <a14:hiddenLine xmlns:a14="http://schemas.microsoft.com/office/drawing/2010/main" xmlns="" w="25400">
+              <a14:hiddenLine xmlns="" xmlns:a14="http://schemas.microsoft.com/office/drawing/2010/main" w="25400">
                 <a:solidFill>
                   <a:schemeClr val="tx2"/>
                 </a:solidFill>
@@ -46919,7 +47101,7 @@
               </a14:hiddenLine>
             </a:ext>
             <a:ext uri="{AF507438-7753-43e0-B8FC-AC1667EBCBE1}">
-              <a14:hiddenEffects xmlns:a14="http://schemas.microsoft.com/office/drawing/2010/main" xmlns="">
+              <a14:hiddenEffects xmlns="" xmlns:a14="http://schemas.microsoft.com/office/drawing/2010/main">
                 <a:effectLst>
                   <a:outerShdw blurRad="63500" dist="38099" dir="2700000" algn="ctr" rotWithShape="0">
                     <a:schemeClr val="bg2">
@@ -46969,14 +47151,14 @@
           <a:effectLst/>
           <a:extLst>
             <a:ext uri="{909E8E84-426E-40dd-AFC4-6F175D3DCCD1}">
-              <a14:hiddenFill xmlns:a14="http://schemas.microsoft.com/office/drawing/2010/main" xmlns="">
+              <a14:hiddenFill xmlns="" xmlns:a14="http://schemas.microsoft.com/office/drawing/2010/main">
                 <a:solidFill>
                   <a:schemeClr val="bg1"/>
                 </a:solidFill>
               </a14:hiddenFill>
             </a:ext>
             <a:ext uri="{91240B29-F687-4f45-9708-019B960494DF}">
-              <a14:hiddenLine xmlns:a14="http://schemas.microsoft.com/office/drawing/2010/main" xmlns="" w="25400">
+              <a14:hiddenLine xmlns="" xmlns:a14="http://schemas.microsoft.com/office/drawing/2010/main" w="25400">
                 <a:solidFill>
                   <a:schemeClr val="tx2"/>
                 </a:solidFill>
@@ -46986,7 +47168,7 @@
               </a14:hiddenLine>
             </a:ext>
             <a:ext uri="{AF507438-7753-43e0-B8FC-AC1667EBCBE1}">
-              <a14:hiddenEffects xmlns:a14="http://schemas.microsoft.com/office/drawing/2010/main" xmlns="">
+              <a14:hiddenEffects xmlns="" xmlns:a14="http://schemas.microsoft.com/office/drawing/2010/main">
                 <a:effectLst>
                   <a:outerShdw blurRad="63500" dist="38099" dir="2700000" algn="ctr" rotWithShape="0">
                     <a:schemeClr val="bg2">
@@ -47031,7 +47213,7 @@
           <a:graphicData uri="http://schemas.openxmlformats.org/presentationml/2006/ole">
             <mc:AlternateContent xmlns:mc="http://schemas.openxmlformats.org/markup-compatibility/2006">
               <mc:Choice xmlns:v="urn:schemas-microsoft-com:vml" Requires="v">
-                <p:oleObj spid="_x0000_s3105" name="Clip" r:id="rId3" imgW="2107949" imgH="3470495" progId="MS_ClipArt_Gallery.5">
+                <p:oleObj spid="_x0000_s3109" name="Clip" r:id="rId3" imgW="2107949" imgH="3470495" progId="MS_ClipArt_Gallery.5">
                   <p:embed/>
                 </p:oleObj>
               </mc:Choice>
@@ -47074,14 +47256,14 @@
                       <a:effectLst/>
                       <a:extLst>
                         <a:ext uri="{909E8E84-426E-40dd-AFC4-6F175D3DCCD1}">
-                          <a14:hiddenFill xmlns:a14="http://schemas.microsoft.com/office/drawing/2010/main" xmlns="">
+                          <a14:hiddenFill xmlns="" xmlns:a14="http://schemas.microsoft.com/office/drawing/2010/main">
                             <a:solidFill>
                               <a:srgbClr val="FFFFFF"/>
                             </a:solidFill>
                           </a14:hiddenFill>
                         </a:ext>
                         <a:ext uri="{91240B29-F687-4f45-9708-019B960494DF}">
-                          <a14:hiddenLine xmlns:a14="http://schemas.microsoft.com/office/drawing/2010/main" xmlns="" w="9525">
+                          <a14:hiddenLine xmlns="" xmlns:a14="http://schemas.microsoft.com/office/drawing/2010/main" w="9525">
                             <a:solidFill>
                               <a:srgbClr val="000000"/>
                             </a:solidFill>
@@ -47091,7 +47273,7 @@
                           </a14:hiddenLine>
                         </a:ext>
                         <a:ext uri="{AF507438-7753-43e0-B8FC-AC1667EBCBE1}">
-                          <a14:hiddenEffects xmlns:a14="http://schemas.microsoft.com/office/drawing/2010/main" xmlns="">
+                          <a14:hiddenEffects xmlns="" xmlns:a14="http://schemas.microsoft.com/office/drawing/2010/main">
                             <a:effectLst>
                               <a:outerShdw blurRad="63500" dist="38099" dir="2700000" algn="ctr" rotWithShape="0">
                                 <a:srgbClr val="000000">
@@ -47275,7 +47457,7 @@
           </a:ln>
           <a:extLst>
             <a:ext uri="{909E8E84-426E-40dd-AFC4-6F175D3DCCD1}">
-              <a14:hiddenFill xmlns:a14="http://schemas.microsoft.com/office/drawing/2010/main" xmlns="">
+              <a14:hiddenFill xmlns="" xmlns:a14="http://schemas.microsoft.com/office/drawing/2010/main">
                 <a:solidFill>
                   <a:srgbClr val="FFFFFF"/>
                 </a:solidFill>
@@ -47318,7 +47500,7 @@
           </a:ln>
           <a:extLst>
             <a:ext uri="{909E8E84-426E-40dd-AFC4-6F175D3DCCD1}">
-              <a14:hiddenFill xmlns:a14="http://schemas.microsoft.com/office/drawing/2010/main" xmlns="">
+              <a14:hiddenFill xmlns="" xmlns:a14="http://schemas.microsoft.com/office/drawing/2010/main">
                 <a:noFill/>
               </a14:hiddenFill>
             </a:ext>
@@ -47354,14 +47536,14 @@
           </a:ln>
           <a:extLst>
             <a:ext uri="{909E8E84-426E-40dd-AFC4-6F175D3DCCD1}">
-              <a14:hiddenFill xmlns:a14="http://schemas.microsoft.com/office/drawing/2010/main" xmlns="">
+              <a14:hiddenFill xmlns="" xmlns:a14="http://schemas.microsoft.com/office/drawing/2010/main">
                 <a:solidFill>
                   <a:srgbClr val="FFFFFF"/>
                 </a:solidFill>
               </a14:hiddenFill>
             </a:ext>
             <a:ext uri="{91240B29-F687-4f45-9708-019B960494DF}">
-              <a14:hiddenLine xmlns:a14="http://schemas.microsoft.com/office/drawing/2010/main" xmlns="" w="25400">
+              <a14:hiddenLine xmlns="" xmlns:a14="http://schemas.microsoft.com/office/drawing/2010/main" w="25400">
                 <a:solidFill>
                   <a:srgbClr val="000000"/>
                 </a:solidFill>
@@ -47625,7 +47807,7 @@
           </a:ln>
           <a:extLst>
             <a:ext uri="{909E8E84-426E-40dd-AFC4-6F175D3DCCD1}">
-              <a14:hiddenFill xmlns:a14="http://schemas.microsoft.com/office/drawing/2010/main" xmlns="">
+              <a14:hiddenFill xmlns="" xmlns:a14="http://schemas.microsoft.com/office/drawing/2010/main">
                 <a:solidFill>
                   <a:srgbClr val="FFFFFF"/>
                 </a:solidFill>
@@ -47667,14 +47849,14 @@
           </a:ln>
           <a:extLst>
             <a:ext uri="{909E8E84-426E-40dd-AFC4-6F175D3DCCD1}">
-              <a14:hiddenFill xmlns:a14="http://schemas.microsoft.com/office/drawing/2010/main" xmlns="">
+              <a14:hiddenFill xmlns="" xmlns:a14="http://schemas.microsoft.com/office/drawing/2010/main">
                 <a:solidFill>
                   <a:srgbClr val="FFFFFF"/>
                 </a:solidFill>
               </a14:hiddenFill>
             </a:ext>
             <a:ext uri="{91240B29-F687-4f45-9708-019B960494DF}">
-              <a14:hiddenLine xmlns:a14="http://schemas.microsoft.com/office/drawing/2010/main" xmlns="" w="25400">
+              <a14:hiddenLine xmlns="" xmlns:a14="http://schemas.microsoft.com/office/drawing/2010/main" w="25400">
                 <a:solidFill>
                   <a:srgbClr val="000000"/>
                 </a:solidFill>

--- a/slides/lec04_web.pptx
+++ b/slides/lec04_web.pptx
@@ -242,7 +242,7 @@
           <a:p>
             <a:fld id="{26C21ED3-A5B8-0F43-BEC8-3BB1C1D7A737}" type="datetimeFigureOut">
               <a:rPr lang="en-US" smtClean="0"/>
-              <a:t>2/6/19</a:t>
+              <a:t>2/11/19</a:t>
             </a:fld>
             <a:endParaRPr lang="en-US"/>
           </a:p>
@@ -2358,7 +2358,7 @@
           <a:p>
             <a:fld id="{ECF56177-CEF1-0141-836F-3867E7E9C1D8}" type="datetime1">
               <a:rPr lang="en-US" smtClean="0"/>
-              <a:t>2/6/19</a:t>
+              <a:t>2/11/19</a:t>
             </a:fld>
             <a:endParaRPr lang="en-US"/>
           </a:p>
@@ -2528,7 +2528,7 @@
           <a:p>
             <a:fld id="{4CDC8FB9-92E9-4C40-A76A-6D1CDAB665BB}" type="datetime1">
               <a:rPr lang="en-US" smtClean="0"/>
-              <a:t>2/6/19</a:t>
+              <a:t>2/11/19</a:t>
             </a:fld>
             <a:endParaRPr lang="en-US"/>
           </a:p>
@@ -2708,7 +2708,7 @@
           <a:p>
             <a:fld id="{F8F03505-CCE7-CA4C-B4F1-35193B6B5156}" type="datetime1">
               <a:rPr lang="en-US" smtClean="0"/>
-              <a:t>2/6/19</a:t>
+              <a:t>2/11/19</a:t>
             </a:fld>
             <a:endParaRPr lang="en-US"/>
           </a:p>
@@ -2878,7 +2878,7 @@
           <a:p>
             <a:fld id="{A02E57FB-CD21-0942-A714-152EC4568E9D}" type="datetime1">
               <a:rPr lang="en-US" smtClean="0"/>
-              <a:t>2/6/19</a:t>
+              <a:t>2/11/19</a:t>
             </a:fld>
             <a:endParaRPr lang="en-US"/>
           </a:p>
@@ -3122,7 +3122,7 @@
           <a:p>
             <a:fld id="{77AD2927-A654-D74D-A6C0-BF96EF7229C7}" type="datetime1">
               <a:rPr lang="en-US" smtClean="0"/>
-              <a:t>2/6/19</a:t>
+              <a:t>2/11/19</a:t>
             </a:fld>
             <a:endParaRPr lang="en-US"/>
           </a:p>
@@ -3354,7 +3354,7 @@
           <a:p>
             <a:fld id="{37B554B6-7788-2348-9289-7CAD598A9555}" type="datetime1">
               <a:rPr lang="en-US" smtClean="0"/>
-              <a:t>2/6/19</a:t>
+              <a:t>2/11/19</a:t>
             </a:fld>
             <a:endParaRPr lang="en-US"/>
           </a:p>
@@ -3721,7 +3721,7 @@
           <a:p>
             <a:fld id="{CCE331CB-FA13-3243-AD80-8733E43C7C1F}" type="datetime1">
               <a:rPr lang="en-US" smtClean="0"/>
-              <a:t>2/6/19</a:t>
+              <a:t>2/11/19</a:t>
             </a:fld>
             <a:endParaRPr lang="en-US"/>
           </a:p>
@@ -3839,7 +3839,7 @@
           <a:p>
             <a:fld id="{C0172A9A-4F1F-854A-9B1E-96AFCC4A9B03}" type="datetime1">
               <a:rPr lang="en-US" smtClean="0"/>
-              <a:t>2/6/19</a:t>
+              <a:t>2/11/19</a:t>
             </a:fld>
             <a:endParaRPr lang="en-US"/>
           </a:p>
@@ -3934,7 +3934,7 @@
           <a:p>
             <a:fld id="{2D504595-1B90-0F4A-A1D0-6609637EC4CD}" type="datetime1">
               <a:rPr lang="en-US" smtClean="0"/>
-              <a:t>2/6/19</a:t>
+              <a:t>2/11/19</a:t>
             </a:fld>
             <a:endParaRPr lang="en-US"/>
           </a:p>
@@ -4211,7 +4211,7 @@
           <a:p>
             <a:fld id="{F48EB26F-796F-BD4B-9EC5-A039FE9C305B}" type="datetime1">
               <a:rPr lang="en-US" smtClean="0"/>
-              <a:t>2/6/19</a:t>
+              <a:t>2/11/19</a:t>
             </a:fld>
             <a:endParaRPr lang="en-US"/>
           </a:p>
@@ -4468,7 +4468,7 @@
           <a:p>
             <a:fld id="{CDC2C28A-C946-0143-970B-84B8FE5654F4}" type="datetime1">
               <a:rPr lang="en-US" smtClean="0"/>
-              <a:t>2/6/19</a:t>
+              <a:t>2/11/19</a:t>
             </a:fld>
             <a:endParaRPr lang="en-US"/>
           </a:p>
@@ -4681,7 +4681,7 @@
           <a:p>
             <a:fld id="{A831EFE4-169C-9248-BC74-4797ECDAE130}" type="datetime1">
               <a:rPr lang="en-US" smtClean="0"/>
-              <a:t>2/6/19</a:t>
+              <a:t>2/11/19</a:t>
             </a:fld>
             <a:endParaRPr lang="en-US"/>
           </a:p>
@@ -5462,6 +5462,32 @@
               <a:t>Web</a:t>
             </a:r>
             <a:endParaRPr lang="en-US" sz="4800" dirty="0"/>
+          </a:p>
+        </p:txBody>
+      </p:sp>
+      <p:sp>
+        <p:nvSpPr>
+          <p:cNvPr id="2" name="TextBox 1"/>
+          <p:cNvSpPr txBox="1"/>
+          <p:nvPr/>
+        </p:nvSpPr>
+        <p:spPr>
+          <a:xfrm>
+            <a:off x="10440365" y="1412111"/>
+            <a:ext cx="184731" cy="369332"/>
+          </a:xfrm>
+          <a:prstGeom prst="rect">
+            <a:avLst/>
+          </a:prstGeom>
+          <a:noFill/>
+        </p:spPr>
+        <p:txBody>
+          <a:bodyPr wrap="none" rtlCol="0">
+            <a:spAutoFit/>
+          </a:bodyPr>
+          <a:lstStyle/>
+          <a:p>
+            <a:endParaRPr lang="en-US"/>
           </a:p>
         </p:txBody>
       </p:sp>
@@ -26013,25 +26039,16 @@
             <a:pPr lvl="1"/>
             <a:r>
               <a:rPr lang="en-US" dirty="0" smtClean="0"/>
-              <a:t>Pipelining and </a:t>
-            </a:r>
+              <a:t>Pipelining and batching</a:t>
+            </a:r>
+          </a:p>
+          <a:p>
+            <a:endParaRPr lang="en-US" dirty="0"/>
+          </a:p>
+          <a:p>
             <a:r>
               <a:rPr lang="en-US" dirty="0" smtClean="0"/>
-              <a:t>batching</a:t>
-            </a:r>
-            <a:endParaRPr lang="en-US" dirty="0" smtClean="0"/>
-          </a:p>
-          <a:p>
-            <a:endParaRPr lang="en-US" dirty="0"/>
-          </a:p>
-          <a:p>
-            <a:r>
-              <a:rPr lang="en-US" dirty="0" smtClean="0"/>
-              <a:t>Assignment 1 is due next </a:t>
-            </a:r>
-            <a:r>
-              <a:rPr lang="en-US" dirty="0" smtClean="0"/>
-              <a:t>Friday</a:t>
+              <a:t>Assignment 1 is due next Friday</a:t>
             </a:r>
             <a:endParaRPr lang="en-US" dirty="0"/>
           </a:p>

--- a/slides/lec04_web.pptx
+++ b/slides/lec04_web.pptx
@@ -242,7 +242,7 @@
           <a:p>
             <a:fld id="{26C21ED3-A5B8-0F43-BEC8-3BB1C1D7A737}" type="datetimeFigureOut">
               <a:rPr lang="en-US" smtClean="0"/>
-              <a:t>2/11/19</a:t>
+              <a:t>3/7/19</a:t>
             </a:fld>
             <a:endParaRPr lang="en-US"/>
           </a:p>
@@ -659,14 +659,14 @@
               <ma14:placeholderFlag xmlns:ma14="http://schemas.microsoft.com/office/mac/drawingml/2011/main" val="1"/>
             </a:ext>
             <a:ext uri="{909E8E84-426E-40dd-AFC4-6F175D3DCCD1}">
-              <a14:hiddenFill xmlns="" xmlns:a14="http://schemas.microsoft.com/office/drawing/2010/main">
+              <a14:hiddenFill xmlns:a14="http://schemas.microsoft.com/office/drawing/2010/main" xmlns="">
                 <a:solidFill>
                   <a:srgbClr val="FFFFFF"/>
                 </a:solidFill>
               </a14:hiddenFill>
             </a:ext>
             <a:ext uri="{91240B29-F687-4f45-9708-019B960494DF}">
-              <a14:hiddenLine xmlns="" xmlns:a14="http://schemas.microsoft.com/office/drawing/2010/main" w="9525">
+              <a14:hiddenLine xmlns:a14="http://schemas.microsoft.com/office/drawing/2010/main" xmlns="" w="9525">
                 <a:solidFill>
                   <a:srgbClr val="000000"/>
                 </a:solidFill>
@@ -747,14 +747,14 @@
           <a:ln/>
           <a:extLst>
             <a:ext uri="{909E8E84-426E-40dd-AFC4-6F175D3DCCD1}">
-              <a14:hiddenFill xmlns="" xmlns:a14="http://schemas.microsoft.com/office/drawing/2010/main">
+              <a14:hiddenFill xmlns:a14="http://schemas.microsoft.com/office/drawing/2010/main" xmlns="">
                 <a:solidFill>
                   <a:srgbClr val="FFFFFF"/>
                 </a:solidFill>
               </a14:hiddenFill>
             </a:ext>
             <a:ext uri="{91240B29-F687-4f45-9708-019B960494DF}">
-              <a14:hiddenLine xmlns="" xmlns:a14="http://schemas.microsoft.com/office/drawing/2010/main" w="9525">
+              <a14:hiddenLine xmlns:a14="http://schemas.microsoft.com/office/drawing/2010/main" xmlns="" w="9525">
                 <a:solidFill>
                   <a:srgbClr val="000000"/>
                 </a:solidFill>
@@ -838,14 +838,14 @@
           <a:ln/>
           <a:extLst>
             <a:ext uri="{909E8E84-426E-40dd-AFC4-6F175D3DCCD1}">
-              <a14:hiddenFill xmlns="" xmlns:a14="http://schemas.microsoft.com/office/drawing/2010/main">
+              <a14:hiddenFill xmlns:a14="http://schemas.microsoft.com/office/drawing/2010/main" xmlns="">
                 <a:solidFill>
                   <a:srgbClr val="FFFFFF"/>
                 </a:solidFill>
               </a14:hiddenFill>
             </a:ext>
             <a:ext uri="{91240B29-F687-4f45-9708-019B960494DF}">
-              <a14:hiddenLine xmlns="" xmlns:a14="http://schemas.microsoft.com/office/drawing/2010/main" w="9525">
+              <a14:hiddenLine xmlns:a14="http://schemas.microsoft.com/office/drawing/2010/main" xmlns="" w="9525">
                 <a:solidFill>
                   <a:srgbClr val="000000"/>
                 </a:solidFill>
@@ -1070,14 +1070,14 @@
               <ma14:placeholderFlag xmlns:ma14="http://schemas.microsoft.com/office/mac/drawingml/2011/main" val="1"/>
             </a:ext>
             <a:ext uri="{909E8E84-426E-40dd-AFC4-6F175D3DCCD1}">
-              <a14:hiddenFill xmlns="" xmlns:a14="http://schemas.microsoft.com/office/drawing/2010/main">
+              <a14:hiddenFill xmlns:a14="http://schemas.microsoft.com/office/drawing/2010/main" xmlns="">
                 <a:solidFill>
                   <a:srgbClr val="FFFFFF"/>
                 </a:solidFill>
               </a14:hiddenFill>
             </a:ext>
             <a:ext uri="{91240B29-F687-4f45-9708-019B960494DF}">
-              <a14:hiddenLine xmlns="" xmlns:a14="http://schemas.microsoft.com/office/drawing/2010/main" w="9525">
+              <a14:hiddenLine xmlns:a14="http://schemas.microsoft.com/office/drawing/2010/main" xmlns="" w="9525">
                 <a:solidFill>
                   <a:srgbClr val="000000"/>
                 </a:solidFill>
@@ -1161,14 +1161,14 @@
               <ma14:placeholderFlag xmlns:ma14="http://schemas.microsoft.com/office/mac/drawingml/2011/main" val="1"/>
             </a:ext>
             <a:ext uri="{909E8E84-426E-40dd-AFC4-6F175D3DCCD1}">
-              <a14:hiddenFill xmlns="" xmlns:a14="http://schemas.microsoft.com/office/drawing/2010/main">
+              <a14:hiddenFill xmlns:a14="http://schemas.microsoft.com/office/drawing/2010/main" xmlns="">
                 <a:solidFill>
                   <a:srgbClr val="FFFFFF"/>
                 </a:solidFill>
               </a14:hiddenFill>
             </a:ext>
             <a:ext uri="{91240B29-F687-4f45-9708-019B960494DF}">
-              <a14:hiddenLine xmlns="" xmlns:a14="http://schemas.microsoft.com/office/drawing/2010/main" w="9525">
+              <a14:hiddenLine xmlns:a14="http://schemas.microsoft.com/office/drawing/2010/main" xmlns="" w="9525">
                 <a:solidFill>
                   <a:srgbClr val="000000"/>
                 </a:solidFill>
@@ -1249,14 +1249,14 @@
           <a:ln/>
           <a:extLst>
             <a:ext uri="{909E8E84-426E-40dd-AFC4-6F175D3DCCD1}">
-              <a14:hiddenFill xmlns="" xmlns:a14="http://schemas.microsoft.com/office/drawing/2010/main">
+              <a14:hiddenFill xmlns:a14="http://schemas.microsoft.com/office/drawing/2010/main" xmlns="">
                 <a:solidFill>
                   <a:srgbClr val="FFFFFF"/>
                 </a:solidFill>
               </a14:hiddenFill>
             </a:ext>
             <a:ext uri="{91240B29-F687-4f45-9708-019B960494DF}">
-              <a14:hiddenLine xmlns="" xmlns:a14="http://schemas.microsoft.com/office/drawing/2010/main" w="9525">
+              <a14:hiddenLine xmlns:a14="http://schemas.microsoft.com/office/drawing/2010/main" xmlns="" w="9525">
                 <a:solidFill>
                   <a:srgbClr val="000000"/>
                 </a:solidFill>
@@ -1436,14 +1436,14 @@
               <ma14:placeholderFlag xmlns:ma14="http://schemas.microsoft.com/office/mac/drawingml/2011/main" val="1"/>
             </a:ext>
             <a:ext uri="{909E8E84-426E-40dd-AFC4-6F175D3DCCD1}">
-              <a14:hiddenFill xmlns="" xmlns:a14="http://schemas.microsoft.com/office/drawing/2010/main">
+              <a14:hiddenFill xmlns:a14="http://schemas.microsoft.com/office/drawing/2010/main" xmlns="">
                 <a:solidFill>
                   <a:srgbClr val="FFFFFF"/>
                 </a:solidFill>
               </a14:hiddenFill>
             </a:ext>
             <a:ext uri="{91240B29-F687-4f45-9708-019B960494DF}">
-              <a14:hiddenLine xmlns="" xmlns:a14="http://schemas.microsoft.com/office/drawing/2010/main" w="9525">
+              <a14:hiddenLine xmlns:a14="http://schemas.microsoft.com/office/drawing/2010/main" xmlns="" w="9525">
                 <a:solidFill>
                   <a:srgbClr val="000000"/>
                 </a:solidFill>
@@ -1556,14 +1556,14 @@
               <ma14:placeholderFlag xmlns:ma14="http://schemas.microsoft.com/office/mac/drawingml/2011/main" val="1"/>
             </a:ext>
             <a:ext uri="{909E8E84-426E-40dd-AFC4-6F175D3DCCD1}">
-              <a14:hiddenFill xmlns="" xmlns:a14="http://schemas.microsoft.com/office/drawing/2010/main">
+              <a14:hiddenFill xmlns:a14="http://schemas.microsoft.com/office/drawing/2010/main" xmlns="">
                 <a:solidFill>
                   <a:srgbClr val="FFFFFF"/>
                 </a:solidFill>
               </a14:hiddenFill>
             </a:ext>
             <a:ext uri="{91240B29-F687-4f45-9708-019B960494DF}">
-              <a14:hiddenLine xmlns="" xmlns:a14="http://schemas.microsoft.com/office/drawing/2010/main" w="9525">
+              <a14:hiddenLine xmlns:a14="http://schemas.microsoft.com/office/drawing/2010/main" xmlns="" w="9525">
                 <a:solidFill>
                   <a:srgbClr val="000000"/>
                 </a:solidFill>
@@ -1747,14 +1747,14 @@
               <ma14:placeholderFlag xmlns:ma14="http://schemas.microsoft.com/office/mac/drawingml/2011/main" val="1"/>
             </a:ext>
             <a:ext uri="{909E8E84-426E-40dd-AFC4-6F175D3DCCD1}">
-              <a14:hiddenFill xmlns="" xmlns:a14="http://schemas.microsoft.com/office/drawing/2010/main">
+              <a14:hiddenFill xmlns:a14="http://schemas.microsoft.com/office/drawing/2010/main" xmlns="">
                 <a:solidFill>
                   <a:srgbClr val="FFFFFF"/>
                 </a:solidFill>
               </a14:hiddenFill>
             </a:ext>
             <a:ext uri="{91240B29-F687-4f45-9708-019B960494DF}">
-              <a14:hiddenLine xmlns="" xmlns:a14="http://schemas.microsoft.com/office/drawing/2010/main" w="9525">
+              <a14:hiddenLine xmlns:a14="http://schemas.microsoft.com/office/drawing/2010/main" xmlns="" w="9525">
                 <a:solidFill>
                   <a:srgbClr val="000000"/>
                 </a:solidFill>
@@ -2028,14 +2028,14 @@
               <ma14:placeholderFlag xmlns:ma14="http://schemas.microsoft.com/office/mac/drawingml/2011/main" val="1"/>
             </a:ext>
             <a:ext uri="{909E8E84-426E-40dd-AFC4-6F175D3DCCD1}">
-              <a14:hiddenFill xmlns="" xmlns:a14="http://schemas.microsoft.com/office/drawing/2010/main">
+              <a14:hiddenFill xmlns:a14="http://schemas.microsoft.com/office/drawing/2010/main" xmlns="">
                 <a:solidFill>
                   <a:srgbClr val="FFFFFF"/>
                 </a:solidFill>
               </a14:hiddenFill>
             </a:ext>
             <a:ext uri="{91240B29-F687-4f45-9708-019B960494DF}">
-              <a14:hiddenLine xmlns="" xmlns:a14="http://schemas.microsoft.com/office/drawing/2010/main" w="9525">
+              <a14:hiddenLine xmlns:a14="http://schemas.microsoft.com/office/drawing/2010/main" xmlns="" w="9525">
                 <a:solidFill>
                   <a:srgbClr val="000000"/>
                 </a:solidFill>
@@ -2185,14 +2185,14 @@
               <ma14:placeholderFlag xmlns:ma14="http://schemas.microsoft.com/office/mac/drawingml/2011/main" val="1"/>
             </a:ext>
             <a:ext uri="{909E8E84-426E-40dd-AFC4-6F175D3DCCD1}">
-              <a14:hiddenFill xmlns="" xmlns:a14="http://schemas.microsoft.com/office/drawing/2010/main">
+              <a14:hiddenFill xmlns:a14="http://schemas.microsoft.com/office/drawing/2010/main" xmlns="">
                 <a:solidFill>
                   <a:srgbClr val="FFFFFF"/>
                 </a:solidFill>
               </a14:hiddenFill>
             </a:ext>
             <a:ext uri="{91240B29-F687-4f45-9708-019B960494DF}">
-              <a14:hiddenLine xmlns="" xmlns:a14="http://schemas.microsoft.com/office/drawing/2010/main" w="9525">
+              <a14:hiddenLine xmlns:a14="http://schemas.microsoft.com/office/drawing/2010/main" xmlns="" w="9525">
                 <a:solidFill>
                   <a:srgbClr val="000000"/>
                 </a:solidFill>
@@ -2358,7 +2358,7 @@
           <a:p>
             <a:fld id="{ECF56177-CEF1-0141-836F-3867E7E9C1D8}" type="datetime1">
               <a:rPr lang="en-US" smtClean="0"/>
-              <a:t>2/11/19</a:t>
+              <a:t>3/7/19</a:t>
             </a:fld>
             <a:endParaRPr lang="en-US"/>
           </a:p>
@@ -2528,7 +2528,7 @@
           <a:p>
             <a:fld id="{4CDC8FB9-92E9-4C40-A76A-6D1CDAB665BB}" type="datetime1">
               <a:rPr lang="en-US" smtClean="0"/>
-              <a:t>2/11/19</a:t>
+              <a:t>3/7/19</a:t>
             </a:fld>
             <a:endParaRPr lang="en-US"/>
           </a:p>
@@ -2708,7 +2708,7 @@
           <a:p>
             <a:fld id="{F8F03505-CCE7-CA4C-B4F1-35193B6B5156}" type="datetime1">
               <a:rPr lang="en-US" smtClean="0"/>
-              <a:t>2/11/19</a:t>
+              <a:t>3/7/19</a:t>
             </a:fld>
             <a:endParaRPr lang="en-US"/>
           </a:p>
@@ -2878,7 +2878,7 @@
           <a:p>
             <a:fld id="{A02E57FB-CD21-0942-A714-152EC4568E9D}" type="datetime1">
               <a:rPr lang="en-US" smtClean="0"/>
-              <a:t>2/11/19</a:t>
+              <a:t>3/7/19</a:t>
             </a:fld>
             <a:endParaRPr lang="en-US"/>
           </a:p>
@@ -3122,7 +3122,7 @@
           <a:p>
             <a:fld id="{77AD2927-A654-D74D-A6C0-BF96EF7229C7}" type="datetime1">
               <a:rPr lang="en-US" smtClean="0"/>
-              <a:t>2/11/19</a:t>
+              <a:t>3/7/19</a:t>
             </a:fld>
             <a:endParaRPr lang="en-US"/>
           </a:p>
@@ -3354,7 +3354,7 @@
           <a:p>
             <a:fld id="{37B554B6-7788-2348-9289-7CAD598A9555}" type="datetime1">
               <a:rPr lang="en-US" smtClean="0"/>
-              <a:t>2/11/19</a:t>
+              <a:t>3/7/19</a:t>
             </a:fld>
             <a:endParaRPr lang="en-US"/>
           </a:p>
@@ -3721,7 +3721,7 @@
           <a:p>
             <a:fld id="{CCE331CB-FA13-3243-AD80-8733E43C7C1F}" type="datetime1">
               <a:rPr lang="en-US" smtClean="0"/>
-              <a:t>2/11/19</a:t>
+              <a:t>3/7/19</a:t>
             </a:fld>
             <a:endParaRPr lang="en-US"/>
           </a:p>
@@ -3839,7 +3839,7 @@
           <a:p>
             <a:fld id="{C0172A9A-4F1F-854A-9B1E-96AFCC4A9B03}" type="datetime1">
               <a:rPr lang="en-US" smtClean="0"/>
-              <a:t>2/11/19</a:t>
+              <a:t>3/7/19</a:t>
             </a:fld>
             <a:endParaRPr lang="en-US"/>
           </a:p>
@@ -3934,7 +3934,7 @@
           <a:p>
             <a:fld id="{2D504595-1B90-0F4A-A1D0-6609637EC4CD}" type="datetime1">
               <a:rPr lang="en-US" smtClean="0"/>
-              <a:t>2/11/19</a:t>
+              <a:t>3/7/19</a:t>
             </a:fld>
             <a:endParaRPr lang="en-US"/>
           </a:p>
@@ -4211,7 +4211,7 @@
           <a:p>
             <a:fld id="{F48EB26F-796F-BD4B-9EC5-A039FE9C305B}" type="datetime1">
               <a:rPr lang="en-US" smtClean="0"/>
-              <a:t>2/11/19</a:t>
+              <a:t>3/7/19</a:t>
             </a:fld>
             <a:endParaRPr lang="en-US"/>
           </a:p>
@@ -4468,7 +4468,7 @@
           <a:p>
             <a:fld id="{CDC2C28A-C946-0143-970B-84B8FE5654F4}" type="datetime1">
               <a:rPr lang="en-US" smtClean="0"/>
-              <a:t>2/11/19</a:t>
+              <a:t>3/7/19</a:t>
             </a:fld>
             <a:endParaRPr lang="en-US"/>
           </a:p>
@@ -4681,7 +4681,7 @@
           <a:p>
             <a:fld id="{A831EFE4-169C-9248-BC74-4797ECDAE130}" type="datetime1">
               <a:rPr lang="en-US" smtClean="0"/>
-              <a:t>2/11/19</a:t>
+              <a:t>3/7/19</a:t>
             </a:fld>
             <a:endParaRPr lang="en-US"/>
           </a:p>
@@ -5603,12 +5603,12 @@
           <a:effectLst/>
           <a:extLst>
             <a:ext uri="{909E8E84-426E-40dd-AFC4-6F175D3DCCD1}">
-              <a14:hiddenFill xmlns="" xmlns:a14="http://schemas.microsoft.com/office/drawing/2010/main">
+              <a14:hiddenFill xmlns:a14="http://schemas.microsoft.com/office/drawing/2010/main" xmlns="">
                 <a:noFill/>
               </a14:hiddenFill>
             </a:ext>
             <a:ext uri="{AF507438-7753-43e0-B8FC-AC1667EBCBE1}">
-              <a14:hiddenEffects xmlns="" xmlns:a14="http://schemas.microsoft.com/office/drawing/2010/main">
+              <a14:hiddenEffects xmlns:a14="http://schemas.microsoft.com/office/drawing/2010/main" xmlns="">
                 <a:effectLst>
                   <a:outerShdw blurRad="63500" dist="38099" dir="2700000" algn="ctr" rotWithShape="0">
                     <a:schemeClr val="bg2">
@@ -5661,12 +5661,12 @@
           <a:effectLst/>
           <a:extLst>
             <a:ext uri="{909E8E84-426E-40dd-AFC4-6F175D3DCCD1}">
-              <a14:hiddenFill xmlns="" xmlns:a14="http://schemas.microsoft.com/office/drawing/2010/main">
+              <a14:hiddenFill xmlns:a14="http://schemas.microsoft.com/office/drawing/2010/main" xmlns="">
                 <a:noFill/>
               </a14:hiddenFill>
             </a:ext>
             <a:ext uri="{AF507438-7753-43e0-B8FC-AC1667EBCBE1}">
-              <a14:hiddenEffects xmlns="" xmlns:a14="http://schemas.microsoft.com/office/drawing/2010/main">
+              <a14:hiddenEffects xmlns:a14="http://schemas.microsoft.com/office/drawing/2010/main" xmlns="">
                 <a:effectLst>
                   <a:outerShdw blurRad="63500" dist="38099" dir="2700000" algn="ctr" rotWithShape="0">
                     <a:schemeClr val="bg2">
@@ -5714,14 +5714,14 @@
           <a:effectLst/>
           <a:extLst>
             <a:ext uri="{909E8E84-426E-40dd-AFC4-6F175D3DCCD1}">
-              <a14:hiddenFill xmlns="" xmlns:a14="http://schemas.microsoft.com/office/drawing/2010/main">
+              <a14:hiddenFill xmlns:a14="http://schemas.microsoft.com/office/drawing/2010/main" xmlns="">
                 <a:solidFill>
                   <a:schemeClr val="bg2"/>
                 </a:solidFill>
               </a14:hiddenFill>
             </a:ext>
             <a:ext uri="{91240B29-F687-4f45-9708-019B960494DF}">
-              <a14:hiddenLine xmlns="" xmlns:a14="http://schemas.microsoft.com/office/drawing/2010/main" w="25400">
+              <a14:hiddenLine xmlns:a14="http://schemas.microsoft.com/office/drawing/2010/main" xmlns="" w="25400">
                 <a:solidFill>
                   <a:schemeClr val="tx1"/>
                 </a:solidFill>
@@ -5731,7 +5731,7 @@
               </a14:hiddenLine>
             </a:ext>
             <a:ext uri="{AF507438-7753-43e0-B8FC-AC1667EBCBE1}">
-              <a14:hiddenEffects xmlns="" xmlns:a14="http://schemas.microsoft.com/office/drawing/2010/main">
+              <a14:hiddenEffects xmlns:a14="http://schemas.microsoft.com/office/drawing/2010/main" xmlns="">
                 <a:effectLst>
                   <a:outerShdw blurRad="63500" dist="38099" dir="2700000" algn="ctr" rotWithShape="0">
                     <a:schemeClr val="bg2">
@@ -5785,14 +5785,14 @@
           <a:effectLst/>
           <a:extLst>
             <a:ext uri="{909E8E84-426E-40dd-AFC4-6F175D3DCCD1}">
-              <a14:hiddenFill xmlns="" xmlns:a14="http://schemas.microsoft.com/office/drawing/2010/main">
+              <a14:hiddenFill xmlns:a14="http://schemas.microsoft.com/office/drawing/2010/main" xmlns="">
                 <a:solidFill>
                   <a:schemeClr val="bg2"/>
                 </a:solidFill>
               </a14:hiddenFill>
             </a:ext>
             <a:ext uri="{91240B29-F687-4f45-9708-019B960494DF}">
-              <a14:hiddenLine xmlns="" xmlns:a14="http://schemas.microsoft.com/office/drawing/2010/main" w="25400">
+              <a14:hiddenLine xmlns:a14="http://schemas.microsoft.com/office/drawing/2010/main" xmlns="" w="25400">
                 <a:solidFill>
                   <a:schemeClr val="tx1"/>
                 </a:solidFill>
@@ -5802,7 +5802,7 @@
               </a14:hiddenLine>
             </a:ext>
             <a:ext uri="{AF507438-7753-43e0-B8FC-AC1667EBCBE1}">
-              <a14:hiddenEffects xmlns="" xmlns:a14="http://schemas.microsoft.com/office/drawing/2010/main">
+              <a14:hiddenEffects xmlns:a14="http://schemas.microsoft.com/office/drawing/2010/main" xmlns="">
                 <a:effectLst>
                   <a:outerShdw blurRad="63500" dist="38099" dir="2700000" algn="ctr" rotWithShape="0">
                     <a:schemeClr val="bg2">
@@ -5861,12 +5861,12 @@
           <a:effectLst/>
           <a:extLst>
             <a:ext uri="{909E8E84-426E-40dd-AFC4-6F175D3DCCD1}">
-              <a14:hiddenFill xmlns="" xmlns:a14="http://schemas.microsoft.com/office/drawing/2010/main">
+              <a14:hiddenFill xmlns:a14="http://schemas.microsoft.com/office/drawing/2010/main" xmlns="">
                 <a:noFill/>
               </a14:hiddenFill>
             </a:ext>
             <a:ext uri="{AF507438-7753-43e0-B8FC-AC1667EBCBE1}">
-              <a14:hiddenEffects xmlns="" xmlns:a14="http://schemas.microsoft.com/office/drawing/2010/main">
+              <a14:hiddenEffects xmlns:a14="http://schemas.microsoft.com/office/drawing/2010/main" xmlns="">
                 <a:effectLst>
                   <a:outerShdw blurRad="63500" dist="38099" dir="2700000" algn="ctr" rotWithShape="0">
                     <a:schemeClr val="bg2">
@@ -5914,14 +5914,14 @@
           <a:effectLst/>
           <a:extLst>
             <a:ext uri="{909E8E84-426E-40dd-AFC4-6F175D3DCCD1}">
-              <a14:hiddenFill xmlns="" xmlns:a14="http://schemas.microsoft.com/office/drawing/2010/main">
+              <a14:hiddenFill xmlns:a14="http://schemas.microsoft.com/office/drawing/2010/main" xmlns="">
                 <a:solidFill>
                   <a:schemeClr val="bg2"/>
                 </a:solidFill>
               </a14:hiddenFill>
             </a:ext>
             <a:ext uri="{91240B29-F687-4f45-9708-019B960494DF}">
-              <a14:hiddenLine xmlns="" xmlns:a14="http://schemas.microsoft.com/office/drawing/2010/main" w="25400">
+              <a14:hiddenLine xmlns:a14="http://schemas.microsoft.com/office/drawing/2010/main" xmlns="" w="25400">
                 <a:solidFill>
                   <a:schemeClr val="tx1"/>
                 </a:solidFill>
@@ -5931,7 +5931,7 @@
               </a14:hiddenLine>
             </a:ext>
             <a:ext uri="{AF507438-7753-43e0-B8FC-AC1667EBCBE1}">
-              <a14:hiddenEffects xmlns="" xmlns:a14="http://schemas.microsoft.com/office/drawing/2010/main">
+              <a14:hiddenEffects xmlns:a14="http://schemas.microsoft.com/office/drawing/2010/main" xmlns="">
                 <a:effectLst>
                   <a:outerShdw blurRad="63500" dist="38099" dir="2700000" algn="ctr" rotWithShape="0">
                     <a:schemeClr val="bg2">
@@ -6005,12 +6005,12 @@
           <a:effectLst/>
           <a:extLst>
             <a:ext uri="{909E8E84-426E-40dd-AFC4-6F175D3DCCD1}">
-              <a14:hiddenFill xmlns="" xmlns:a14="http://schemas.microsoft.com/office/drawing/2010/main">
+              <a14:hiddenFill xmlns:a14="http://schemas.microsoft.com/office/drawing/2010/main" xmlns="">
                 <a:noFill/>
               </a14:hiddenFill>
             </a:ext>
             <a:ext uri="{AF507438-7753-43e0-B8FC-AC1667EBCBE1}">
-              <a14:hiddenEffects xmlns="" xmlns:a14="http://schemas.microsoft.com/office/drawing/2010/main">
+              <a14:hiddenEffects xmlns:a14="http://schemas.microsoft.com/office/drawing/2010/main" xmlns="">
                 <a:effectLst>
                   <a:outerShdw blurRad="63500" dist="38099" dir="2700000" algn="ctr" rotWithShape="0">
                     <a:schemeClr val="bg2">
@@ -6058,14 +6058,14 @@
           <a:effectLst/>
           <a:extLst>
             <a:ext uri="{909E8E84-426E-40dd-AFC4-6F175D3DCCD1}">
-              <a14:hiddenFill xmlns="" xmlns:a14="http://schemas.microsoft.com/office/drawing/2010/main">
+              <a14:hiddenFill xmlns:a14="http://schemas.microsoft.com/office/drawing/2010/main" xmlns="">
                 <a:solidFill>
                   <a:schemeClr val="bg2"/>
                 </a:solidFill>
               </a14:hiddenFill>
             </a:ext>
             <a:ext uri="{91240B29-F687-4f45-9708-019B960494DF}">
-              <a14:hiddenLine xmlns="" xmlns:a14="http://schemas.microsoft.com/office/drawing/2010/main" w="25400">
+              <a14:hiddenLine xmlns:a14="http://schemas.microsoft.com/office/drawing/2010/main" xmlns="" w="25400">
                 <a:solidFill>
                   <a:schemeClr val="tx1"/>
                 </a:solidFill>
@@ -6075,7 +6075,7 @@
               </a14:hiddenLine>
             </a:ext>
             <a:ext uri="{AF507438-7753-43e0-B8FC-AC1667EBCBE1}">
-              <a14:hiddenEffects xmlns="" xmlns:a14="http://schemas.microsoft.com/office/drawing/2010/main">
+              <a14:hiddenEffects xmlns:a14="http://schemas.microsoft.com/office/drawing/2010/main" xmlns="">
                 <a:effectLst>
                   <a:outerShdw blurRad="63500" dist="38099" dir="2700000" algn="ctr" rotWithShape="0">
                     <a:schemeClr val="bg2">
@@ -6134,12 +6134,12 @@
           <a:effectLst/>
           <a:extLst>
             <a:ext uri="{909E8E84-426E-40dd-AFC4-6F175D3DCCD1}">
-              <a14:hiddenFill xmlns="" xmlns:a14="http://schemas.microsoft.com/office/drawing/2010/main">
+              <a14:hiddenFill xmlns:a14="http://schemas.microsoft.com/office/drawing/2010/main" xmlns="">
                 <a:noFill/>
               </a14:hiddenFill>
             </a:ext>
             <a:ext uri="{AF507438-7753-43e0-B8FC-AC1667EBCBE1}">
-              <a14:hiddenEffects xmlns="" xmlns:a14="http://schemas.microsoft.com/office/drawing/2010/main">
+              <a14:hiddenEffects xmlns:a14="http://schemas.microsoft.com/office/drawing/2010/main" xmlns="">
                 <a:effectLst>
                   <a:outerShdw blurRad="63500" dist="38099" dir="2700000" algn="ctr" rotWithShape="0">
                     <a:schemeClr val="bg2">
@@ -6187,14 +6187,14 @@
           <a:effectLst/>
           <a:extLst>
             <a:ext uri="{909E8E84-426E-40dd-AFC4-6F175D3DCCD1}">
-              <a14:hiddenFill xmlns="" xmlns:a14="http://schemas.microsoft.com/office/drawing/2010/main">
+              <a14:hiddenFill xmlns:a14="http://schemas.microsoft.com/office/drawing/2010/main" xmlns="">
                 <a:solidFill>
                   <a:schemeClr val="bg2"/>
                 </a:solidFill>
               </a14:hiddenFill>
             </a:ext>
             <a:ext uri="{91240B29-F687-4f45-9708-019B960494DF}">
-              <a14:hiddenLine xmlns="" xmlns:a14="http://schemas.microsoft.com/office/drawing/2010/main" w="25400">
+              <a14:hiddenLine xmlns:a14="http://schemas.microsoft.com/office/drawing/2010/main" xmlns="" w="25400">
                 <a:solidFill>
                   <a:schemeClr val="tx1"/>
                 </a:solidFill>
@@ -6204,7 +6204,7 @@
               </a14:hiddenLine>
             </a:ext>
             <a:ext uri="{AF507438-7753-43e0-B8FC-AC1667EBCBE1}">
-              <a14:hiddenEffects xmlns="" xmlns:a14="http://schemas.microsoft.com/office/drawing/2010/main">
+              <a14:hiddenEffects xmlns:a14="http://schemas.microsoft.com/office/drawing/2010/main" xmlns="">
                 <a:effectLst>
                   <a:outerShdw blurRad="63500" dist="38099" dir="2700000" algn="ctr" rotWithShape="0">
                     <a:schemeClr val="bg2">
@@ -6263,12 +6263,12 @@
           <a:effectLst/>
           <a:extLst>
             <a:ext uri="{909E8E84-426E-40dd-AFC4-6F175D3DCCD1}">
-              <a14:hiddenFill xmlns="" xmlns:a14="http://schemas.microsoft.com/office/drawing/2010/main">
+              <a14:hiddenFill xmlns:a14="http://schemas.microsoft.com/office/drawing/2010/main" xmlns="">
                 <a:noFill/>
               </a14:hiddenFill>
             </a:ext>
             <a:ext uri="{AF507438-7753-43e0-B8FC-AC1667EBCBE1}">
-              <a14:hiddenEffects xmlns="" xmlns:a14="http://schemas.microsoft.com/office/drawing/2010/main">
+              <a14:hiddenEffects xmlns:a14="http://schemas.microsoft.com/office/drawing/2010/main" xmlns="">
                 <a:effectLst>
                   <a:outerShdw blurRad="63500" dist="38099" dir="2700000" algn="ctr" rotWithShape="0">
                     <a:schemeClr val="bg2">
@@ -6321,12 +6321,12 @@
           <a:effectLst/>
           <a:extLst>
             <a:ext uri="{909E8E84-426E-40dd-AFC4-6F175D3DCCD1}">
-              <a14:hiddenFill xmlns="" xmlns:a14="http://schemas.microsoft.com/office/drawing/2010/main">
+              <a14:hiddenFill xmlns:a14="http://schemas.microsoft.com/office/drawing/2010/main" xmlns="">
                 <a:noFill/>
               </a14:hiddenFill>
             </a:ext>
             <a:ext uri="{AF507438-7753-43e0-B8FC-AC1667EBCBE1}">
-              <a14:hiddenEffects xmlns="" xmlns:a14="http://schemas.microsoft.com/office/drawing/2010/main">
+              <a14:hiddenEffects xmlns:a14="http://schemas.microsoft.com/office/drawing/2010/main" xmlns="">
                 <a:effectLst>
                   <a:outerShdw blurRad="63500" dist="38099" dir="2700000" algn="ctr" rotWithShape="0">
                     <a:schemeClr val="bg2">
@@ -6379,12 +6379,12 @@
           <a:effectLst/>
           <a:extLst>
             <a:ext uri="{909E8E84-426E-40dd-AFC4-6F175D3DCCD1}">
-              <a14:hiddenFill xmlns="" xmlns:a14="http://schemas.microsoft.com/office/drawing/2010/main">
+              <a14:hiddenFill xmlns:a14="http://schemas.microsoft.com/office/drawing/2010/main" xmlns="">
                 <a:noFill/>
               </a14:hiddenFill>
             </a:ext>
             <a:ext uri="{AF507438-7753-43e0-B8FC-AC1667EBCBE1}">
-              <a14:hiddenEffects xmlns="" xmlns:a14="http://schemas.microsoft.com/office/drawing/2010/main">
+              <a14:hiddenEffects xmlns:a14="http://schemas.microsoft.com/office/drawing/2010/main" xmlns="">
                 <a:effectLst>
                   <a:outerShdw blurRad="63500" dist="38099" dir="2700000" algn="ctr" rotWithShape="0">
                     <a:schemeClr val="bg2">
@@ -6448,14 +6448,14 @@
             <a:effectLst/>
             <a:extLst>
               <a:ext uri="{909E8E84-426E-40dd-AFC4-6F175D3DCCD1}">
-                <a14:hiddenFill xmlns="" xmlns:a14="http://schemas.microsoft.com/office/drawing/2010/main">
+                <a14:hiddenFill xmlns:a14="http://schemas.microsoft.com/office/drawing/2010/main" xmlns="">
                   <a:solidFill>
                     <a:schemeClr val="bg2"/>
                   </a:solidFill>
                 </a14:hiddenFill>
               </a:ext>
               <a:ext uri="{91240B29-F687-4f45-9708-019B960494DF}">
-                <a14:hiddenLine xmlns="" xmlns:a14="http://schemas.microsoft.com/office/drawing/2010/main" w="25400">
+                <a14:hiddenLine xmlns:a14="http://schemas.microsoft.com/office/drawing/2010/main" xmlns="" w="25400">
                   <a:solidFill>
                     <a:schemeClr val="tx1"/>
                   </a:solidFill>
@@ -6465,7 +6465,7 @@
                 </a14:hiddenLine>
               </a:ext>
               <a:ext uri="{AF507438-7753-43e0-B8FC-AC1667EBCBE1}">
-                <a14:hiddenEffects xmlns="" xmlns:a14="http://schemas.microsoft.com/office/drawing/2010/main">
+                <a14:hiddenEffects xmlns:a14="http://schemas.microsoft.com/office/drawing/2010/main" xmlns="">
                   <a:effectLst>
                     <a:outerShdw blurRad="63500" dist="38099" dir="2700000" algn="ctr" rotWithShape="0">
                       <a:schemeClr val="bg2">
@@ -6519,14 +6519,14 @@
             <a:effectLst/>
             <a:extLst>
               <a:ext uri="{909E8E84-426E-40dd-AFC4-6F175D3DCCD1}">
-                <a14:hiddenFill xmlns="" xmlns:a14="http://schemas.microsoft.com/office/drawing/2010/main">
+                <a14:hiddenFill xmlns:a14="http://schemas.microsoft.com/office/drawing/2010/main" xmlns="">
                   <a:solidFill>
                     <a:schemeClr val="bg2"/>
                   </a:solidFill>
                 </a14:hiddenFill>
               </a:ext>
               <a:ext uri="{91240B29-F687-4f45-9708-019B960494DF}">
-                <a14:hiddenLine xmlns="" xmlns:a14="http://schemas.microsoft.com/office/drawing/2010/main" w="25400">
+                <a14:hiddenLine xmlns:a14="http://schemas.microsoft.com/office/drawing/2010/main" xmlns="" w="25400">
                   <a:solidFill>
                     <a:schemeClr val="tx1"/>
                   </a:solidFill>
@@ -6536,7 +6536,7 @@
                 </a14:hiddenLine>
               </a:ext>
               <a:ext uri="{AF507438-7753-43e0-B8FC-AC1667EBCBE1}">
-                <a14:hiddenEffects xmlns="" xmlns:a14="http://schemas.microsoft.com/office/drawing/2010/main">
+                <a14:hiddenEffects xmlns:a14="http://schemas.microsoft.com/office/drawing/2010/main" xmlns="">
                   <a:effectLst>
                     <a:outerShdw blurRad="63500" dist="38099" dir="2700000" algn="ctr" rotWithShape="0">
                       <a:schemeClr val="bg2">
@@ -6590,14 +6590,14 @@
             <a:effectLst/>
             <a:extLst>
               <a:ext uri="{909E8E84-426E-40dd-AFC4-6F175D3DCCD1}">
-                <a14:hiddenFill xmlns="" xmlns:a14="http://schemas.microsoft.com/office/drawing/2010/main">
+                <a14:hiddenFill xmlns:a14="http://schemas.microsoft.com/office/drawing/2010/main" xmlns="">
                   <a:solidFill>
                     <a:schemeClr val="bg2"/>
                   </a:solidFill>
                 </a14:hiddenFill>
               </a:ext>
               <a:ext uri="{91240B29-F687-4f45-9708-019B960494DF}">
-                <a14:hiddenLine xmlns="" xmlns:a14="http://schemas.microsoft.com/office/drawing/2010/main" w="25400">
+                <a14:hiddenLine xmlns:a14="http://schemas.microsoft.com/office/drawing/2010/main" xmlns="" w="25400">
                   <a:solidFill>
                     <a:schemeClr val="tx1"/>
                   </a:solidFill>
@@ -6607,7 +6607,7 @@
                 </a14:hiddenLine>
               </a:ext>
               <a:ext uri="{AF507438-7753-43e0-B8FC-AC1667EBCBE1}">
-                <a14:hiddenEffects xmlns="" xmlns:a14="http://schemas.microsoft.com/office/drawing/2010/main">
+                <a14:hiddenEffects xmlns:a14="http://schemas.microsoft.com/office/drawing/2010/main" xmlns="">
                   <a:effectLst>
                     <a:outerShdw blurRad="63500" dist="38099" dir="2700000" algn="ctr" rotWithShape="0">
                       <a:schemeClr val="bg2">
@@ -6670,14 +6670,14 @@
           <a:effectLst/>
           <a:extLst>
             <a:ext uri="{909E8E84-426E-40dd-AFC4-6F175D3DCCD1}">
-              <a14:hiddenFill xmlns="" xmlns:a14="http://schemas.microsoft.com/office/drawing/2010/main">
+              <a14:hiddenFill xmlns:a14="http://schemas.microsoft.com/office/drawing/2010/main" xmlns="">
                 <a:solidFill>
                   <a:schemeClr val="bg2"/>
                 </a:solidFill>
               </a14:hiddenFill>
             </a:ext>
             <a:ext uri="{AF507438-7753-43e0-B8FC-AC1667EBCBE1}">
-              <a14:hiddenEffects xmlns="" xmlns:a14="http://schemas.microsoft.com/office/drawing/2010/main">
+              <a14:hiddenEffects xmlns:a14="http://schemas.microsoft.com/office/drawing/2010/main" xmlns="">
                 <a:effectLst>
                   <a:outerShdw blurRad="63500" dist="38099" dir="2700000" algn="ctr" rotWithShape="0">
                     <a:schemeClr val="bg2">
@@ -6733,14 +6733,14 @@
           <a:effectLst/>
           <a:extLst>
             <a:ext uri="{909E8E84-426E-40dd-AFC4-6F175D3DCCD1}">
-              <a14:hiddenFill xmlns="" xmlns:a14="http://schemas.microsoft.com/office/drawing/2010/main">
+              <a14:hiddenFill xmlns:a14="http://schemas.microsoft.com/office/drawing/2010/main" xmlns="">
                 <a:solidFill>
                   <a:schemeClr val="bg2"/>
                 </a:solidFill>
               </a14:hiddenFill>
             </a:ext>
             <a:ext uri="{AF507438-7753-43e0-B8FC-AC1667EBCBE1}">
-              <a14:hiddenEffects xmlns="" xmlns:a14="http://schemas.microsoft.com/office/drawing/2010/main">
+              <a14:hiddenEffects xmlns:a14="http://schemas.microsoft.com/office/drawing/2010/main" xmlns="">
                 <a:effectLst>
                   <a:outerShdw blurRad="63500" dist="38099" dir="2700000" algn="ctr" rotWithShape="0">
                     <a:schemeClr val="bg2">
@@ -6788,14 +6788,14 @@
           <a:effectLst/>
           <a:extLst>
             <a:ext uri="{909E8E84-426E-40dd-AFC4-6F175D3DCCD1}">
-              <a14:hiddenFill xmlns="" xmlns:a14="http://schemas.microsoft.com/office/drawing/2010/main">
+              <a14:hiddenFill xmlns:a14="http://schemas.microsoft.com/office/drawing/2010/main" xmlns="">
                 <a:solidFill>
                   <a:schemeClr val="bg2"/>
                 </a:solidFill>
               </a14:hiddenFill>
             </a:ext>
             <a:ext uri="{91240B29-F687-4f45-9708-019B960494DF}">
-              <a14:hiddenLine xmlns="" xmlns:a14="http://schemas.microsoft.com/office/drawing/2010/main" w="25400">
+              <a14:hiddenLine xmlns:a14="http://schemas.microsoft.com/office/drawing/2010/main" xmlns="" w="25400">
                 <a:solidFill>
                   <a:schemeClr val="tx1"/>
                 </a:solidFill>
@@ -6805,7 +6805,7 @@
               </a14:hiddenLine>
             </a:ext>
             <a:ext uri="{AF507438-7753-43e0-B8FC-AC1667EBCBE1}">
-              <a14:hiddenEffects xmlns="" xmlns:a14="http://schemas.microsoft.com/office/drawing/2010/main">
+              <a14:hiddenEffects xmlns:a14="http://schemas.microsoft.com/office/drawing/2010/main" xmlns="">
                 <a:effectLst>
                   <a:outerShdw blurRad="63500" dist="38099" dir="2700000" algn="ctr" rotWithShape="0">
                     <a:schemeClr val="bg2">
@@ -6869,14 +6869,14 @@
           <a:effectLst/>
           <a:extLst>
             <a:ext uri="{909E8E84-426E-40dd-AFC4-6F175D3DCCD1}">
-              <a14:hiddenFill xmlns="" xmlns:a14="http://schemas.microsoft.com/office/drawing/2010/main">
+              <a14:hiddenFill xmlns:a14="http://schemas.microsoft.com/office/drawing/2010/main" xmlns="">
                 <a:solidFill>
                   <a:schemeClr val="bg2"/>
                 </a:solidFill>
               </a14:hiddenFill>
             </a:ext>
             <a:ext uri="{91240B29-F687-4f45-9708-019B960494DF}">
-              <a14:hiddenLine xmlns="" xmlns:a14="http://schemas.microsoft.com/office/drawing/2010/main" w="25400">
+              <a14:hiddenLine xmlns:a14="http://schemas.microsoft.com/office/drawing/2010/main" xmlns="" w="25400">
                 <a:solidFill>
                   <a:schemeClr val="tx1"/>
                 </a:solidFill>
@@ -6886,7 +6886,7 @@
               </a14:hiddenLine>
             </a:ext>
             <a:ext uri="{AF507438-7753-43e0-B8FC-AC1667EBCBE1}">
-              <a14:hiddenEffects xmlns="" xmlns:a14="http://schemas.microsoft.com/office/drawing/2010/main">
+              <a14:hiddenEffects xmlns:a14="http://schemas.microsoft.com/office/drawing/2010/main" xmlns="">
                 <a:effectLst>
                   <a:outerShdw blurRad="63500" dist="38099" dir="2700000" algn="ctr" rotWithShape="0">
                     <a:schemeClr val="bg2">
@@ -6950,14 +6950,14 @@
           <a:effectLst/>
           <a:extLst>
             <a:ext uri="{909E8E84-426E-40dd-AFC4-6F175D3DCCD1}">
-              <a14:hiddenFill xmlns="" xmlns:a14="http://schemas.microsoft.com/office/drawing/2010/main">
+              <a14:hiddenFill xmlns:a14="http://schemas.microsoft.com/office/drawing/2010/main" xmlns="">
                 <a:solidFill>
                   <a:schemeClr val="bg2"/>
                 </a:solidFill>
               </a14:hiddenFill>
             </a:ext>
             <a:ext uri="{91240B29-F687-4f45-9708-019B960494DF}">
-              <a14:hiddenLine xmlns="" xmlns:a14="http://schemas.microsoft.com/office/drawing/2010/main" w="25400">
+              <a14:hiddenLine xmlns:a14="http://schemas.microsoft.com/office/drawing/2010/main" xmlns="" w="25400">
                 <a:solidFill>
                   <a:schemeClr val="tx1"/>
                 </a:solidFill>
@@ -6967,7 +6967,7 @@
               </a14:hiddenLine>
             </a:ext>
             <a:ext uri="{AF507438-7753-43e0-B8FC-AC1667EBCBE1}">
-              <a14:hiddenEffects xmlns="" xmlns:a14="http://schemas.microsoft.com/office/drawing/2010/main">
+              <a14:hiddenEffects xmlns:a14="http://schemas.microsoft.com/office/drawing/2010/main" xmlns="">
                 <a:effectLst>
                   <a:outerShdw blurRad="63500" dist="38099" dir="2700000" algn="ctr" rotWithShape="0">
                     <a:schemeClr val="bg2">
@@ -7036,12 +7036,12 @@
           <a:effectLst/>
           <a:extLst>
             <a:ext uri="{909E8E84-426E-40dd-AFC4-6F175D3DCCD1}">
-              <a14:hiddenFill xmlns="" xmlns:a14="http://schemas.microsoft.com/office/drawing/2010/main">
+              <a14:hiddenFill xmlns:a14="http://schemas.microsoft.com/office/drawing/2010/main" xmlns="">
                 <a:noFill/>
               </a14:hiddenFill>
             </a:ext>
             <a:ext uri="{AF507438-7753-43e0-B8FC-AC1667EBCBE1}">
-              <a14:hiddenEffects xmlns="" xmlns:a14="http://schemas.microsoft.com/office/drawing/2010/main">
+              <a14:hiddenEffects xmlns:a14="http://schemas.microsoft.com/office/drawing/2010/main" xmlns="">
                 <a:effectLst>
                   <a:outerShdw blurRad="63500" dist="38099" dir="2700000" algn="ctr" rotWithShape="0">
                     <a:schemeClr val="bg2">
@@ -7094,12 +7094,12 @@
           <a:effectLst/>
           <a:extLst>
             <a:ext uri="{909E8E84-426E-40dd-AFC4-6F175D3DCCD1}">
-              <a14:hiddenFill xmlns="" xmlns:a14="http://schemas.microsoft.com/office/drawing/2010/main">
+              <a14:hiddenFill xmlns:a14="http://schemas.microsoft.com/office/drawing/2010/main" xmlns="">
                 <a:noFill/>
               </a14:hiddenFill>
             </a:ext>
             <a:ext uri="{AF507438-7753-43e0-B8FC-AC1667EBCBE1}">
-              <a14:hiddenEffects xmlns="" xmlns:a14="http://schemas.microsoft.com/office/drawing/2010/main">
+              <a14:hiddenEffects xmlns:a14="http://schemas.microsoft.com/office/drawing/2010/main" xmlns="">
                 <a:effectLst>
                   <a:outerShdw blurRad="63500" dist="38099" dir="2700000" algn="ctr" rotWithShape="0">
                     <a:schemeClr val="bg2">
@@ -7147,14 +7147,14 @@
           <a:effectLst/>
           <a:extLst>
             <a:ext uri="{909E8E84-426E-40dd-AFC4-6F175D3DCCD1}">
-              <a14:hiddenFill xmlns="" xmlns:a14="http://schemas.microsoft.com/office/drawing/2010/main">
+              <a14:hiddenFill xmlns:a14="http://schemas.microsoft.com/office/drawing/2010/main" xmlns="">
                 <a:solidFill>
                   <a:schemeClr val="bg2"/>
                 </a:solidFill>
               </a14:hiddenFill>
             </a:ext>
             <a:ext uri="{91240B29-F687-4f45-9708-019B960494DF}">
-              <a14:hiddenLine xmlns="" xmlns:a14="http://schemas.microsoft.com/office/drawing/2010/main" w="25400">
+              <a14:hiddenLine xmlns:a14="http://schemas.microsoft.com/office/drawing/2010/main" xmlns="" w="25400">
                 <a:solidFill>
                   <a:schemeClr val="tx1"/>
                 </a:solidFill>
@@ -7164,7 +7164,7 @@
               </a14:hiddenLine>
             </a:ext>
             <a:ext uri="{AF507438-7753-43e0-B8FC-AC1667EBCBE1}">
-              <a14:hiddenEffects xmlns="" xmlns:a14="http://schemas.microsoft.com/office/drawing/2010/main">
+              <a14:hiddenEffects xmlns:a14="http://schemas.microsoft.com/office/drawing/2010/main" xmlns="">
                 <a:effectLst>
                   <a:outerShdw blurRad="63500" dist="38099" dir="2700000" algn="ctr" rotWithShape="0">
                     <a:schemeClr val="bg2">
@@ -8049,14 +8049,14 @@
           </a:ln>
           <a:extLst>
             <a:ext uri="{909E8E84-426E-40dd-AFC4-6F175D3DCCD1}">
-              <a14:hiddenFill xmlns="" xmlns:a14="http://schemas.microsoft.com/office/drawing/2010/main">
+              <a14:hiddenFill xmlns:a14="http://schemas.microsoft.com/office/drawing/2010/main" xmlns="">
                 <a:solidFill>
                   <a:srgbClr val="FFFFFF"/>
                 </a:solidFill>
               </a14:hiddenFill>
             </a:ext>
             <a:ext uri="{91240B29-F687-4f45-9708-019B960494DF}">
-              <a14:hiddenLine xmlns="" xmlns:a14="http://schemas.microsoft.com/office/drawing/2010/main" w="9525">
+              <a14:hiddenLine xmlns:a14="http://schemas.microsoft.com/office/drawing/2010/main" xmlns="" w="9525">
                 <a:solidFill>
                   <a:srgbClr val="000000"/>
                 </a:solidFill>
@@ -8432,14 +8432,14 @@
           </a:ln>
           <a:extLst>
             <a:ext uri="{909E8E84-426E-40dd-AFC4-6F175D3DCCD1}">
-              <a14:hiddenFill xmlns="" xmlns:a14="http://schemas.microsoft.com/office/drawing/2010/main">
+              <a14:hiddenFill xmlns:a14="http://schemas.microsoft.com/office/drawing/2010/main" xmlns="">
                 <a:solidFill>
                   <a:srgbClr val="FFFFFF"/>
                 </a:solidFill>
               </a14:hiddenFill>
             </a:ext>
             <a:ext uri="{91240B29-F687-4f45-9708-019B960494DF}">
-              <a14:hiddenLine xmlns="" xmlns:a14="http://schemas.microsoft.com/office/drawing/2010/main" w="9525">
+              <a14:hiddenLine xmlns:a14="http://schemas.microsoft.com/office/drawing/2010/main" xmlns="" w="9525">
                 <a:solidFill>
                   <a:srgbClr val="000000"/>
                 </a:solidFill>
@@ -8611,7 +8611,7 @@
           </a:ln>
           <a:extLst>
             <a:ext uri="{909E8E84-426E-40dd-AFC4-6F175D3DCCD1}">
-              <a14:hiddenFill xmlns="" xmlns:a14="http://schemas.microsoft.com/office/drawing/2010/main">
+              <a14:hiddenFill xmlns:a14="http://schemas.microsoft.com/office/drawing/2010/main" xmlns="">
                 <a:noFill/>
               </a14:hiddenFill>
             </a:ext>
@@ -8703,7 +8703,7 @@
           </a:ln>
           <a:extLst>
             <a:ext uri="{909E8E84-426E-40dd-AFC4-6F175D3DCCD1}">
-              <a14:hiddenFill xmlns="" xmlns:a14="http://schemas.microsoft.com/office/drawing/2010/main">
+              <a14:hiddenFill xmlns:a14="http://schemas.microsoft.com/office/drawing/2010/main" xmlns="">
                 <a:solidFill>
                   <a:srgbClr val="FFFFFF"/>
                 </a:solidFill>
@@ -8742,14 +8742,14 @@
           </a:ln>
           <a:extLst>
             <a:ext uri="{909E8E84-426E-40dd-AFC4-6F175D3DCCD1}">
-              <a14:hiddenFill xmlns="" xmlns:a14="http://schemas.microsoft.com/office/drawing/2010/main">
+              <a14:hiddenFill xmlns:a14="http://schemas.microsoft.com/office/drawing/2010/main" xmlns="">
                 <a:solidFill>
                   <a:srgbClr val="FFFFFF"/>
                 </a:solidFill>
               </a14:hiddenFill>
             </a:ext>
             <a:ext uri="{91240B29-F687-4f45-9708-019B960494DF}">
-              <a14:hiddenLine xmlns="" xmlns:a14="http://schemas.microsoft.com/office/drawing/2010/main" w="9525">
+              <a14:hiddenLine xmlns:a14="http://schemas.microsoft.com/office/drawing/2010/main" xmlns="" w="9525">
                 <a:solidFill>
                   <a:srgbClr val="000000"/>
                 </a:solidFill>
@@ -8927,7 +8927,7 @@
           </a:ln>
           <a:extLst>
             <a:ext uri="{909E8E84-426E-40dd-AFC4-6F175D3DCCD1}">
-              <a14:hiddenFill xmlns="" xmlns:a14="http://schemas.microsoft.com/office/drawing/2010/main">
+              <a14:hiddenFill xmlns:a14="http://schemas.microsoft.com/office/drawing/2010/main" xmlns="">
                 <a:noFill/>
               </a14:hiddenFill>
             </a:ext>
@@ -8964,14 +8964,14 @@
           </a:ln>
           <a:extLst>
             <a:ext uri="{909E8E84-426E-40dd-AFC4-6F175D3DCCD1}">
-              <a14:hiddenFill xmlns="" xmlns:a14="http://schemas.microsoft.com/office/drawing/2010/main">
+              <a14:hiddenFill xmlns:a14="http://schemas.microsoft.com/office/drawing/2010/main" xmlns="">
                 <a:solidFill>
                   <a:srgbClr val="FFFFFF"/>
                 </a:solidFill>
               </a14:hiddenFill>
             </a:ext>
             <a:ext uri="{91240B29-F687-4f45-9708-019B960494DF}">
-              <a14:hiddenLine xmlns="" xmlns:a14="http://schemas.microsoft.com/office/drawing/2010/main" w="9525">
+              <a14:hiddenLine xmlns:a14="http://schemas.microsoft.com/office/drawing/2010/main" xmlns="" w="9525">
                 <a:solidFill>
                   <a:srgbClr val="000000"/>
                 </a:solidFill>
@@ -9168,7 +9168,7 @@
             </a:ln>
             <a:extLst>
               <a:ext uri="{909E8E84-426E-40dd-AFC4-6F175D3DCCD1}">
-                <a14:hiddenFill xmlns="" xmlns:a14="http://schemas.microsoft.com/office/drawing/2010/main">
+                <a14:hiddenFill xmlns:a14="http://schemas.microsoft.com/office/drawing/2010/main" xmlns="">
                   <a:solidFill>
                     <a:srgbClr val="FFFFFF"/>
                   </a:solidFill>
@@ -9211,7 +9211,7 @@
             </a:ln>
             <a:extLst>
               <a:ext uri="{909E8E84-426E-40dd-AFC4-6F175D3DCCD1}">
-                <a14:hiddenFill xmlns="" xmlns:a14="http://schemas.microsoft.com/office/drawing/2010/main">
+                <a14:hiddenFill xmlns:a14="http://schemas.microsoft.com/office/drawing/2010/main" xmlns="">
                   <a:solidFill>
                     <a:srgbClr val="FFFFFF"/>
                   </a:solidFill>
@@ -9256,7 +9256,7 @@
             </a:ln>
             <a:extLst>
               <a:ext uri="{909E8E84-426E-40dd-AFC4-6F175D3DCCD1}">
-                <a14:hiddenFill xmlns="" xmlns:a14="http://schemas.microsoft.com/office/drawing/2010/main">
+                <a14:hiddenFill xmlns:a14="http://schemas.microsoft.com/office/drawing/2010/main" xmlns="">
                   <a:noFill/>
                 </a14:hiddenFill>
               </a:ext>
@@ -9307,7 +9307,7 @@
             </a:ln>
             <a:extLst>
               <a:ext uri="{909E8E84-426E-40dd-AFC4-6F175D3DCCD1}">
-                <a14:hiddenFill xmlns="" xmlns:a14="http://schemas.microsoft.com/office/drawing/2010/main">
+                <a14:hiddenFill xmlns:a14="http://schemas.microsoft.com/office/drawing/2010/main" xmlns="">
                   <a:solidFill>
                     <a:srgbClr val="FFFFFF"/>
                   </a:solidFill>
@@ -9350,7 +9350,7 @@
             </a:ln>
             <a:extLst>
               <a:ext uri="{909E8E84-426E-40dd-AFC4-6F175D3DCCD1}">
-                <a14:hiddenFill xmlns="" xmlns:a14="http://schemas.microsoft.com/office/drawing/2010/main">
+                <a14:hiddenFill xmlns:a14="http://schemas.microsoft.com/office/drawing/2010/main" xmlns="">
                   <a:solidFill>
                     <a:srgbClr val="FFFFFF"/>
                   </a:solidFill>
@@ -9395,7 +9395,7 @@
             </a:ln>
             <a:extLst>
               <a:ext uri="{909E8E84-426E-40dd-AFC4-6F175D3DCCD1}">
-                <a14:hiddenFill xmlns="" xmlns:a14="http://schemas.microsoft.com/office/drawing/2010/main">
+                <a14:hiddenFill xmlns:a14="http://schemas.microsoft.com/office/drawing/2010/main" xmlns="">
                   <a:noFill/>
                 </a14:hiddenFill>
               </a:ext>
@@ -9446,7 +9446,7 @@
             </a:ln>
             <a:extLst>
               <a:ext uri="{909E8E84-426E-40dd-AFC4-6F175D3DCCD1}">
-                <a14:hiddenFill xmlns="" xmlns:a14="http://schemas.microsoft.com/office/drawing/2010/main">
+                <a14:hiddenFill xmlns:a14="http://schemas.microsoft.com/office/drawing/2010/main" xmlns="">
                   <a:solidFill>
                     <a:srgbClr val="FFFFFF"/>
                   </a:solidFill>
@@ -9489,7 +9489,7 @@
             </a:ln>
             <a:extLst>
               <a:ext uri="{909E8E84-426E-40dd-AFC4-6F175D3DCCD1}">
-                <a14:hiddenFill xmlns="" xmlns:a14="http://schemas.microsoft.com/office/drawing/2010/main">
+                <a14:hiddenFill xmlns:a14="http://schemas.microsoft.com/office/drawing/2010/main" xmlns="">
                   <a:solidFill>
                     <a:srgbClr val="FFFFFF"/>
                   </a:solidFill>
@@ -9534,7 +9534,7 @@
             </a:ln>
             <a:extLst>
               <a:ext uri="{909E8E84-426E-40dd-AFC4-6F175D3DCCD1}">
-                <a14:hiddenFill xmlns="" xmlns:a14="http://schemas.microsoft.com/office/drawing/2010/main">
+                <a14:hiddenFill xmlns:a14="http://schemas.microsoft.com/office/drawing/2010/main" xmlns="">
                   <a:noFill/>
                 </a14:hiddenFill>
               </a:ext>
@@ -9791,14 +9791,14 @@
           </a:ln>
           <a:extLst>
             <a:ext uri="{909E8E84-426E-40dd-AFC4-6F175D3DCCD1}">
-              <a14:hiddenFill xmlns="" xmlns:a14="http://schemas.microsoft.com/office/drawing/2010/main">
+              <a14:hiddenFill xmlns:a14="http://schemas.microsoft.com/office/drawing/2010/main" xmlns="">
                 <a:solidFill>
                   <a:srgbClr val="FFFFFF"/>
                 </a:solidFill>
               </a14:hiddenFill>
             </a:ext>
             <a:ext uri="{91240B29-F687-4f45-9708-019B960494DF}">
-              <a14:hiddenLine xmlns="" xmlns:a14="http://schemas.microsoft.com/office/drawing/2010/main" w="9525">
+              <a14:hiddenLine xmlns:a14="http://schemas.microsoft.com/office/drawing/2010/main" xmlns="" w="9525">
                 <a:solidFill>
                   <a:srgbClr val="000000"/>
                 </a:solidFill>
@@ -10205,14 +10205,14 @@
           </a:ln>
           <a:extLst>
             <a:ext uri="{909E8E84-426E-40dd-AFC4-6F175D3DCCD1}">
-              <a14:hiddenFill xmlns="" xmlns:a14="http://schemas.microsoft.com/office/drawing/2010/main">
+              <a14:hiddenFill xmlns:a14="http://schemas.microsoft.com/office/drawing/2010/main" xmlns="">
                 <a:solidFill>
                   <a:srgbClr val="FFFFFF"/>
                 </a:solidFill>
               </a14:hiddenFill>
             </a:ext>
             <a:ext uri="{91240B29-F687-4f45-9708-019B960494DF}">
-              <a14:hiddenLine xmlns="" xmlns:a14="http://schemas.microsoft.com/office/drawing/2010/main" w="9525">
+              <a14:hiddenLine xmlns:a14="http://schemas.microsoft.com/office/drawing/2010/main" xmlns="" w="9525">
                 <a:solidFill>
                   <a:srgbClr val="000000"/>
                 </a:solidFill>
@@ -10384,7 +10384,7 @@
           </a:ln>
           <a:extLst>
             <a:ext uri="{909E8E84-426E-40dd-AFC4-6F175D3DCCD1}">
-              <a14:hiddenFill xmlns="" xmlns:a14="http://schemas.microsoft.com/office/drawing/2010/main">
+              <a14:hiddenFill xmlns:a14="http://schemas.microsoft.com/office/drawing/2010/main" xmlns="">
                 <a:noFill/>
               </a14:hiddenFill>
             </a:ext>
@@ -10476,7 +10476,7 @@
           </a:ln>
           <a:extLst>
             <a:ext uri="{909E8E84-426E-40dd-AFC4-6F175D3DCCD1}">
-              <a14:hiddenFill xmlns="" xmlns:a14="http://schemas.microsoft.com/office/drawing/2010/main">
+              <a14:hiddenFill xmlns:a14="http://schemas.microsoft.com/office/drawing/2010/main" xmlns="">
                 <a:solidFill>
                   <a:srgbClr val="FFFFFF"/>
                 </a:solidFill>
@@ -10515,14 +10515,14 @@
           </a:ln>
           <a:extLst>
             <a:ext uri="{909E8E84-426E-40dd-AFC4-6F175D3DCCD1}">
-              <a14:hiddenFill xmlns="" xmlns:a14="http://schemas.microsoft.com/office/drawing/2010/main">
+              <a14:hiddenFill xmlns:a14="http://schemas.microsoft.com/office/drawing/2010/main" xmlns="">
                 <a:solidFill>
                   <a:srgbClr val="FFFFFF"/>
                 </a:solidFill>
               </a14:hiddenFill>
             </a:ext>
             <a:ext uri="{91240B29-F687-4f45-9708-019B960494DF}">
-              <a14:hiddenLine xmlns="" xmlns:a14="http://schemas.microsoft.com/office/drawing/2010/main" w="9525">
+              <a14:hiddenLine xmlns:a14="http://schemas.microsoft.com/office/drawing/2010/main" xmlns="" w="9525">
                 <a:solidFill>
                   <a:srgbClr val="000000"/>
                 </a:solidFill>
@@ -10700,7 +10700,7 @@
           </a:ln>
           <a:extLst>
             <a:ext uri="{909E8E84-426E-40dd-AFC4-6F175D3DCCD1}">
-              <a14:hiddenFill xmlns="" xmlns:a14="http://schemas.microsoft.com/office/drawing/2010/main">
+              <a14:hiddenFill xmlns:a14="http://schemas.microsoft.com/office/drawing/2010/main" xmlns="">
                 <a:noFill/>
               </a14:hiddenFill>
             </a:ext>
@@ -10737,14 +10737,14 @@
           </a:ln>
           <a:extLst>
             <a:ext uri="{909E8E84-426E-40dd-AFC4-6F175D3DCCD1}">
-              <a14:hiddenFill xmlns="" xmlns:a14="http://schemas.microsoft.com/office/drawing/2010/main">
+              <a14:hiddenFill xmlns:a14="http://schemas.microsoft.com/office/drawing/2010/main" xmlns="">
                 <a:solidFill>
                   <a:srgbClr val="FFFFFF"/>
                 </a:solidFill>
               </a14:hiddenFill>
             </a:ext>
             <a:ext uri="{91240B29-F687-4f45-9708-019B960494DF}">
-              <a14:hiddenLine xmlns="" xmlns:a14="http://schemas.microsoft.com/office/drawing/2010/main" w="9525">
+              <a14:hiddenLine xmlns:a14="http://schemas.microsoft.com/office/drawing/2010/main" xmlns="" w="9525">
                 <a:solidFill>
                   <a:srgbClr val="000000"/>
                 </a:solidFill>
@@ -10941,7 +10941,7 @@
             </a:ln>
             <a:extLst>
               <a:ext uri="{909E8E84-426E-40dd-AFC4-6F175D3DCCD1}">
-                <a14:hiddenFill xmlns="" xmlns:a14="http://schemas.microsoft.com/office/drawing/2010/main">
+                <a14:hiddenFill xmlns:a14="http://schemas.microsoft.com/office/drawing/2010/main" xmlns="">
                   <a:solidFill>
                     <a:srgbClr val="FFFFFF"/>
                   </a:solidFill>
@@ -10984,7 +10984,7 @@
             </a:ln>
             <a:extLst>
               <a:ext uri="{909E8E84-426E-40dd-AFC4-6F175D3DCCD1}">
-                <a14:hiddenFill xmlns="" xmlns:a14="http://schemas.microsoft.com/office/drawing/2010/main">
+                <a14:hiddenFill xmlns:a14="http://schemas.microsoft.com/office/drawing/2010/main" xmlns="">
                   <a:solidFill>
                     <a:srgbClr val="FFFFFF"/>
                   </a:solidFill>
@@ -11029,7 +11029,7 @@
             </a:ln>
             <a:extLst>
               <a:ext uri="{909E8E84-426E-40dd-AFC4-6F175D3DCCD1}">
-                <a14:hiddenFill xmlns="" xmlns:a14="http://schemas.microsoft.com/office/drawing/2010/main">
+                <a14:hiddenFill xmlns:a14="http://schemas.microsoft.com/office/drawing/2010/main" xmlns="">
                   <a:noFill/>
                 </a14:hiddenFill>
               </a:ext>
@@ -11198,14 +11198,14 @@
           </a:ln>
           <a:extLst>
             <a:ext uri="{909E8E84-426E-40dd-AFC4-6F175D3DCCD1}">
-              <a14:hiddenFill xmlns="" xmlns:a14="http://schemas.microsoft.com/office/drawing/2010/main">
+              <a14:hiddenFill xmlns:a14="http://schemas.microsoft.com/office/drawing/2010/main" xmlns="">
                 <a:solidFill>
                   <a:srgbClr val="FFFFFF"/>
                 </a:solidFill>
               </a14:hiddenFill>
             </a:ext>
             <a:ext uri="{91240B29-F687-4f45-9708-019B960494DF}">
-              <a14:hiddenLine xmlns="" xmlns:a14="http://schemas.microsoft.com/office/drawing/2010/main" w="9525">
+              <a14:hiddenLine xmlns:a14="http://schemas.microsoft.com/office/drawing/2010/main" xmlns="" w="9525">
                 <a:solidFill>
                   <a:srgbClr val="000000"/>
                 </a:solidFill>
@@ -11483,14 +11483,14 @@
           </a:ln>
           <a:extLst>
             <a:ext uri="{909E8E84-426E-40dd-AFC4-6F175D3DCCD1}">
-              <a14:hiddenFill xmlns="" xmlns:a14="http://schemas.microsoft.com/office/drawing/2010/main">
+              <a14:hiddenFill xmlns:a14="http://schemas.microsoft.com/office/drawing/2010/main" xmlns="">
                 <a:solidFill>
                   <a:srgbClr val="FFFFFF"/>
                 </a:solidFill>
               </a14:hiddenFill>
             </a:ext>
             <a:ext uri="{91240B29-F687-4f45-9708-019B960494DF}">
-              <a14:hiddenLine xmlns="" xmlns:a14="http://schemas.microsoft.com/office/drawing/2010/main" w="9525">
+              <a14:hiddenLine xmlns:a14="http://schemas.microsoft.com/office/drawing/2010/main" xmlns="" w="9525">
                 <a:solidFill>
                   <a:srgbClr val="000000"/>
                 </a:solidFill>
@@ -11769,14 +11769,14 @@
           </a:ln>
           <a:extLst>
             <a:ext uri="{909E8E84-426E-40dd-AFC4-6F175D3DCCD1}">
-              <a14:hiddenFill xmlns="" xmlns:a14="http://schemas.microsoft.com/office/drawing/2010/main">
+              <a14:hiddenFill xmlns:a14="http://schemas.microsoft.com/office/drawing/2010/main" xmlns="">
                 <a:solidFill>
                   <a:srgbClr val="FFFFFF"/>
                 </a:solidFill>
               </a14:hiddenFill>
             </a:ext>
             <a:ext uri="{91240B29-F687-4f45-9708-019B960494DF}">
-              <a14:hiddenLine xmlns="" xmlns:a14="http://schemas.microsoft.com/office/drawing/2010/main" w="9525">
+              <a14:hiddenLine xmlns:a14="http://schemas.microsoft.com/office/drawing/2010/main" xmlns="" w="9525">
                 <a:solidFill>
                   <a:srgbClr val="000000"/>
                 </a:solidFill>
@@ -11960,7 +11960,7 @@
           </a:ln>
           <a:extLst>
             <a:ext uri="{909E8E84-426E-40dd-AFC4-6F175D3DCCD1}">
-              <a14:hiddenFill xmlns="" xmlns:a14="http://schemas.microsoft.com/office/drawing/2010/main">
+              <a14:hiddenFill xmlns:a14="http://schemas.microsoft.com/office/drawing/2010/main" xmlns="">
                 <a:noFill/>
               </a14:hiddenFill>
             </a:ext>
@@ -12051,7 +12051,7 @@
           </a:ln>
           <a:extLst>
             <a:ext uri="{909E8E84-426E-40dd-AFC4-6F175D3DCCD1}">
-              <a14:hiddenFill xmlns="" xmlns:a14="http://schemas.microsoft.com/office/drawing/2010/main">
+              <a14:hiddenFill xmlns:a14="http://schemas.microsoft.com/office/drawing/2010/main" xmlns="">
                 <a:solidFill>
                   <a:srgbClr val="FFFFFF"/>
                 </a:solidFill>
@@ -12089,14 +12089,14 @@
           </a:ln>
           <a:extLst>
             <a:ext uri="{909E8E84-426E-40dd-AFC4-6F175D3DCCD1}">
-              <a14:hiddenFill xmlns="" xmlns:a14="http://schemas.microsoft.com/office/drawing/2010/main">
+              <a14:hiddenFill xmlns:a14="http://schemas.microsoft.com/office/drawing/2010/main" xmlns="">
                 <a:solidFill>
                   <a:srgbClr val="FFFFFF"/>
                 </a:solidFill>
               </a14:hiddenFill>
             </a:ext>
             <a:ext uri="{91240B29-F687-4f45-9708-019B960494DF}">
-              <a14:hiddenLine xmlns="" xmlns:a14="http://schemas.microsoft.com/office/drawing/2010/main" w="9525">
+              <a14:hiddenLine xmlns:a14="http://schemas.microsoft.com/office/drawing/2010/main" xmlns="" w="9525">
                 <a:solidFill>
                   <a:srgbClr val="000000"/>
                 </a:solidFill>
@@ -12268,7 +12268,7 @@
           </a:ln>
           <a:extLst>
             <a:ext uri="{909E8E84-426E-40dd-AFC4-6F175D3DCCD1}">
-              <a14:hiddenFill xmlns="" xmlns:a14="http://schemas.microsoft.com/office/drawing/2010/main">
+              <a14:hiddenFill xmlns:a14="http://schemas.microsoft.com/office/drawing/2010/main" xmlns="">
                 <a:noFill/>
               </a14:hiddenFill>
             </a:ext>
@@ -12325,7 +12325,7 @@
             </a:ln>
             <a:extLst>
               <a:ext uri="{909E8E84-426E-40dd-AFC4-6F175D3DCCD1}">
-                <a14:hiddenFill xmlns="" xmlns:a14="http://schemas.microsoft.com/office/drawing/2010/main">
+                <a14:hiddenFill xmlns:a14="http://schemas.microsoft.com/office/drawing/2010/main" xmlns="">
                   <a:solidFill>
                     <a:srgbClr val="FFFFFF"/>
                   </a:solidFill>
@@ -12368,7 +12368,7 @@
             </a:ln>
             <a:extLst>
               <a:ext uri="{909E8E84-426E-40dd-AFC4-6F175D3DCCD1}">
-                <a14:hiddenFill xmlns="" xmlns:a14="http://schemas.microsoft.com/office/drawing/2010/main">
+                <a14:hiddenFill xmlns:a14="http://schemas.microsoft.com/office/drawing/2010/main" xmlns="">
                   <a:solidFill>
                     <a:srgbClr val="FFFFFF"/>
                   </a:solidFill>
@@ -12413,7 +12413,7 @@
             </a:ln>
             <a:extLst>
               <a:ext uri="{909E8E84-426E-40dd-AFC4-6F175D3DCCD1}">
-                <a14:hiddenFill xmlns="" xmlns:a14="http://schemas.microsoft.com/office/drawing/2010/main">
+                <a14:hiddenFill xmlns:a14="http://schemas.microsoft.com/office/drawing/2010/main" xmlns="">
                   <a:noFill/>
                 </a14:hiddenFill>
               </a:ext>
@@ -12464,7 +12464,7 @@
             </a:ln>
             <a:extLst>
               <a:ext uri="{909E8E84-426E-40dd-AFC4-6F175D3DCCD1}">
-                <a14:hiddenFill xmlns="" xmlns:a14="http://schemas.microsoft.com/office/drawing/2010/main">
+                <a14:hiddenFill xmlns:a14="http://schemas.microsoft.com/office/drawing/2010/main" xmlns="">
                   <a:solidFill>
                     <a:srgbClr val="FFFFFF"/>
                   </a:solidFill>
@@ -12507,7 +12507,7 @@
             </a:ln>
             <a:extLst>
               <a:ext uri="{909E8E84-426E-40dd-AFC4-6F175D3DCCD1}">
-                <a14:hiddenFill xmlns="" xmlns:a14="http://schemas.microsoft.com/office/drawing/2010/main">
+                <a14:hiddenFill xmlns:a14="http://schemas.microsoft.com/office/drawing/2010/main" xmlns="">
                   <a:solidFill>
                     <a:srgbClr val="FFFFFF"/>
                   </a:solidFill>
@@ -12552,7 +12552,7 @@
             </a:ln>
             <a:extLst>
               <a:ext uri="{909E8E84-426E-40dd-AFC4-6F175D3DCCD1}">
-                <a14:hiddenFill xmlns="" xmlns:a14="http://schemas.microsoft.com/office/drawing/2010/main">
+                <a14:hiddenFill xmlns:a14="http://schemas.microsoft.com/office/drawing/2010/main" xmlns="">
                   <a:noFill/>
                 </a14:hiddenFill>
               </a:ext>
@@ -12603,7 +12603,7 @@
             </a:ln>
             <a:extLst>
               <a:ext uri="{909E8E84-426E-40dd-AFC4-6F175D3DCCD1}">
-                <a14:hiddenFill xmlns="" xmlns:a14="http://schemas.microsoft.com/office/drawing/2010/main">
+                <a14:hiddenFill xmlns:a14="http://schemas.microsoft.com/office/drawing/2010/main" xmlns="">
                   <a:solidFill>
                     <a:srgbClr val="FFFFFF"/>
                   </a:solidFill>
@@ -12646,7 +12646,7 @@
             </a:ln>
             <a:extLst>
               <a:ext uri="{909E8E84-426E-40dd-AFC4-6F175D3DCCD1}">
-                <a14:hiddenFill xmlns="" xmlns:a14="http://schemas.microsoft.com/office/drawing/2010/main">
+                <a14:hiddenFill xmlns:a14="http://schemas.microsoft.com/office/drawing/2010/main" xmlns="">
                   <a:solidFill>
                     <a:srgbClr val="FFFFFF"/>
                   </a:solidFill>
@@ -12691,7 +12691,7 @@
             </a:ln>
             <a:extLst>
               <a:ext uri="{909E8E84-426E-40dd-AFC4-6F175D3DCCD1}">
-                <a14:hiddenFill xmlns="" xmlns:a14="http://schemas.microsoft.com/office/drawing/2010/main">
+                <a14:hiddenFill xmlns:a14="http://schemas.microsoft.com/office/drawing/2010/main" xmlns="">
                   <a:noFill/>
                 </a14:hiddenFill>
               </a:ext>
@@ -13818,14 +13818,14 @@
           </a:ln>
           <a:extLst>
             <a:ext uri="{909E8E84-426E-40dd-AFC4-6F175D3DCCD1}">
-              <a14:hiddenFill xmlns="" xmlns:a14="http://schemas.microsoft.com/office/drawing/2010/main">
+              <a14:hiddenFill xmlns:a14="http://schemas.microsoft.com/office/drawing/2010/main" xmlns="">
                 <a:solidFill>
                   <a:srgbClr val="FFFFFF"/>
                 </a:solidFill>
               </a14:hiddenFill>
             </a:ext>
             <a:ext uri="{91240B29-F687-4f45-9708-019B960494DF}">
-              <a14:hiddenLine xmlns="" xmlns:a14="http://schemas.microsoft.com/office/drawing/2010/main" w="9525">
+              <a14:hiddenLine xmlns:a14="http://schemas.microsoft.com/office/drawing/2010/main" xmlns="" w="9525">
                 <a:solidFill>
                   <a:srgbClr val="000000"/>
                 </a:solidFill>
@@ -13909,7 +13909,7 @@
           </a:ln>
           <a:extLst>
             <a:ext uri="{909E8E84-426E-40dd-AFC4-6F175D3DCCD1}">
-              <a14:hiddenFill xmlns="" xmlns:a14="http://schemas.microsoft.com/office/drawing/2010/main">
+              <a14:hiddenFill xmlns:a14="http://schemas.microsoft.com/office/drawing/2010/main" xmlns="">
                 <a:solidFill>
                   <a:srgbClr val="FFFFFF"/>
                 </a:solidFill>
@@ -13947,14 +13947,14 @@
           </a:ln>
           <a:extLst>
             <a:ext uri="{909E8E84-426E-40dd-AFC4-6F175D3DCCD1}">
-              <a14:hiddenFill xmlns="" xmlns:a14="http://schemas.microsoft.com/office/drawing/2010/main">
+              <a14:hiddenFill xmlns:a14="http://schemas.microsoft.com/office/drawing/2010/main" xmlns="">
                 <a:solidFill>
                   <a:srgbClr val="FFFFFF"/>
                 </a:solidFill>
               </a14:hiddenFill>
             </a:ext>
             <a:ext uri="{91240B29-F687-4f45-9708-019B960494DF}">
-              <a14:hiddenLine xmlns="" xmlns:a14="http://schemas.microsoft.com/office/drawing/2010/main" w="9525">
+              <a14:hiddenLine xmlns:a14="http://schemas.microsoft.com/office/drawing/2010/main" xmlns="" w="9525">
                 <a:solidFill>
                   <a:srgbClr val="000000"/>
                 </a:solidFill>
@@ -14125,7 +14125,7 @@
           </a:ln>
           <a:extLst>
             <a:ext uri="{909E8E84-426E-40dd-AFC4-6F175D3DCCD1}">
-              <a14:hiddenFill xmlns="" xmlns:a14="http://schemas.microsoft.com/office/drawing/2010/main">
+              <a14:hiddenFill xmlns:a14="http://schemas.microsoft.com/office/drawing/2010/main" xmlns="">
                 <a:noFill/>
               </a14:hiddenFill>
             </a:ext>
@@ -14161,14 +14161,14 @@
           </a:ln>
           <a:extLst>
             <a:ext uri="{909E8E84-426E-40dd-AFC4-6F175D3DCCD1}">
-              <a14:hiddenFill xmlns="" xmlns:a14="http://schemas.microsoft.com/office/drawing/2010/main">
+              <a14:hiddenFill xmlns:a14="http://schemas.microsoft.com/office/drawing/2010/main" xmlns="">
                 <a:solidFill>
                   <a:srgbClr val="FFFFFF"/>
                 </a:solidFill>
               </a14:hiddenFill>
             </a:ext>
             <a:ext uri="{91240B29-F687-4f45-9708-019B960494DF}">
-              <a14:hiddenLine xmlns="" xmlns:a14="http://schemas.microsoft.com/office/drawing/2010/main" w="9525">
+              <a14:hiddenLine xmlns:a14="http://schemas.microsoft.com/office/drawing/2010/main" xmlns="" w="9525">
                 <a:solidFill>
                   <a:srgbClr val="000000"/>
                 </a:solidFill>
@@ -14395,7 +14395,7 @@
           </a:ln>
           <a:extLst>
             <a:ext uri="{909E8E84-426E-40dd-AFC4-6F175D3DCCD1}">
-              <a14:hiddenFill xmlns="" xmlns:a14="http://schemas.microsoft.com/office/drawing/2010/main">
+              <a14:hiddenFill xmlns:a14="http://schemas.microsoft.com/office/drawing/2010/main" xmlns="">
                 <a:solidFill>
                   <a:srgbClr val="FFFFFF"/>
                 </a:solidFill>
@@ -14433,14 +14433,14 @@
           </a:ln>
           <a:extLst>
             <a:ext uri="{909E8E84-426E-40dd-AFC4-6F175D3DCCD1}">
-              <a14:hiddenFill xmlns="" xmlns:a14="http://schemas.microsoft.com/office/drawing/2010/main">
+              <a14:hiddenFill xmlns:a14="http://schemas.microsoft.com/office/drawing/2010/main" xmlns="">
                 <a:solidFill>
                   <a:srgbClr val="FFFFFF"/>
                 </a:solidFill>
               </a14:hiddenFill>
             </a:ext>
             <a:ext uri="{91240B29-F687-4f45-9708-019B960494DF}">
-              <a14:hiddenLine xmlns="" xmlns:a14="http://schemas.microsoft.com/office/drawing/2010/main" w="9525">
+              <a14:hiddenLine xmlns:a14="http://schemas.microsoft.com/office/drawing/2010/main" xmlns="" w="9525">
                 <a:solidFill>
                   <a:srgbClr val="000000"/>
                 </a:solidFill>
@@ -14733,7 +14733,7 @@
           </a:ln>
           <a:extLst>
             <a:ext uri="{909E8E84-426E-40dd-AFC4-6F175D3DCCD1}">
-              <a14:hiddenFill xmlns="" xmlns:a14="http://schemas.microsoft.com/office/drawing/2010/main">
+              <a14:hiddenFill xmlns:a14="http://schemas.microsoft.com/office/drawing/2010/main" xmlns="">
                 <a:solidFill>
                   <a:srgbClr val="FFFFFF"/>
                 </a:solidFill>
@@ -14784,14 +14784,14 @@
           </a:ln>
           <a:extLst>
             <a:ext uri="{909E8E84-426E-40dd-AFC4-6F175D3DCCD1}">
-              <a14:hiddenFill xmlns="" xmlns:a14="http://schemas.microsoft.com/office/drawing/2010/main">
+              <a14:hiddenFill xmlns:a14="http://schemas.microsoft.com/office/drawing/2010/main" xmlns="">
                 <a:solidFill>
                   <a:srgbClr val="FFFFFF"/>
                 </a:solidFill>
               </a14:hiddenFill>
             </a:ext>
             <a:ext uri="{91240B29-F687-4f45-9708-019B960494DF}">
-              <a14:hiddenLine xmlns="" xmlns:a14="http://schemas.microsoft.com/office/drawing/2010/main" w="9525">
+              <a14:hiddenLine xmlns:a14="http://schemas.microsoft.com/office/drawing/2010/main" xmlns="" w="9525">
                 <a:solidFill>
                   <a:srgbClr val="000000"/>
                 </a:solidFill>
@@ -14825,14 +14825,14 @@
           </a:ln>
           <a:extLst>
             <a:ext uri="{909E8E84-426E-40dd-AFC4-6F175D3DCCD1}">
-              <a14:hiddenFill xmlns="" xmlns:a14="http://schemas.microsoft.com/office/drawing/2010/main">
+              <a14:hiddenFill xmlns:a14="http://schemas.microsoft.com/office/drawing/2010/main" xmlns="">
                 <a:solidFill>
                   <a:srgbClr val="FFFFFF"/>
                 </a:solidFill>
               </a14:hiddenFill>
             </a:ext>
             <a:ext uri="{91240B29-F687-4f45-9708-019B960494DF}">
-              <a14:hiddenLine xmlns="" xmlns:a14="http://schemas.microsoft.com/office/drawing/2010/main" w="9525">
+              <a14:hiddenLine xmlns:a14="http://schemas.microsoft.com/office/drawing/2010/main" xmlns="" w="9525">
                 <a:solidFill>
                   <a:srgbClr val="000000"/>
                 </a:solidFill>
@@ -18100,12 +18100,12 @@
             <a:effectLst/>
             <a:extLst>
               <a:ext uri="{909E8E84-426E-40dd-AFC4-6F175D3DCCD1}">
-                <a14:hiddenFill xmlns="" xmlns:a14="http://schemas.microsoft.com/office/drawing/2010/main">
+                <a14:hiddenFill xmlns:a14="http://schemas.microsoft.com/office/drawing/2010/main" xmlns="">
                   <a:noFill/>
                 </a14:hiddenFill>
               </a:ext>
               <a:ext uri="{AF507438-7753-43e0-B8FC-AC1667EBCBE1}">
-                <a14:hiddenEffects xmlns="" xmlns:a14="http://schemas.microsoft.com/office/drawing/2010/main">
+                <a14:hiddenEffects xmlns:a14="http://schemas.microsoft.com/office/drawing/2010/main" xmlns="">
                   <a:effectLst>
                     <a:outerShdw blurRad="63500" dist="38099" dir="2700000" algn="ctr" rotWithShape="0">
                       <a:schemeClr val="bg2">
@@ -18158,12 +18158,12 @@
             <a:effectLst/>
             <a:extLst>
               <a:ext uri="{909E8E84-426E-40dd-AFC4-6F175D3DCCD1}">
-                <a14:hiddenFill xmlns="" xmlns:a14="http://schemas.microsoft.com/office/drawing/2010/main">
+                <a14:hiddenFill xmlns:a14="http://schemas.microsoft.com/office/drawing/2010/main" xmlns="">
                   <a:noFill/>
                 </a14:hiddenFill>
               </a:ext>
               <a:ext uri="{AF507438-7753-43e0-B8FC-AC1667EBCBE1}">
-                <a14:hiddenEffects xmlns="" xmlns:a14="http://schemas.microsoft.com/office/drawing/2010/main">
+                <a14:hiddenEffects xmlns:a14="http://schemas.microsoft.com/office/drawing/2010/main" xmlns="">
                   <a:effectLst>
                     <a:outerShdw blurRad="63500" dist="38099" dir="2700000" algn="ctr" rotWithShape="0">
                       <a:schemeClr val="bg2">
@@ -18211,14 +18211,14 @@
             <a:effectLst/>
             <a:extLst>
               <a:ext uri="{909E8E84-426E-40dd-AFC4-6F175D3DCCD1}">
-                <a14:hiddenFill xmlns="" xmlns:a14="http://schemas.microsoft.com/office/drawing/2010/main">
+                <a14:hiddenFill xmlns:a14="http://schemas.microsoft.com/office/drawing/2010/main" xmlns="">
                   <a:solidFill>
                     <a:schemeClr val="bg2"/>
                   </a:solidFill>
                 </a14:hiddenFill>
               </a:ext>
               <a:ext uri="{91240B29-F687-4f45-9708-019B960494DF}">
-                <a14:hiddenLine xmlns="" xmlns:a14="http://schemas.microsoft.com/office/drawing/2010/main" w="25400">
+                <a14:hiddenLine xmlns:a14="http://schemas.microsoft.com/office/drawing/2010/main" xmlns="" w="25400">
                   <a:solidFill>
                     <a:schemeClr val="tx1"/>
                   </a:solidFill>
@@ -18228,7 +18228,7 @@
                 </a14:hiddenLine>
               </a:ext>
               <a:ext uri="{AF507438-7753-43e0-B8FC-AC1667EBCBE1}">
-                <a14:hiddenEffects xmlns="" xmlns:a14="http://schemas.microsoft.com/office/drawing/2010/main">
+                <a14:hiddenEffects xmlns:a14="http://schemas.microsoft.com/office/drawing/2010/main" xmlns="">
                   <a:effectLst>
                     <a:outerShdw blurRad="63500" dist="38099" dir="2700000" algn="ctr" rotWithShape="0">
                       <a:schemeClr val="bg2">
@@ -18282,14 +18282,14 @@
             <a:effectLst/>
             <a:extLst>
               <a:ext uri="{909E8E84-426E-40dd-AFC4-6F175D3DCCD1}">
-                <a14:hiddenFill xmlns="" xmlns:a14="http://schemas.microsoft.com/office/drawing/2010/main">
+                <a14:hiddenFill xmlns:a14="http://schemas.microsoft.com/office/drawing/2010/main" xmlns="">
                   <a:solidFill>
                     <a:schemeClr val="bg2"/>
                   </a:solidFill>
                 </a14:hiddenFill>
               </a:ext>
               <a:ext uri="{91240B29-F687-4f45-9708-019B960494DF}">
-                <a14:hiddenLine xmlns="" xmlns:a14="http://schemas.microsoft.com/office/drawing/2010/main" w="25400">
+                <a14:hiddenLine xmlns:a14="http://schemas.microsoft.com/office/drawing/2010/main" xmlns="" w="25400">
                   <a:solidFill>
                     <a:schemeClr val="tx1"/>
                   </a:solidFill>
@@ -18299,7 +18299,7 @@
                 </a14:hiddenLine>
               </a:ext>
               <a:ext uri="{AF507438-7753-43e0-B8FC-AC1667EBCBE1}">
-                <a14:hiddenEffects xmlns="" xmlns:a14="http://schemas.microsoft.com/office/drawing/2010/main">
+                <a14:hiddenEffects xmlns:a14="http://schemas.microsoft.com/office/drawing/2010/main" xmlns="">
                   <a:effectLst>
                     <a:outerShdw blurRad="63500" dist="38099" dir="2700000" algn="ctr" rotWithShape="0">
                       <a:schemeClr val="bg2">
@@ -18358,12 +18358,12 @@
             <a:effectLst/>
             <a:extLst>
               <a:ext uri="{909E8E84-426E-40dd-AFC4-6F175D3DCCD1}">
-                <a14:hiddenFill xmlns="" xmlns:a14="http://schemas.microsoft.com/office/drawing/2010/main">
+                <a14:hiddenFill xmlns:a14="http://schemas.microsoft.com/office/drawing/2010/main" xmlns="">
                   <a:noFill/>
                 </a14:hiddenFill>
               </a:ext>
               <a:ext uri="{AF507438-7753-43e0-B8FC-AC1667EBCBE1}">
-                <a14:hiddenEffects xmlns="" xmlns:a14="http://schemas.microsoft.com/office/drawing/2010/main">
+                <a14:hiddenEffects xmlns:a14="http://schemas.microsoft.com/office/drawing/2010/main" xmlns="">
                   <a:effectLst>
                     <a:outerShdw blurRad="63500" dist="38099" dir="2700000" algn="ctr" rotWithShape="0">
                       <a:schemeClr val="bg2">
@@ -18411,14 +18411,14 @@
             <a:effectLst/>
             <a:extLst>
               <a:ext uri="{909E8E84-426E-40dd-AFC4-6F175D3DCCD1}">
-                <a14:hiddenFill xmlns="" xmlns:a14="http://schemas.microsoft.com/office/drawing/2010/main">
+                <a14:hiddenFill xmlns:a14="http://schemas.microsoft.com/office/drawing/2010/main" xmlns="">
                   <a:solidFill>
                     <a:schemeClr val="bg2"/>
                   </a:solidFill>
                 </a14:hiddenFill>
               </a:ext>
               <a:ext uri="{91240B29-F687-4f45-9708-019B960494DF}">
-                <a14:hiddenLine xmlns="" xmlns:a14="http://schemas.microsoft.com/office/drawing/2010/main" w="25400">
+                <a14:hiddenLine xmlns:a14="http://schemas.microsoft.com/office/drawing/2010/main" xmlns="" w="25400">
                   <a:solidFill>
                     <a:schemeClr val="tx1"/>
                   </a:solidFill>
@@ -18428,7 +18428,7 @@
                 </a14:hiddenLine>
               </a:ext>
               <a:ext uri="{AF507438-7753-43e0-B8FC-AC1667EBCBE1}">
-                <a14:hiddenEffects xmlns="" xmlns:a14="http://schemas.microsoft.com/office/drawing/2010/main">
+                <a14:hiddenEffects xmlns:a14="http://schemas.microsoft.com/office/drawing/2010/main" xmlns="">
                   <a:effectLst>
                     <a:outerShdw blurRad="63500" dist="38099" dir="2700000" algn="ctr" rotWithShape="0">
                       <a:schemeClr val="bg2">
@@ -18502,12 +18502,12 @@
             <a:effectLst/>
             <a:extLst>
               <a:ext uri="{909E8E84-426E-40dd-AFC4-6F175D3DCCD1}">
-                <a14:hiddenFill xmlns="" xmlns:a14="http://schemas.microsoft.com/office/drawing/2010/main">
+                <a14:hiddenFill xmlns:a14="http://schemas.microsoft.com/office/drawing/2010/main" xmlns="">
                   <a:noFill/>
                 </a14:hiddenFill>
               </a:ext>
               <a:ext uri="{AF507438-7753-43e0-B8FC-AC1667EBCBE1}">
-                <a14:hiddenEffects xmlns="" xmlns:a14="http://schemas.microsoft.com/office/drawing/2010/main">
+                <a14:hiddenEffects xmlns:a14="http://schemas.microsoft.com/office/drawing/2010/main" xmlns="">
                   <a:effectLst>
                     <a:outerShdw blurRad="63500" dist="38099" dir="2700000" algn="ctr" rotWithShape="0">
                       <a:schemeClr val="bg2">
@@ -18555,14 +18555,14 @@
             <a:effectLst/>
             <a:extLst>
               <a:ext uri="{909E8E84-426E-40dd-AFC4-6F175D3DCCD1}">
-                <a14:hiddenFill xmlns="" xmlns:a14="http://schemas.microsoft.com/office/drawing/2010/main">
+                <a14:hiddenFill xmlns:a14="http://schemas.microsoft.com/office/drawing/2010/main" xmlns="">
                   <a:solidFill>
                     <a:schemeClr val="bg2"/>
                   </a:solidFill>
                 </a14:hiddenFill>
               </a:ext>
               <a:ext uri="{91240B29-F687-4f45-9708-019B960494DF}">
-                <a14:hiddenLine xmlns="" xmlns:a14="http://schemas.microsoft.com/office/drawing/2010/main" w="25400">
+                <a14:hiddenLine xmlns:a14="http://schemas.microsoft.com/office/drawing/2010/main" xmlns="" w="25400">
                   <a:solidFill>
                     <a:schemeClr val="tx1"/>
                   </a:solidFill>
@@ -18572,7 +18572,7 @@
                 </a14:hiddenLine>
               </a:ext>
               <a:ext uri="{AF507438-7753-43e0-B8FC-AC1667EBCBE1}">
-                <a14:hiddenEffects xmlns="" xmlns:a14="http://schemas.microsoft.com/office/drawing/2010/main">
+                <a14:hiddenEffects xmlns:a14="http://schemas.microsoft.com/office/drawing/2010/main" xmlns="">
                   <a:effectLst>
                     <a:outerShdw blurRad="63500" dist="38099" dir="2700000" algn="ctr" rotWithShape="0">
                       <a:schemeClr val="bg2">
@@ -18631,12 +18631,12 @@
             <a:effectLst/>
             <a:extLst>
               <a:ext uri="{909E8E84-426E-40dd-AFC4-6F175D3DCCD1}">
-                <a14:hiddenFill xmlns="" xmlns:a14="http://schemas.microsoft.com/office/drawing/2010/main">
+                <a14:hiddenFill xmlns:a14="http://schemas.microsoft.com/office/drawing/2010/main" xmlns="">
                   <a:noFill/>
                 </a14:hiddenFill>
               </a:ext>
               <a:ext uri="{AF507438-7753-43e0-B8FC-AC1667EBCBE1}">
-                <a14:hiddenEffects xmlns="" xmlns:a14="http://schemas.microsoft.com/office/drawing/2010/main">
+                <a14:hiddenEffects xmlns:a14="http://schemas.microsoft.com/office/drawing/2010/main" xmlns="">
                   <a:effectLst>
                     <a:outerShdw blurRad="63500" dist="38099" dir="2700000" algn="ctr" rotWithShape="0">
                       <a:schemeClr val="bg2">
@@ -18684,14 +18684,14 @@
             <a:effectLst/>
             <a:extLst>
               <a:ext uri="{909E8E84-426E-40dd-AFC4-6F175D3DCCD1}">
-                <a14:hiddenFill xmlns="" xmlns:a14="http://schemas.microsoft.com/office/drawing/2010/main">
+                <a14:hiddenFill xmlns:a14="http://schemas.microsoft.com/office/drawing/2010/main" xmlns="">
                   <a:solidFill>
                     <a:schemeClr val="bg2"/>
                   </a:solidFill>
                 </a14:hiddenFill>
               </a:ext>
               <a:ext uri="{91240B29-F687-4f45-9708-019B960494DF}">
-                <a14:hiddenLine xmlns="" xmlns:a14="http://schemas.microsoft.com/office/drawing/2010/main" w="25400">
+                <a14:hiddenLine xmlns:a14="http://schemas.microsoft.com/office/drawing/2010/main" xmlns="" w="25400">
                   <a:solidFill>
                     <a:schemeClr val="tx1"/>
                   </a:solidFill>
@@ -18701,7 +18701,7 @@
                 </a14:hiddenLine>
               </a:ext>
               <a:ext uri="{AF507438-7753-43e0-B8FC-AC1667EBCBE1}">
-                <a14:hiddenEffects xmlns="" xmlns:a14="http://schemas.microsoft.com/office/drawing/2010/main">
+                <a14:hiddenEffects xmlns:a14="http://schemas.microsoft.com/office/drawing/2010/main" xmlns="">
                   <a:effectLst>
                     <a:outerShdw blurRad="63500" dist="38099" dir="2700000" algn="ctr" rotWithShape="0">
                       <a:schemeClr val="bg2">
@@ -18763,14 +18763,14 @@
             <a:effectLst/>
             <a:extLst>
               <a:ext uri="{909E8E84-426E-40dd-AFC4-6F175D3DCCD1}">
-                <a14:hiddenFill xmlns="" xmlns:a14="http://schemas.microsoft.com/office/drawing/2010/main">
+                <a14:hiddenFill xmlns:a14="http://schemas.microsoft.com/office/drawing/2010/main" xmlns="">
                   <a:solidFill>
                     <a:schemeClr val="bg2"/>
                   </a:solidFill>
                 </a14:hiddenFill>
               </a:ext>
               <a:ext uri="{AF507438-7753-43e0-B8FC-AC1667EBCBE1}">
-                <a14:hiddenEffects xmlns="" xmlns:a14="http://schemas.microsoft.com/office/drawing/2010/main">
+                <a14:hiddenEffects xmlns:a14="http://schemas.microsoft.com/office/drawing/2010/main" xmlns="">
                   <a:effectLst>
                     <a:outerShdw blurRad="63500" dist="38099" dir="2700000" algn="ctr" rotWithShape="0">
                       <a:schemeClr val="bg2">
@@ -18818,14 +18818,14 @@
             <a:effectLst/>
             <a:extLst>
               <a:ext uri="{909E8E84-426E-40dd-AFC4-6F175D3DCCD1}">
-                <a14:hiddenFill xmlns="" xmlns:a14="http://schemas.microsoft.com/office/drawing/2010/main">
+                <a14:hiddenFill xmlns:a14="http://schemas.microsoft.com/office/drawing/2010/main" xmlns="">
                   <a:solidFill>
                     <a:schemeClr val="bg2"/>
                   </a:solidFill>
                 </a14:hiddenFill>
               </a:ext>
               <a:ext uri="{91240B29-F687-4f45-9708-019B960494DF}">
-                <a14:hiddenLine xmlns="" xmlns:a14="http://schemas.microsoft.com/office/drawing/2010/main" w="25400">
+                <a14:hiddenLine xmlns:a14="http://schemas.microsoft.com/office/drawing/2010/main" xmlns="" w="25400">
                   <a:solidFill>
                     <a:schemeClr val="tx1"/>
                   </a:solidFill>
@@ -18835,7 +18835,7 @@
                 </a14:hiddenLine>
               </a:ext>
               <a:ext uri="{AF507438-7753-43e0-B8FC-AC1667EBCBE1}">
-                <a14:hiddenEffects xmlns="" xmlns:a14="http://schemas.microsoft.com/office/drawing/2010/main">
+                <a14:hiddenEffects xmlns:a14="http://schemas.microsoft.com/office/drawing/2010/main" xmlns="">
                   <a:effectLst>
                     <a:outerShdw blurRad="63500" dist="38099" dir="2700000" algn="ctr" rotWithShape="0">
                       <a:schemeClr val="bg2">
@@ -18902,14 +18902,14 @@
             <a:effectLst/>
             <a:extLst>
               <a:ext uri="{909E8E84-426E-40dd-AFC4-6F175D3DCCD1}">
-                <a14:hiddenFill xmlns="" xmlns:a14="http://schemas.microsoft.com/office/drawing/2010/main">
+                <a14:hiddenFill xmlns:a14="http://schemas.microsoft.com/office/drawing/2010/main" xmlns="">
                   <a:solidFill>
                     <a:schemeClr val="bg2"/>
                   </a:solidFill>
                 </a14:hiddenFill>
               </a:ext>
               <a:ext uri="{AF507438-7753-43e0-B8FC-AC1667EBCBE1}">
-                <a14:hiddenEffects xmlns="" xmlns:a14="http://schemas.microsoft.com/office/drawing/2010/main">
+                <a14:hiddenEffects xmlns:a14="http://schemas.microsoft.com/office/drawing/2010/main" xmlns="">
                   <a:effectLst>
                     <a:outerShdw blurRad="63500" dist="38099" dir="2700000" algn="ctr" rotWithShape="0">
                       <a:schemeClr val="bg2">
@@ -18957,14 +18957,14 @@
             <a:effectLst/>
             <a:extLst>
               <a:ext uri="{909E8E84-426E-40dd-AFC4-6F175D3DCCD1}">
-                <a14:hiddenFill xmlns="" xmlns:a14="http://schemas.microsoft.com/office/drawing/2010/main">
+                <a14:hiddenFill xmlns:a14="http://schemas.microsoft.com/office/drawing/2010/main" xmlns="">
                   <a:solidFill>
                     <a:schemeClr val="bg2"/>
                   </a:solidFill>
                 </a14:hiddenFill>
               </a:ext>
               <a:ext uri="{91240B29-F687-4f45-9708-019B960494DF}">
-                <a14:hiddenLine xmlns="" xmlns:a14="http://schemas.microsoft.com/office/drawing/2010/main" w="25400">
+                <a14:hiddenLine xmlns:a14="http://schemas.microsoft.com/office/drawing/2010/main" xmlns="" w="25400">
                   <a:solidFill>
                     <a:schemeClr val="tx1"/>
                   </a:solidFill>
@@ -18974,7 +18974,7 @@
                 </a14:hiddenLine>
               </a:ext>
               <a:ext uri="{AF507438-7753-43e0-B8FC-AC1667EBCBE1}">
-                <a14:hiddenEffects xmlns="" xmlns:a14="http://schemas.microsoft.com/office/drawing/2010/main">
+                <a14:hiddenEffects xmlns:a14="http://schemas.microsoft.com/office/drawing/2010/main" xmlns="">
                   <a:effectLst>
                     <a:outerShdw blurRad="63500" dist="38099" dir="2700000" algn="ctr" rotWithShape="0">
                       <a:schemeClr val="bg2">
@@ -19041,14 +19041,14 @@
             <a:effectLst/>
             <a:extLst>
               <a:ext uri="{909E8E84-426E-40dd-AFC4-6F175D3DCCD1}">
-                <a14:hiddenFill xmlns="" xmlns:a14="http://schemas.microsoft.com/office/drawing/2010/main">
+                <a14:hiddenFill xmlns:a14="http://schemas.microsoft.com/office/drawing/2010/main" xmlns="">
                   <a:solidFill>
                     <a:schemeClr val="bg2"/>
                   </a:solidFill>
                 </a14:hiddenFill>
               </a:ext>
               <a:ext uri="{AF507438-7753-43e0-B8FC-AC1667EBCBE1}">
-                <a14:hiddenEffects xmlns="" xmlns:a14="http://schemas.microsoft.com/office/drawing/2010/main">
+                <a14:hiddenEffects xmlns:a14="http://schemas.microsoft.com/office/drawing/2010/main" xmlns="">
                   <a:effectLst>
                     <a:outerShdw blurRad="63500" dist="38099" dir="2700000" algn="ctr" rotWithShape="0">
                       <a:schemeClr val="bg2">
@@ -19096,14 +19096,14 @@
             <a:effectLst/>
             <a:extLst>
               <a:ext uri="{909E8E84-426E-40dd-AFC4-6F175D3DCCD1}">
-                <a14:hiddenFill xmlns="" xmlns:a14="http://schemas.microsoft.com/office/drawing/2010/main">
+                <a14:hiddenFill xmlns:a14="http://schemas.microsoft.com/office/drawing/2010/main" xmlns="">
                   <a:solidFill>
                     <a:schemeClr val="bg2"/>
                   </a:solidFill>
                 </a14:hiddenFill>
               </a:ext>
               <a:ext uri="{91240B29-F687-4f45-9708-019B960494DF}">
-                <a14:hiddenLine xmlns="" xmlns:a14="http://schemas.microsoft.com/office/drawing/2010/main" w="25400">
+                <a14:hiddenLine xmlns:a14="http://schemas.microsoft.com/office/drawing/2010/main" xmlns="" w="25400">
                   <a:solidFill>
                     <a:schemeClr val="tx1"/>
                   </a:solidFill>
@@ -19113,7 +19113,7 @@
                 </a14:hiddenLine>
               </a:ext>
               <a:ext uri="{AF507438-7753-43e0-B8FC-AC1667EBCBE1}">
-                <a14:hiddenEffects xmlns="" xmlns:a14="http://schemas.microsoft.com/office/drawing/2010/main">
+                <a14:hiddenEffects xmlns:a14="http://schemas.microsoft.com/office/drawing/2010/main" xmlns="">
                   <a:effectLst>
                     <a:outerShdw blurRad="63500" dist="38099" dir="2700000" algn="ctr" rotWithShape="0">
                       <a:schemeClr val="bg2">
@@ -19670,14 +19670,14 @@
           </a:ln>
           <a:extLst>
             <a:ext uri="{909E8E84-426E-40dd-AFC4-6F175D3DCCD1}">
-              <a14:hiddenFill xmlns="" xmlns:a14="http://schemas.microsoft.com/office/drawing/2010/main">
+              <a14:hiddenFill xmlns:a14="http://schemas.microsoft.com/office/drawing/2010/main" xmlns="">
                 <a:solidFill>
                   <a:srgbClr val="FFFFFF"/>
                 </a:solidFill>
               </a14:hiddenFill>
             </a:ext>
             <a:ext uri="{91240B29-F687-4f45-9708-019B960494DF}">
-              <a14:hiddenLine xmlns="" xmlns:a14="http://schemas.microsoft.com/office/drawing/2010/main" w="9525">
+              <a14:hiddenLine xmlns:a14="http://schemas.microsoft.com/office/drawing/2010/main" xmlns="" w="9525">
                 <a:solidFill>
                   <a:srgbClr val="000000"/>
                 </a:solidFill>
@@ -19832,7 +19832,7 @@
             </a:ln>
             <a:extLst>
               <a:ext uri="{909E8E84-426E-40dd-AFC4-6F175D3DCCD1}">
-                <a14:hiddenFill xmlns="" xmlns:a14="http://schemas.microsoft.com/office/drawing/2010/main">
+                <a14:hiddenFill xmlns:a14="http://schemas.microsoft.com/office/drawing/2010/main" xmlns="">
                   <a:noFill/>
                 </a14:hiddenFill>
               </a:ext>
@@ -19868,14 +19868,14 @@
             </a:ln>
             <a:extLst>
               <a:ext uri="{909E8E84-426E-40dd-AFC4-6F175D3DCCD1}">
-                <a14:hiddenFill xmlns="" xmlns:a14="http://schemas.microsoft.com/office/drawing/2010/main">
+                <a14:hiddenFill xmlns:a14="http://schemas.microsoft.com/office/drawing/2010/main" xmlns="">
                   <a:solidFill>
                     <a:srgbClr val="FFFFFF"/>
                   </a:solidFill>
                 </a14:hiddenFill>
               </a:ext>
               <a:ext uri="{91240B29-F687-4f45-9708-019B960494DF}">
-                <a14:hiddenLine xmlns="" xmlns:a14="http://schemas.microsoft.com/office/drawing/2010/main" w="9525">
+                <a14:hiddenLine xmlns:a14="http://schemas.microsoft.com/office/drawing/2010/main" xmlns="" w="9525">
                   <a:solidFill>
                     <a:srgbClr val="000000"/>
                   </a:solidFill>
@@ -20062,7 +20062,7 @@
             </a:ln>
             <a:extLst>
               <a:ext uri="{909E8E84-426E-40dd-AFC4-6F175D3DCCD1}">
-                <a14:hiddenFill xmlns="" xmlns:a14="http://schemas.microsoft.com/office/drawing/2010/main">
+                <a14:hiddenFill xmlns:a14="http://schemas.microsoft.com/office/drawing/2010/main" xmlns="">
                   <a:noFill/>
                 </a14:hiddenFill>
               </a:ext>
@@ -20098,14 +20098,14 @@
             </a:ln>
             <a:extLst>
               <a:ext uri="{909E8E84-426E-40dd-AFC4-6F175D3DCCD1}">
-                <a14:hiddenFill xmlns="" xmlns:a14="http://schemas.microsoft.com/office/drawing/2010/main">
+                <a14:hiddenFill xmlns:a14="http://schemas.microsoft.com/office/drawing/2010/main" xmlns="">
                   <a:solidFill>
                     <a:srgbClr val="FFFFFF"/>
                   </a:solidFill>
                 </a14:hiddenFill>
               </a:ext>
               <a:ext uri="{91240B29-F687-4f45-9708-019B960494DF}">
-                <a14:hiddenLine xmlns="" xmlns:a14="http://schemas.microsoft.com/office/drawing/2010/main" w="9525">
+                <a14:hiddenLine xmlns:a14="http://schemas.microsoft.com/office/drawing/2010/main" xmlns="" w="9525">
                   <a:solidFill>
                     <a:srgbClr val="000000"/>
                   </a:solidFill>
@@ -20176,7 +20176,7 @@
             </a:ln>
             <a:extLst>
               <a:ext uri="{909E8E84-426E-40dd-AFC4-6F175D3DCCD1}">
-                <a14:hiddenFill xmlns="" xmlns:a14="http://schemas.microsoft.com/office/drawing/2010/main">
+                <a14:hiddenFill xmlns:a14="http://schemas.microsoft.com/office/drawing/2010/main" xmlns="">
                   <a:noFill/>
                 </a14:hiddenFill>
               </a:ext>
@@ -20212,14 +20212,14 @@
             </a:ln>
             <a:extLst>
               <a:ext uri="{909E8E84-426E-40dd-AFC4-6F175D3DCCD1}">
-                <a14:hiddenFill xmlns="" xmlns:a14="http://schemas.microsoft.com/office/drawing/2010/main">
+                <a14:hiddenFill xmlns:a14="http://schemas.microsoft.com/office/drawing/2010/main" xmlns="">
                   <a:solidFill>
                     <a:srgbClr val="FFFFFF"/>
                   </a:solidFill>
                 </a14:hiddenFill>
               </a:ext>
               <a:ext uri="{91240B29-F687-4f45-9708-019B960494DF}">
-                <a14:hiddenLine xmlns="" xmlns:a14="http://schemas.microsoft.com/office/drawing/2010/main" w="9525">
+                <a14:hiddenLine xmlns:a14="http://schemas.microsoft.com/office/drawing/2010/main" xmlns="" w="9525">
                   <a:solidFill>
                     <a:srgbClr val="000000"/>
                   </a:solidFill>
@@ -20290,7 +20290,7 @@
             </a:ln>
             <a:extLst>
               <a:ext uri="{909E8E84-426E-40dd-AFC4-6F175D3DCCD1}">
-                <a14:hiddenFill xmlns="" xmlns:a14="http://schemas.microsoft.com/office/drawing/2010/main">
+                <a14:hiddenFill xmlns:a14="http://schemas.microsoft.com/office/drawing/2010/main" xmlns="">
                   <a:noFill/>
                 </a14:hiddenFill>
               </a:ext>
@@ -20326,14 +20326,14 @@
             </a:ln>
             <a:extLst>
               <a:ext uri="{909E8E84-426E-40dd-AFC4-6F175D3DCCD1}">
-                <a14:hiddenFill xmlns="" xmlns:a14="http://schemas.microsoft.com/office/drawing/2010/main">
+                <a14:hiddenFill xmlns:a14="http://schemas.microsoft.com/office/drawing/2010/main" xmlns="">
                   <a:solidFill>
                     <a:srgbClr val="FFFFFF"/>
                   </a:solidFill>
                 </a14:hiddenFill>
               </a:ext>
               <a:ext uri="{91240B29-F687-4f45-9708-019B960494DF}">
-                <a14:hiddenLine xmlns="" xmlns:a14="http://schemas.microsoft.com/office/drawing/2010/main" w="9525">
+                <a14:hiddenLine xmlns:a14="http://schemas.microsoft.com/office/drawing/2010/main" xmlns="" w="9525">
                   <a:solidFill>
                     <a:srgbClr val="000000"/>
                   </a:solidFill>
@@ -20404,7 +20404,7 @@
             </a:ln>
             <a:extLst>
               <a:ext uri="{909E8E84-426E-40dd-AFC4-6F175D3DCCD1}">
-                <a14:hiddenFill xmlns="" xmlns:a14="http://schemas.microsoft.com/office/drawing/2010/main">
+                <a14:hiddenFill xmlns:a14="http://schemas.microsoft.com/office/drawing/2010/main" xmlns="">
                   <a:noFill/>
                 </a14:hiddenFill>
               </a:ext>
@@ -20440,14 +20440,14 @@
             </a:ln>
             <a:extLst>
               <a:ext uri="{909E8E84-426E-40dd-AFC4-6F175D3DCCD1}">
-                <a14:hiddenFill xmlns="" xmlns:a14="http://schemas.microsoft.com/office/drawing/2010/main">
+                <a14:hiddenFill xmlns:a14="http://schemas.microsoft.com/office/drawing/2010/main" xmlns="">
                   <a:solidFill>
                     <a:srgbClr val="FFFFFF"/>
                   </a:solidFill>
                 </a14:hiddenFill>
               </a:ext>
               <a:ext uri="{91240B29-F687-4f45-9708-019B960494DF}">
-                <a14:hiddenLine xmlns="" xmlns:a14="http://schemas.microsoft.com/office/drawing/2010/main" w="9525">
+                <a14:hiddenLine xmlns:a14="http://schemas.microsoft.com/office/drawing/2010/main" xmlns="" w="9525">
                   <a:solidFill>
                     <a:srgbClr val="000000"/>
                   </a:solidFill>
@@ -20518,7 +20518,7 @@
             </a:ln>
             <a:extLst>
               <a:ext uri="{909E8E84-426E-40dd-AFC4-6F175D3DCCD1}">
-                <a14:hiddenFill xmlns="" xmlns:a14="http://schemas.microsoft.com/office/drawing/2010/main">
+                <a14:hiddenFill xmlns:a14="http://schemas.microsoft.com/office/drawing/2010/main" xmlns="">
                   <a:noFill/>
                 </a14:hiddenFill>
               </a:ext>
@@ -20554,14 +20554,14 @@
             </a:ln>
             <a:extLst>
               <a:ext uri="{909E8E84-426E-40dd-AFC4-6F175D3DCCD1}">
-                <a14:hiddenFill xmlns="" xmlns:a14="http://schemas.microsoft.com/office/drawing/2010/main">
+                <a14:hiddenFill xmlns:a14="http://schemas.microsoft.com/office/drawing/2010/main" xmlns="">
                   <a:solidFill>
                     <a:srgbClr val="FFFFFF"/>
                   </a:solidFill>
                 </a14:hiddenFill>
               </a:ext>
               <a:ext uri="{91240B29-F687-4f45-9708-019B960494DF}">
-                <a14:hiddenLine xmlns="" xmlns:a14="http://schemas.microsoft.com/office/drawing/2010/main" w="9525">
+                <a14:hiddenLine xmlns:a14="http://schemas.microsoft.com/office/drawing/2010/main" xmlns="" w="9525">
                   <a:solidFill>
                     <a:srgbClr val="000000"/>
                   </a:solidFill>
@@ -20632,7 +20632,7 @@
             </a:ln>
             <a:extLst>
               <a:ext uri="{909E8E84-426E-40dd-AFC4-6F175D3DCCD1}">
-                <a14:hiddenFill xmlns="" xmlns:a14="http://schemas.microsoft.com/office/drawing/2010/main">
+                <a14:hiddenFill xmlns:a14="http://schemas.microsoft.com/office/drawing/2010/main" xmlns="">
                   <a:noFill/>
                 </a14:hiddenFill>
               </a:ext>
@@ -20673,7 +20673,7 @@
             </a:ln>
             <a:extLst>
               <a:ext uri="{909E8E84-426E-40dd-AFC4-6F175D3DCCD1}">
-                <a14:hiddenFill xmlns="" xmlns:a14="http://schemas.microsoft.com/office/drawing/2010/main">
+                <a14:hiddenFill xmlns:a14="http://schemas.microsoft.com/office/drawing/2010/main" xmlns="">
                   <a:noFill/>
                 </a14:hiddenFill>
               </a:ext>
@@ -20714,7 +20714,7 @@
             </a:ln>
             <a:extLst>
               <a:ext uri="{909E8E84-426E-40dd-AFC4-6F175D3DCCD1}">
-                <a14:hiddenFill xmlns="" xmlns:a14="http://schemas.microsoft.com/office/drawing/2010/main">
+                <a14:hiddenFill xmlns:a14="http://schemas.microsoft.com/office/drawing/2010/main" xmlns="">
                   <a:noFill/>
                 </a14:hiddenFill>
               </a:ext>
@@ -20773,7 +20773,7 @@
             </a:ln>
             <a:extLst>
               <a:ext uri="{909E8E84-426E-40dd-AFC4-6F175D3DCCD1}">
-                <a14:hiddenFill xmlns="" xmlns:a14="http://schemas.microsoft.com/office/drawing/2010/main">
+                <a14:hiddenFill xmlns:a14="http://schemas.microsoft.com/office/drawing/2010/main" xmlns="">
                   <a:noFill/>
                 </a14:hiddenFill>
               </a:ext>
@@ -20815,7 +20815,7 @@
             </a:ln>
             <a:extLst>
               <a:ext uri="{909E8E84-426E-40dd-AFC4-6F175D3DCCD1}">
-                <a14:hiddenFill xmlns="" xmlns:a14="http://schemas.microsoft.com/office/drawing/2010/main">
+                <a14:hiddenFill xmlns:a14="http://schemas.microsoft.com/office/drawing/2010/main" xmlns="">
                   <a:noFill/>
                 </a14:hiddenFill>
               </a:ext>
@@ -20857,7 +20857,7 @@
             </a:ln>
             <a:extLst>
               <a:ext uri="{909E8E84-426E-40dd-AFC4-6F175D3DCCD1}">
-                <a14:hiddenFill xmlns="" xmlns:a14="http://schemas.microsoft.com/office/drawing/2010/main">
+                <a14:hiddenFill xmlns:a14="http://schemas.microsoft.com/office/drawing/2010/main" xmlns="">
                   <a:noFill/>
                 </a14:hiddenFill>
               </a:ext>
@@ -20899,7 +20899,7 @@
             </a:ln>
             <a:extLst>
               <a:ext uri="{909E8E84-426E-40dd-AFC4-6F175D3DCCD1}">
-                <a14:hiddenFill xmlns="" xmlns:a14="http://schemas.microsoft.com/office/drawing/2010/main">
+                <a14:hiddenFill xmlns:a14="http://schemas.microsoft.com/office/drawing/2010/main" xmlns="">
                   <a:noFill/>
                 </a14:hiddenFill>
               </a:ext>
@@ -20941,7 +20941,7 @@
             </a:ln>
             <a:extLst>
               <a:ext uri="{909E8E84-426E-40dd-AFC4-6F175D3DCCD1}">
-                <a14:hiddenFill xmlns="" xmlns:a14="http://schemas.microsoft.com/office/drawing/2010/main">
+                <a14:hiddenFill xmlns:a14="http://schemas.microsoft.com/office/drawing/2010/main" xmlns="">
                   <a:noFill/>
                 </a14:hiddenFill>
               </a:ext>
@@ -20998,7 +20998,7 @@
               </a:ln>
               <a:extLst>
                 <a:ext uri="{909E8E84-426E-40dd-AFC4-6F175D3DCCD1}">
-                  <a14:hiddenFill xmlns="" xmlns:a14="http://schemas.microsoft.com/office/drawing/2010/main">
+                  <a14:hiddenFill xmlns:a14="http://schemas.microsoft.com/office/drawing/2010/main" xmlns="">
                     <a:noFill/>
                   </a14:hiddenFill>
                 </a:ext>
@@ -21039,7 +21039,7 @@
               </a:ln>
               <a:extLst>
                 <a:ext uri="{909E8E84-426E-40dd-AFC4-6F175D3DCCD1}">
-                  <a14:hiddenFill xmlns="" xmlns:a14="http://schemas.microsoft.com/office/drawing/2010/main">
+                  <a14:hiddenFill xmlns:a14="http://schemas.microsoft.com/office/drawing/2010/main" xmlns="">
                     <a:noFill/>
                   </a14:hiddenFill>
                 </a:ext>
@@ -21080,7 +21080,7 @@
               </a:ln>
               <a:extLst>
                 <a:ext uri="{909E8E84-426E-40dd-AFC4-6F175D3DCCD1}">
-                  <a14:hiddenFill xmlns="" xmlns:a14="http://schemas.microsoft.com/office/drawing/2010/main">
+                  <a14:hiddenFill xmlns:a14="http://schemas.microsoft.com/office/drawing/2010/main" xmlns="">
                     <a:noFill/>
                   </a14:hiddenFill>
                 </a:ext>
@@ -21121,7 +21121,7 @@
               </a:ln>
               <a:extLst>
                 <a:ext uri="{909E8E84-426E-40dd-AFC4-6F175D3DCCD1}">
-                  <a14:hiddenFill xmlns="" xmlns:a14="http://schemas.microsoft.com/office/drawing/2010/main">
+                  <a14:hiddenFill xmlns:a14="http://schemas.microsoft.com/office/drawing/2010/main" xmlns="">
                     <a:noFill/>
                   </a14:hiddenFill>
                 </a:ext>
@@ -21162,7 +21162,7 @@
               </a:ln>
               <a:extLst>
                 <a:ext uri="{909E8E84-426E-40dd-AFC4-6F175D3DCCD1}">
-                  <a14:hiddenFill xmlns="" xmlns:a14="http://schemas.microsoft.com/office/drawing/2010/main">
+                  <a14:hiddenFill xmlns:a14="http://schemas.microsoft.com/office/drawing/2010/main" xmlns="">
                     <a:noFill/>
                   </a14:hiddenFill>
                 </a:ext>
@@ -21203,7 +21203,7 @@
               </a:ln>
               <a:extLst>
                 <a:ext uri="{909E8E84-426E-40dd-AFC4-6F175D3DCCD1}">
-                  <a14:hiddenFill xmlns="" xmlns:a14="http://schemas.microsoft.com/office/drawing/2010/main">
+                  <a14:hiddenFill xmlns:a14="http://schemas.microsoft.com/office/drawing/2010/main" xmlns="">
                     <a:noFill/>
                   </a14:hiddenFill>
                 </a:ext>
@@ -21260,7 +21260,7 @@
                 </a:ln>
                 <a:extLst>
                   <a:ext uri="{909E8E84-426E-40dd-AFC4-6F175D3DCCD1}">
-                    <a14:hiddenFill xmlns="" xmlns:a14="http://schemas.microsoft.com/office/drawing/2010/main">
+                    <a14:hiddenFill xmlns:a14="http://schemas.microsoft.com/office/drawing/2010/main" xmlns="">
                       <a:noFill/>
                     </a14:hiddenFill>
                   </a:ext>
@@ -21301,7 +21301,7 @@
                 </a:ln>
                 <a:extLst>
                   <a:ext uri="{909E8E84-426E-40dd-AFC4-6F175D3DCCD1}">
-                    <a14:hiddenFill xmlns="" xmlns:a14="http://schemas.microsoft.com/office/drawing/2010/main">
+                    <a14:hiddenFill xmlns:a14="http://schemas.microsoft.com/office/drawing/2010/main" xmlns="">
                       <a:noFill/>
                     </a14:hiddenFill>
                   </a:ext>
@@ -21342,7 +21342,7 @@
                 </a:ln>
                 <a:extLst>
                   <a:ext uri="{909E8E84-426E-40dd-AFC4-6F175D3DCCD1}">
-                    <a14:hiddenFill xmlns="" xmlns:a14="http://schemas.microsoft.com/office/drawing/2010/main">
+                    <a14:hiddenFill xmlns:a14="http://schemas.microsoft.com/office/drawing/2010/main" xmlns="">
                       <a:noFill/>
                     </a14:hiddenFill>
                   </a:ext>
@@ -21382,7 +21382,7 @@
             </a:ln>
             <a:extLst>
               <a:ext uri="{91240B29-F687-4f45-9708-019B960494DF}">
-                <a14:hiddenLine xmlns="" xmlns:a14="http://schemas.microsoft.com/office/drawing/2010/main" w="9525">
+                <a14:hiddenLine xmlns:a14="http://schemas.microsoft.com/office/drawing/2010/main" xmlns="" w="9525">
                   <a:solidFill>
                     <a:srgbClr val="000000"/>
                   </a:solidFill>
@@ -21425,7 +21425,7 @@
             </a:ln>
             <a:extLst>
               <a:ext uri="{91240B29-F687-4f45-9708-019B960494DF}">
-                <a14:hiddenLine xmlns="" xmlns:a14="http://schemas.microsoft.com/office/drawing/2010/main" w="9525">
+                <a14:hiddenLine xmlns:a14="http://schemas.microsoft.com/office/drawing/2010/main" xmlns="" w="9525">
                   <a:solidFill>
                     <a:srgbClr val="000000"/>
                   </a:solidFill>
@@ -21472,14 +21472,14 @@
           <a:effectLst/>
           <a:extLst>
             <a:ext uri="{909E8E84-426E-40dd-AFC4-6F175D3DCCD1}">
-              <a14:hiddenFill xmlns="" xmlns:a14="http://schemas.microsoft.com/office/drawing/2010/main">
+              <a14:hiddenFill xmlns:a14="http://schemas.microsoft.com/office/drawing/2010/main" xmlns="">
                 <a:solidFill>
                   <a:schemeClr val="bg2"/>
                 </a:solidFill>
               </a14:hiddenFill>
             </a:ext>
             <a:ext uri="{91240B29-F687-4f45-9708-019B960494DF}">
-              <a14:hiddenLine xmlns="" xmlns:a14="http://schemas.microsoft.com/office/drawing/2010/main" w="25400">
+              <a14:hiddenLine xmlns:a14="http://schemas.microsoft.com/office/drawing/2010/main" xmlns="" w="25400">
                 <a:solidFill>
                   <a:schemeClr val="tx1"/>
                 </a:solidFill>
@@ -21489,7 +21489,7 @@
               </a14:hiddenLine>
             </a:ext>
             <a:ext uri="{AF507438-7753-43e0-B8FC-AC1667EBCBE1}">
-              <a14:hiddenEffects xmlns="" xmlns:a14="http://schemas.microsoft.com/office/drawing/2010/main">
+              <a14:hiddenEffects xmlns:a14="http://schemas.microsoft.com/office/drawing/2010/main" xmlns="">
                 <a:effectLst>
                   <a:outerShdw blurRad="63500" dist="38099" dir="2700000" algn="ctr" rotWithShape="0">
                     <a:schemeClr val="bg2">
@@ -21544,14 +21544,14 @@
           <a:effectLst/>
           <a:extLst>
             <a:ext uri="{909E8E84-426E-40dd-AFC4-6F175D3DCCD1}">
-              <a14:hiddenFill xmlns="" xmlns:a14="http://schemas.microsoft.com/office/drawing/2010/main">
+              <a14:hiddenFill xmlns:a14="http://schemas.microsoft.com/office/drawing/2010/main" xmlns="">
                 <a:solidFill>
                   <a:schemeClr val="bg2"/>
                 </a:solidFill>
               </a14:hiddenFill>
             </a:ext>
             <a:ext uri="{91240B29-F687-4f45-9708-019B960494DF}">
-              <a14:hiddenLine xmlns="" xmlns:a14="http://schemas.microsoft.com/office/drawing/2010/main" w="25400">
+              <a14:hiddenLine xmlns:a14="http://schemas.microsoft.com/office/drawing/2010/main" xmlns="" w="25400">
                 <a:solidFill>
                   <a:schemeClr val="tx1"/>
                 </a:solidFill>
@@ -21561,7 +21561,7 @@
               </a14:hiddenLine>
             </a:ext>
             <a:ext uri="{AF507438-7753-43e0-B8FC-AC1667EBCBE1}">
-              <a14:hiddenEffects xmlns="" xmlns:a14="http://schemas.microsoft.com/office/drawing/2010/main">
+              <a14:hiddenEffects xmlns:a14="http://schemas.microsoft.com/office/drawing/2010/main" xmlns="">
                 <a:effectLst>
                   <a:outerShdw blurRad="63500" dist="38099" dir="2700000" algn="ctr" rotWithShape="0">
                     <a:schemeClr val="bg2">
@@ -22895,7 +22895,7 @@
           </a:ln>
           <a:extLst>
             <a:ext uri="{909E8E84-426E-40dd-AFC4-6F175D3DCCD1}">
-              <a14:hiddenFill xmlns="" xmlns:a14="http://schemas.microsoft.com/office/drawing/2010/main">
+              <a14:hiddenFill xmlns:a14="http://schemas.microsoft.com/office/drawing/2010/main" xmlns="">
                 <a:noFill/>
               </a14:hiddenFill>
             </a:ext>
@@ -22936,7 +22936,7 @@
           </a:ln>
           <a:extLst>
             <a:ext uri="{909E8E84-426E-40dd-AFC4-6F175D3DCCD1}">
-              <a14:hiddenFill xmlns="" xmlns:a14="http://schemas.microsoft.com/office/drawing/2010/main">
+              <a14:hiddenFill xmlns:a14="http://schemas.microsoft.com/office/drawing/2010/main" xmlns="">
                 <a:noFill/>
               </a14:hiddenFill>
             </a:ext>
@@ -22972,14 +22972,14 @@
           </a:ln>
           <a:extLst>
             <a:ext uri="{909E8E84-426E-40dd-AFC4-6F175D3DCCD1}">
-              <a14:hiddenFill xmlns="" xmlns:a14="http://schemas.microsoft.com/office/drawing/2010/main">
+              <a14:hiddenFill xmlns:a14="http://schemas.microsoft.com/office/drawing/2010/main" xmlns="">
                 <a:solidFill>
                   <a:srgbClr val="FFFFFF"/>
                 </a:solidFill>
               </a14:hiddenFill>
             </a:ext>
             <a:ext uri="{91240B29-F687-4f45-9708-019B960494DF}">
-              <a14:hiddenLine xmlns="" xmlns:a14="http://schemas.microsoft.com/office/drawing/2010/main" w="25400">
+              <a14:hiddenLine xmlns:a14="http://schemas.microsoft.com/office/drawing/2010/main" xmlns="" w="25400">
                 <a:solidFill>
                   <a:srgbClr val="000000"/>
                 </a:solidFill>
@@ -23146,14 +23146,14 @@
           </a:ln>
           <a:extLst>
             <a:ext uri="{909E8E84-426E-40dd-AFC4-6F175D3DCCD1}">
-              <a14:hiddenFill xmlns="" xmlns:a14="http://schemas.microsoft.com/office/drawing/2010/main">
+              <a14:hiddenFill xmlns:a14="http://schemas.microsoft.com/office/drawing/2010/main" xmlns="">
                 <a:solidFill>
                   <a:srgbClr val="FFFFFF"/>
                 </a:solidFill>
               </a14:hiddenFill>
             </a:ext>
             <a:ext uri="{91240B29-F687-4f45-9708-019B960494DF}">
-              <a14:hiddenLine xmlns="" xmlns:a14="http://schemas.microsoft.com/office/drawing/2010/main" w="25400">
+              <a14:hiddenLine xmlns:a14="http://schemas.microsoft.com/office/drawing/2010/main" xmlns="" w="25400">
                 <a:solidFill>
                   <a:srgbClr val="000000"/>
                 </a:solidFill>
@@ -23325,7 +23325,7 @@
           </a:ln>
           <a:extLst>
             <a:ext uri="{909E8E84-426E-40dd-AFC4-6F175D3DCCD1}">
-              <a14:hiddenFill xmlns="" xmlns:a14="http://schemas.microsoft.com/office/drawing/2010/main">
+              <a14:hiddenFill xmlns:a14="http://schemas.microsoft.com/office/drawing/2010/main" xmlns="">
                 <a:noFill/>
               </a14:hiddenFill>
             </a:ext>
@@ -23361,14 +23361,14 @@
           </a:ln>
           <a:extLst>
             <a:ext uri="{909E8E84-426E-40dd-AFC4-6F175D3DCCD1}">
-              <a14:hiddenFill xmlns="" xmlns:a14="http://schemas.microsoft.com/office/drawing/2010/main">
+              <a14:hiddenFill xmlns:a14="http://schemas.microsoft.com/office/drawing/2010/main" xmlns="">
                 <a:solidFill>
                   <a:srgbClr val="FFFFFF"/>
                 </a:solidFill>
               </a14:hiddenFill>
             </a:ext>
             <a:ext uri="{91240B29-F687-4f45-9708-019B960494DF}">
-              <a14:hiddenLine xmlns="" xmlns:a14="http://schemas.microsoft.com/office/drawing/2010/main" w="25400">
+              <a14:hiddenLine xmlns:a14="http://schemas.microsoft.com/office/drawing/2010/main" xmlns="" w="25400">
                 <a:solidFill>
                   <a:srgbClr val="000000"/>
                 </a:solidFill>
@@ -23537,7 +23537,7 @@
           </a:ln>
           <a:extLst>
             <a:ext uri="{909E8E84-426E-40dd-AFC4-6F175D3DCCD1}">
-              <a14:hiddenFill xmlns="" xmlns:a14="http://schemas.microsoft.com/office/drawing/2010/main">
+              <a14:hiddenFill xmlns:a14="http://schemas.microsoft.com/office/drawing/2010/main" xmlns="">
                 <a:noFill/>
               </a14:hiddenFill>
             </a:ext>
@@ -23573,14 +23573,14 @@
           </a:ln>
           <a:extLst>
             <a:ext uri="{909E8E84-426E-40dd-AFC4-6F175D3DCCD1}">
-              <a14:hiddenFill xmlns="" xmlns:a14="http://schemas.microsoft.com/office/drawing/2010/main">
+              <a14:hiddenFill xmlns:a14="http://schemas.microsoft.com/office/drawing/2010/main" xmlns="">
                 <a:solidFill>
                   <a:srgbClr val="FFFFFF"/>
                 </a:solidFill>
               </a14:hiddenFill>
             </a:ext>
             <a:ext uri="{91240B29-F687-4f45-9708-019B960494DF}">
-              <a14:hiddenLine xmlns="" xmlns:a14="http://schemas.microsoft.com/office/drawing/2010/main" w="25400">
+              <a14:hiddenLine xmlns:a14="http://schemas.microsoft.com/office/drawing/2010/main" xmlns="" w="25400">
                 <a:solidFill>
                   <a:srgbClr val="000000"/>
                 </a:solidFill>
@@ -23749,7 +23749,7 @@
           </a:ln>
           <a:extLst>
             <a:ext uri="{909E8E84-426E-40dd-AFC4-6F175D3DCCD1}">
-              <a14:hiddenFill xmlns="" xmlns:a14="http://schemas.microsoft.com/office/drawing/2010/main">
+              <a14:hiddenFill xmlns:a14="http://schemas.microsoft.com/office/drawing/2010/main" xmlns="">
                 <a:noFill/>
               </a14:hiddenFill>
             </a:ext>
@@ -23785,14 +23785,14 @@
           </a:ln>
           <a:extLst>
             <a:ext uri="{909E8E84-426E-40dd-AFC4-6F175D3DCCD1}">
-              <a14:hiddenFill xmlns="" xmlns:a14="http://schemas.microsoft.com/office/drawing/2010/main">
+              <a14:hiddenFill xmlns:a14="http://schemas.microsoft.com/office/drawing/2010/main" xmlns="">
                 <a:solidFill>
                   <a:srgbClr val="FFFFFF"/>
                 </a:solidFill>
               </a14:hiddenFill>
             </a:ext>
             <a:ext uri="{91240B29-F687-4f45-9708-019B960494DF}">
-              <a14:hiddenLine xmlns="" xmlns:a14="http://schemas.microsoft.com/office/drawing/2010/main" w="25400">
+              <a14:hiddenLine xmlns:a14="http://schemas.microsoft.com/office/drawing/2010/main" xmlns="" w="25400">
                 <a:solidFill>
                   <a:srgbClr val="000000"/>
                 </a:solidFill>
@@ -23961,7 +23961,7 @@
           </a:ln>
           <a:extLst>
             <a:ext uri="{909E8E84-426E-40dd-AFC4-6F175D3DCCD1}">
-              <a14:hiddenFill xmlns="" xmlns:a14="http://schemas.microsoft.com/office/drawing/2010/main">
+              <a14:hiddenFill xmlns:a14="http://schemas.microsoft.com/office/drawing/2010/main" xmlns="">
                 <a:noFill/>
               </a14:hiddenFill>
             </a:ext>
@@ -23997,14 +23997,14 @@
           </a:ln>
           <a:extLst>
             <a:ext uri="{909E8E84-426E-40dd-AFC4-6F175D3DCCD1}">
-              <a14:hiddenFill xmlns="" xmlns:a14="http://schemas.microsoft.com/office/drawing/2010/main">
+              <a14:hiddenFill xmlns:a14="http://schemas.microsoft.com/office/drawing/2010/main" xmlns="">
                 <a:solidFill>
                   <a:srgbClr val="FFFFFF"/>
                 </a:solidFill>
               </a14:hiddenFill>
             </a:ext>
             <a:ext uri="{91240B29-F687-4f45-9708-019B960494DF}">
-              <a14:hiddenLine xmlns="" xmlns:a14="http://schemas.microsoft.com/office/drawing/2010/main" w="25400">
+              <a14:hiddenLine xmlns:a14="http://schemas.microsoft.com/office/drawing/2010/main" xmlns="" w="25400">
                 <a:solidFill>
                   <a:srgbClr val="000000"/>
                 </a:solidFill>
@@ -24173,7 +24173,7 @@
           </a:ln>
           <a:extLst>
             <a:ext uri="{909E8E84-426E-40dd-AFC4-6F175D3DCCD1}">
-              <a14:hiddenFill xmlns="" xmlns:a14="http://schemas.microsoft.com/office/drawing/2010/main">
+              <a14:hiddenFill xmlns:a14="http://schemas.microsoft.com/office/drawing/2010/main" xmlns="">
                 <a:noFill/>
               </a14:hiddenFill>
             </a:ext>
@@ -24209,14 +24209,14 @@
           </a:ln>
           <a:extLst>
             <a:ext uri="{909E8E84-426E-40dd-AFC4-6F175D3DCCD1}">
-              <a14:hiddenFill xmlns="" xmlns:a14="http://schemas.microsoft.com/office/drawing/2010/main">
+              <a14:hiddenFill xmlns:a14="http://schemas.microsoft.com/office/drawing/2010/main" xmlns="">
                 <a:solidFill>
                   <a:srgbClr val="FFFFFF"/>
                 </a:solidFill>
               </a14:hiddenFill>
             </a:ext>
             <a:ext uri="{91240B29-F687-4f45-9708-019B960494DF}">
-              <a14:hiddenLine xmlns="" xmlns:a14="http://schemas.microsoft.com/office/drawing/2010/main" w="25400">
+              <a14:hiddenLine xmlns:a14="http://schemas.microsoft.com/office/drawing/2010/main" xmlns="" w="25400">
                 <a:solidFill>
                   <a:srgbClr val="000000"/>
                 </a:solidFill>
@@ -24385,7 +24385,7 @@
           </a:ln>
           <a:extLst>
             <a:ext uri="{909E8E84-426E-40dd-AFC4-6F175D3DCCD1}">
-              <a14:hiddenFill xmlns="" xmlns:a14="http://schemas.microsoft.com/office/drawing/2010/main">
+              <a14:hiddenFill xmlns:a14="http://schemas.microsoft.com/office/drawing/2010/main" xmlns="">
                 <a:noFill/>
               </a14:hiddenFill>
             </a:ext>
@@ -24421,14 +24421,14 @@
           </a:ln>
           <a:extLst>
             <a:ext uri="{909E8E84-426E-40dd-AFC4-6F175D3DCCD1}">
-              <a14:hiddenFill xmlns="" xmlns:a14="http://schemas.microsoft.com/office/drawing/2010/main">
+              <a14:hiddenFill xmlns:a14="http://schemas.microsoft.com/office/drawing/2010/main" xmlns="">
                 <a:solidFill>
                   <a:srgbClr val="FFFFFF"/>
                 </a:solidFill>
               </a14:hiddenFill>
             </a:ext>
             <a:ext uri="{91240B29-F687-4f45-9708-019B960494DF}">
-              <a14:hiddenLine xmlns="" xmlns:a14="http://schemas.microsoft.com/office/drawing/2010/main" w="25400">
+              <a14:hiddenLine xmlns:a14="http://schemas.microsoft.com/office/drawing/2010/main" xmlns="" w="25400">
                 <a:solidFill>
                   <a:srgbClr val="000000"/>
                 </a:solidFill>

--- a/slides/lec04_web.pptx
+++ b/slides/lec04_web.pptx
@@ -5,7 +5,7 @@
     <p:sldMasterId id="2147483660" r:id="rId1"/>
   </p:sldMasterIdLst>
   <p:notesMasterIdLst>
-    <p:notesMasterId r:id="rId34"/>
+    <p:notesMasterId r:id="rId35"/>
   </p:notesMasterIdLst>
   <p:sldIdLst>
     <p:sldId id="256" r:id="rId2"/>
@@ -32,14 +32,15 @@
     <p:sldId id="519" r:id="rId23"/>
     <p:sldId id="520" r:id="rId24"/>
     <p:sldId id="521" r:id="rId25"/>
-    <p:sldId id="522" r:id="rId26"/>
-    <p:sldId id="523" r:id="rId27"/>
+    <p:sldId id="523" r:id="rId26"/>
+    <p:sldId id="522" r:id="rId27"/>
     <p:sldId id="524" r:id="rId28"/>
     <p:sldId id="525" r:id="rId29"/>
     <p:sldId id="526" r:id="rId30"/>
     <p:sldId id="527" r:id="rId31"/>
-    <p:sldId id="536" r:id="rId32"/>
-    <p:sldId id="460" r:id="rId33"/>
+    <p:sldId id="579" r:id="rId32"/>
+    <p:sldId id="536" r:id="rId33"/>
+    <p:sldId id="460" r:id="rId34"/>
   </p:sldIdLst>
   <p:sldSz cx="9144000" cy="6858000" type="screen4x3"/>
   <p:notesSz cx="6858000" cy="9144000"/>
@@ -242,7 +243,7 @@
           <a:p>
             <a:fld id="{26C21ED3-A5B8-0F43-BEC8-3BB1C1D7A737}" type="datetimeFigureOut">
               <a:rPr lang="en-US" smtClean="0"/>
-              <a:t>3/7/19</a:t>
+              <a:t>9/10/20</a:t>
             </a:fld>
             <a:endParaRPr lang="en-US"/>
           </a:p>
@@ -306,38 +307,37 @@
           <a:p>
             <a:pPr lvl="0"/>
             <a:r>
-              <a:rPr lang="en-US" smtClean="0"/>
+              <a:rPr lang="en-US"/>
               <a:t>Click to edit Master text styles</a:t>
             </a:r>
           </a:p>
           <a:p>
             <a:pPr lvl="1"/>
             <a:r>
-              <a:rPr lang="en-US" smtClean="0"/>
+              <a:rPr lang="en-US"/>
               <a:t>Second level</a:t>
             </a:r>
           </a:p>
           <a:p>
             <a:pPr lvl="2"/>
             <a:r>
-              <a:rPr lang="en-US" smtClean="0"/>
+              <a:rPr lang="en-US"/>
               <a:t>Third level</a:t>
             </a:r>
           </a:p>
           <a:p>
             <a:pPr lvl="3"/>
             <a:r>
-              <a:rPr lang="en-US" smtClean="0"/>
+              <a:rPr lang="en-US"/>
               <a:t>Fourth level</a:t>
             </a:r>
           </a:p>
           <a:p>
             <a:pPr lvl="4"/>
             <a:r>
-              <a:rPr lang="en-US" smtClean="0"/>
+              <a:rPr lang="en-US"/>
               <a:t>Fifth level</a:t>
             </a:r>
-            <a:endParaRPr lang="en-US"/>
           </a:p>
         </p:txBody>
       </p:sp>
@@ -555,19 +555,19 @@
           <a:lstStyle/>
           <a:p>
             <a:r>
-              <a:rPr lang="en-US" dirty="0" smtClean="0"/>
+              <a:rPr lang="en-US" dirty="0"/>
               <a:t>Slides</a:t>
             </a:r>
             <a:r>
-              <a:rPr lang="en-US" baseline="0" dirty="0" smtClean="0"/>
+              <a:rPr lang="en-US" baseline="0" dirty="0"/>
               <a:t> a</a:t>
             </a:r>
             <a:r>
-              <a:rPr lang="en-US" dirty="0" smtClean="0"/>
+              <a:rPr lang="en-US" dirty="0"/>
               <a:t>dapted from similar courses at Princeton,</a:t>
             </a:r>
             <a:r>
-              <a:rPr lang="en-US" baseline="0" dirty="0" smtClean="0"/>
+              <a:rPr lang="en-US" baseline="0" dirty="0"/>
               <a:t> Stanford, UC Berkeley, University of Michigan, etc.</a:t>
             </a:r>
             <a:endParaRPr lang="en-US" dirty="0"/>
@@ -656,7 +656,7 @@
           <a:ln/>
           <a:extLst>
             <a:ext uri="{FAA26D3D-D897-4be2-8F04-BA451C77F1D7}">
-              <ma14:placeholderFlag xmlns:ma14="http://schemas.microsoft.com/office/mac/drawingml/2011/main" val="1"/>
+              <ma14:placeholderFlag xmlns="" xmlns:ma14="http://schemas.microsoft.com/office/mac/drawingml/2011/main" val="1"/>
             </a:ext>
             <a:ext uri="{909E8E84-426E-40dd-AFC4-6F175D3DCCD1}">
               <a14:hiddenFill xmlns:a14="http://schemas.microsoft.com/office/drawing/2010/main" xmlns="">
@@ -1067,7 +1067,7 @@
           <a:ln/>
           <a:extLst>
             <a:ext uri="{FAA26D3D-D897-4be2-8F04-BA451C77F1D7}">
-              <ma14:placeholderFlag xmlns:ma14="http://schemas.microsoft.com/office/mac/drawingml/2011/main" val="1"/>
+              <ma14:placeholderFlag xmlns="" xmlns:ma14="http://schemas.microsoft.com/office/mac/drawingml/2011/main" val="1"/>
             </a:ext>
             <a:ext uri="{909E8E84-426E-40dd-AFC4-6F175D3DCCD1}">
               <a14:hiddenFill xmlns:a14="http://schemas.microsoft.com/office/drawing/2010/main" xmlns="">
@@ -1158,7 +1158,7 @@
           <a:ln/>
           <a:extLst>
             <a:ext uri="{FAA26D3D-D897-4be2-8F04-BA451C77F1D7}">
-              <ma14:placeholderFlag xmlns:ma14="http://schemas.microsoft.com/office/mac/drawingml/2011/main" val="1"/>
+              <ma14:placeholderFlag xmlns="" xmlns:ma14="http://schemas.microsoft.com/office/mac/drawingml/2011/main" val="1"/>
             </a:ext>
             <a:ext uri="{909E8E84-426E-40dd-AFC4-6F175D3DCCD1}">
               <a14:hiddenFill xmlns:a14="http://schemas.microsoft.com/office/drawing/2010/main" xmlns="">
@@ -1433,7 +1433,7 @@
           <a:ln/>
           <a:extLst>
             <a:ext uri="{FAA26D3D-D897-4be2-8F04-BA451C77F1D7}">
-              <ma14:placeholderFlag xmlns:ma14="http://schemas.microsoft.com/office/mac/drawingml/2011/main" val="1"/>
+              <ma14:placeholderFlag xmlns="" xmlns:ma14="http://schemas.microsoft.com/office/mac/drawingml/2011/main" val="1"/>
             </a:ext>
             <a:ext uri="{909E8E84-426E-40dd-AFC4-6F175D3DCCD1}">
               <a14:hiddenFill xmlns:a14="http://schemas.microsoft.com/office/drawing/2010/main" xmlns="">
@@ -1459,30 +1459,26 @@
           <a:lstStyle/>
           <a:p>
             <a:r>
-              <a:rPr lang="en-US" dirty="0" smtClean="0">
+              <a:rPr lang="en-US" dirty="0">
                 <a:ea typeface="ＭＳ Ｐゴシック" charset="0"/>
                 <a:cs typeface="ＭＳ Ｐゴシック" charset="0"/>
               </a:rPr>
               <a:t>https://</a:t>
             </a:r>
             <a:r>
-              <a:rPr lang="en-US" dirty="0" err="1" smtClean="0">
+              <a:rPr lang="en-US" dirty="0" err="1">
                 <a:ea typeface="ＭＳ Ｐゴシック" charset="0"/>
                 <a:cs typeface="ＭＳ Ｐゴシック" charset="0"/>
               </a:rPr>
               <a:t>hpbn.co</a:t>
             </a:r>
             <a:r>
-              <a:rPr lang="en-US" dirty="0" smtClean="0">
+              <a:rPr lang="en-US" dirty="0">
                 <a:ea typeface="ＭＳ Ｐゴシック" charset="0"/>
                 <a:cs typeface="ＭＳ Ｐゴシック" charset="0"/>
               </a:rPr>
               <a:t>/brief-history-of-http/</a:t>
             </a:r>
-            <a:endParaRPr lang="en-US" dirty="0">
-              <a:ea typeface="ＭＳ Ｐゴシック" charset="0"/>
-              <a:cs typeface="ＭＳ Ｐゴシック" charset="0"/>
-            </a:endParaRPr>
           </a:p>
         </p:txBody>
       </p:sp>
@@ -1553,7 +1549,7 @@
           <a:ln/>
           <a:extLst>
             <a:ext uri="{FAA26D3D-D897-4be2-8F04-BA451C77F1D7}">
-              <ma14:placeholderFlag xmlns:ma14="http://schemas.microsoft.com/office/mac/drawingml/2011/main" val="1"/>
+              <ma14:placeholderFlag xmlns="" xmlns:ma14="http://schemas.microsoft.com/office/mac/drawingml/2011/main" val="1"/>
             </a:ext>
             <a:ext uri="{909E8E84-426E-40dd-AFC4-6F175D3DCCD1}">
               <a14:hiddenFill xmlns:a14="http://schemas.microsoft.com/office/drawing/2010/main" xmlns="">
@@ -1579,77 +1575,77 @@
           <a:lstStyle/>
           <a:p>
             <a:r>
-              <a:rPr lang="en-US" altLang="zh-CN" dirty="0" smtClean="0">
+              <a:rPr lang="en-US" altLang="zh-CN" dirty="0">
                 <a:ea typeface="ＭＳ Ｐゴシック" charset="0"/>
                 <a:cs typeface="ＭＳ Ｐゴシック" charset="0"/>
               </a:rPr>
               <a:t>1.1:</a:t>
             </a:r>
             <a:r>
-              <a:rPr lang="zh-CN" altLang="en-US" dirty="0" smtClean="0">
+              <a:rPr lang="zh-CN" altLang="en-US" dirty="0">
                 <a:ea typeface="ＭＳ Ｐゴシック" charset="0"/>
                 <a:cs typeface="ＭＳ Ｐゴシック" charset="0"/>
               </a:rPr>
               <a:t> </a:t>
             </a:r>
             <a:r>
-              <a:rPr lang="en-US" altLang="zh-CN" dirty="0" smtClean="0">
+              <a:rPr lang="en-US" altLang="zh-CN" dirty="0">
                 <a:ea typeface="ＭＳ Ｐゴシック" charset="0"/>
                 <a:cs typeface="ＭＳ Ｐゴシック" charset="0"/>
               </a:rPr>
               <a:t>persistent</a:t>
             </a:r>
             <a:r>
-              <a:rPr lang="zh-CN" altLang="en-US" dirty="0" smtClean="0">
+              <a:rPr lang="zh-CN" altLang="en-US" dirty="0">
                 <a:ea typeface="ＭＳ Ｐゴシック" charset="0"/>
                 <a:cs typeface="ＭＳ Ｐゴシック" charset="0"/>
               </a:rPr>
               <a:t> </a:t>
             </a:r>
             <a:r>
-              <a:rPr lang="en-US" altLang="zh-CN" dirty="0" smtClean="0">
+              <a:rPr lang="en-US" altLang="zh-CN" dirty="0">
                 <a:ea typeface="ＭＳ Ｐゴシック" charset="0"/>
                 <a:cs typeface="ＭＳ Ｐゴシック" charset="0"/>
               </a:rPr>
               <a:t>connection,</a:t>
             </a:r>
             <a:r>
-              <a:rPr lang="zh-CN" altLang="en-US" dirty="0" smtClean="0">
+              <a:rPr lang="zh-CN" altLang="en-US" dirty="0">
                 <a:ea typeface="ＭＳ Ｐゴシック" charset="0"/>
                 <a:cs typeface="ＭＳ Ｐゴシック" charset="0"/>
               </a:rPr>
               <a:t> </a:t>
             </a:r>
             <a:r>
-              <a:rPr lang="en-US" altLang="zh-CN" dirty="0" smtClean="0">
+              <a:rPr lang="en-US" altLang="zh-CN" dirty="0">
                 <a:ea typeface="ＭＳ Ｐゴシック" charset="0"/>
                 <a:cs typeface="ＭＳ Ｐゴシック" charset="0"/>
               </a:rPr>
               <a:t>one</a:t>
             </a:r>
             <a:r>
-              <a:rPr lang="zh-CN" altLang="en-US" dirty="0" smtClean="0">
+              <a:rPr lang="zh-CN" altLang="en-US" dirty="0">
                 <a:ea typeface="ＭＳ Ｐゴシック" charset="0"/>
                 <a:cs typeface="ＭＳ Ｐゴシック" charset="0"/>
               </a:rPr>
               <a:t> </a:t>
             </a:r>
             <a:r>
-              <a:rPr lang="en-US" altLang="zh-CN" dirty="0" smtClean="0">
+              <a:rPr lang="en-US" altLang="zh-CN" dirty="0">
                 <a:ea typeface="ＭＳ Ｐゴシック" charset="0"/>
                 <a:cs typeface="ＭＳ Ｐゴシック" charset="0"/>
               </a:rPr>
               <a:t>by</a:t>
             </a:r>
             <a:r>
-              <a:rPr lang="zh-CN" altLang="en-US" baseline="0" dirty="0" smtClean="0">
+              <a:rPr lang="zh-CN" altLang="en-US" baseline="0" dirty="0">
                 <a:ea typeface="ＭＳ Ｐゴシック" charset="0"/>
                 <a:cs typeface="ＭＳ Ｐゴシック" charset="0"/>
               </a:rPr>
               <a:t> </a:t>
             </a:r>
             <a:r>
-              <a:rPr lang="en-US" altLang="zh-CN" baseline="0" dirty="0" smtClean="0">
+              <a:rPr lang="en-US" altLang="zh-CN" baseline="0" dirty="0">
                 <a:ea typeface="ＭＳ Ｐゴシック" charset="0"/>
                 <a:cs typeface="ＭＳ Ｐゴシック" charset="0"/>
               </a:rPr>
@@ -1658,21 +1654,21 @@
           </a:p>
           <a:p>
             <a:r>
-              <a:rPr lang="en-US" altLang="zh-CN" baseline="0" dirty="0" smtClean="0">
+              <a:rPr lang="en-US" altLang="zh-CN" baseline="0" dirty="0">
                 <a:ea typeface="ＭＳ Ｐゴシック" charset="0"/>
                 <a:cs typeface="ＭＳ Ｐゴシック" charset="0"/>
               </a:rPr>
               <a:t>2:</a:t>
             </a:r>
             <a:r>
-              <a:rPr lang="zh-CN" altLang="en-US" baseline="0" dirty="0" smtClean="0">
+              <a:rPr lang="zh-CN" altLang="en-US" baseline="0" dirty="0">
                 <a:ea typeface="ＭＳ Ｐゴシック" charset="0"/>
                 <a:cs typeface="ＭＳ Ｐゴシック" charset="0"/>
               </a:rPr>
               <a:t> </a:t>
             </a:r>
             <a:r>
-              <a:rPr lang="en-US" altLang="zh-CN" baseline="0" dirty="0" smtClean="0">
+              <a:rPr lang="en-US" altLang="zh-CN" baseline="0" dirty="0">
                 <a:ea typeface="ＭＳ Ｐゴシック" charset="0"/>
                 <a:cs typeface="ＭＳ Ｐゴシック" charset="0"/>
               </a:rPr>
@@ -1744,7 +1740,7 @@
           <a:ln/>
           <a:extLst>
             <a:ext uri="{FAA26D3D-D897-4be2-8F04-BA451C77F1D7}">
-              <ma14:placeholderFlag xmlns:ma14="http://schemas.microsoft.com/office/mac/drawingml/2011/main" val="1"/>
+              <ma14:placeholderFlag xmlns="" xmlns:ma14="http://schemas.microsoft.com/office/mac/drawingml/2011/main" val="1"/>
             </a:ext>
             <a:ext uri="{909E8E84-426E-40dd-AFC4-6F175D3DCCD1}">
               <a14:hiddenFill xmlns:a14="http://schemas.microsoft.com/office/drawing/2010/main" xmlns="">
@@ -1851,10 +1847,9 @@
               <a:defRPr/>
             </a:pPr>
             <a:r>
-              <a:rPr lang="en-US" dirty="0" smtClean="0"/>
+              <a:rPr lang="en-US" dirty="0"/>
               <a:t>Real Time Streaming Protocol (RTSP) </a:t>
             </a:r>
-            <a:endParaRPr lang="en-US" dirty="0"/>
           </a:p>
         </p:txBody>
       </p:sp>
@@ -2025,7 +2020,7 @@
           <a:ln/>
           <a:extLst>
             <a:ext uri="{FAA26D3D-D897-4be2-8F04-BA451C77F1D7}">
-              <ma14:placeholderFlag xmlns:ma14="http://schemas.microsoft.com/office/mac/drawingml/2011/main" val="1"/>
+              <ma14:placeholderFlag xmlns="" xmlns:ma14="http://schemas.microsoft.com/office/mac/drawingml/2011/main" val="1"/>
             </a:ext>
             <a:ext uri="{909E8E84-426E-40dd-AFC4-6F175D3DCCD1}">
               <a14:hiddenFill xmlns:a14="http://schemas.microsoft.com/office/drawing/2010/main" xmlns="">
@@ -2051,33 +2046,33 @@
           <a:lstStyle/>
           <a:p>
             <a:r>
-              <a:rPr lang="en-US" dirty="0" smtClean="0">
+              <a:rPr lang="en-US" dirty="0">
                 <a:ea typeface="ＭＳ Ｐゴシック" charset="0"/>
                 <a:cs typeface="ＭＳ Ｐゴシック" charset="0"/>
               </a:rPr>
               <a:t>HTTP/1.1 defines the "close" connection option for the sender to</a:t>
             </a:r>
             <a:br>
-              <a:rPr lang="en-US" dirty="0" smtClean="0">
+              <a:rPr lang="en-US" dirty="0">
                 <a:ea typeface="ＭＳ Ｐゴシック" charset="0"/>
                 <a:cs typeface="ＭＳ Ｐゴシック" charset="0"/>
               </a:rPr>
             </a:br>
             <a:r>
-              <a:rPr lang="en-US" dirty="0" smtClean="0">
+              <a:rPr lang="en-US" dirty="0">
                 <a:ea typeface="ＭＳ Ｐゴシック" charset="0"/>
                 <a:cs typeface="ＭＳ Ｐゴシック" charset="0"/>
               </a:rPr>
               <a:t>signal that the connection will be closed after completion of the</a:t>
             </a:r>
             <a:br>
-              <a:rPr lang="en-US" dirty="0" smtClean="0">
+              <a:rPr lang="en-US" dirty="0">
                 <a:ea typeface="ＭＳ Ｐゴシック" charset="0"/>
                 <a:cs typeface="ＭＳ Ｐゴシック" charset="0"/>
               </a:rPr>
             </a:br>
             <a:r>
-              <a:rPr lang="en-US" dirty="0" smtClean="0">
+              <a:rPr lang="en-US" dirty="0">
                 <a:ea typeface="ＭＳ Ｐゴシック" charset="0"/>
                 <a:cs typeface="ＭＳ Ｐゴシック" charset="0"/>
               </a:rPr>
@@ -2086,20 +2081,20 @@
           </a:p>
           <a:p>
             <a:r>
-              <a:rPr lang="en-US" dirty="0" smtClean="0">
+              <a:rPr lang="en-US" dirty="0">
                 <a:ea typeface="ＭＳ Ｐゴシック" charset="0"/>
                 <a:cs typeface="ＭＳ Ｐゴシック" charset="0"/>
               </a:rPr>
               <a:t>Connection: close in either the request or the response header fields indicates that the connection SHOULD NOT be considered `persistent' (section 8.1)</a:t>
             </a:r>
             <a:br>
-              <a:rPr lang="en-US" dirty="0" smtClean="0">
+              <a:rPr lang="en-US" dirty="0">
                 <a:ea typeface="ＭＳ Ｐゴシック" charset="0"/>
                 <a:cs typeface="ＭＳ Ｐゴシック" charset="0"/>
               </a:rPr>
             </a:br>
             <a:r>
-              <a:rPr lang="en-US" dirty="0" smtClean="0">
+              <a:rPr lang="en-US" dirty="0">
                 <a:ea typeface="ＭＳ Ｐゴシック" charset="0"/>
                 <a:cs typeface="ＭＳ Ｐゴシック" charset="0"/>
               </a:rPr>
@@ -2108,7 +2103,7 @@
           </a:p>
           <a:p>
             <a:r>
-              <a:rPr lang="en-US" dirty="0" smtClean="0">
+              <a:rPr lang="en-US" dirty="0">
                 <a:ea typeface="ＭＳ Ｐゴシック" charset="0"/>
                 <a:cs typeface="ＭＳ Ｐゴシック" charset="0"/>
               </a:rPr>
@@ -2182,7 +2177,7 @@
           <a:ln/>
           <a:extLst>
             <a:ext uri="{FAA26D3D-D897-4be2-8F04-BA451C77F1D7}">
-              <ma14:placeholderFlag xmlns:ma14="http://schemas.microsoft.com/office/mac/drawingml/2011/main" val="1"/>
+              <ma14:placeholderFlag xmlns="" xmlns:ma14="http://schemas.microsoft.com/office/mac/drawingml/2011/main" val="1"/>
             </a:ext>
             <a:ext uri="{909E8E84-426E-40dd-AFC4-6F175D3DCCD1}">
               <a14:hiddenFill xmlns:a14="http://schemas.microsoft.com/office/drawing/2010/main" xmlns="">
@@ -2269,7 +2264,7 @@
           </a:lstStyle>
           <a:p>
             <a:r>
-              <a:rPr lang="en-US" smtClean="0"/>
+              <a:rPr lang="en-US"/>
               <a:t>Click to edit Master title style</a:t>
             </a:r>
             <a:endParaRPr lang="en-US" dirty="0"/>
@@ -2334,7 +2329,7 @@
           </a:lstStyle>
           <a:p>
             <a:r>
-              <a:rPr lang="en-US" smtClean="0"/>
+              <a:rPr lang="en-US"/>
               <a:t>Click to edit Master subtitle style</a:t>
             </a:r>
             <a:endParaRPr lang="en-US" dirty="0"/>
@@ -2358,7 +2353,7 @@
           <a:p>
             <a:fld id="{ECF56177-CEF1-0141-836F-3867E7E9C1D8}" type="datetime1">
               <a:rPr lang="en-US" smtClean="0"/>
-              <a:t>3/7/19</a:t>
+              <a:t>9/10/20</a:t>
             </a:fld>
             <a:endParaRPr lang="en-US"/>
           </a:p>
@@ -2452,7 +2447,7 @@
           <a:lstStyle/>
           <a:p>
             <a:r>
-              <a:rPr lang="en-US" smtClean="0"/>
+              <a:rPr lang="en-US"/>
               <a:t>Click to edit Master title style</a:t>
             </a:r>
             <a:endParaRPr lang="en-US" dirty="0"/>
@@ -2476,35 +2471,35 @@
           <a:p>
             <a:pPr lvl="0"/>
             <a:r>
-              <a:rPr lang="en-US" smtClean="0"/>
+              <a:rPr lang="en-US"/>
               <a:t>Click to edit Master text styles</a:t>
             </a:r>
           </a:p>
           <a:p>
             <a:pPr lvl="1"/>
             <a:r>
-              <a:rPr lang="en-US" smtClean="0"/>
+              <a:rPr lang="en-US"/>
               <a:t>Second level</a:t>
             </a:r>
           </a:p>
           <a:p>
             <a:pPr lvl="2"/>
             <a:r>
-              <a:rPr lang="en-US" smtClean="0"/>
+              <a:rPr lang="en-US"/>
               <a:t>Third level</a:t>
             </a:r>
           </a:p>
           <a:p>
             <a:pPr lvl="3"/>
             <a:r>
-              <a:rPr lang="en-US" smtClean="0"/>
+              <a:rPr lang="en-US"/>
               <a:t>Fourth level</a:t>
             </a:r>
           </a:p>
           <a:p>
             <a:pPr lvl="4"/>
             <a:r>
-              <a:rPr lang="en-US" smtClean="0"/>
+              <a:rPr lang="en-US"/>
               <a:t>Fifth level</a:t>
             </a:r>
             <a:endParaRPr lang="en-US" dirty="0"/>
@@ -2528,7 +2523,7 @@
           <a:p>
             <a:fld id="{4CDC8FB9-92E9-4C40-A76A-6D1CDAB665BB}" type="datetime1">
               <a:rPr lang="en-US" smtClean="0"/>
-              <a:t>3/7/19</a:t>
+              <a:t>9/10/20</a:t>
             </a:fld>
             <a:endParaRPr lang="en-US"/>
           </a:p>
@@ -2627,7 +2622,7 @@
           <a:lstStyle/>
           <a:p>
             <a:r>
-              <a:rPr lang="en-US" smtClean="0"/>
+              <a:rPr lang="en-US"/>
               <a:t>Click to edit Master title style</a:t>
             </a:r>
             <a:endParaRPr lang="en-US" dirty="0"/>
@@ -2656,35 +2651,35 @@
           <a:p>
             <a:pPr lvl="0"/>
             <a:r>
-              <a:rPr lang="en-US" smtClean="0"/>
+              <a:rPr lang="en-US"/>
               <a:t>Click to edit Master text styles</a:t>
             </a:r>
           </a:p>
           <a:p>
             <a:pPr lvl="1"/>
             <a:r>
-              <a:rPr lang="en-US" smtClean="0"/>
+              <a:rPr lang="en-US"/>
               <a:t>Second level</a:t>
             </a:r>
           </a:p>
           <a:p>
             <a:pPr lvl="2"/>
             <a:r>
-              <a:rPr lang="en-US" smtClean="0"/>
+              <a:rPr lang="en-US"/>
               <a:t>Third level</a:t>
             </a:r>
           </a:p>
           <a:p>
             <a:pPr lvl="3"/>
             <a:r>
-              <a:rPr lang="en-US" smtClean="0"/>
+              <a:rPr lang="en-US"/>
               <a:t>Fourth level</a:t>
             </a:r>
           </a:p>
           <a:p>
             <a:pPr lvl="4"/>
             <a:r>
-              <a:rPr lang="en-US" smtClean="0"/>
+              <a:rPr lang="en-US"/>
               <a:t>Fifth level</a:t>
             </a:r>
             <a:endParaRPr lang="en-US" dirty="0"/>
@@ -2708,7 +2703,7 @@
           <a:p>
             <a:fld id="{F8F03505-CCE7-CA4C-B4F1-35193B6B5156}" type="datetime1">
               <a:rPr lang="en-US" smtClean="0"/>
-              <a:t>3/7/19</a:t>
+              <a:t>9/10/20</a:t>
             </a:fld>
             <a:endParaRPr lang="en-US"/>
           </a:p>
@@ -2802,7 +2797,7 @@
           <a:lstStyle/>
           <a:p>
             <a:r>
-              <a:rPr lang="en-US" smtClean="0"/>
+              <a:rPr lang="en-US"/>
               <a:t>Click to edit Master title style</a:t>
             </a:r>
             <a:endParaRPr lang="en-US" dirty="0"/>
@@ -2826,35 +2821,35 @@
           <a:p>
             <a:pPr lvl="0"/>
             <a:r>
-              <a:rPr lang="en-US" smtClean="0"/>
+              <a:rPr lang="en-US"/>
               <a:t>Click to edit Master text styles</a:t>
             </a:r>
           </a:p>
           <a:p>
             <a:pPr lvl="1"/>
             <a:r>
-              <a:rPr lang="en-US" smtClean="0"/>
+              <a:rPr lang="en-US"/>
               <a:t>Second level</a:t>
             </a:r>
           </a:p>
           <a:p>
             <a:pPr lvl="2"/>
             <a:r>
-              <a:rPr lang="en-US" smtClean="0"/>
+              <a:rPr lang="en-US"/>
               <a:t>Third level</a:t>
             </a:r>
           </a:p>
           <a:p>
             <a:pPr lvl="3"/>
             <a:r>
-              <a:rPr lang="en-US" smtClean="0"/>
+              <a:rPr lang="en-US"/>
               <a:t>Fourth level</a:t>
             </a:r>
           </a:p>
           <a:p>
             <a:pPr lvl="4"/>
             <a:r>
-              <a:rPr lang="en-US" smtClean="0"/>
+              <a:rPr lang="en-US"/>
               <a:t>Fifth level</a:t>
             </a:r>
             <a:endParaRPr lang="en-US" dirty="0"/>
@@ -2878,7 +2873,7 @@
           <a:p>
             <a:fld id="{A02E57FB-CD21-0942-A714-152EC4568E9D}" type="datetime1">
               <a:rPr lang="en-US" smtClean="0"/>
-              <a:t>3/7/19</a:t>
+              <a:t>9/10/20</a:t>
             </a:fld>
             <a:endParaRPr lang="en-US"/>
           </a:p>
@@ -2981,7 +2976,7 @@
           </a:lstStyle>
           <a:p>
             <a:r>
-              <a:rPr lang="en-US" smtClean="0"/>
+              <a:rPr lang="en-US"/>
               <a:t>Click to edit Master title style</a:t>
             </a:r>
             <a:endParaRPr lang="en-US" dirty="0"/>
@@ -3099,7 +3094,7 @@
           <a:p>
             <a:pPr lvl="0"/>
             <a:r>
-              <a:rPr lang="en-US" smtClean="0"/>
+              <a:rPr lang="en-US"/>
               <a:t>Click to edit Master text styles</a:t>
             </a:r>
           </a:p>
@@ -3122,7 +3117,7 @@
           <a:p>
             <a:fld id="{77AD2927-A654-D74D-A6C0-BF96EF7229C7}" type="datetime1">
               <a:rPr lang="en-US" smtClean="0"/>
-              <a:t>3/7/19</a:t>
+              <a:t>9/10/20</a:t>
             </a:fld>
             <a:endParaRPr lang="en-US"/>
           </a:p>
@@ -3216,7 +3211,7 @@
           <a:lstStyle/>
           <a:p>
             <a:r>
-              <a:rPr lang="en-US" smtClean="0"/>
+              <a:rPr lang="en-US"/>
               <a:t>Click to edit Master title style</a:t>
             </a:r>
             <a:endParaRPr lang="en-US" dirty="0"/>
@@ -3245,35 +3240,35 @@
           <a:p>
             <a:pPr lvl="0"/>
             <a:r>
-              <a:rPr lang="en-US" smtClean="0"/>
+              <a:rPr lang="en-US"/>
               <a:t>Click to edit Master text styles</a:t>
             </a:r>
           </a:p>
           <a:p>
             <a:pPr lvl="1"/>
             <a:r>
-              <a:rPr lang="en-US" smtClean="0"/>
+              <a:rPr lang="en-US"/>
               <a:t>Second level</a:t>
             </a:r>
           </a:p>
           <a:p>
             <a:pPr lvl="2"/>
             <a:r>
-              <a:rPr lang="en-US" smtClean="0"/>
+              <a:rPr lang="en-US"/>
               <a:t>Third level</a:t>
             </a:r>
           </a:p>
           <a:p>
             <a:pPr lvl="3"/>
             <a:r>
-              <a:rPr lang="en-US" smtClean="0"/>
+              <a:rPr lang="en-US"/>
               <a:t>Fourth level</a:t>
             </a:r>
           </a:p>
           <a:p>
             <a:pPr lvl="4"/>
             <a:r>
-              <a:rPr lang="en-US" smtClean="0"/>
+              <a:rPr lang="en-US"/>
               <a:t>Fifth level</a:t>
             </a:r>
             <a:endParaRPr lang="en-US" dirty="0"/>
@@ -3302,35 +3297,35 @@
           <a:p>
             <a:pPr lvl="0"/>
             <a:r>
-              <a:rPr lang="en-US" smtClean="0"/>
+              <a:rPr lang="en-US"/>
               <a:t>Click to edit Master text styles</a:t>
             </a:r>
           </a:p>
           <a:p>
             <a:pPr lvl="1"/>
             <a:r>
-              <a:rPr lang="en-US" smtClean="0"/>
+              <a:rPr lang="en-US"/>
               <a:t>Second level</a:t>
             </a:r>
           </a:p>
           <a:p>
             <a:pPr lvl="2"/>
             <a:r>
-              <a:rPr lang="en-US" smtClean="0"/>
+              <a:rPr lang="en-US"/>
               <a:t>Third level</a:t>
             </a:r>
           </a:p>
           <a:p>
             <a:pPr lvl="3"/>
             <a:r>
-              <a:rPr lang="en-US" smtClean="0"/>
+              <a:rPr lang="en-US"/>
               <a:t>Fourth level</a:t>
             </a:r>
           </a:p>
           <a:p>
             <a:pPr lvl="4"/>
             <a:r>
-              <a:rPr lang="en-US" smtClean="0"/>
+              <a:rPr lang="en-US"/>
               <a:t>Fifth level</a:t>
             </a:r>
             <a:endParaRPr lang="en-US" dirty="0"/>
@@ -3354,7 +3349,7 @@
           <a:p>
             <a:fld id="{37B554B6-7788-2348-9289-7CAD598A9555}" type="datetime1">
               <a:rPr lang="en-US" smtClean="0"/>
-              <a:t>3/7/19</a:t>
+              <a:t>9/10/20</a:t>
             </a:fld>
             <a:endParaRPr lang="en-US"/>
           </a:p>
@@ -3453,7 +3448,7 @@
           <a:lstStyle/>
           <a:p>
             <a:r>
-              <a:rPr lang="en-US" smtClean="0"/>
+              <a:rPr lang="en-US"/>
               <a:t>Click to edit Master title style</a:t>
             </a:r>
             <a:endParaRPr lang="en-US" dirty="0"/>
@@ -3519,7 +3514,7 @@
           <a:p>
             <a:pPr lvl="0"/>
             <a:r>
-              <a:rPr lang="en-US" smtClean="0"/>
+              <a:rPr lang="en-US"/>
               <a:t>Click to edit Master text styles</a:t>
             </a:r>
           </a:p>
@@ -3547,35 +3542,35 @@
           <a:p>
             <a:pPr lvl="0"/>
             <a:r>
-              <a:rPr lang="en-US" smtClean="0"/>
+              <a:rPr lang="en-US"/>
               <a:t>Click to edit Master text styles</a:t>
             </a:r>
           </a:p>
           <a:p>
             <a:pPr lvl="1"/>
             <a:r>
-              <a:rPr lang="en-US" smtClean="0"/>
+              <a:rPr lang="en-US"/>
               <a:t>Second level</a:t>
             </a:r>
           </a:p>
           <a:p>
             <a:pPr lvl="2"/>
             <a:r>
-              <a:rPr lang="en-US" smtClean="0"/>
+              <a:rPr lang="en-US"/>
               <a:t>Third level</a:t>
             </a:r>
           </a:p>
           <a:p>
             <a:pPr lvl="3"/>
             <a:r>
-              <a:rPr lang="en-US" smtClean="0"/>
+              <a:rPr lang="en-US"/>
               <a:t>Fourth level</a:t>
             </a:r>
           </a:p>
           <a:p>
             <a:pPr lvl="4"/>
             <a:r>
-              <a:rPr lang="en-US" smtClean="0"/>
+              <a:rPr lang="en-US"/>
               <a:t>Fifth level</a:t>
             </a:r>
             <a:endParaRPr lang="en-US" dirty="0"/>
@@ -3641,7 +3636,7 @@
           <a:p>
             <a:pPr lvl="0"/>
             <a:r>
-              <a:rPr lang="en-US" smtClean="0"/>
+              <a:rPr lang="en-US"/>
               <a:t>Click to edit Master text styles</a:t>
             </a:r>
           </a:p>
@@ -3669,35 +3664,35 @@
           <a:p>
             <a:pPr lvl="0"/>
             <a:r>
-              <a:rPr lang="en-US" smtClean="0"/>
+              <a:rPr lang="en-US"/>
               <a:t>Click to edit Master text styles</a:t>
             </a:r>
           </a:p>
           <a:p>
             <a:pPr lvl="1"/>
             <a:r>
-              <a:rPr lang="en-US" smtClean="0"/>
+              <a:rPr lang="en-US"/>
               <a:t>Second level</a:t>
             </a:r>
           </a:p>
           <a:p>
             <a:pPr lvl="2"/>
             <a:r>
-              <a:rPr lang="en-US" smtClean="0"/>
+              <a:rPr lang="en-US"/>
               <a:t>Third level</a:t>
             </a:r>
           </a:p>
           <a:p>
             <a:pPr lvl="3"/>
             <a:r>
-              <a:rPr lang="en-US" smtClean="0"/>
+              <a:rPr lang="en-US"/>
               <a:t>Fourth level</a:t>
             </a:r>
           </a:p>
           <a:p>
             <a:pPr lvl="4"/>
             <a:r>
-              <a:rPr lang="en-US" smtClean="0"/>
+              <a:rPr lang="en-US"/>
               <a:t>Fifth level</a:t>
             </a:r>
             <a:endParaRPr lang="en-US" dirty="0"/>
@@ -3721,7 +3716,7 @@
           <a:p>
             <a:fld id="{CCE331CB-FA13-3243-AD80-8733E43C7C1F}" type="datetime1">
               <a:rPr lang="en-US" smtClean="0"/>
-              <a:t>3/7/19</a:t>
+              <a:t>9/10/20</a:t>
             </a:fld>
             <a:endParaRPr lang="en-US"/>
           </a:p>
@@ -3815,7 +3810,7 @@
           <a:lstStyle/>
           <a:p>
             <a:r>
-              <a:rPr lang="en-US" smtClean="0"/>
+              <a:rPr lang="en-US"/>
               <a:t>Click to edit Master title style</a:t>
             </a:r>
             <a:endParaRPr lang="en-US" dirty="0"/>
@@ -3839,7 +3834,7 @@
           <a:p>
             <a:fld id="{C0172A9A-4F1F-854A-9B1E-96AFCC4A9B03}" type="datetime1">
               <a:rPr lang="en-US" smtClean="0"/>
-              <a:t>3/7/19</a:t>
+              <a:t>9/10/20</a:t>
             </a:fld>
             <a:endParaRPr lang="en-US"/>
           </a:p>
@@ -3934,7 +3929,7 @@
           <a:p>
             <a:fld id="{2D504595-1B90-0F4A-A1D0-6609637EC4CD}" type="datetime1">
               <a:rPr lang="en-US" smtClean="0"/>
-              <a:t>3/7/19</a:t>
+              <a:t>9/10/20</a:t>
             </a:fld>
             <a:endParaRPr lang="en-US"/>
           </a:p>
@@ -4037,7 +4032,7 @@
           </a:lstStyle>
           <a:p>
             <a:r>
-              <a:rPr lang="en-US" smtClean="0"/>
+              <a:rPr lang="en-US"/>
               <a:t>Click to edit Master title style</a:t>
             </a:r>
             <a:endParaRPr lang="en-US" dirty="0"/>
@@ -4094,35 +4089,35 @@
           <a:p>
             <a:pPr lvl="0"/>
             <a:r>
-              <a:rPr lang="en-US" smtClean="0"/>
+              <a:rPr lang="en-US"/>
               <a:t>Click to edit Master text styles</a:t>
             </a:r>
           </a:p>
           <a:p>
             <a:pPr lvl="1"/>
             <a:r>
-              <a:rPr lang="en-US" smtClean="0"/>
+              <a:rPr lang="en-US"/>
               <a:t>Second level</a:t>
             </a:r>
           </a:p>
           <a:p>
             <a:pPr lvl="2"/>
             <a:r>
-              <a:rPr lang="en-US" smtClean="0"/>
+              <a:rPr lang="en-US"/>
               <a:t>Third level</a:t>
             </a:r>
           </a:p>
           <a:p>
             <a:pPr lvl="3"/>
             <a:r>
-              <a:rPr lang="en-US" smtClean="0"/>
+              <a:rPr lang="en-US"/>
               <a:t>Fourth level</a:t>
             </a:r>
           </a:p>
           <a:p>
             <a:pPr lvl="4"/>
             <a:r>
-              <a:rPr lang="en-US" smtClean="0"/>
+              <a:rPr lang="en-US"/>
               <a:t>Fifth level</a:t>
             </a:r>
             <a:endParaRPr lang="en-US" dirty="0"/>
@@ -4188,7 +4183,7 @@
           <a:p>
             <a:pPr lvl="0"/>
             <a:r>
-              <a:rPr lang="en-US" smtClean="0"/>
+              <a:rPr lang="en-US"/>
               <a:t>Click to edit Master text styles</a:t>
             </a:r>
           </a:p>
@@ -4211,7 +4206,7 @@
           <a:p>
             <a:fld id="{F48EB26F-796F-BD4B-9EC5-A039FE9C305B}" type="datetime1">
               <a:rPr lang="en-US" smtClean="0"/>
-              <a:t>3/7/19</a:t>
+              <a:t>9/10/20</a:t>
             </a:fld>
             <a:endParaRPr lang="en-US"/>
           </a:p>
@@ -4314,7 +4309,7 @@
           </a:lstStyle>
           <a:p>
             <a:r>
-              <a:rPr lang="en-US" smtClean="0"/>
+              <a:rPr lang="en-US"/>
               <a:t>Click to edit Master title style</a:t>
             </a:r>
             <a:endParaRPr lang="en-US" dirty="0"/>
@@ -4379,7 +4374,7 @@
           </a:lstStyle>
           <a:p>
             <a:r>
-              <a:rPr lang="en-US" smtClean="0"/>
+              <a:rPr lang="en-US"/>
               <a:t>Drag picture to placeholder or click icon to add</a:t>
             </a:r>
             <a:endParaRPr lang="en-US" dirty="0"/>
@@ -4445,7 +4440,7 @@
           <a:p>
             <a:pPr lvl="0"/>
             <a:r>
-              <a:rPr lang="en-US" smtClean="0"/>
+              <a:rPr lang="en-US"/>
               <a:t>Click to edit Master text styles</a:t>
             </a:r>
           </a:p>
@@ -4468,7 +4463,7 @@
           <a:p>
             <a:fld id="{CDC2C28A-C946-0143-970B-84B8FE5654F4}" type="datetime1">
               <a:rPr lang="en-US" smtClean="0"/>
-              <a:t>3/7/19</a:t>
+              <a:t>9/10/20</a:t>
             </a:fld>
             <a:endParaRPr lang="en-US"/>
           </a:p>
@@ -4577,10 +4572,9 @@
           <a:lstStyle/>
           <a:p>
             <a:r>
-              <a:rPr lang="en-US" dirty="0" smtClean="0"/>
+              <a:rPr lang="en-US" dirty="0"/>
               <a:t>Click to edit Master title style</a:t>
             </a:r>
-            <a:endParaRPr lang="en-US" dirty="0"/>
           </a:p>
         </p:txBody>
       </p:sp>
@@ -4611,38 +4605,37 @@
           <a:p>
             <a:pPr lvl="0"/>
             <a:r>
-              <a:rPr lang="en-US" dirty="0" smtClean="0"/>
+              <a:rPr lang="en-US" dirty="0"/>
               <a:t>Click to edit Master text styles</a:t>
             </a:r>
           </a:p>
           <a:p>
             <a:pPr lvl="1"/>
             <a:r>
-              <a:rPr lang="en-US" dirty="0" smtClean="0"/>
+              <a:rPr lang="en-US" dirty="0"/>
               <a:t>Second level</a:t>
             </a:r>
           </a:p>
           <a:p>
             <a:pPr lvl="2"/>
             <a:r>
-              <a:rPr lang="en-US" dirty="0" smtClean="0"/>
+              <a:rPr lang="en-US" dirty="0"/>
               <a:t>Third level</a:t>
             </a:r>
           </a:p>
           <a:p>
             <a:pPr lvl="3"/>
             <a:r>
-              <a:rPr lang="en-US" dirty="0" smtClean="0"/>
+              <a:rPr lang="en-US" dirty="0"/>
               <a:t>Fourth level</a:t>
             </a:r>
           </a:p>
           <a:p>
             <a:pPr lvl="4"/>
             <a:r>
-              <a:rPr lang="en-US" dirty="0" smtClean="0"/>
+              <a:rPr lang="en-US" dirty="0"/>
               <a:t>Fifth level</a:t>
             </a:r>
-            <a:endParaRPr lang="en-US" dirty="0"/>
           </a:p>
         </p:txBody>
       </p:sp>
@@ -4681,7 +4674,7 @@
           <a:p>
             <a:fld id="{A831EFE4-169C-9248-BC74-4797ECDAE130}" type="datetime1">
               <a:rPr lang="en-US" smtClean="0"/>
-              <a:t>3/7/19</a:t>
+              <a:t>9/10/20</a:t>
             </a:fld>
             <a:endParaRPr lang="en-US"/>
           </a:p>
@@ -5109,26 +5102,30 @@
           <a:lstStyle/>
           <a:p>
             <a:r>
-              <a:rPr lang="en-US" b="0" dirty="0" smtClean="0"/>
+              <a:rPr lang="en-US" b="0" dirty="0"/>
               <a:t>Xin Jin</a:t>
             </a:r>
           </a:p>
           <a:p>
             <a:r>
-              <a:rPr lang="en-US" b="0" dirty="0" smtClean="0"/>
-              <a:t>Spring </a:t>
-            </a:r>
-            <a:r>
               <a:rPr lang="en-US" b="0" dirty="0"/>
-              <a:t>2019 </a:t>
-            </a:r>
-            <a:r>
-              <a:rPr lang="en-US" b="0" dirty="0" smtClean="0"/>
-              <a:t>(</a:t>
+              <a:t>Fall 20</a:t>
+            </a:r>
+            <a:r>
+              <a:rPr lang="en-US" altLang="zh-CN" b="0" dirty="0"/>
+              <a:t>20</a:t>
             </a:r>
             <a:r>
               <a:rPr lang="en-US" b="0" dirty="0"/>
-              <a:t>MW 3:00-4:15pm in Shaffer 301)</a:t>
+              <a:t> (</a:t>
+            </a:r>
+            <a:r>
+              <a:rPr lang="en-US" b="0" dirty="0" err="1"/>
+              <a:t>TuTh</a:t>
+            </a:r>
+            <a:r>
+              <a:rPr lang="en-US" b="0" dirty="0"/>
+              <a:t> 1:30-2:45pm on Zoom)</a:t>
             </a:r>
           </a:p>
         </p:txBody>
@@ -5344,26 +5341,25 @@
           </a:lstStyle>
           <a:p>
             <a:r>
-              <a:rPr lang="en-US" b="0" dirty="0" smtClean="0"/>
+              <a:rPr lang="en-US" b="0" dirty="0"/>
               <a:t>https://</a:t>
             </a:r>
             <a:r>
-              <a:rPr lang="en-US" b="0" dirty="0" err="1" smtClean="0"/>
+              <a:rPr lang="en-US" b="0" dirty="0" err="1"/>
               <a:t>github.com</a:t>
             </a:r>
             <a:r>
-              <a:rPr lang="en-US" b="0" dirty="0" smtClean="0"/>
+              <a:rPr lang="en-US" b="0" dirty="0"/>
               <a:t>/</a:t>
             </a:r>
             <a:r>
-              <a:rPr lang="en-US" b="0" dirty="0" err="1" smtClean="0"/>
+              <a:rPr lang="en-US" b="0" dirty="0" err="1"/>
               <a:t>xinjin</a:t>
             </a:r>
             <a:r>
-              <a:rPr lang="en-US" b="0" dirty="0" smtClean="0"/>
+              <a:rPr lang="en-US" b="0" dirty="0"/>
               <a:t>/course-net</a:t>
             </a:r>
-            <a:endParaRPr lang="en-US" b="0" dirty="0"/>
           </a:p>
         </p:txBody>
       </p:sp>
@@ -5413,52 +5409,48 @@
           <a:lstStyle/>
           <a:p>
             <a:r>
-              <a:rPr lang="en-US" sz="4800" dirty="0" smtClean="0"/>
+              <a:rPr lang="en-US" sz="4800" dirty="0"/>
               <a:t>EN.601.414/614</a:t>
             </a:r>
             <a:br>
-              <a:rPr lang="en-US" sz="4800" dirty="0" smtClean="0"/>
+              <a:rPr lang="en-US" sz="4800" dirty="0"/>
             </a:br>
             <a:r>
-              <a:rPr lang="en-US" sz="4800" dirty="0" smtClean="0"/>
+              <a:rPr lang="en-US" sz="4800" dirty="0"/>
               <a:t>Computer Networks</a:t>
             </a:r>
             <a:br>
-              <a:rPr lang="en-US" sz="4800" dirty="0" smtClean="0"/>
+              <a:rPr lang="en-US" sz="4800" dirty="0"/>
             </a:br>
-            <a:r>
-              <a:rPr lang="en-US" sz="4800" dirty="0" smtClean="0"/>
-              <a:t/>
-            </a:r>
             <a:br>
-              <a:rPr lang="en-US" sz="4800" dirty="0" smtClean="0"/>
+              <a:rPr lang="en-US" sz="4800" dirty="0"/>
             </a:br>
             <a:r>
-              <a:rPr lang="en-US" altLang="zh-CN" sz="4800" dirty="0" smtClean="0"/>
+              <a:rPr lang="en-US" altLang="zh-CN" sz="4800" dirty="0"/>
               <a:t>HTTP</a:t>
             </a:r>
             <a:r>
-              <a:rPr lang="zh-CN" altLang="en-US" sz="4800" dirty="0" smtClean="0"/>
+              <a:rPr lang="zh-CN" altLang="en-US" sz="4800" dirty="0"/>
               <a:t> </a:t>
             </a:r>
             <a:r>
-              <a:rPr lang="en-US" altLang="zh-CN" sz="4800" dirty="0" smtClean="0"/>
+              <a:rPr lang="en-US" altLang="zh-CN" sz="4800" dirty="0"/>
               <a:t>and</a:t>
             </a:r>
             <a:r>
-              <a:rPr lang="zh-CN" altLang="en-US" sz="4800" dirty="0" smtClean="0"/>
+              <a:rPr lang="zh-CN" altLang="en-US" sz="4800" dirty="0"/>
               <a:t> </a:t>
             </a:r>
             <a:r>
-              <a:rPr lang="en-US" altLang="zh-CN" sz="4800" dirty="0" smtClean="0"/>
+              <a:rPr lang="en-US" altLang="zh-CN" sz="4800" dirty="0"/>
               <a:t>the</a:t>
             </a:r>
             <a:r>
-              <a:rPr lang="zh-CN" altLang="en-US" sz="4800" dirty="0" smtClean="0"/>
+              <a:rPr lang="zh-CN" altLang="en-US" sz="4800" dirty="0"/>
               <a:t> </a:t>
             </a:r>
             <a:r>
-              <a:rPr lang="en-US" altLang="zh-CN" sz="4800" dirty="0" smtClean="0"/>
+              <a:rPr lang="en-US" altLang="zh-CN" sz="4800" dirty="0"/>
               <a:t>Web</a:t>
             </a:r>
             <a:endParaRPr lang="en-US" sz="4800" dirty="0"/>
@@ -5501,13 +5493,6 @@
   <p:clrMapOvr>
     <a:masterClrMapping/>
   </p:clrMapOvr>
-  <p:timing>
-    <p:tnLst>
-      <p:par>
-        <p:cTn id="1" dur="indefinite" restart="never" nodeType="tmRoot"/>
-      </p:par>
-    </p:tnLst>
-  </p:timing>
 </p:sld>
 </file>
 
@@ -5544,10 +5529,9 @@
           <a:lstStyle/>
           <a:p>
             <a:r>
-              <a:rPr lang="en-US" dirty="0" smtClean="0"/>
+              <a:rPr lang="en-US" dirty="0"/>
               <a:t>Steps in HTTP request/response</a:t>
             </a:r>
-            <a:endParaRPr lang="en-US" dirty="0"/>
           </a:p>
         </p:txBody>
       </p:sp>
@@ -5957,23 +5941,8 @@
                 </a:solidFill>
                 <a:latin typeface="+mn-lt"/>
               </a:rPr>
-              <a:t>TCP </a:t>
-            </a:r>
-            <a:r>
-              <a:rPr lang="en-US" sz="1800" b="0" dirty="0" smtClean="0">
-                <a:solidFill>
-                  <a:schemeClr val="accent5"/>
-                </a:solidFill>
-                <a:latin typeface="+mn-lt"/>
-              </a:rPr>
-              <a:t>syn</a:t>
-            </a:r>
-            <a:endParaRPr lang="en-US" sz="1800" b="0" dirty="0">
-              <a:solidFill>
-                <a:schemeClr val="accent5"/>
-              </a:solidFill>
-              <a:latin typeface="+mn-lt"/>
-            </a:endParaRPr>
+              <a:t>TCP syn</a:t>
+            </a:r>
           </a:p>
         </p:txBody>
       </p:sp>
@@ -7876,10 +7845,9 @@
           <a:lstStyle/>
           <a:p>
             <a:r>
-              <a:rPr lang="en-US" dirty="0" smtClean="0"/>
+              <a:rPr lang="en-US" dirty="0"/>
               <a:t>Method types (HTTP 1.1)</a:t>
             </a:r>
-            <a:endParaRPr lang="en-US" dirty="0"/>
           </a:p>
         </p:txBody>
       </p:sp>
@@ -7899,23 +7867,22 @@
           <a:lstStyle/>
           <a:p>
             <a:r>
-              <a:rPr lang="en-US" dirty="0" smtClean="0"/>
+              <a:rPr lang="en-US" dirty="0"/>
               <a:t>GET, HEAD</a:t>
             </a:r>
           </a:p>
           <a:p>
             <a:r>
-              <a:rPr lang="en-US" dirty="0" smtClean="0"/>
+              <a:rPr lang="en-US" dirty="0"/>
               <a:t>POST</a:t>
             </a:r>
           </a:p>
           <a:p>
             <a:pPr lvl="1"/>
             <a:r>
-              <a:rPr lang="en-US" dirty="0" smtClean="0"/>
+              <a:rPr lang="en-US" dirty="0"/>
               <a:t>Send information (e.g., web forms)</a:t>
             </a:r>
-            <a:endParaRPr lang="en-US" dirty="0"/>
           </a:p>
           <a:p>
             <a:r>
@@ -7926,12 +7893,8 @@
           <a:p>
             <a:pPr lvl="1"/>
             <a:r>
-              <a:rPr lang="en-US" dirty="0" smtClean="0"/>
-              <a:t>Upload </a:t>
-            </a:r>
-            <a:r>
               <a:rPr lang="en-US" dirty="0"/>
-              <a:t>file in entity body to path specified in URL field</a:t>
+              <a:t>Upload file in entity body to path specified in URL field</a:t>
             </a:r>
           </a:p>
           <a:p>
@@ -7943,18 +7906,9 @@
           <a:p>
             <a:pPr lvl="1"/>
             <a:r>
-              <a:rPr lang="en-US" dirty="0" smtClean="0"/>
-              <a:t>Delete </a:t>
-            </a:r>
-            <a:r>
               <a:rPr lang="en-US" dirty="0"/>
-              <a:t>file specified in the URL </a:t>
-            </a:r>
-            <a:r>
-              <a:rPr lang="en-US" dirty="0" smtClean="0"/>
-              <a:t>field</a:t>
-            </a:r>
-            <a:endParaRPr lang="en-US" dirty="0"/>
+              <a:t>Delete file specified in the URL field</a:t>
+            </a:r>
           </a:p>
         </p:txBody>
       </p:sp>
@@ -7992,21 +7946,6 @@
   <p:clrMapOvr>
     <a:masterClrMapping/>
   </p:clrMapOvr>
-  <mc:AlternateContent xmlns:mc="http://schemas.openxmlformats.org/markup-compatibility/2006" xmlns:p14="http://schemas.microsoft.com/office/powerpoint/2010/main">
-    <mc:Choice Requires="p14">
-      <p:transition spd="slow" p14:dur="2000"/>
-    </mc:Choice>
-    <mc:Fallback xmlns="">
-      <p:transition spd="slow"/>
-    </mc:Fallback>
-  </mc:AlternateContent>
-  <p:timing>
-    <p:tnLst>
-      <p:par>
-        <p:cTn id="1" dur="indefinite" restart="never" nodeType="tmRoot"/>
-      </p:par>
-    </p:tnLst>
-  </p:timing>
 </p:sld>
 </file>
 
@@ -8350,10 +8289,9 @@
           <a:lstStyle/>
           <a:p>
             <a:r>
-              <a:rPr lang="en-US" dirty="0" smtClean="0"/>
+              <a:rPr lang="en-US" dirty="0"/>
               <a:t>Client-to-server communication</a:t>
             </a:r>
-            <a:endParaRPr lang="en-US" dirty="0"/>
           </a:p>
         </p:txBody>
       </p:sp>
@@ -8373,14 +8311,14 @@
           <a:lstStyle/>
           <a:p>
             <a:r>
-              <a:rPr lang="en-US" dirty="0" smtClean="0"/>
+              <a:rPr lang="en-US" dirty="0"/>
               <a:t>HTTP Request Message</a:t>
             </a:r>
           </a:p>
           <a:p>
             <a:pPr lvl="1"/>
             <a:r>
-              <a:rPr lang="en-US" dirty="0" smtClean="0"/>
+              <a:rPr lang="en-US" dirty="0"/>
               <a:t>Request line: method, resource, and protocol version</a:t>
             </a:r>
           </a:p>
@@ -8952,8 +8890,8 @@
         </p:nvSpPr>
         <p:spPr bwMode="auto">
           <a:xfrm>
-            <a:off x="304800" y="5650564"/>
-            <a:ext cx="3124200" cy="654986"/>
+            <a:off x="304799" y="5650564"/>
+            <a:ext cx="3733801" cy="646274"/>
           </a:xfrm>
           <a:prstGeom prst="rect">
             <a:avLst/>
@@ -8983,7 +8921,7 @@
           </a:extLst>
         </p:spPr>
         <p:txBody>
-          <a:bodyPr lIns="91383" tIns="45692" rIns="91383" bIns="45692">
+          <a:bodyPr wrap="square" lIns="91383" tIns="45692" rIns="91383" bIns="45692">
             <a:spAutoFit/>
           </a:bodyPr>
           <a:lstStyle>
@@ -9108,7 +9046,7 @@
               <a:rPr lang="en-US" sz="1800" i="1" dirty="0">
                 <a:latin typeface="Arial" charset="0"/>
               </a:rPr>
-              <a:t>carriage return line feed</a:t>
+              <a:t>carriage return (\r) line feed (\n)</a:t>
             </a:r>
           </a:p>
           <a:p>
@@ -10092,10 +10030,9 @@
           <a:lstStyle/>
           <a:p>
             <a:r>
-              <a:rPr lang="en-US" dirty="0" smtClean="0"/>
+              <a:rPr lang="en-US" dirty="0"/>
               <a:t>Client-to-server communication</a:t>
             </a:r>
-            <a:endParaRPr lang="en-US" dirty="0"/>
           </a:p>
         </p:txBody>
       </p:sp>
@@ -10115,47 +10052,46 @@
           <a:lstStyle/>
           <a:p>
             <a:r>
-              <a:rPr lang="en-US" dirty="0" smtClean="0"/>
+              <a:rPr lang="en-US" dirty="0"/>
               <a:t>HTTP Request Message</a:t>
             </a:r>
           </a:p>
           <a:p>
             <a:pPr lvl="1"/>
             <a:r>
-              <a:rPr lang="en-US" dirty="0" smtClean="0"/>
+              <a:rPr lang="en-US" dirty="0"/>
               <a:t>Request line: method, resource, and protocol version</a:t>
             </a:r>
           </a:p>
           <a:p>
             <a:pPr lvl="1"/>
             <a:r>
-              <a:rPr lang="en-US" dirty="0" smtClean="0"/>
-              <a:t>Request headers: provide info or modify request</a:t>
+              <a:rPr lang="en-US" dirty="0"/>
+              <a:t>Request headers: provide information</a:t>
             </a:r>
           </a:p>
           <a:p>
             <a:pPr lvl="1"/>
             <a:r>
-              <a:rPr lang="en-US" dirty="0" smtClean="0"/>
+              <a:rPr lang="en-US" dirty="0"/>
               <a:t>Body: optional data (e.g., to </a:t>
             </a:r>
             <a:r>
-              <a:rPr lang="ja-JP" altLang="en-US" dirty="0" smtClean="0"/>
+              <a:rPr lang="ja-JP" altLang="en-US" dirty="0"/>
               <a:t>“</a:t>
             </a:r>
             <a:r>
-              <a:rPr lang="en-US" dirty="0" smtClean="0"/>
+              <a:rPr lang="en-US" dirty="0"/>
               <a:t>POST</a:t>
             </a:r>
             <a:r>
-              <a:rPr lang="ja-JP" altLang="en-US" dirty="0" smtClean="0"/>
+              <a:rPr lang="ja-JP" altLang="en-US" dirty="0"/>
               <a:t>”</a:t>
             </a:r>
             <a:r>
-              <a:rPr lang="en-US" dirty="0" smtClean="0"/>
+              <a:rPr lang="en-US" dirty="0"/>
               <a:t> data to server)</a:t>
             </a:r>
-            <a:endParaRPr lang="en-US" dirty="0"/>
           </a:p>
         </p:txBody>
       </p:sp>
@@ -10712,189 +10648,6 @@
           <a:p>
             <a:pPr algn="ctr"/>
             <a:endParaRPr lang="en-US"/>
-          </a:p>
-        </p:txBody>
-      </p:sp>
-      <p:sp>
-        <p:nvSpPr>
-          <p:cNvPr id="50187" name="Text Box 10"/>
-          <p:cNvSpPr txBox="1">
-            <a:spLocks noChangeArrowheads="1"/>
-          </p:cNvSpPr>
-          <p:nvPr/>
-        </p:nvSpPr>
-        <p:spPr bwMode="auto">
-          <a:xfrm>
-            <a:off x="304800" y="5650564"/>
-            <a:ext cx="3124200" cy="654986"/>
-          </a:xfrm>
-          <a:prstGeom prst="rect">
-            <a:avLst/>
-          </a:prstGeom>
-          <a:noFill/>
-          <a:ln>
-            <a:noFill/>
-          </a:ln>
-          <a:extLst>
-            <a:ext uri="{909E8E84-426E-40dd-AFC4-6F175D3DCCD1}">
-              <a14:hiddenFill xmlns:a14="http://schemas.microsoft.com/office/drawing/2010/main" xmlns="">
-                <a:solidFill>
-                  <a:srgbClr val="FFFFFF"/>
-                </a:solidFill>
-              </a14:hiddenFill>
-            </a:ext>
-            <a:ext uri="{91240B29-F687-4f45-9708-019B960494DF}">
-              <a14:hiddenLine xmlns:a14="http://schemas.microsoft.com/office/drawing/2010/main" xmlns="" w="9525">
-                <a:solidFill>
-                  <a:srgbClr val="000000"/>
-                </a:solidFill>
-                <a:miter lim="800000"/>
-                <a:headEnd/>
-                <a:tailEnd/>
-              </a14:hiddenLine>
-            </a:ext>
-          </a:extLst>
-        </p:spPr>
-        <p:txBody>
-          <a:bodyPr lIns="91383" tIns="45692" rIns="91383" bIns="45692">
-            <a:spAutoFit/>
-          </a:bodyPr>
-          <a:lstStyle>
-            <a:lvl1pPr eaLnBrk="0" hangingPunct="0">
-              <a:defRPr sz="2000" b="1">
-                <a:solidFill>
-                  <a:schemeClr val="tx1"/>
-                </a:solidFill>
-                <a:latin typeface="Courier New" charset="0"/>
-                <a:ea typeface="ＭＳ Ｐゴシック" charset="0"/>
-                <a:cs typeface="Arial" charset="0"/>
-              </a:defRPr>
-            </a:lvl1pPr>
-            <a:lvl2pPr marL="37931725" indent="-37474525" eaLnBrk="0" hangingPunct="0">
-              <a:defRPr sz="2000" b="1">
-                <a:solidFill>
-                  <a:schemeClr val="tx1"/>
-                </a:solidFill>
-                <a:latin typeface="Courier New" charset="0"/>
-                <a:ea typeface="Arial" charset="0"/>
-                <a:cs typeface="Arial" charset="0"/>
-              </a:defRPr>
-            </a:lvl2pPr>
-            <a:lvl3pPr eaLnBrk="0" hangingPunct="0">
-              <a:defRPr sz="2000" b="1">
-                <a:solidFill>
-                  <a:schemeClr val="tx1"/>
-                </a:solidFill>
-                <a:latin typeface="Courier New" charset="0"/>
-                <a:ea typeface="Arial" charset="0"/>
-                <a:cs typeface="Arial" charset="0"/>
-              </a:defRPr>
-            </a:lvl3pPr>
-            <a:lvl4pPr eaLnBrk="0" hangingPunct="0">
-              <a:defRPr sz="2000" b="1">
-                <a:solidFill>
-                  <a:schemeClr val="tx1"/>
-                </a:solidFill>
-                <a:latin typeface="Courier New" charset="0"/>
-                <a:ea typeface="Arial" charset="0"/>
-                <a:cs typeface="Arial" charset="0"/>
-              </a:defRPr>
-            </a:lvl4pPr>
-            <a:lvl5pPr eaLnBrk="0" hangingPunct="0">
-              <a:defRPr sz="2000" b="1">
-                <a:solidFill>
-                  <a:schemeClr val="tx1"/>
-                </a:solidFill>
-                <a:latin typeface="Courier New" charset="0"/>
-                <a:ea typeface="Arial" charset="0"/>
-                <a:cs typeface="Arial" charset="0"/>
-              </a:defRPr>
-            </a:lvl5pPr>
-            <a:lvl6pPr marL="457200" eaLnBrk="0" fontAlgn="base" hangingPunct="0">
-              <a:spcBef>
-                <a:spcPct val="0"/>
-              </a:spcBef>
-              <a:spcAft>
-                <a:spcPct val="0"/>
-              </a:spcAft>
-              <a:defRPr sz="2000" b="1">
-                <a:solidFill>
-                  <a:schemeClr val="tx1"/>
-                </a:solidFill>
-                <a:latin typeface="Courier New" charset="0"/>
-                <a:ea typeface="Arial" charset="0"/>
-                <a:cs typeface="Arial" charset="0"/>
-              </a:defRPr>
-            </a:lvl6pPr>
-            <a:lvl7pPr marL="914400" eaLnBrk="0" fontAlgn="base" hangingPunct="0">
-              <a:spcBef>
-                <a:spcPct val="0"/>
-              </a:spcBef>
-              <a:spcAft>
-                <a:spcPct val="0"/>
-              </a:spcAft>
-              <a:defRPr sz="2000" b="1">
-                <a:solidFill>
-                  <a:schemeClr val="tx1"/>
-                </a:solidFill>
-                <a:latin typeface="Courier New" charset="0"/>
-                <a:ea typeface="Arial" charset="0"/>
-                <a:cs typeface="Arial" charset="0"/>
-              </a:defRPr>
-            </a:lvl7pPr>
-            <a:lvl8pPr marL="1371600" eaLnBrk="0" fontAlgn="base" hangingPunct="0">
-              <a:spcBef>
-                <a:spcPct val="0"/>
-              </a:spcBef>
-              <a:spcAft>
-                <a:spcPct val="0"/>
-              </a:spcAft>
-              <a:defRPr sz="2000" b="1">
-                <a:solidFill>
-                  <a:schemeClr val="tx1"/>
-                </a:solidFill>
-                <a:latin typeface="Courier New" charset="0"/>
-                <a:ea typeface="Arial" charset="0"/>
-                <a:cs typeface="Arial" charset="0"/>
-              </a:defRPr>
-            </a:lvl8pPr>
-            <a:lvl9pPr marL="1828800" eaLnBrk="0" fontAlgn="base" hangingPunct="0">
-              <a:spcBef>
-                <a:spcPct val="0"/>
-              </a:spcBef>
-              <a:spcAft>
-                <a:spcPct val="0"/>
-              </a:spcAft>
-              <a:defRPr sz="2000" b="1">
-                <a:solidFill>
-                  <a:schemeClr val="tx1"/>
-                </a:solidFill>
-                <a:latin typeface="Courier New" charset="0"/>
-                <a:ea typeface="Arial" charset="0"/>
-                <a:cs typeface="Arial" charset="0"/>
-              </a:defRPr>
-            </a:lvl9pPr>
-          </a:lstStyle>
-          <a:p>
-            <a:pPr algn="ctr"/>
-            <a:r>
-              <a:rPr lang="en-US" sz="1800" i="1" dirty="0">
-                <a:latin typeface="Arial" charset="0"/>
-              </a:rPr>
-              <a:t>carriage return line feed</a:t>
-            </a:r>
-          </a:p>
-          <a:p>
-            <a:pPr algn="ctr"/>
-            <a:r>
-              <a:rPr lang="en-US" sz="1800" i="1" dirty="0">
-                <a:latin typeface="Arial" charset="0"/>
-              </a:rPr>
-              <a:t>indicates end of message</a:t>
-            </a:r>
-            <a:endParaRPr lang="en-US" sz="1800" b="0" i="1" dirty="0">
-              <a:latin typeface="Times New Roman" charset="0"/>
-            </a:endParaRPr>
           </a:p>
         </p:txBody>
       </p:sp>
@@ -11037,6 +10790,195 @@
           </p:spPr>
         </p:cxnSp>
       </p:grpSp>
+      <p:sp>
+        <p:nvSpPr>
+          <p:cNvPr id="16" name="Text Box 10">
+            <a:extLst>
+              <a:ext uri="{FF2B5EF4-FFF2-40B4-BE49-F238E27FC236}">
+                <a16:creationId xmlns:a16="http://schemas.microsoft.com/office/drawing/2014/main" id="{992DDE98-B14F-2841-9C3F-72D6C9FB9408}"/>
+              </a:ext>
+            </a:extLst>
+          </p:cNvPr>
+          <p:cNvSpPr txBox="1">
+            <a:spLocks noChangeArrowheads="1"/>
+          </p:cNvSpPr>
+          <p:nvPr/>
+        </p:nvSpPr>
+        <p:spPr bwMode="auto">
+          <a:xfrm>
+            <a:off x="304799" y="5650564"/>
+            <a:ext cx="3733801" cy="646274"/>
+          </a:xfrm>
+          <a:prstGeom prst="rect">
+            <a:avLst/>
+          </a:prstGeom>
+          <a:noFill/>
+          <a:ln>
+            <a:noFill/>
+          </a:ln>
+          <a:extLst>
+            <a:ext uri="{909E8E84-426E-40dd-AFC4-6F175D3DCCD1}">
+              <a14:hiddenFill xmlns:a14="http://schemas.microsoft.com/office/drawing/2010/main" xmlns="">
+                <a:solidFill>
+                  <a:srgbClr val="FFFFFF"/>
+                </a:solidFill>
+              </a14:hiddenFill>
+            </a:ext>
+            <a:ext uri="{91240B29-F687-4f45-9708-019B960494DF}">
+              <a14:hiddenLine xmlns:a14="http://schemas.microsoft.com/office/drawing/2010/main" xmlns="" w="9525">
+                <a:solidFill>
+                  <a:srgbClr val="000000"/>
+                </a:solidFill>
+                <a:miter lim="800000"/>
+                <a:headEnd/>
+                <a:tailEnd/>
+              </a14:hiddenLine>
+            </a:ext>
+          </a:extLst>
+        </p:spPr>
+        <p:txBody>
+          <a:bodyPr wrap="square" lIns="91383" tIns="45692" rIns="91383" bIns="45692">
+            <a:spAutoFit/>
+          </a:bodyPr>
+          <a:lstStyle>
+            <a:lvl1pPr eaLnBrk="0" hangingPunct="0">
+              <a:defRPr sz="2000" b="1">
+                <a:solidFill>
+                  <a:schemeClr val="tx1"/>
+                </a:solidFill>
+                <a:latin typeface="Courier New" charset="0"/>
+                <a:ea typeface="ＭＳ Ｐゴシック" charset="0"/>
+                <a:cs typeface="Arial" charset="0"/>
+              </a:defRPr>
+            </a:lvl1pPr>
+            <a:lvl2pPr marL="37931725" indent="-37474525" eaLnBrk="0" hangingPunct="0">
+              <a:defRPr sz="2000" b="1">
+                <a:solidFill>
+                  <a:schemeClr val="tx1"/>
+                </a:solidFill>
+                <a:latin typeface="Courier New" charset="0"/>
+                <a:ea typeface="Arial" charset="0"/>
+                <a:cs typeface="Arial" charset="0"/>
+              </a:defRPr>
+            </a:lvl2pPr>
+            <a:lvl3pPr eaLnBrk="0" hangingPunct="0">
+              <a:defRPr sz="2000" b="1">
+                <a:solidFill>
+                  <a:schemeClr val="tx1"/>
+                </a:solidFill>
+                <a:latin typeface="Courier New" charset="0"/>
+                <a:ea typeface="Arial" charset="0"/>
+                <a:cs typeface="Arial" charset="0"/>
+              </a:defRPr>
+            </a:lvl3pPr>
+            <a:lvl4pPr eaLnBrk="0" hangingPunct="0">
+              <a:defRPr sz="2000" b="1">
+                <a:solidFill>
+                  <a:schemeClr val="tx1"/>
+                </a:solidFill>
+                <a:latin typeface="Courier New" charset="0"/>
+                <a:ea typeface="Arial" charset="0"/>
+                <a:cs typeface="Arial" charset="0"/>
+              </a:defRPr>
+            </a:lvl4pPr>
+            <a:lvl5pPr eaLnBrk="0" hangingPunct="0">
+              <a:defRPr sz="2000" b="1">
+                <a:solidFill>
+                  <a:schemeClr val="tx1"/>
+                </a:solidFill>
+                <a:latin typeface="Courier New" charset="0"/>
+                <a:ea typeface="Arial" charset="0"/>
+                <a:cs typeface="Arial" charset="0"/>
+              </a:defRPr>
+            </a:lvl5pPr>
+            <a:lvl6pPr marL="457200" eaLnBrk="0" fontAlgn="base" hangingPunct="0">
+              <a:spcBef>
+                <a:spcPct val="0"/>
+              </a:spcBef>
+              <a:spcAft>
+                <a:spcPct val="0"/>
+              </a:spcAft>
+              <a:defRPr sz="2000" b="1">
+                <a:solidFill>
+                  <a:schemeClr val="tx1"/>
+                </a:solidFill>
+                <a:latin typeface="Courier New" charset="0"/>
+                <a:ea typeface="Arial" charset="0"/>
+                <a:cs typeface="Arial" charset="0"/>
+              </a:defRPr>
+            </a:lvl6pPr>
+            <a:lvl7pPr marL="914400" eaLnBrk="0" fontAlgn="base" hangingPunct="0">
+              <a:spcBef>
+                <a:spcPct val="0"/>
+              </a:spcBef>
+              <a:spcAft>
+                <a:spcPct val="0"/>
+              </a:spcAft>
+              <a:defRPr sz="2000" b="1">
+                <a:solidFill>
+                  <a:schemeClr val="tx1"/>
+                </a:solidFill>
+                <a:latin typeface="Courier New" charset="0"/>
+                <a:ea typeface="Arial" charset="0"/>
+                <a:cs typeface="Arial" charset="0"/>
+              </a:defRPr>
+            </a:lvl7pPr>
+            <a:lvl8pPr marL="1371600" eaLnBrk="0" fontAlgn="base" hangingPunct="0">
+              <a:spcBef>
+                <a:spcPct val="0"/>
+              </a:spcBef>
+              <a:spcAft>
+                <a:spcPct val="0"/>
+              </a:spcAft>
+              <a:defRPr sz="2000" b="1">
+                <a:solidFill>
+                  <a:schemeClr val="tx1"/>
+                </a:solidFill>
+                <a:latin typeface="Courier New" charset="0"/>
+                <a:ea typeface="Arial" charset="0"/>
+                <a:cs typeface="Arial" charset="0"/>
+              </a:defRPr>
+            </a:lvl8pPr>
+            <a:lvl9pPr marL="1828800" eaLnBrk="0" fontAlgn="base" hangingPunct="0">
+              <a:spcBef>
+                <a:spcPct val="0"/>
+              </a:spcBef>
+              <a:spcAft>
+                <a:spcPct val="0"/>
+              </a:spcAft>
+              <a:defRPr sz="2000" b="1">
+                <a:solidFill>
+                  <a:schemeClr val="tx1"/>
+                </a:solidFill>
+                <a:latin typeface="Courier New" charset="0"/>
+                <a:ea typeface="Arial" charset="0"/>
+                <a:cs typeface="Arial" charset="0"/>
+              </a:defRPr>
+            </a:lvl9pPr>
+          </a:lstStyle>
+          <a:p>
+            <a:pPr algn="ctr"/>
+            <a:r>
+              <a:rPr lang="en-US" sz="1800" i="1" dirty="0">
+                <a:latin typeface="Arial" charset="0"/>
+              </a:rPr>
+              <a:t>carriage return (\r) line feed (\n)</a:t>
+            </a:r>
+          </a:p>
+          <a:p>
+            <a:pPr algn="ctr"/>
+            <a:r>
+              <a:rPr lang="en-US" sz="1800" i="1" dirty="0">
+                <a:latin typeface="Arial" charset="0"/>
+              </a:rPr>
+              <a:t>indicates end of message</a:t>
+            </a:r>
+            <a:endParaRPr lang="en-US" sz="1800" b="0" i="1" dirty="0">
+              <a:latin typeface="Times New Roman" charset="0"/>
+            </a:endParaRPr>
+          </a:p>
+        </p:txBody>
+      </p:sp>
     </p:spTree>
     <p:extLst>
       <p:ext uri="{BB962C8B-B14F-4D97-AF65-F5344CB8AC3E}">
@@ -11381,10 +11323,9 @@
           <a:lstStyle/>
           <a:p>
             <a:r>
-              <a:rPr lang="en-US" dirty="0" smtClean="0"/>
+              <a:rPr lang="en-US" dirty="0"/>
               <a:t>Server-to-client communication</a:t>
             </a:r>
-            <a:endParaRPr lang="en-US" dirty="0"/>
           </a:p>
         </p:txBody>
       </p:sp>
@@ -11409,31 +11350,30 @@
           <a:lstStyle/>
           <a:p>
             <a:r>
-              <a:rPr lang="en-US" dirty="0" smtClean="0"/>
+              <a:rPr lang="en-US" dirty="0"/>
               <a:t>HTTP Response Message</a:t>
             </a:r>
           </a:p>
           <a:p>
             <a:pPr lvl="1"/>
             <a:r>
-              <a:rPr lang="en-US" dirty="0" smtClean="0"/>
+              <a:rPr lang="en-US" dirty="0"/>
               <a:t>Status line: protocol version, status code, status phrase</a:t>
             </a:r>
           </a:p>
           <a:p>
             <a:pPr lvl="1"/>
             <a:r>
-              <a:rPr lang="en-US" dirty="0" smtClean="0"/>
+              <a:rPr lang="en-US" dirty="0"/>
               <a:t>Response headers: provide information</a:t>
             </a:r>
           </a:p>
           <a:p>
             <a:pPr lvl="1"/>
             <a:r>
-              <a:rPr lang="en-US" dirty="0" smtClean="0"/>
+              <a:rPr lang="en-US" dirty="0"/>
               <a:t>Body: optional data</a:t>
             </a:r>
-            <a:endParaRPr lang="en-US" dirty="0"/>
           </a:p>
         </p:txBody>
       </p:sp>
@@ -11651,23 +11591,7 @@
                   <a:schemeClr val="accent5"/>
                 </a:solidFill>
               </a:rPr>
-              <a:t>Date: Thu, 06 </a:t>
-            </a:r>
-            <a:r>
-              <a:rPr lang="en-US" dirty="0" smtClean="0">
-                <a:solidFill>
-                  <a:schemeClr val="accent5"/>
-                </a:solidFill>
-              </a:rPr>
-              <a:t>Jan 2017 </a:t>
-            </a:r>
-            <a:r>
-              <a:rPr lang="en-US" dirty="0">
-                <a:solidFill>
-                  <a:schemeClr val="accent5"/>
-                </a:solidFill>
-              </a:rPr>
-              <a:t>12:00:15 GMT </a:t>
+              <a:t>Date: Thu, 06 Jan 2017 12:00:15 GMT </a:t>
             </a:r>
           </a:p>
           <a:p>
@@ -12230,7 +12154,7 @@
           <a:p>
             <a:pPr algn="l"/>
             <a:r>
-              <a:rPr lang="en-US" i="1" dirty="0" smtClean="0">
+              <a:rPr lang="en-US" i="1" dirty="0">
                 <a:latin typeface="Arial" charset="0"/>
               </a:rPr>
               <a:t>header lines</a:t>
@@ -13059,10 +12983,9 @@
           <a:lstStyle/>
           <a:p>
             <a:r>
-              <a:rPr lang="en-US" dirty="0" smtClean="0"/>
+              <a:rPr lang="en-US" dirty="0"/>
               <a:t>HTTP is stateless </a:t>
             </a:r>
-            <a:endParaRPr lang="en-US" dirty="0"/>
           </a:p>
         </p:txBody>
       </p:sp>
@@ -13082,20 +13005,20 @@
           <a:lstStyle/>
           <a:p>
             <a:r>
-              <a:rPr lang="en-US" dirty="0" smtClean="0"/>
+              <a:rPr lang="en-US" dirty="0"/>
               <a:t>Each request-response treated independently</a:t>
             </a:r>
           </a:p>
           <a:p>
             <a:pPr lvl="1"/>
             <a:r>
-              <a:rPr lang="en-US" dirty="0" smtClean="0"/>
+              <a:rPr lang="en-US" dirty="0"/>
               <a:t>Servers not required to retain state</a:t>
             </a:r>
           </a:p>
           <a:p>
             <a:r>
-              <a:rPr lang="en-US" dirty="0" smtClean="0">
+              <a:rPr lang="en-US" dirty="0">
                 <a:solidFill>
                   <a:schemeClr val="accent5"/>
                 </a:solidFill>
@@ -13103,34 +13026,34 @@
               <a:t>Good</a:t>
             </a:r>
             <a:r>
-              <a:rPr lang="en-US" dirty="0" smtClean="0"/>
+              <a:rPr lang="en-US" dirty="0"/>
               <a:t>: Improves scalability on the server-side</a:t>
             </a:r>
           </a:p>
           <a:p>
             <a:pPr lvl="1"/>
             <a:r>
-              <a:rPr lang="en-US" dirty="0" smtClean="0"/>
+              <a:rPr lang="en-US" dirty="0"/>
               <a:t>Failure handling is easier</a:t>
             </a:r>
           </a:p>
           <a:p>
             <a:pPr lvl="1"/>
             <a:r>
-              <a:rPr lang="en-US" dirty="0" smtClean="0"/>
+              <a:rPr lang="en-US" dirty="0"/>
               <a:t>Can handle higher rate of requests</a:t>
             </a:r>
           </a:p>
           <a:p>
             <a:pPr lvl="1"/>
             <a:r>
-              <a:rPr lang="en-US" dirty="0" smtClean="0"/>
+              <a:rPr lang="en-US" dirty="0"/>
               <a:t>Order of requests doesn’t matter</a:t>
             </a:r>
           </a:p>
           <a:p>
             <a:r>
-              <a:rPr lang="en-US" dirty="0" smtClean="0">
+              <a:rPr lang="en-US" dirty="0">
                 <a:solidFill>
                   <a:schemeClr val="accent5"/>
                 </a:solidFill>
@@ -13138,24 +13061,23 @@
               <a:t>Bad</a:t>
             </a:r>
             <a:r>
-              <a:rPr lang="en-US" dirty="0" smtClean="0"/>
+              <a:rPr lang="en-US" dirty="0"/>
               <a:t>: Some applications need persistent state</a:t>
             </a:r>
           </a:p>
           <a:p>
             <a:pPr lvl="1"/>
             <a:r>
-              <a:rPr lang="en-US" dirty="0" smtClean="0"/>
+              <a:rPr lang="en-US" dirty="0"/>
               <a:t>Need to uniquely identify user or store temporary info</a:t>
             </a:r>
           </a:p>
           <a:p>
             <a:pPr lvl="1"/>
             <a:r>
-              <a:rPr lang="en-US" dirty="0" smtClean="0"/>
-              <a:t>e.g., Shopping cart, user profiles, usage tracking, …</a:t>
-            </a:r>
-            <a:endParaRPr lang="en-US" dirty="0"/>
+              <a:rPr lang="en-US" dirty="0"/>
+              <a:t>e.g., shopping cart, user profiles, usage tracking, …</a:t>
+            </a:r>
           </a:p>
         </p:txBody>
       </p:sp>
@@ -13595,10 +13517,9 @@
           <a:lstStyle/>
           <a:p>
             <a:r>
-              <a:rPr lang="en-US" dirty="0" smtClean="0"/>
+              <a:rPr lang="en-US" dirty="0"/>
               <a:t>Question</a:t>
             </a:r>
-            <a:endParaRPr lang="en-US" dirty="0"/>
           </a:p>
         </p:txBody>
       </p:sp>
@@ -13618,10 +13539,9 @@
           <a:lstStyle/>
           <a:p>
             <a:r>
-              <a:rPr lang="en-US" dirty="0" smtClean="0"/>
+              <a:rPr lang="en-US" dirty="0"/>
               <a:t>How does a stateless protocol keep state?</a:t>
             </a:r>
-            <a:endParaRPr lang="en-US" dirty="0"/>
           </a:p>
         </p:txBody>
       </p:sp>
@@ -13659,13 +13579,6 @@
   <p:clrMapOvr>
     <a:masterClrMapping/>
   </p:clrMapOvr>
-  <p:timing>
-    <p:tnLst>
-      <p:par>
-        <p:cTn id="1" dur="indefinite" restart="never" nodeType="tmRoot"/>
-      </p:par>
-    </p:tnLst>
-  </p:timing>
 </p:sld>
 </file>
 
@@ -13702,17 +13615,16 @@
           <a:lstStyle/>
           <a:p>
             <a:r>
-              <a:rPr lang="en-US" dirty="0" smtClean="0"/>
+              <a:rPr lang="en-US" dirty="0"/>
               <a:t>State in a stateless protocol:</a:t>
             </a:r>
             <a:br>
-              <a:rPr lang="en-US" dirty="0" smtClean="0"/>
+              <a:rPr lang="en-US" dirty="0"/>
             </a:br>
             <a:r>
-              <a:rPr lang="en-US" dirty="0" smtClean="0"/>
+              <a:rPr lang="en-US" dirty="0"/>
               <a:t>Cookies</a:t>
             </a:r>
-            <a:endParaRPr lang="en-US" dirty="0"/>
           </a:p>
         </p:txBody>
       </p:sp>
@@ -13732,30 +13644,29 @@
           <a:lstStyle/>
           <a:p>
             <a:r>
-              <a:rPr lang="en-US" dirty="0" smtClean="0"/>
+              <a:rPr lang="en-US" dirty="0"/>
               <a:t>Client-side state maintenance</a:t>
             </a:r>
           </a:p>
           <a:p>
             <a:pPr lvl="1"/>
             <a:r>
-              <a:rPr lang="en-US" dirty="0" smtClean="0"/>
+              <a:rPr lang="en-US" dirty="0"/>
               <a:t>Client stores small state on behalf of server</a:t>
             </a:r>
           </a:p>
           <a:p>
             <a:pPr lvl="1"/>
             <a:r>
-              <a:rPr lang="en-US" dirty="0" smtClean="0"/>
+              <a:rPr lang="en-US" dirty="0"/>
               <a:t>Client sends state in future requests to the server</a:t>
             </a:r>
           </a:p>
           <a:p>
             <a:r>
-              <a:rPr lang="en-US" dirty="0" smtClean="0"/>
+              <a:rPr lang="en-US" dirty="0"/>
               <a:t>Can provide authentication</a:t>
             </a:r>
-            <a:endParaRPr lang="en-US" dirty="0"/>
           </a:p>
         </p:txBody>
       </p:sp>
@@ -14646,7 +14557,7 @@
               <a:tabLst/>
             </a:pPr>
             <a:r>
-              <a:rPr kumimoji="0" lang="en-US" sz="2000" b="1" i="0" u="none" strike="noStrike" cap="none" normalizeH="0" baseline="0" dirty="0" smtClean="0">
+              <a:rPr kumimoji="0" lang="en-US" sz="2000" b="1" i="0" u="none" strike="noStrike" cap="none" normalizeH="0" baseline="0" dirty="0">
                 <a:ln>
                   <a:noFill/>
                 </a:ln>
@@ -14966,7 +14877,7 @@
           <a:p>
             <a:pPr eaLnBrk="1" hangingPunct="1"/>
             <a:r>
-              <a:rPr lang="en-US" sz="1600" b="0" smtClean="0">
+              <a:rPr lang="en-US" sz="1600" b="0">
                 <a:latin typeface="Lucida Console" charset="0"/>
                 <a:ea typeface="Lucida Console" charset="0"/>
                 <a:cs typeface="Lucida Console" charset="0"/>
@@ -15612,10 +15523,9 @@
           <a:lstStyle/>
           <a:p>
             <a:r>
-              <a:rPr lang="en-US" dirty="0" smtClean="0"/>
+              <a:rPr lang="en-US" dirty="0"/>
               <a:t>“Abuse” of cookies</a:t>
             </a:r>
-            <a:endParaRPr lang="en-US" dirty="0"/>
           </a:p>
         </p:txBody>
       </p:sp>
@@ -15635,18 +15545,18 @@
           <a:lstStyle/>
           <a:p>
             <a:r>
-              <a:rPr lang="en-US" dirty="0" smtClean="0">
+              <a:rPr lang="en-US" dirty="0">
                 <a:sym typeface="Arial" pitchFamily="68" charset="0"/>
               </a:rPr>
               <a:t>Excellent marketing opportunities and</a:t>
             </a:r>
             <a:br>
-              <a:rPr lang="en-US" dirty="0" smtClean="0">
+              <a:rPr lang="en-US" dirty="0">
                 <a:sym typeface="Arial" pitchFamily="68" charset="0"/>
               </a:rPr>
             </a:br>
             <a:r>
-              <a:rPr lang="en-US" dirty="0" smtClean="0">
+              <a:rPr lang="en-US" dirty="0">
                 <a:sym typeface="Arial" pitchFamily="68" charset="0"/>
               </a:rPr>
               <a:t>concerns for privacy</a:t>
@@ -15658,13 +15568,7 @@
               <a:rPr lang="en-US" dirty="0">
                 <a:sym typeface="Arial" pitchFamily="68" charset="0"/>
               </a:rPr>
-              <a:t>C</a:t>
-            </a:r>
-            <a:r>
-              <a:rPr lang="en-US" dirty="0" smtClean="0">
-                <a:sym typeface="Arial" pitchFamily="68" charset="0"/>
-              </a:rPr>
-              <a:t>ookies permit sites to learn a lot about you</a:t>
+              <a:t>Cookies permit sites to learn a lot about you</a:t>
             </a:r>
           </a:p>
           <a:p>
@@ -15673,13 +15577,7 @@
               <a:rPr lang="en-US" dirty="0">
                 <a:sym typeface="Arial" pitchFamily="68" charset="0"/>
               </a:rPr>
-              <a:t>Y</a:t>
-            </a:r>
-            <a:r>
-              <a:rPr lang="en-US" dirty="0" smtClean="0">
-                <a:sym typeface="Arial" pitchFamily="68" charset="0"/>
-              </a:rPr>
-              <a:t>ou may unknowingly supply personal info to sites</a:t>
+              <a:t>You may unknowingly supply personal info to sites</a:t>
             </a:r>
           </a:p>
           <a:p>
@@ -15688,21 +15586,15 @@
               <a:rPr lang="en-US" dirty="0">
                 <a:sym typeface="Arial" pitchFamily="68" charset="0"/>
               </a:rPr>
-              <a:t>A</a:t>
-            </a:r>
-            <a:r>
-              <a:rPr lang="en-US" dirty="0" smtClean="0">
-                <a:sym typeface="Arial" pitchFamily="68" charset="0"/>
-              </a:rPr>
-              <a:t>dvertising companies tracks your preferences and</a:t>
+              <a:t>Advertising companies tracks your preferences and</a:t>
             </a:r>
             <a:br>
-              <a:rPr lang="en-US" dirty="0" smtClean="0">
+              <a:rPr lang="en-US" dirty="0">
                 <a:sym typeface="Arial" pitchFamily="68" charset="0"/>
               </a:rPr>
             </a:br>
             <a:r>
-              <a:rPr lang="en-US" dirty="0" smtClean="0">
+              <a:rPr lang="en-US" dirty="0">
                 <a:sym typeface="Arial" pitchFamily="68" charset="0"/>
               </a:rPr>
               <a:t>viewing history across sites</a:t>
@@ -15744,21 +15636,6 @@
   <p:clrMapOvr>
     <a:masterClrMapping/>
   </p:clrMapOvr>
-  <mc:AlternateContent xmlns:mc="http://schemas.openxmlformats.org/markup-compatibility/2006" xmlns:p14="http://schemas.microsoft.com/office/powerpoint/2010/main">
-    <mc:Choice Requires="p14">
-      <p:transition spd="slow" p14:dur="2000"/>
-    </mc:Choice>
-    <mc:Fallback xmlns="">
-      <p:transition spd="slow"/>
-    </mc:Fallback>
-  </mc:AlternateContent>
-  <p:timing>
-    <p:tnLst>
-      <p:par>
-        <p:cTn id="1" dur="indefinite" restart="never" nodeType="tmRoot"/>
-      </p:par>
-    </p:tnLst>
-  </p:timing>
 </p:sld>
 </file>
 
@@ -15795,10 +15672,9 @@
           <a:lstStyle/>
           <a:p>
             <a:r>
-              <a:rPr lang="en-US" dirty="0" smtClean="0"/>
+              <a:rPr lang="en-US" dirty="0"/>
               <a:t>Performance goals</a:t>
             </a:r>
-            <a:endParaRPr lang="en-US" dirty="0"/>
           </a:p>
         </p:txBody>
       </p:sp>
@@ -15818,7 +15694,7 @@
           <a:lstStyle/>
           <a:p>
             <a:r>
-              <a:rPr lang="en-US" dirty="0" smtClean="0"/>
+              <a:rPr lang="en-US" dirty="0"/>
               <a:t>User</a:t>
             </a:r>
           </a:p>
@@ -15826,18 +15702,14 @@
             <a:pPr lvl="1"/>
             <a:r>
               <a:rPr lang="en-US" dirty="0"/>
-              <a:t>F</a:t>
-            </a:r>
-            <a:r>
-              <a:rPr lang="en-US" dirty="0" smtClean="0"/>
-              <a:t>ast downloads (not identical to low-latency</a:t>
-            </a:r>
-            <a:r>
-              <a:rPr lang="zh-CN" altLang="en-US" dirty="0" smtClean="0"/>
+              <a:t>Fast downloads (not identical to low-latency</a:t>
+            </a:r>
+            <a:r>
+              <a:rPr lang="zh-CN" altLang="en-US" dirty="0"/>
               <a:t> </a:t>
             </a:r>
             <a:r>
-              <a:rPr lang="en-US" dirty="0" smtClean="0"/>
+              <a:rPr lang="en-US" dirty="0"/>
               <a:t>communication!)</a:t>
             </a:r>
           </a:p>
@@ -15845,16 +15717,12 @@
             <a:pPr lvl="1"/>
             <a:r>
               <a:rPr lang="en-US" dirty="0"/>
-              <a:t>H</a:t>
-            </a:r>
-            <a:r>
-              <a:rPr lang="en-US" dirty="0" smtClean="0"/>
-              <a:t>igh availability </a:t>
-            </a:r>
-          </a:p>
-          <a:p>
-            <a:r>
-              <a:rPr lang="en-US" dirty="0" smtClean="0"/>
+              <a:t>High availability </a:t>
+            </a:r>
+          </a:p>
+          <a:p>
+            <a:r>
+              <a:rPr lang="en-US" dirty="0"/>
               <a:t>Content provider</a:t>
             </a:r>
           </a:p>
@@ -15862,27 +15730,19 @@
             <a:pPr lvl="1"/>
             <a:r>
               <a:rPr lang="en-US" dirty="0"/>
-              <a:t>H</a:t>
-            </a:r>
-            <a:r>
-              <a:rPr lang="en-US" dirty="0" smtClean="0"/>
-              <a:t>appy users (hence, above)</a:t>
+              <a:t>Happy users (hence, above)</a:t>
             </a:r>
           </a:p>
           <a:p>
             <a:pPr lvl="1"/>
             <a:r>
               <a:rPr lang="en-US" dirty="0"/>
-              <a:t>C</a:t>
-            </a:r>
-            <a:r>
-              <a:rPr lang="en-US" dirty="0" smtClean="0"/>
-              <a:t>ost-effective infrastructure  </a:t>
-            </a:r>
-          </a:p>
-          <a:p>
-            <a:r>
-              <a:rPr lang="en-US" dirty="0" smtClean="0"/>
+              <a:t>Cost-effective infrastructure  </a:t>
+            </a:r>
+          </a:p>
+          <a:p>
+            <a:r>
+              <a:rPr lang="en-US" dirty="0"/>
               <a:t>Network (secondary) </a:t>
             </a:r>
           </a:p>
@@ -15890,16 +15750,12 @@
             <a:pPr lvl="1"/>
             <a:r>
               <a:rPr lang="en-US" dirty="0"/>
-              <a:t>A</a:t>
-            </a:r>
-            <a:r>
-              <a:rPr lang="en-US" dirty="0" smtClean="0"/>
-              <a:t>void overload</a:t>
+              <a:t>Avoid overload</a:t>
             </a:r>
           </a:p>
           <a:p>
             <a:pPr lvl="1"/>
-            <a:endParaRPr lang="en-US" dirty="0" smtClean="0"/>
+            <a:endParaRPr lang="en-US" dirty="0"/>
           </a:p>
           <a:p>
             <a:pPr lvl="1"/>
@@ -16312,10 +16168,9 @@
           <a:lstStyle/>
           <a:p>
             <a:r>
-              <a:rPr lang="en-US" dirty="0" smtClean="0"/>
+              <a:rPr lang="en-US" dirty="0"/>
               <a:t>Agenda</a:t>
             </a:r>
-            <a:endParaRPr lang="en-US" dirty="0"/>
           </a:p>
         </p:txBody>
       </p:sp>
@@ -16335,13 +16190,13 @@
           <a:lstStyle/>
           <a:p>
             <a:r>
-              <a:rPr lang="en-US" dirty="0" smtClean="0"/>
+              <a:rPr lang="en-US" dirty="0"/>
               <a:t>HTTP and the Web</a:t>
             </a:r>
           </a:p>
           <a:p>
             <a:r>
-              <a:rPr lang="en-US" dirty="0" smtClean="0"/>
+              <a:rPr lang="en-US" dirty="0"/>
               <a:t>Improving HTTP Performance</a:t>
             </a:r>
           </a:p>
@@ -16381,13 +16236,6 @@
   <p:clrMapOvr>
     <a:masterClrMapping/>
   </p:clrMapOvr>
-  <p:timing>
-    <p:tnLst>
-      <p:par>
-        <p:cTn id="1" dur="indefinite" restart="never" nodeType="tmRoot"/>
-      </p:par>
-    </p:tnLst>
-  </p:timing>
 </p:sld>
 </file>
 
@@ -16424,10 +16272,9 @@
           <a:lstStyle/>
           <a:p>
             <a:r>
-              <a:rPr lang="en-US" dirty="0" smtClean="0"/>
+              <a:rPr lang="en-US" dirty="0"/>
               <a:t>Solutions?</a:t>
             </a:r>
-            <a:endParaRPr lang="en-US" dirty="0"/>
           </a:p>
         </p:txBody>
       </p:sp>
@@ -16447,7 +16294,7 @@
           <a:lstStyle/>
           <a:p>
             <a:r>
-              <a:rPr lang="en-US" dirty="0" smtClean="0"/>
+              <a:rPr lang="en-US" dirty="0"/>
               <a:t>User</a:t>
             </a:r>
           </a:p>
@@ -16455,27 +16302,19 @@
             <a:pPr lvl="1"/>
             <a:r>
               <a:rPr lang="en-US" dirty="0"/>
-              <a:t>F</a:t>
-            </a:r>
-            <a:r>
-              <a:rPr lang="en-US" dirty="0" smtClean="0"/>
-              <a:t>ast downloads (not identical to low-latency communication!)</a:t>
+              <a:t>Fast downloads (not identical to low-latency communication!)</a:t>
             </a:r>
           </a:p>
           <a:p>
             <a:pPr lvl="1"/>
             <a:r>
               <a:rPr lang="en-US" dirty="0"/>
-              <a:t>H</a:t>
-            </a:r>
-            <a:r>
-              <a:rPr lang="en-US" dirty="0" smtClean="0"/>
-              <a:t>igh availability </a:t>
-            </a:r>
-          </a:p>
-          <a:p>
-            <a:r>
-              <a:rPr lang="en-US" dirty="0" smtClean="0"/>
+              <a:t>High availability </a:t>
+            </a:r>
+          </a:p>
+          <a:p>
+            <a:r>
+              <a:rPr lang="en-US" dirty="0"/>
               <a:t>Content provider</a:t>
             </a:r>
           </a:p>
@@ -16487,31 +16326,19 @@
                   <a:schemeClr val="accent3"/>
                 </a:solidFill>
               </a:rPr>
-              <a:t>H</a:t>
-            </a:r>
-            <a:r>
-              <a:rPr lang="en-US" dirty="0" smtClean="0">
-                <a:solidFill>
-                  <a:schemeClr val="accent3"/>
-                </a:solidFill>
-              </a:rPr>
-              <a:t>appy users (hence, above)</a:t>
+              <a:t>Happy users (hence, above)</a:t>
             </a:r>
           </a:p>
           <a:p>
             <a:pPr lvl="1"/>
             <a:r>
               <a:rPr lang="en-US" dirty="0"/>
-              <a:t>C</a:t>
-            </a:r>
-            <a:r>
-              <a:rPr lang="en-US" dirty="0" smtClean="0"/>
-              <a:t>ost-effective infrastructure  </a:t>
-            </a:r>
-          </a:p>
-          <a:p>
-            <a:r>
-              <a:rPr lang="en-US" dirty="0" smtClean="0"/>
+              <a:t>Cost-effective infrastructure  </a:t>
+            </a:r>
+          </a:p>
+          <a:p>
+            <a:r>
+              <a:rPr lang="en-US" dirty="0"/>
               <a:t>Network (secondary) </a:t>
             </a:r>
           </a:p>
@@ -16519,16 +16346,12 @@
             <a:pPr lvl="1"/>
             <a:r>
               <a:rPr lang="en-US" dirty="0"/>
-              <a:t>A</a:t>
-            </a:r>
-            <a:r>
-              <a:rPr lang="en-US" dirty="0" smtClean="0"/>
-              <a:t>void overload</a:t>
+              <a:t>Avoid overload</a:t>
             </a:r>
           </a:p>
           <a:p>
             <a:pPr lvl="1"/>
-            <a:endParaRPr lang="en-US" dirty="0" smtClean="0"/>
+            <a:endParaRPr lang="en-US" dirty="0"/>
           </a:p>
           <a:p>
             <a:pPr lvl="1"/>
@@ -16599,10 +16422,9 @@
           <a:p>
             <a:pPr defTabSz="913836"/>
             <a:r>
-              <a:rPr lang="en-US" dirty="0" smtClean="0"/>
+              <a:rPr lang="en-US" dirty="0"/>
               <a:t>Improve networking protocols including HTTP, TCP, etc.</a:t>
             </a:r>
-            <a:endParaRPr lang="en-US" dirty="0"/>
           </a:p>
         </p:txBody>
       </p:sp>
@@ -16643,13 +16465,6 @@
   <p:clrMapOvr>
     <a:masterClrMapping/>
   </p:clrMapOvr>
-  <p:timing>
-    <p:tnLst>
-      <p:par>
-        <p:cTn id="1" dur="indefinite" restart="never" nodeType="tmRoot"/>
-      </p:par>
-    </p:tnLst>
-  </p:timing>
 </p:sld>
 </file>
 
@@ -16686,10 +16501,9 @@
           <a:lstStyle/>
           <a:p>
             <a:r>
-              <a:rPr lang="en-US" dirty="0" smtClean="0"/>
+              <a:rPr lang="en-US" dirty="0"/>
               <a:t>Solutions?</a:t>
             </a:r>
-            <a:endParaRPr lang="en-US" dirty="0"/>
           </a:p>
         </p:txBody>
       </p:sp>
@@ -16709,7 +16523,7 @@
           <a:lstStyle/>
           <a:p>
             <a:r>
-              <a:rPr lang="en-US" dirty="0" smtClean="0"/>
+              <a:rPr lang="en-US" dirty="0"/>
               <a:t>User</a:t>
             </a:r>
           </a:p>
@@ -16717,27 +16531,19 @@
             <a:pPr lvl="1"/>
             <a:r>
               <a:rPr lang="en-US" dirty="0"/>
-              <a:t>F</a:t>
-            </a:r>
-            <a:r>
-              <a:rPr lang="en-US" dirty="0" smtClean="0"/>
-              <a:t>ast downloads (not identical to low-latency communication!)</a:t>
+              <a:t>Fast downloads (not identical to low-latency communication!)</a:t>
             </a:r>
           </a:p>
           <a:p>
             <a:pPr lvl="1"/>
             <a:r>
               <a:rPr lang="en-US" dirty="0"/>
-              <a:t>H</a:t>
-            </a:r>
-            <a:r>
-              <a:rPr lang="en-US" dirty="0" smtClean="0"/>
-              <a:t>igh availability </a:t>
-            </a:r>
-          </a:p>
-          <a:p>
-            <a:r>
-              <a:rPr lang="en-US" dirty="0" smtClean="0"/>
+              <a:t>High availability </a:t>
+            </a:r>
+          </a:p>
+          <a:p>
+            <a:r>
+              <a:rPr lang="en-US" dirty="0"/>
               <a:t>Content provider</a:t>
             </a:r>
           </a:p>
@@ -16749,31 +16555,19 @@
                   <a:schemeClr val="accent3"/>
                 </a:solidFill>
               </a:rPr>
-              <a:t>H</a:t>
-            </a:r>
-            <a:r>
-              <a:rPr lang="en-US" dirty="0" smtClean="0">
-                <a:solidFill>
-                  <a:schemeClr val="accent3"/>
-                </a:solidFill>
-              </a:rPr>
-              <a:t>appy users (hence, above)</a:t>
+              <a:t>Happy users (hence, above)</a:t>
             </a:r>
           </a:p>
           <a:p>
             <a:pPr lvl="1"/>
             <a:r>
               <a:rPr lang="en-US" dirty="0"/>
-              <a:t>C</a:t>
-            </a:r>
-            <a:r>
-              <a:rPr lang="en-US" dirty="0" smtClean="0"/>
-              <a:t>ost-effective infrastructure  </a:t>
-            </a:r>
-          </a:p>
-          <a:p>
-            <a:r>
-              <a:rPr lang="en-US" dirty="0" smtClean="0"/>
+              <a:t>Cost-effective infrastructure  </a:t>
+            </a:r>
+          </a:p>
+          <a:p>
+            <a:r>
+              <a:rPr lang="en-US" dirty="0"/>
               <a:t>Network (secondary) </a:t>
             </a:r>
           </a:p>
@@ -16781,16 +16575,12 @@
             <a:pPr lvl="1"/>
             <a:r>
               <a:rPr lang="en-US" dirty="0"/>
-              <a:t>A</a:t>
-            </a:r>
-            <a:r>
-              <a:rPr lang="en-US" dirty="0" smtClean="0"/>
-              <a:t>void overload</a:t>
+              <a:t>Avoid overload</a:t>
             </a:r>
           </a:p>
           <a:p>
             <a:pPr lvl="1"/>
-            <a:endParaRPr lang="en-US" dirty="0" smtClean="0"/>
+            <a:endParaRPr lang="en-US" dirty="0"/>
           </a:p>
           <a:p>
             <a:pPr lvl="1"/>
@@ -16861,10 +16651,9 @@
           <a:p>
             <a:pPr defTabSz="913836"/>
             <a:r>
-              <a:rPr lang="en-US" dirty="0" smtClean="0"/>
+              <a:rPr lang="en-US" dirty="0"/>
               <a:t>Improve networking protocols including HTTP, TCP, etc.</a:t>
             </a:r>
-            <a:endParaRPr lang="en-US" dirty="0"/>
           </a:p>
         </p:txBody>
       </p:sp>
@@ -16907,10 +16696,9 @@
           <a:p>
             <a:pPr defTabSz="913836"/>
             <a:r>
-              <a:rPr lang="en-US" dirty="0" smtClean="0"/>
+              <a:rPr lang="en-US" dirty="0"/>
               <a:t>Caching and replication</a:t>
             </a:r>
-            <a:endParaRPr lang="en-US" dirty="0"/>
           </a:p>
         </p:txBody>
       </p:sp>
@@ -17206,10 +16994,9 @@
           <a:lstStyle/>
           <a:p>
             <a:r>
-              <a:rPr lang="en-US" dirty="0" smtClean="0"/>
+              <a:rPr lang="en-US" dirty="0"/>
               <a:t>Solutions?</a:t>
             </a:r>
-            <a:endParaRPr lang="en-US" dirty="0"/>
           </a:p>
         </p:txBody>
       </p:sp>
@@ -17229,7 +17016,7 @@
           <a:lstStyle/>
           <a:p>
             <a:r>
-              <a:rPr lang="en-US" dirty="0" smtClean="0"/>
+              <a:rPr lang="en-US" dirty="0"/>
               <a:t>User</a:t>
             </a:r>
           </a:p>
@@ -17237,27 +17024,19 @@
             <a:pPr lvl="1"/>
             <a:r>
               <a:rPr lang="en-US" dirty="0"/>
-              <a:t>F</a:t>
-            </a:r>
-            <a:r>
-              <a:rPr lang="en-US" dirty="0" smtClean="0"/>
-              <a:t>ast downloads (not identical to low-latency communication!)</a:t>
+              <a:t>Fast downloads (not identical to low-latency communication!)</a:t>
             </a:r>
           </a:p>
           <a:p>
             <a:pPr lvl="1"/>
             <a:r>
               <a:rPr lang="en-US" dirty="0"/>
-              <a:t>H</a:t>
-            </a:r>
-            <a:r>
-              <a:rPr lang="en-US" dirty="0" smtClean="0"/>
-              <a:t>igh availability </a:t>
-            </a:r>
-          </a:p>
-          <a:p>
-            <a:r>
-              <a:rPr lang="en-US" dirty="0" smtClean="0"/>
+              <a:t>High availability </a:t>
+            </a:r>
+          </a:p>
+          <a:p>
+            <a:r>
+              <a:rPr lang="en-US" dirty="0"/>
               <a:t>Content provider</a:t>
             </a:r>
           </a:p>
@@ -17269,31 +17048,19 @@
                   <a:schemeClr val="accent3"/>
                 </a:solidFill>
               </a:rPr>
-              <a:t>H</a:t>
-            </a:r>
-            <a:r>
-              <a:rPr lang="en-US" dirty="0" smtClean="0">
-                <a:solidFill>
-                  <a:schemeClr val="accent3"/>
-                </a:solidFill>
-              </a:rPr>
-              <a:t>appy users (hence, above)</a:t>
+              <a:t>Happy users (hence, above)</a:t>
             </a:r>
           </a:p>
           <a:p>
             <a:pPr lvl="1"/>
             <a:r>
               <a:rPr lang="en-US" dirty="0"/>
-              <a:t>C</a:t>
-            </a:r>
-            <a:r>
-              <a:rPr lang="en-US" dirty="0" smtClean="0"/>
-              <a:t>ost-effective infrastructure  </a:t>
-            </a:r>
-          </a:p>
-          <a:p>
-            <a:r>
-              <a:rPr lang="en-US" dirty="0" smtClean="0"/>
+              <a:t>Cost-effective infrastructure  </a:t>
+            </a:r>
+          </a:p>
+          <a:p>
+            <a:r>
+              <a:rPr lang="en-US" dirty="0"/>
               <a:t>Network (secondary) </a:t>
             </a:r>
           </a:p>
@@ -17301,16 +17068,12 @@
             <a:pPr lvl="1"/>
             <a:r>
               <a:rPr lang="en-US" dirty="0"/>
-              <a:t>A</a:t>
-            </a:r>
-            <a:r>
-              <a:rPr lang="en-US" dirty="0" smtClean="0"/>
-              <a:t>void overload</a:t>
+              <a:t>Avoid overload</a:t>
             </a:r>
           </a:p>
           <a:p>
             <a:pPr lvl="1"/>
-            <a:endParaRPr lang="en-US" dirty="0" smtClean="0"/>
+            <a:endParaRPr lang="en-US" dirty="0"/>
           </a:p>
           <a:p>
             <a:pPr lvl="1"/>
@@ -17381,10 +17144,9 @@
           <a:p>
             <a:pPr defTabSz="913836"/>
             <a:r>
-              <a:rPr lang="en-US" dirty="0" smtClean="0"/>
+              <a:rPr lang="en-US" dirty="0"/>
               <a:t>Improve networking protocols including HTTP, TCP, etc.</a:t>
             </a:r>
-            <a:endParaRPr lang="en-US" dirty="0"/>
           </a:p>
         </p:txBody>
       </p:sp>
@@ -17427,10 +17189,9 @@
           <a:p>
             <a:pPr defTabSz="913836"/>
             <a:r>
-              <a:rPr lang="en-US" dirty="0" smtClean="0"/>
+              <a:rPr lang="en-US" dirty="0"/>
               <a:t>Caching and replication</a:t>
             </a:r>
-            <a:endParaRPr lang="en-US" dirty="0"/>
           </a:p>
         </p:txBody>
       </p:sp>
@@ -17501,21 +17262,8 @@
             <a:pPr defTabSz="913836"/>
             <a:r>
               <a:rPr lang="en-US" dirty="0"/>
-              <a:t>Exploit economies of </a:t>
-            </a:r>
-            <a:r>
-              <a:rPr lang="en-US" dirty="0" smtClean="0"/>
-              <a:t>scale; e.g., webhosting</a:t>
-            </a:r>
-            <a:r>
-              <a:rPr lang="en-US" dirty="0"/>
-              <a:t>, CDNs, </a:t>
-            </a:r>
-            <a:r>
-              <a:rPr lang="en-US" dirty="0" smtClean="0"/>
-              <a:t>datacenters</a:t>
-            </a:r>
-            <a:endParaRPr lang="en-US" dirty="0"/>
+              <a:t>Exploit economies of scale; e.g., webhosting, CDNs, datacenters</a:t>
+            </a:r>
           </a:p>
         </p:txBody>
       </p:sp>
@@ -17529,13 +17277,6 @@
   <p:clrMapOvr>
     <a:masterClrMapping/>
   </p:clrMapOvr>
-  <p:timing>
-    <p:tnLst>
-      <p:par>
-        <p:cTn id="1" dur="indefinite" restart="never" nodeType="tmRoot"/>
-      </p:par>
-    </p:tnLst>
-  </p:timing>
 </p:sld>
 </file>
 
@@ -17572,10 +17313,9 @@
           <a:lstStyle/>
           <a:p>
             <a:r>
-              <a:rPr lang="en-US" dirty="0" smtClean="0"/>
+              <a:rPr lang="en-US" dirty="0"/>
               <a:t>HTTP performance</a:t>
             </a:r>
-            <a:endParaRPr lang="en-US" dirty="0"/>
           </a:p>
         </p:txBody>
       </p:sp>
@@ -17595,40 +17335,40 @@
           <a:lstStyle/>
           <a:p>
             <a:r>
-              <a:rPr lang="en-US" smtClean="0"/>
+              <a:rPr lang="en-US"/>
               <a:t>Most Web pages have multiple objects</a:t>
             </a:r>
           </a:p>
           <a:p>
             <a:pPr lvl="1"/>
             <a:r>
-              <a:rPr lang="en-US" smtClean="0"/>
+              <a:rPr lang="en-US"/>
               <a:t>e.g., HTML file and a bunch of embedded images</a:t>
             </a:r>
           </a:p>
           <a:p>
-            <a:endParaRPr lang="en-US" smtClean="0"/>
-          </a:p>
-          <a:p>
-            <a:r>
-              <a:rPr lang="en-US" smtClean="0"/>
+            <a:endParaRPr lang="en-US"/>
+          </a:p>
+          <a:p>
+            <a:r>
+              <a:rPr lang="en-US"/>
               <a:t>How do you retrieve those objects (naively)?</a:t>
             </a:r>
           </a:p>
           <a:p>
             <a:pPr lvl="1"/>
             <a:r>
-              <a:rPr lang="en-US" smtClean="0"/>
+              <a:rPr lang="en-US"/>
               <a:t>One item at a time</a:t>
             </a:r>
           </a:p>
           <a:p>
             <a:pPr lvl="1"/>
-            <a:endParaRPr lang="en-US" smtClean="0"/>
-          </a:p>
-          <a:p>
-            <a:r>
-              <a:rPr lang="en-US" smtClean="0"/>
+            <a:endParaRPr lang="en-US"/>
+          </a:p>
+          <a:p>
+            <a:r>
+              <a:rPr lang="en-US"/>
               <a:t>New TCP connection per (small) object!</a:t>
             </a:r>
             <a:endParaRPr lang="en-US" dirty="0"/>
@@ -17868,13 +17608,8 @@
           <a:p>
             <a:r>
               <a:rPr lang="en-US" dirty="0"/>
-              <a:t>Object </a:t>
-            </a:r>
-            <a:r>
-              <a:rPr lang="en-US" dirty="0" smtClean="0"/>
-              <a:t>request response time</a:t>
-            </a:r>
-            <a:endParaRPr lang="en-US" dirty="0"/>
+              <a:t>Object request response time</a:t>
+            </a:r>
           </a:p>
         </p:txBody>
       </p:sp>
@@ -17890,30 +17625,25 @@
         </p:nvSpPr>
         <p:spPr>
           <a:xfrm>
-            <a:off x="685800" y="1600200"/>
-            <a:ext cx="4338632" cy="4419600"/>
+            <a:off x="168820" y="1600200"/>
+            <a:ext cx="5012780" cy="4419600"/>
           </a:xfrm>
         </p:spPr>
         <p:txBody>
           <a:bodyPr>
-            <a:normAutofit lnSpcReduction="10000"/>
+            <a:normAutofit/>
           </a:bodyPr>
           <a:lstStyle/>
           <a:p>
             <a:r>
               <a:rPr lang="en-US" dirty="0"/>
-              <a:t>RTT (round-trip </a:t>
-            </a:r>
-            <a:r>
-              <a:rPr lang="en-US" dirty="0" smtClean="0"/>
-              <a:t>time)</a:t>
-            </a:r>
-            <a:endParaRPr lang="en-US" dirty="0"/>
+              <a:t>RTT (round-trip time)</a:t>
+            </a:r>
           </a:p>
           <a:p>
             <a:pPr lvl="1"/>
             <a:r>
-              <a:rPr lang="en-US" dirty="0" smtClean="0">
+              <a:rPr lang="en-US" dirty="0">
                 <a:solidFill>
                   <a:srgbClr val="000000"/>
                 </a:solidFill>
@@ -17921,56 +17651,44 @@
               <a:t>T</a:t>
             </a:r>
             <a:r>
-              <a:rPr lang="en-US" dirty="0" smtClean="0"/>
-              <a:t>ime </a:t>
-            </a:r>
-            <a:r>
               <a:rPr lang="en-US" dirty="0"/>
-              <a:t>for a small packet to travel </a:t>
-            </a:r>
-            <a:r>
-              <a:rPr lang="en-US" dirty="0" smtClean="0"/>
-              <a:t>from </a:t>
-            </a:r>
+              <a:t>ime for a small packet to travel from client to server and back</a:t>
+            </a:r>
+          </a:p>
+          <a:p>
+            <a:endParaRPr lang="en-US" dirty="0"/>
+          </a:p>
+          <a:p>
             <a:r>
               <a:rPr lang="en-US" dirty="0"/>
-              <a:t>client to server and back</a:t>
-            </a:r>
-          </a:p>
-          <a:p>
-            <a:endParaRPr lang="en-US" dirty="0" smtClean="0"/>
-          </a:p>
-          <a:p>
-            <a:r>
-              <a:rPr lang="en-US" dirty="0" smtClean="0"/>
               <a:t>Response time</a:t>
             </a:r>
           </a:p>
           <a:p>
             <a:pPr lvl="1"/>
             <a:r>
-              <a:rPr lang="en-US" dirty="0" smtClean="0"/>
+              <a:rPr lang="en-US" dirty="0"/>
               <a:t>1 RTT for TCP setup</a:t>
             </a:r>
           </a:p>
           <a:p>
             <a:pPr lvl="1"/>
             <a:r>
-              <a:rPr lang="en-US" dirty="0" smtClean="0"/>
+              <a:rPr lang="en-US" dirty="0"/>
               <a:t>1 RTT for HTTP request and first few bytes</a:t>
             </a:r>
           </a:p>
           <a:p>
             <a:pPr lvl="1"/>
             <a:r>
-              <a:rPr lang="en-US" dirty="0" smtClean="0"/>
+              <a:rPr lang="en-US" dirty="0"/>
               <a:t>Transmission time</a:t>
             </a:r>
           </a:p>
           <a:p>
             <a:pPr lvl="1"/>
             <a:r>
-              <a:rPr lang="en-US" dirty="0" smtClean="0">
+              <a:rPr lang="en-US" dirty="0">
                 <a:solidFill>
                   <a:schemeClr val="accent5"/>
                 </a:solidFill>
@@ -17978,7 +17696,7 @@
               <a:t>Total </a:t>
             </a:r>
             <a:r>
-              <a:rPr lang="en-US" dirty="0" smtClean="0"/>
+              <a:rPr lang="en-US" dirty="0"/>
               <a:t>= 2RTT + Transmission Time</a:t>
             </a:r>
           </a:p>
@@ -18454,23 +18172,8 @@
                   </a:solidFill>
                   <a:latin typeface="+mn-lt"/>
                 </a:rPr>
-                <a:t>TCP </a:t>
+                <a:t>TCP syn</a:t>
               </a:r>
-              <a:r>
-                <a:rPr lang="en-US" b="0" dirty="0" smtClean="0">
-                  <a:solidFill>
-                    <a:schemeClr val="accent5"/>
-                  </a:solidFill>
-                  <a:latin typeface="+mn-lt"/>
-                </a:rPr>
-                <a:t>syn</a:t>
-              </a:r>
-              <a:endParaRPr lang="en-US" b="0" dirty="0">
-                <a:solidFill>
-                  <a:schemeClr val="accent5"/>
-                </a:solidFill>
-                <a:latin typeface="+mn-lt"/>
-              </a:endParaRPr>
             </a:p>
           </p:txBody>
         </p:sp>
@@ -18854,7 +18557,7 @@
             <a:lstStyle/>
             <a:p>
               <a:r>
-                <a:rPr lang="en-US" dirty="0" smtClean="0">
+                <a:rPr lang="en-US" dirty="0">
                   <a:solidFill>
                     <a:schemeClr val="accent5"/>
                   </a:solidFill>
@@ -18862,12 +18565,6 @@
                 </a:rPr>
                 <a:t>RTT</a:t>
               </a:r>
-              <a:endParaRPr lang="en-US" dirty="0">
-                <a:solidFill>
-                  <a:schemeClr val="accent5"/>
-                </a:solidFill>
-                <a:latin typeface="+mn-lt"/>
-              </a:endParaRPr>
             </a:p>
           </p:txBody>
         </p:sp>
@@ -18993,7 +18690,7 @@
             <a:lstStyle/>
             <a:p>
               <a:r>
-                <a:rPr lang="en-US" dirty="0" smtClean="0">
+                <a:rPr lang="en-US" dirty="0">
                   <a:solidFill>
                     <a:schemeClr val="accent5"/>
                   </a:solidFill>
@@ -19001,12 +18698,6 @@
                 </a:rPr>
                 <a:t>RTT</a:t>
               </a:r>
-              <a:endParaRPr lang="en-US" dirty="0">
-                <a:solidFill>
-                  <a:schemeClr val="accent5"/>
-                </a:solidFill>
-                <a:latin typeface="+mn-lt"/>
-              </a:endParaRPr>
             </a:p>
           </p:txBody>
         </p:sp>
@@ -19132,7 +18823,7 @@
             <a:lstStyle/>
             <a:p>
               <a:r>
-                <a:rPr lang="en-US" dirty="0" err="1" smtClean="0">
+                <a:rPr lang="en-US" dirty="0" err="1">
                   <a:solidFill>
                     <a:schemeClr val="accent5"/>
                   </a:solidFill>
@@ -19412,155 +19103,6 @@
       </p:grpSpPr>
       <p:sp>
         <p:nvSpPr>
-          <p:cNvPr id="8" name="Title 7"/>
-          <p:cNvSpPr>
-            <a:spLocks noGrp="1"/>
-          </p:cNvSpPr>
-          <p:nvPr>
-            <p:ph type="title"/>
-          </p:nvPr>
-        </p:nvSpPr>
-        <p:spPr/>
-        <p:txBody>
-          <a:bodyPr/>
-          <a:lstStyle/>
-          <a:p>
-            <a:r>
-              <a:rPr lang="en-US" dirty="0" smtClean="0"/>
-              <a:t>Non-persistent connections</a:t>
-            </a:r>
-            <a:endParaRPr lang="en-US" dirty="0"/>
-          </a:p>
-        </p:txBody>
-      </p:sp>
-      <p:sp>
-        <p:nvSpPr>
-          <p:cNvPr id="9" name="Content Placeholder 8"/>
-          <p:cNvSpPr>
-            <a:spLocks noGrp="1"/>
-          </p:cNvSpPr>
-          <p:nvPr>
-            <p:ph idx="1"/>
-          </p:nvPr>
-        </p:nvSpPr>
-        <p:spPr/>
-        <p:txBody>
-          <a:bodyPr/>
-          <a:lstStyle/>
-          <a:p>
-            <a:r>
-              <a:rPr lang="en-US" dirty="0" smtClean="0"/>
-              <a:t>Default in HTTP/1.0</a:t>
-            </a:r>
-          </a:p>
-          <a:p>
-            <a:r>
-              <a:rPr lang="en-US" dirty="0" smtClean="0">
-                <a:solidFill>
-                  <a:schemeClr val="accent5"/>
-                </a:solidFill>
-              </a:rPr>
-              <a:t>2RTT+△ for each object </a:t>
-            </a:r>
-            <a:r>
-              <a:rPr lang="en-US" dirty="0" smtClean="0"/>
-              <a:t>in the HTML file!</a:t>
-            </a:r>
-          </a:p>
-          <a:p>
-            <a:pPr lvl="1"/>
-            <a:r>
-              <a:rPr lang="en-US" dirty="0" smtClean="0"/>
-              <a:t>One more </a:t>
-            </a:r>
-            <a:r>
-              <a:rPr lang="en-US" dirty="0"/>
-              <a:t>2RTT+</a:t>
-            </a:r>
-            <a:r>
-              <a:rPr lang="en-US" dirty="0" smtClean="0"/>
-              <a:t>△ for the HTML file itself</a:t>
-            </a:r>
-          </a:p>
-          <a:p>
-            <a:r>
-              <a:rPr lang="en-US" dirty="0" smtClean="0"/>
-              <a:t>Doing the same thing over and over again</a:t>
-            </a:r>
-          </a:p>
-          <a:p>
-            <a:pPr lvl="1"/>
-            <a:r>
-              <a:rPr lang="en-US" dirty="0" smtClean="0"/>
-              <a:t>Inefficient</a:t>
-            </a:r>
-            <a:endParaRPr lang="en-US" dirty="0"/>
-          </a:p>
-        </p:txBody>
-      </p:sp>
-      <p:sp>
-        <p:nvSpPr>
-          <p:cNvPr id="7" name="Slide Number Placeholder 6"/>
-          <p:cNvSpPr>
-            <a:spLocks noGrp="1"/>
-          </p:cNvSpPr>
-          <p:nvPr>
-            <p:ph type="sldNum" sz="quarter" idx="12"/>
-          </p:nvPr>
-        </p:nvSpPr>
-        <p:spPr/>
-        <p:txBody>
-          <a:bodyPr/>
-          <a:lstStyle/>
-          <a:p>
-            <a:fld id="{F36FED86-94EF-254D-90EE-B810FE8299EE}" type="slidenum">
-              <a:rPr lang="en-US" smtClean="0"/>
-              <a:pPr/>
-              <a:t>25</a:t>
-            </a:fld>
-            <a:endParaRPr lang="en-US"/>
-          </a:p>
-        </p:txBody>
-      </p:sp>
-    </p:spTree>
-    <p:extLst>
-      <p:ext uri="{BB962C8B-B14F-4D97-AF65-F5344CB8AC3E}">
-        <p14:creationId xmlns:p14="http://schemas.microsoft.com/office/powerpoint/2010/main" val="784092009"/>
-      </p:ext>
-    </p:extLst>
-  </p:cSld>
-  <p:clrMapOvr>
-    <a:masterClrMapping/>
-  </p:clrMapOvr>
-  <p:timing>
-    <p:tnLst>
-      <p:par>
-        <p:cTn id="1" dur="indefinite" restart="never" nodeType="tmRoot"/>
-      </p:par>
-    </p:tnLst>
-  </p:timing>
-</p:sld>
-</file>
-
-<file path=ppt/slides/slide26.xml><?xml version="1.0" encoding="utf-8"?>
-<p:sld xmlns:a="http://schemas.openxmlformats.org/drawingml/2006/main" xmlns:r="http://schemas.openxmlformats.org/officeDocument/2006/relationships" xmlns:p="http://schemas.openxmlformats.org/presentationml/2006/main">
-  <p:cSld>
-    <p:spTree>
-      <p:nvGrpSpPr>
-        <p:cNvPr id="1" name=""/>
-        <p:cNvGrpSpPr/>
-        <p:nvPr/>
-      </p:nvGrpSpPr>
-      <p:grpSpPr>
-        <a:xfrm>
-          <a:off x="0" y="0"/>
-          <a:ext cx="0" cy="0"/>
-          <a:chOff x="0" y="0"/>
-          <a:chExt cx="0" cy="0"/>
-        </a:xfrm>
-      </p:grpSpPr>
-      <p:sp>
-        <p:nvSpPr>
           <p:cNvPr id="87043" name="Rectangle 2"/>
           <p:cNvSpPr>
             <a:spLocks noGrp="1" noChangeArrowheads="1"/>
@@ -19575,18 +19117,9 @@
           <a:lstStyle/>
           <a:p>
             <a:r>
-              <a:rPr lang="en-US" dirty="0" smtClean="0"/>
-              <a:t>Concurrent </a:t>
-            </a:r>
-            <a:r>
               <a:rPr lang="en-US" dirty="0"/>
-              <a:t>r</a:t>
-            </a:r>
-            <a:r>
-              <a:rPr lang="en-US" dirty="0" smtClean="0"/>
-              <a:t>equests and responses</a:t>
-            </a:r>
-            <a:endParaRPr lang="en-US" dirty="0"/>
+              <a:t>Concurrent requests and responses</a:t>
+            </a:r>
           </a:p>
         </p:txBody>
       </p:sp>
@@ -19606,16 +19139,16 @@
           <a:lstStyle/>
           <a:p>
             <a:r>
-              <a:rPr lang="en-US" smtClean="0"/>
+              <a:rPr lang="en-US"/>
               <a:t>Use multiple connections in parallel</a:t>
             </a:r>
           </a:p>
           <a:p>
             <a:r>
-              <a:rPr lang="en-US" smtClean="0"/>
+              <a:rPr lang="en-US"/>
               <a:t>Does not necessarily maintain order of responses</a:t>
             </a:r>
-            <a:endParaRPr lang="en-US" smtClean="0">
+            <a:endParaRPr lang="en-US">
               <a:sym typeface="Wingdings" charset="0"/>
             </a:endParaRPr>
           </a:p>
@@ -19642,7 +19175,7 @@
             <a:fld id="{A190D881-957A-7944-A8D0-1584E528B88F}" type="slidenum">
               <a:rPr lang="en-US" smtClean="0"/>
               <a:pPr/>
-              <a:t>26</a:t>
+              <a:t>25</a:t>
             </a:fld>
             <a:endParaRPr lang="en-US"/>
           </a:p>
@@ -21581,14 +21114,11 @@
           <a:p>
             <a:pPr algn="ctr"/>
             <a:r>
-              <a:rPr lang="en-US" sz="2800" dirty="0" smtClean="0">
+              <a:rPr lang="en-US" sz="2800" dirty="0">
                 <a:latin typeface="+mn-lt"/>
               </a:rPr>
               <a:t>Server</a:t>
             </a:r>
-            <a:endParaRPr lang="en-US" sz="2800" dirty="0">
-              <a:latin typeface="+mn-lt"/>
-            </a:endParaRPr>
           </a:p>
         </p:txBody>
       </p:sp>
@@ -22310,6 +21840,138 @@
 </p:sld>
 </file>
 
+<file path=ppt/slides/slide26.xml><?xml version="1.0" encoding="utf-8"?>
+<p:sld xmlns:a="http://schemas.openxmlformats.org/drawingml/2006/main" xmlns:r="http://schemas.openxmlformats.org/officeDocument/2006/relationships" xmlns:p="http://schemas.openxmlformats.org/presentationml/2006/main">
+  <p:cSld>
+    <p:spTree>
+      <p:nvGrpSpPr>
+        <p:cNvPr id="1" name=""/>
+        <p:cNvGrpSpPr/>
+        <p:nvPr/>
+      </p:nvGrpSpPr>
+      <p:grpSpPr>
+        <a:xfrm>
+          <a:off x="0" y="0"/>
+          <a:ext cx="0" cy="0"/>
+          <a:chOff x="0" y="0"/>
+          <a:chExt cx="0" cy="0"/>
+        </a:xfrm>
+      </p:grpSpPr>
+      <p:sp>
+        <p:nvSpPr>
+          <p:cNvPr id="8" name="Title 7"/>
+          <p:cNvSpPr>
+            <a:spLocks noGrp="1"/>
+          </p:cNvSpPr>
+          <p:nvPr>
+            <p:ph type="title"/>
+          </p:nvPr>
+        </p:nvSpPr>
+        <p:spPr/>
+        <p:txBody>
+          <a:bodyPr/>
+          <a:lstStyle/>
+          <a:p>
+            <a:r>
+              <a:rPr lang="en-US" dirty="0"/>
+              <a:t>Non-persistent connections</a:t>
+            </a:r>
+          </a:p>
+        </p:txBody>
+      </p:sp>
+      <p:sp>
+        <p:nvSpPr>
+          <p:cNvPr id="9" name="Content Placeholder 8"/>
+          <p:cNvSpPr>
+            <a:spLocks noGrp="1"/>
+          </p:cNvSpPr>
+          <p:nvPr>
+            <p:ph idx="1"/>
+          </p:nvPr>
+        </p:nvSpPr>
+        <p:spPr/>
+        <p:txBody>
+          <a:bodyPr/>
+          <a:lstStyle/>
+          <a:p>
+            <a:r>
+              <a:rPr lang="en-US" dirty="0"/>
+              <a:t>Default in HTTP/1.0</a:t>
+            </a:r>
+          </a:p>
+          <a:p>
+            <a:r>
+              <a:rPr lang="en-US" dirty="0">
+                <a:solidFill>
+                  <a:schemeClr val="accent5"/>
+                </a:solidFill>
+              </a:rPr>
+              <a:t>2RTT+△ for each object </a:t>
+            </a:r>
+            <a:r>
+              <a:rPr lang="en-US" dirty="0"/>
+              <a:t>in the HTML file!</a:t>
+            </a:r>
+          </a:p>
+          <a:p>
+            <a:pPr lvl="1"/>
+            <a:r>
+              <a:rPr lang="en-US" dirty="0"/>
+              <a:t>One more 2RTT+△ for the HTML file itself</a:t>
+            </a:r>
+          </a:p>
+          <a:p>
+            <a:r>
+              <a:rPr lang="en-US" dirty="0"/>
+              <a:t>Doing the same thing over and over again</a:t>
+            </a:r>
+          </a:p>
+          <a:p>
+            <a:pPr lvl="1"/>
+            <a:r>
+              <a:rPr lang="en-US" dirty="0"/>
+              <a:t>Inefficient</a:t>
+            </a:r>
+          </a:p>
+        </p:txBody>
+      </p:sp>
+      <p:sp>
+        <p:nvSpPr>
+          <p:cNvPr id="7" name="Slide Number Placeholder 6"/>
+          <p:cNvSpPr>
+            <a:spLocks noGrp="1"/>
+          </p:cNvSpPr>
+          <p:nvPr>
+            <p:ph type="sldNum" sz="quarter" idx="12"/>
+          </p:nvPr>
+        </p:nvSpPr>
+        <p:spPr/>
+        <p:txBody>
+          <a:bodyPr/>
+          <a:lstStyle/>
+          <a:p>
+            <a:fld id="{F36FED86-94EF-254D-90EE-B810FE8299EE}" type="slidenum">
+              <a:rPr lang="en-US" smtClean="0"/>
+              <a:pPr/>
+              <a:t>26</a:t>
+            </a:fld>
+            <a:endParaRPr lang="en-US"/>
+          </a:p>
+        </p:txBody>
+      </p:sp>
+    </p:spTree>
+    <p:extLst>
+      <p:ext uri="{BB962C8B-B14F-4D97-AF65-F5344CB8AC3E}">
+        <p14:creationId xmlns:p14="http://schemas.microsoft.com/office/powerpoint/2010/main" val="784092009"/>
+      </p:ext>
+    </p:extLst>
+  </p:cSld>
+  <p:clrMapOvr>
+    <a:masterClrMapping/>
+  </p:clrMapOvr>
+</p:sld>
+</file>
+
 <file path=ppt/slides/slide27.xml><?xml version="1.0" encoding="utf-8"?>
 <p:sld xmlns:a="http://schemas.openxmlformats.org/drawingml/2006/main" xmlns:r="http://schemas.openxmlformats.org/officeDocument/2006/relationships" xmlns:p="http://schemas.openxmlformats.org/presentationml/2006/main">
   <p:cSld>
@@ -22343,10 +22005,9 @@
           <a:lstStyle/>
           <a:p>
             <a:r>
-              <a:rPr lang="en-US" dirty="0" smtClean="0"/>
+              <a:rPr lang="en-US" dirty="0"/>
               <a:t>Persistent connections</a:t>
             </a:r>
-            <a:endParaRPr lang="en-US" dirty="0"/>
           </a:p>
         </p:txBody>
       </p:sp>
@@ -22366,27 +22027,27 @@
           <a:lstStyle/>
           <a:p>
             <a:r>
-              <a:rPr lang="en-US" dirty="0" smtClean="0"/>
+              <a:rPr lang="en-US" dirty="0"/>
               <a:t>Maintain TCP connection across multiple requests</a:t>
             </a:r>
           </a:p>
           <a:p>
             <a:pPr lvl="1"/>
             <a:r>
-              <a:rPr lang="en-US" dirty="0" smtClean="0"/>
+              <a:rPr lang="en-US" dirty="0"/>
               <a:t>Including transfers subsequent to current page</a:t>
             </a:r>
           </a:p>
           <a:p>
             <a:pPr lvl="1"/>
             <a:r>
-              <a:rPr lang="en-US" dirty="0" smtClean="0"/>
+              <a:rPr lang="en-US" dirty="0"/>
               <a:t>Client or server can tear down connection</a:t>
             </a:r>
           </a:p>
           <a:p>
             <a:r>
-              <a:rPr lang="en-US" dirty="0" smtClean="0">
+              <a:rPr lang="en-US" dirty="0">
                 <a:solidFill>
                   <a:schemeClr val="accent5"/>
                 </a:solidFill>
@@ -22397,23 +22058,22 @@
           <a:p>
             <a:pPr lvl="1"/>
             <a:r>
-              <a:rPr lang="en-US" dirty="0" smtClean="0"/>
+              <a:rPr lang="en-US" dirty="0"/>
               <a:t>Avoid overhead of connection set-up and tear-down</a:t>
             </a:r>
           </a:p>
           <a:p>
             <a:pPr lvl="1"/>
             <a:r>
-              <a:rPr lang="en-US" dirty="0" smtClean="0"/>
+              <a:rPr lang="en-US" dirty="0"/>
               <a:t>Allow underlying layers (e.g., TCP) to learn about RTT and bandwidth characteristics</a:t>
             </a:r>
           </a:p>
           <a:p>
             <a:r>
-              <a:rPr lang="en-US" dirty="0" smtClean="0"/>
+              <a:rPr lang="en-US" dirty="0"/>
               <a:t>Default in HTTP/1.1</a:t>
             </a:r>
-            <a:endParaRPr lang="en-US" dirty="0"/>
           </a:p>
         </p:txBody>
       </p:sp>
@@ -22791,10 +22451,9 @@
           <a:lstStyle/>
           <a:p>
             <a:r>
-              <a:rPr lang="en-US" dirty="0" smtClean="0"/>
+              <a:rPr lang="en-US" dirty="0"/>
               <a:t>Pipelined requests &amp; responses</a:t>
             </a:r>
-            <a:endParaRPr lang="en-US" dirty="0"/>
           </a:p>
         </p:txBody>
       </p:sp>
@@ -22815,25 +22474,16 @@
           <a:p>
             <a:r>
               <a:rPr lang="en-US" dirty="0"/>
-              <a:t>Batch requests and responses to reduce the number of </a:t>
-            </a:r>
-            <a:r>
-              <a:rPr lang="en-US" dirty="0" smtClean="0"/>
-              <a:t>packets</a:t>
-            </a:r>
+              <a:t>Batch requests and responses to reduce the number of packets</a:t>
+            </a:r>
+          </a:p>
+          <a:p>
             <a:endParaRPr lang="en-US" dirty="0"/>
           </a:p>
           <a:p>
-            <a:endParaRPr lang="en-US" dirty="0" smtClean="0"/>
-          </a:p>
-          <a:p>
-            <a:r>
-              <a:rPr lang="en-US" dirty="0" smtClean="0"/>
-              <a:t>Multiple </a:t>
-            </a:r>
             <a:r>
               <a:rPr lang="en-US" dirty="0"/>
-              <a:t>requests can be contained in one TCP segment</a:t>
+              <a:t>Multiple requests can be contained in one TCP segment</a:t>
             </a:r>
           </a:p>
           <a:p>
@@ -24580,13 +24230,6 @@
   <p:clrMapOvr>
     <a:masterClrMapping/>
   </p:clrMapOvr>
-  <p:timing>
-    <p:tnLst>
-      <p:par>
-        <p:cTn id="1" dur="indefinite" restart="never" nodeType="tmRoot"/>
-      </p:par>
-    </p:tnLst>
-  </p:timing>
 </p:sld>
 </file>
 
@@ -24623,10 +24266,9 @@
           <a:lstStyle/>
           <a:p>
             <a:r>
-              <a:rPr lang="en-US" dirty="0" smtClean="0"/>
+              <a:rPr lang="en-US" dirty="0"/>
               <a:t>Scorecard: Getting n small objects</a:t>
             </a:r>
-            <a:endParaRPr lang="en-US" dirty="0"/>
           </a:p>
         </p:txBody>
       </p:sp>
@@ -24642,11 +24284,13 @@
         </p:nvSpPr>
         <p:spPr/>
         <p:txBody>
-          <a:bodyPr/>
+          <a:bodyPr>
+            <a:normAutofit/>
+          </a:bodyPr>
           <a:lstStyle/>
           <a:p>
             <a:r>
-              <a:rPr lang="en-US" dirty="0" smtClean="0">
+              <a:rPr lang="en-US" dirty="0">
                 <a:solidFill>
                   <a:schemeClr val="accent5"/>
                 </a:solidFill>
@@ -24655,44 +24299,37 @@
             </a:r>
           </a:p>
           <a:p>
-            <a:endParaRPr lang="en-US" dirty="0" smtClean="0"/>
-          </a:p>
-          <a:p>
-            <a:r>
-              <a:rPr lang="en-US" dirty="0" smtClean="0"/>
+            <a:endParaRPr lang="en-US" dirty="0"/>
+          </a:p>
+          <a:p>
+            <a:r>
+              <a:rPr lang="en-US" dirty="0"/>
               <a:t>One-at-a-time:  ~2n RTT</a:t>
             </a:r>
           </a:p>
           <a:p>
             <a:r>
               <a:rPr lang="en-US" dirty="0"/>
-              <a:t>m</a:t>
-            </a:r>
-            <a:r>
-              <a:rPr lang="en-US" dirty="0" smtClean="0"/>
-              <a:t> concurrent: ~2[n/m] RTT</a:t>
-            </a:r>
-          </a:p>
-          <a:p>
-            <a:r>
-              <a:rPr lang="en-US" dirty="0" smtClean="0"/>
+              <a:t>m concurrent: ~2[n/m] RTT</a:t>
+            </a:r>
+          </a:p>
+          <a:p>
+            <a:r>
+              <a:rPr lang="en-US" dirty="0"/>
               <a:t>Persistent: ~ (n+1)RTT</a:t>
             </a:r>
           </a:p>
           <a:p>
             <a:r>
-              <a:rPr lang="en-US" dirty="0" smtClean="0"/>
+              <a:rPr lang="en-US" dirty="0"/>
               <a:t>Pipelined: ~2 RTT</a:t>
             </a:r>
           </a:p>
           <a:p>
             <a:r>
-              <a:rPr lang="en-US" dirty="0" smtClean="0"/>
+              <a:rPr lang="en-US" dirty="0"/>
               <a:t>Pipelined/Persistent: ~2 RTT first time, RTT later</a:t>
             </a:r>
-          </a:p>
-          <a:p>
-            <a:endParaRPr lang="en-US" dirty="0"/>
           </a:p>
         </p:txBody>
       </p:sp>
@@ -25093,10 +24730,9 @@
           <a:lstStyle/>
           <a:p>
             <a:r>
-              <a:rPr lang="en-US" dirty="0" smtClean="0"/>
+              <a:rPr lang="en-US" dirty="0"/>
               <a:t>The Web: History</a:t>
             </a:r>
-            <a:endParaRPr lang="en-US" dirty="0"/>
           </a:p>
         </p:txBody>
       </p:sp>
@@ -25116,45 +24752,37 @@
           <a:lstStyle/>
           <a:p>
             <a:r>
-              <a:rPr lang="en-US" dirty="0" smtClean="0"/>
+              <a:rPr lang="en-US" dirty="0"/>
               <a:t>World Wide Web (WWW): a distributed database of </a:t>
             </a:r>
             <a:r>
-              <a:rPr lang="ja-JP" altLang="en-US" dirty="0" smtClean="0"/>
+              <a:rPr lang="ja-JP" altLang="en-US" dirty="0"/>
               <a:t>“</a:t>
             </a:r>
             <a:r>
-              <a:rPr lang="en-US" dirty="0" smtClean="0"/>
+              <a:rPr lang="en-US" dirty="0"/>
               <a:t>pages</a:t>
             </a:r>
             <a:r>
-              <a:rPr lang="ja-JP" altLang="en-US" dirty="0" smtClean="0"/>
+              <a:rPr lang="ja-JP" altLang="en-US" dirty="0"/>
               <a:t>”</a:t>
             </a:r>
             <a:r>
-              <a:rPr lang="en-US" dirty="0" smtClean="0"/>
+              <a:rPr lang="en-US" dirty="0"/>
               <a:t> linked through Hypertext Transport Protocol (HTTP)</a:t>
             </a:r>
           </a:p>
           <a:p>
             <a:pPr lvl="1"/>
             <a:r>
-              <a:rPr lang="en-US" dirty="0" smtClean="0"/>
-              <a:t>First HTTP </a:t>
-            </a:r>
-            <a:r>
               <a:rPr lang="en-US" dirty="0"/>
-              <a:t>implementation – </a:t>
-            </a:r>
-            <a:r>
-              <a:rPr lang="en-US" dirty="0" smtClean="0"/>
-              <a:t>1990 </a:t>
+              <a:t>First HTTP implementation – 1990 </a:t>
             </a:r>
           </a:p>
           <a:p>
             <a:pPr lvl="2"/>
             <a:r>
-              <a:rPr lang="en-US" dirty="0" smtClean="0">
+              <a:rPr lang="en-US" dirty="0">
                 <a:solidFill>
                   <a:schemeClr val="accent5"/>
                 </a:solidFill>
@@ -25162,7 +24790,7 @@
               <a:t>Tim Berners-Lee</a:t>
             </a:r>
             <a:r>
-              <a:rPr lang="en-US" dirty="0" smtClean="0"/>
+              <a:rPr lang="en-US" dirty="0"/>
               <a:t> at CERN</a:t>
             </a:r>
           </a:p>
@@ -25419,12 +25047,12 @@
             </a:lvl9pPr>
           </a:lstStyle>
           <a:p>
-            <a:endParaRPr lang="en-US" dirty="0" smtClean="0"/>
+            <a:endParaRPr lang="en-US" dirty="0"/>
           </a:p>
           <a:p>
             <a:pPr lvl="2"/>
             <a:r>
-              <a:rPr lang="en-US" altLang="zh-CN" dirty="0" smtClean="0">
+              <a:rPr lang="en-US" altLang="zh-CN" dirty="0">
                 <a:solidFill>
                   <a:schemeClr val="accent5"/>
                 </a:solidFill>
@@ -25432,7 +25060,7 @@
               <a:t>Turing</a:t>
             </a:r>
             <a:r>
-              <a:rPr lang="zh-CN" altLang="en-US" dirty="0" smtClean="0">
+              <a:rPr lang="zh-CN" altLang="en-US" dirty="0">
                 <a:solidFill>
                   <a:schemeClr val="accent5"/>
                 </a:solidFill>
@@ -25440,7 +25068,7 @@
               <a:t> </a:t>
             </a:r>
             <a:r>
-              <a:rPr lang="en-US" altLang="zh-CN" dirty="0" smtClean="0">
+              <a:rPr lang="en-US" altLang="zh-CN" dirty="0">
                 <a:solidFill>
                   <a:schemeClr val="accent5"/>
                 </a:solidFill>
@@ -25448,7 +25076,7 @@
               <a:t>award</a:t>
             </a:r>
             <a:r>
-              <a:rPr lang="zh-CN" altLang="en-US" dirty="0" smtClean="0">
+              <a:rPr lang="zh-CN" altLang="en-US" dirty="0">
                 <a:solidFill>
                   <a:schemeClr val="accent5"/>
                 </a:solidFill>
@@ -25456,26 +25084,26 @@
               <a:t> </a:t>
             </a:r>
             <a:r>
-              <a:rPr lang="en-US" altLang="zh-CN" dirty="0" smtClean="0"/>
+              <a:rPr lang="en-US" altLang="zh-CN" dirty="0"/>
               <a:t>at</a:t>
             </a:r>
             <a:r>
-              <a:rPr lang="zh-CN" altLang="en-US" dirty="0" smtClean="0"/>
+              <a:rPr lang="zh-CN" altLang="en-US" dirty="0"/>
               <a:t> </a:t>
             </a:r>
             <a:r>
-              <a:rPr lang="en-US" altLang="zh-CN" dirty="0" smtClean="0"/>
+              <a:rPr lang="en-US" altLang="zh-CN" dirty="0"/>
               <a:t>2016:</a:t>
             </a:r>
             <a:r>
-              <a:rPr lang="zh-CN" altLang="en-US" dirty="0" smtClean="0"/>
+              <a:rPr lang="zh-CN" altLang="en-US" dirty="0"/>
               <a:t> </a:t>
             </a:r>
             <a:r>
-              <a:rPr lang="en-US" altLang="zh-CN" dirty="0" smtClean="0"/>
+              <a:rPr lang="en-US" altLang="zh-CN" dirty="0"/>
               <a:t>for inventing the World Wide Web, the first web browser, and the fundamental protocols and algorithms allowing the Web to scale</a:t>
             </a:r>
-            <a:endParaRPr lang="en-US" dirty="0" smtClean="0"/>
+            <a:endParaRPr lang="en-US" dirty="0"/>
           </a:p>
         </p:txBody>
       </p:sp>
@@ -25489,13 +25117,6 @@
   <p:clrMapOvr>
     <a:masterClrMapping/>
   </p:clrMapOvr>
-  <p:timing>
-    <p:tnLst>
-      <p:par>
-        <p:cTn id="1" dur="indefinite" restart="never" nodeType="tmRoot"/>
-      </p:par>
-    </p:tnLst>
-  </p:timing>
 </p:sld>
 </file>
 
@@ -25532,10 +25153,9 @@
           <a:lstStyle/>
           <a:p>
             <a:r>
-              <a:rPr lang="en-US" dirty="0" smtClean="0"/>
+              <a:rPr lang="en-US" dirty="0"/>
               <a:t>Scorecard: Getting n large objects each of size F</a:t>
             </a:r>
-            <a:endParaRPr lang="en-US" dirty="0"/>
           </a:p>
         </p:txBody>
       </p:sp>
@@ -25555,7 +25175,7 @@
           <a:lstStyle/>
           <a:p>
             <a:r>
-              <a:rPr lang="en-US" dirty="0" smtClean="0">
+              <a:rPr lang="en-US" dirty="0">
                 <a:solidFill>
                   <a:schemeClr val="accent5"/>
                 </a:solidFill>
@@ -25564,61 +25184,53 @@
             </a:r>
           </a:p>
           <a:p>
-            <a:endParaRPr lang="en-US" dirty="0" smtClean="0"/>
-          </a:p>
-          <a:p>
-            <a:r>
-              <a:rPr lang="en-US" dirty="0" smtClean="0"/>
+            <a:endParaRPr lang="en-US" dirty="0"/>
+          </a:p>
+          <a:p>
+            <a:r>
+              <a:rPr lang="en-US" dirty="0"/>
               <a:t>One-at-a-time:  ~ </a:t>
             </a:r>
             <a:r>
-              <a:rPr lang="en-US" dirty="0" err="1" smtClean="0"/>
+              <a:rPr lang="en-US" dirty="0" err="1"/>
               <a:t>nF</a:t>
             </a:r>
             <a:r>
-              <a:rPr lang="en-US" dirty="0" smtClean="0"/>
+              <a:rPr lang="en-US" dirty="0"/>
               <a:t>/B</a:t>
             </a:r>
           </a:p>
           <a:p>
             <a:r>
               <a:rPr lang="en-US" dirty="0"/>
-              <a:t>m</a:t>
-            </a:r>
-            <a:r>
-              <a:rPr lang="en-US" dirty="0" smtClean="0"/>
-              <a:t> concurrent: ~ [n/m] F/B</a:t>
+              <a:t>m concurrent: ~ [n/m] F/B</a:t>
             </a:r>
           </a:p>
           <a:p>
             <a:pPr lvl="1"/>
             <a:r>
               <a:rPr lang="en-US" dirty="0"/>
-              <a:t>A</a:t>
-            </a:r>
-            <a:r>
-              <a:rPr lang="en-US" dirty="0" smtClean="0"/>
-              <a:t>ssuming shared with large population of users and each TCP connection gets the same bandwidth</a:t>
-            </a:r>
-          </a:p>
-          <a:p>
-            <a:r>
-              <a:rPr lang="en-US" dirty="0" smtClean="0"/>
+              <a:t>Assuming shared with large population of users and each TCP connection gets the same bandwidth</a:t>
+            </a:r>
+          </a:p>
+          <a:p>
+            <a:r>
+              <a:rPr lang="en-US" dirty="0"/>
               <a:t>Pipelined and/or persistent: ~ </a:t>
             </a:r>
             <a:r>
-              <a:rPr lang="en-US" dirty="0" err="1" smtClean="0"/>
+              <a:rPr lang="en-US" dirty="0" err="1"/>
               <a:t>nF</a:t>
             </a:r>
             <a:r>
-              <a:rPr lang="en-US" dirty="0" smtClean="0"/>
+              <a:rPr lang="en-US" dirty="0"/>
               <a:t>/B</a:t>
             </a:r>
           </a:p>
           <a:p>
             <a:pPr lvl="1"/>
             <a:r>
-              <a:rPr lang="en-US" dirty="0" smtClean="0"/>
+              <a:rPr lang="en-US" dirty="0"/>
               <a:t>The only thing that helps is getting more bandwidth</a:t>
             </a:r>
           </a:p>
@@ -25974,6 +25586,154 @@
       </p:grpSpPr>
       <p:sp>
         <p:nvSpPr>
+          <p:cNvPr id="2" name="Title 1">
+            <a:extLst>
+              <a:ext uri="{FF2B5EF4-FFF2-40B4-BE49-F238E27FC236}">
+                <a16:creationId xmlns:a16="http://schemas.microsoft.com/office/drawing/2014/main" id="{406DF9CF-A5B6-D949-8A11-32073B6F40AE}"/>
+              </a:ext>
+            </a:extLst>
+          </p:cNvPr>
+          <p:cNvSpPr>
+            <a:spLocks noGrp="1"/>
+          </p:cNvSpPr>
+          <p:nvPr>
+            <p:ph type="title"/>
+          </p:nvPr>
+        </p:nvSpPr>
+        <p:spPr/>
+        <p:txBody>
+          <a:bodyPr/>
+          <a:lstStyle/>
+          <a:p>
+            <a:r>
+              <a:rPr lang="en-US" dirty="0"/>
+              <a:t>Group Discussion</a:t>
+            </a:r>
+          </a:p>
+        </p:txBody>
+      </p:sp>
+      <p:sp>
+        <p:nvSpPr>
+          <p:cNvPr id="3" name="Content Placeholder 2">
+            <a:extLst>
+              <a:ext uri="{FF2B5EF4-FFF2-40B4-BE49-F238E27FC236}">
+                <a16:creationId xmlns:a16="http://schemas.microsoft.com/office/drawing/2014/main" id="{D19BF912-8CBA-794C-B435-EC8716EF11B5}"/>
+              </a:ext>
+            </a:extLst>
+          </p:cNvPr>
+          <p:cNvSpPr>
+            <a:spLocks noGrp="1"/>
+          </p:cNvSpPr>
+          <p:nvPr>
+            <p:ph idx="1"/>
+          </p:nvPr>
+        </p:nvSpPr>
+        <p:spPr/>
+        <p:txBody>
+          <a:bodyPr>
+            <a:normAutofit/>
+          </a:bodyPr>
+          <a:lstStyle/>
+          <a:p>
+            <a:r>
+              <a:rPr lang="en-US" dirty="0"/>
+              <a:t>Topic: web performance optimization</a:t>
+            </a:r>
+          </a:p>
+          <a:p>
+            <a:pPr lvl="1"/>
+            <a:r>
+              <a:rPr lang="en-US" dirty="0"/>
+              <a:t>What are the common techniques for optimizing HTTP performance?</a:t>
+            </a:r>
+          </a:p>
+          <a:p>
+            <a:pPr lvl="1"/>
+            <a:r>
+              <a:rPr lang="en-US" dirty="0"/>
+              <a:t>Pick an Internet application. Which techniques are useful in improving its performance? Which are not?</a:t>
+            </a:r>
+          </a:p>
+          <a:p>
+            <a:pPr lvl="1"/>
+            <a:endParaRPr lang="en-US" dirty="0"/>
+          </a:p>
+          <a:p>
+            <a:r>
+              <a:rPr lang="en-US" dirty="0"/>
+              <a:t>Discuss in groups, and each group chooses a leader to summarize the discussion</a:t>
+            </a:r>
+          </a:p>
+          <a:p>
+            <a:pPr lvl="1"/>
+            <a:r>
+              <a:rPr lang="en-US" dirty="0"/>
+              <a:t>In your group discussion, please do not dominate the discussion, and give everyone a chance to speak</a:t>
+            </a:r>
+          </a:p>
+        </p:txBody>
+      </p:sp>
+      <p:sp>
+        <p:nvSpPr>
+          <p:cNvPr id="4" name="Slide Number Placeholder 3">
+            <a:extLst>
+              <a:ext uri="{FF2B5EF4-FFF2-40B4-BE49-F238E27FC236}">
+                <a16:creationId xmlns:a16="http://schemas.microsoft.com/office/drawing/2014/main" id="{75559D9B-0B3C-C844-9E4B-D8E267CCA32B}"/>
+              </a:ext>
+            </a:extLst>
+          </p:cNvPr>
+          <p:cNvSpPr>
+            <a:spLocks noGrp="1"/>
+          </p:cNvSpPr>
+          <p:nvPr>
+            <p:ph type="sldNum" sz="quarter" idx="12"/>
+          </p:nvPr>
+        </p:nvSpPr>
+        <p:spPr/>
+        <p:txBody>
+          <a:bodyPr/>
+          <a:lstStyle/>
+          <a:p>
+            <a:fld id="{1C91BF9F-A6D6-9C44-9AC2-A799D1CC7BF8}" type="slidenum">
+              <a:rPr lang="en-US" smtClean="0"/>
+              <a:t>31</a:t>
+            </a:fld>
+            <a:endParaRPr lang="en-US"/>
+          </a:p>
+        </p:txBody>
+      </p:sp>
+    </p:spTree>
+    <p:extLst>
+      <p:ext uri="{BB962C8B-B14F-4D97-AF65-F5344CB8AC3E}">
+        <p14:creationId xmlns:p14="http://schemas.microsoft.com/office/powerpoint/2010/main" val="3352096804"/>
+      </p:ext>
+    </p:extLst>
+  </p:cSld>
+  <p:clrMapOvr>
+    <a:masterClrMapping/>
+  </p:clrMapOvr>
+</p:sld>
+</file>
+
+<file path=ppt/slides/slide32.xml><?xml version="1.0" encoding="utf-8"?>
+<p:sld xmlns:a="http://schemas.openxmlformats.org/drawingml/2006/main" xmlns:r="http://schemas.openxmlformats.org/officeDocument/2006/relationships" xmlns:p="http://schemas.openxmlformats.org/presentationml/2006/main">
+  <p:cSld>
+    <p:spTree>
+      <p:nvGrpSpPr>
+        <p:cNvPr id="1" name=""/>
+        <p:cNvGrpSpPr/>
+        <p:nvPr/>
+      </p:nvGrpSpPr>
+      <p:grpSpPr>
+        <a:xfrm>
+          <a:off x="0" y="0"/>
+          <a:ext cx="0" cy="0"/>
+          <a:chOff x="0" y="0"/>
+          <a:chExt cx="0" cy="0"/>
+        </a:xfrm>
+      </p:grpSpPr>
+      <p:sp>
+        <p:nvSpPr>
           <p:cNvPr id="2" name="Title 1"/>
           <p:cNvSpPr>
             <a:spLocks noGrp="1"/>
@@ -25988,10 +25748,9 @@
           <a:lstStyle/>
           <a:p>
             <a:r>
-              <a:rPr lang="en-US" dirty="0" smtClean="0"/>
+              <a:rPr lang="en-US" dirty="0"/>
               <a:t>Summary</a:t>
             </a:r>
-            <a:endParaRPr lang="en-US" dirty="0"/>
           </a:p>
         </p:txBody>
       </p:sp>
@@ -26011,35 +25770,35 @@
           <a:lstStyle/>
           <a:p>
             <a:r>
-              <a:rPr lang="en-US" dirty="0" smtClean="0"/>
+              <a:rPr lang="en-US" dirty="0"/>
               <a:t>HTTP/1.1</a:t>
             </a:r>
           </a:p>
           <a:p>
             <a:pPr lvl="1"/>
             <a:r>
-              <a:rPr lang="en-US" dirty="0" smtClean="0"/>
+              <a:rPr lang="en-US" dirty="0"/>
               <a:t>Text-based protocol</a:t>
             </a:r>
           </a:p>
           <a:p>
             <a:pPr lvl="1"/>
             <a:r>
-              <a:rPr lang="en-US" dirty="0" smtClean="0"/>
+              <a:rPr lang="en-US" dirty="0"/>
               <a:t>Being replaced by binary HTTP/2 protocol</a:t>
             </a:r>
           </a:p>
           <a:p>
             <a:r>
-              <a:rPr lang="en-US" dirty="0" smtClean="0"/>
+              <a:rPr lang="en-US" dirty="0"/>
               <a:t>Many ways to improve performance</a:t>
             </a:r>
           </a:p>
           <a:p>
             <a:pPr lvl="1"/>
             <a:r>
-              <a:rPr lang="en-US" dirty="0" smtClean="0"/>
-              <a:t>Pipelining and batching</a:t>
+              <a:rPr lang="en-US" dirty="0"/>
+              <a:t>Concurrent connections, persistent connections, pipelining</a:t>
             </a:r>
           </a:p>
           <a:p>
@@ -26047,10 +25806,9 @@
           </a:p>
           <a:p>
             <a:r>
-              <a:rPr lang="en-US" dirty="0" smtClean="0"/>
-              <a:t>Assignment 1 is due next Friday</a:t>
-            </a:r>
-            <a:endParaRPr lang="en-US" dirty="0"/>
+              <a:rPr lang="en-US" dirty="0"/>
+              <a:t>Assignment 1 is due next Sunday</a:t>
+            </a:r>
           </a:p>
         </p:txBody>
       </p:sp>
@@ -26072,7 +25830,7 @@
             <a:fld id="{A190D881-957A-7944-A8D0-1584E528B88F}" type="slidenum">
               <a:rPr lang="en-US" smtClean="0"/>
               <a:pPr/>
-              <a:t>31</a:t>
+              <a:t>32</a:t>
             </a:fld>
             <a:endParaRPr lang="en-US"/>
           </a:p>
@@ -26088,17 +25846,10 @@
   <p:clrMapOvr>
     <a:masterClrMapping/>
   </p:clrMapOvr>
-  <p:timing>
-    <p:tnLst>
-      <p:par>
-        <p:cTn id="1" dur="indefinite" restart="never" nodeType="tmRoot"/>
-      </p:par>
-    </p:tnLst>
-  </p:timing>
 </p:sld>
 </file>
 
-<file path=ppt/slides/slide32.xml><?xml version="1.0" encoding="utf-8"?>
+<file path=ppt/slides/slide33.xml><?xml version="1.0" encoding="utf-8"?>
 <p:sld xmlns:a="http://schemas.openxmlformats.org/drawingml/2006/main" xmlns:r="http://schemas.openxmlformats.org/officeDocument/2006/relationships" xmlns:p="http://schemas.openxmlformats.org/presentationml/2006/main">
   <p:cSld>
     <p:spTree>
@@ -26137,17 +25888,16 @@
           <a:p>
             <a:pPr algn="ctr"/>
             <a:r>
-              <a:rPr lang="en-US" smtClean="0"/>
+              <a:rPr lang="en-US"/>
               <a:t>Thanks!</a:t>
             </a:r>
             <a:br>
-              <a:rPr lang="en-US" smtClean="0"/>
+              <a:rPr lang="en-US"/>
             </a:br>
             <a:r>
-              <a:rPr lang="en-US" dirty="0" smtClean="0"/>
+              <a:rPr lang="en-US" dirty="0"/>
               <a:t>Q&amp;A</a:t>
             </a:r>
-            <a:endParaRPr lang="en-US" dirty="0"/>
           </a:p>
         </p:txBody>
       </p:sp>
@@ -26168,7 +25918,7 @@
           <a:p>
             <a:fld id="{1C91BF9F-A6D6-9C44-9AC2-A799D1CC7BF8}" type="slidenum">
               <a:rPr lang="en-US" smtClean="0"/>
-              <a:t>32</a:t>
+              <a:t>33</a:t>
             </a:fld>
             <a:endParaRPr lang="en-US"/>
           </a:p>
@@ -26184,13 +25934,6 @@
   <p:clrMapOvr>
     <a:masterClrMapping/>
   </p:clrMapOvr>
-  <p:timing>
-    <p:tnLst>
-      <p:par>
-        <p:cTn id="1" dur="indefinite" restart="never" nodeType="tmRoot"/>
-      </p:par>
-    </p:tnLst>
-  </p:timing>
 </p:sld>
 </file>
 
@@ -26227,10 +25970,9 @@
           <a:lstStyle/>
           <a:p>
             <a:r>
-              <a:rPr lang="en-US" dirty="0" smtClean="0"/>
+              <a:rPr lang="en-US" dirty="0"/>
               <a:t>WWW != Internet</a:t>
             </a:r>
-            <a:endParaRPr lang="en-US" dirty="0"/>
           </a:p>
         </p:txBody>
       </p:sp>
@@ -26250,17 +25992,17 @@
           <a:lstStyle/>
           <a:p>
             <a:r>
-              <a:rPr lang="en-US" dirty="0" err="1" smtClean="0"/>
+              <a:rPr lang="en-US" dirty="0" err="1"/>
               <a:t>Vint</a:t>
             </a:r>
             <a:r>
-              <a:rPr lang="en-US" dirty="0" smtClean="0"/>
+              <a:rPr lang="en-US" dirty="0"/>
               <a:t> Cerf, Robert Kahn</a:t>
             </a:r>
           </a:p>
           <a:p>
             <a:r>
-              <a:rPr lang="en-US" dirty="0" smtClean="0"/>
+              <a:rPr lang="en-US" dirty="0"/>
               <a:t>Turing award at 2004: </a:t>
             </a:r>
             <a:r>
@@ -26386,13 +26128,6 @@
   <p:clrMapOvr>
     <a:masterClrMapping/>
   </p:clrMapOvr>
-  <p:timing>
-    <p:tnLst>
-      <p:par>
-        <p:cTn id="1" dur="indefinite" restart="never" nodeType="tmRoot"/>
-      </p:par>
-    </p:tnLst>
-  </p:timing>
 </p:sld>
 </file>
 
@@ -26429,16 +26164,12 @@
           <a:lstStyle/>
           <a:p>
             <a:r>
-              <a:rPr lang="en-US" dirty="0" smtClean="0"/>
+              <a:rPr lang="en-US" dirty="0"/>
               <a:t>The Web</a:t>
             </a:r>
             <a:r>
-              <a:rPr lang="en-US" smtClean="0"/>
-              <a:t>: History (</a:t>
-            </a:r>
-            <a:r>
               <a:rPr lang="en-US"/>
-              <a:t>cont’d)</a:t>
+              <a:t>: History (cont’d)</a:t>
             </a:r>
             <a:endParaRPr lang="en-US" dirty="0"/>
           </a:p>
@@ -26467,23 +26198,23 @@
           <a:lstStyle/>
           <a:p>
             <a:r>
-              <a:rPr lang="en-US" dirty="0" smtClean="0"/>
+              <a:rPr lang="en-US" dirty="0"/>
               <a:t>World Wide Web (WWW): a distributed database of </a:t>
             </a:r>
             <a:r>
-              <a:rPr lang="ja-JP" altLang="en-US" dirty="0" smtClean="0"/>
+              <a:rPr lang="ja-JP" altLang="en-US" dirty="0"/>
               <a:t>“</a:t>
             </a:r>
             <a:r>
-              <a:rPr lang="en-US" dirty="0" smtClean="0"/>
+              <a:rPr lang="en-US" dirty="0"/>
               <a:t>pages</a:t>
             </a:r>
             <a:r>
-              <a:rPr lang="ja-JP" altLang="en-US" dirty="0" smtClean="0"/>
+              <a:rPr lang="ja-JP" altLang="en-US" dirty="0"/>
               <a:t>”</a:t>
             </a:r>
             <a:r>
-              <a:rPr lang="en-US" dirty="0" smtClean="0"/>
+              <a:rPr lang="en-US" dirty="0"/>
               <a:t> linked through Hypertext Transport Protocol (HTTP)</a:t>
             </a:r>
           </a:p>
@@ -26512,53 +26243,41 @@
             <a:pPr lvl="2"/>
             <a:r>
               <a:rPr lang="en-US" dirty="0"/>
-              <a:t>Client/server information, simple </a:t>
-            </a:r>
-            <a:r>
-              <a:rPr lang="en-US" dirty="0" smtClean="0"/>
-              <a:t>caching</a:t>
+              <a:t>Client/server information, simple caching</a:t>
             </a:r>
           </a:p>
           <a:p>
             <a:pPr lvl="1"/>
             <a:r>
-              <a:rPr lang="en-US" dirty="0" smtClean="0"/>
-              <a:t>HTTP/1.1 </a:t>
-            </a:r>
-            <a:r>
               <a:rPr lang="en-US" dirty="0"/>
-              <a:t>– </a:t>
-            </a:r>
-            <a:r>
-              <a:rPr lang="en-US" dirty="0" smtClean="0"/>
-              <a:t>1996 </a:t>
+              <a:t>HTTP/1.1 – 1996 </a:t>
             </a:r>
           </a:p>
           <a:p>
             <a:pPr lvl="2"/>
             <a:r>
-              <a:rPr lang="en-US" dirty="0" smtClean="0"/>
+              <a:rPr lang="en-US" dirty="0"/>
               <a:t>Performance and security optimizations</a:t>
             </a:r>
           </a:p>
           <a:p>
             <a:pPr lvl="1"/>
             <a:r>
-              <a:rPr lang="en-US" dirty="0" smtClean="0"/>
+              <a:rPr lang="en-US" dirty="0"/>
               <a:t>HTTP/2 – 2015</a:t>
             </a:r>
           </a:p>
           <a:p>
             <a:pPr lvl="2"/>
             <a:r>
-              <a:rPr lang="en-US" dirty="0" smtClean="0"/>
+              <a:rPr lang="en-US" dirty="0"/>
               <a:t>Latency optimizations via request multiplexing over single TCP connection</a:t>
             </a:r>
           </a:p>
           <a:p>
             <a:pPr lvl="2"/>
             <a:r>
-              <a:rPr lang="en-US" dirty="0" smtClean="0"/>
+              <a:rPr lang="en-US" dirty="0"/>
               <a:t>Binary protocol instead of text</a:t>
             </a:r>
           </a:p>
@@ -26598,13 +26317,6 @@
   <p:clrMapOvr>
     <a:masterClrMapping/>
   </p:clrMapOvr>
-  <p:timing>
-    <p:tnLst>
-      <p:par>
-        <p:cTn id="1" dur="indefinite" restart="never" nodeType="tmRoot"/>
-      </p:par>
-    </p:tnLst>
-  </p:timing>
 </p:sld>
 </file>
 
@@ -26641,10 +26353,9 @@
           <a:lstStyle/>
           <a:p>
             <a:r>
-              <a:rPr lang="en-US" dirty="0" smtClean="0"/>
+              <a:rPr lang="en-US" dirty="0"/>
               <a:t>Web components</a:t>
             </a:r>
-            <a:endParaRPr lang="en-US" dirty="0"/>
           </a:p>
         </p:txBody>
       </p:sp>
@@ -26664,55 +26375,55 @@
           <a:lstStyle/>
           <a:p>
             <a:r>
-              <a:rPr lang="en-US" dirty="0" smtClean="0"/>
+              <a:rPr lang="en-US" dirty="0"/>
               <a:t>Infrastructure:</a:t>
             </a:r>
           </a:p>
           <a:p>
             <a:pPr lvl="1"/>
             <a:r>
-              <a:rPr lang="en-US" dirty="0" smtClean="0"/>
+              <a:rPr lang="en-US" dirty="0"/>
               <a:t>Clients</a:t>
             </a:r>
           </a:p>
           <a:p>
             <a:pPr lvl="1"/>
             <a:r>
-              <a:rPr lang="en-US" dirty="0" smtClean="0"/>
+              <a:rPr lang="en-US" dirty="0"/>
               <a:t>Servers (DNS, CDN, Datacenters)</a:t>
             </a:r>
           </a:p>
           <a:p>
             <a:pPr lvl="1"/>
-            <a:endParaRPr lang="en-US" dirty="0" smtClean="0"/>
-          </a:p>
-          <a:p>
-            <a:r>
-              <a:rPr lang="en-US" dirty="0" smtClean="0"/>
+            <a:endParaRPr lang="en-US" dirty="0"/>
+          </a:p>
+          <a:p>
+            <a:r>
+              <a:rPr lang="en-US" dirty="0"/>
               <a:t>Content:</a:t>
             </a:r>
           </a:p>
           <a:p>
             <a:pPr lvl="1"/>
             <a:r>
-              <a:rPr lang="en-US" dirty="0" smtClean="0"/>
+              <a:rPr lang="en-US" dirty="0"/>
               <a:t>URL: naming content</a:t>
             </a:r>
           </a:p>
           <a:p>
             <a:pPr lvl="1"/>
             <a:r>
-              <a:rPr lang="en-US" dirty="0" smtClean="0"/>
+              <a:rPr lang="en-US" dirty="0"/>
               <a:t>HTML: formatting content</a:t>
             </a:r>
           </a:p>
           <a:p>
             <a:pPr lvl="1"/>
-            <a:endParaRPr lang="en-US" dirty="0" smtClean="0"/>
-          </a:p>
-          <a:p>
-            <a:r>
-              <a:rPr lang="en-US" dirty="0" smtClean="0"/>
+            <a:endParaRPr lang="en-US" dirty="0"/>
+          </a:p>
+          <a:p>
+            <a:r>
+              <a:rPr lang="en-US" dirty="0"/>
               <a:t>Protocol for exchanging information: HTTP</a:t>
             </a:r>
           </a:p>
@@ -27092,7 +26803,7 @@
           <a:lstStyle/>
           <a:p>
             <a:r>
-              <a:rPr lang="en-US" smtClean="0"/>
+              <a:rPr lang="en-US"/>
               <a:t>URL: Uniform Record Locator</a:t>
             </a:r>
             <a:endParaRPr lang="en-US" dirty="0"/>
@@ -27117,32 +26828,32 @@
           <a:lstStyle/>
           <a:p>
             <a:r>
-              <a:rPr lang="en-US" sz="1800" dirty="0" smtClean="0">
+              <a:rPr lang="en-US" sz="1800" dirty="0">
                 <a:latin typeface="Lucida Console" charset="0"/>
                 <a:ea typeface="Lucida Console" charset="0"/>
                 <a:cs typeface="Lucida Console" charset="0"/>
               </a:rPr>
               <a:t>protocol://host-name[:port]/directory-path/resource</a:t>
             </a:r>
-            <a:endParaRPr lang="en-US" dirty="0" smtClean="0">
+            <a:endParaRPr lang="en-US" dirty="0">
               <a:latin typeface="Lucida Console" charset="0"/>
               <a:ea typeface="Lucida Console" charset="0"/>
               <a:cs typeface="Lucida Console" charset="0"/>
             </a:endParaRPr>
           </a:p>
           <a:p>
-            <a:endParaRPr lang="en-US" dirty="0" smtClean="0"/>
-          </a:p>
-          <a:p>
-            <a:r>
-              <a:rPr lang="en-US" dirty="0" smtClean="0"/>
+            <a:endParaRPr lang="en-US" dirty="0"/>
+          </a:p>
+          <a:p>
+            <a:r>
+              <a:rPr lang="en-US" dirty="0"/>
               <a:t>Extend the idea of hierarchical hostnames to include anything in a file system</a:t>
             </a:r>
           </a:p>
           <a:p>
             <a:pPr lvl="1"/>
             <a:r>
-              <a:rPr lang="en-US" sz="1800" dirty="0" smtClean="0">
+              <a:rPr lang="en-US" sz="1800" dirty="0">
                 <a:solidFill>
                   <a:schemeClr val="accent3"/>
                 </a:solidFill>
@@ -27150,21 +26861,10 @@
                 <a:ea typeface="Lucida Console" charset="0"/>
                 <a:cs typeface="Lucida Console" charset="0"/>
               </a:rPr>
-              <a:t>https</a:t>
-            </a:r>
-            <a:r>
-              <a:rPr lang="en-US" sz="1800" dirty="0">
-                <a:solidFill>
-                  <a:schemeClr val="accent3"/>
-                </a:solidFill>
-                <a:latin typeface="Lucida Console" charset="0"/>
-                <a:ea typeface="Lucida Console" charset="0"/>
-                <a:cs typeface="Lucida Console" charset="0"/>
-              </a:rPr>
-              <a:t>://</a:t>
-            </a:r>
-            <a:r>
-              <a:rPr lang="en-US" sz="1800" dirty="0" err="1" smtClean="0">
+              <a:t>https://</a:t>
+            </a:r>
+            <a:r>
+              <a:rPr lang="en-US" sz="1800" dirty="0" err="1">
                 <a:solidFill>
                   <a:schemeClr val="accent3"/>
                 </a:solidFill>
@@ -27175,7 +26875,7 @@
               <a:t>github.com</a:t>
             </a:r>
             <a:r>
-              <a:rPr lang="en-US" sz="1800" dirty="0" smtClean="0">
+              <a:rPr lang="en-US" sz="1800" dirty="0">
                 <a:solidFill>
                   <a:schemeClr val="accent3"/>
                 </a:solidFill>
@@ -27186,7 +26886,7 @@
               <a:t>/</a:t>
             </a:r>
             <a:r>
-              <a:rPr lang="en-US" sz="1800" dirty="0" err="1" smtClean="0">
+              <a:rPr lang="en-US" sz="1800" dirty="0" err="1">
                 <a:solidFill>
                   <a:schemeClr val="accent3"/>
                 </a:solidFill>
@@ -27197,7 +26897,7 @@
               <a:t>xinjin</a:t>
             </a:r>
             <a:r>
-              <a:rPr lang="en-US" sz="1800" dirty="0" smtClean="0">
+              <a:rPr lang="en-US" sz="1800" dirty="0">
                 <a:solidFill>
                   <a:schemeClr val="accent3"/>
                 </a:solidFill>
@@ -27208,7 +26908,7 @@
               <a:t>/course-net/blob/master/slides/lec0</a:t>
             </a:r>
             <a:r>
-              <a:rPr lang="en-US" altLang="zh-CN" sz="1800" dirty="0" smtClean="0">
+              <a:rPr lang="en-US" altLang="zh-CN" sz="1800" dirty="0">
                 <a:solidFill>
                   <a:schemeClr val="accent3"/>
                 </a:solidFill>
@@ -27219,7 +26919,7 @@
               <a:t>1</a:t>
             </a:r>
             <a:r>
-              <a:rPr lang="en-US" sz="1800" dirty="0" smtClean="0">
+              <a:rPr lang="en-US" sz="1800" dirty="0">
                 <a:solidFill>
                   <a:schemeClr val="accent3"/>
                 </a:solidFill>
@@ -27230,7 +26930,7 @@
               <a:t>_</a:t>
             </a:r>
             <a:r>
-              <a:rPr lang="en-US" altLang="zh-CN" sz="1800" dirty="0" smtClean="0">
+              <a:rPr lang="en-US" altLang="zh-CN" sz="1800" dirty="0">
                 <a:solidFill>
                   <a:schemeClr val="accent3"/>
                 </a:solidFill>
@@ -27241,7 +26941,7 @@
               <a:t>introduction</a:t>
             </a:r>
             <a:r>
-              <a:rPr lang="en-US" sz="1800" dirty="0" smtClean="0">
+              <a:rPr lang="en-US" sz="1800" dirty="0">
                 <a:solidFill>
                   <a:schemeClr val="accent3"/>
                 </a:solidFill>
@@ -27251,25 +26951,17 @@
               </a:rPr>
               <a:t>.pptx</a:t>
             </a:r>
-            <a:endParaRPr lang="en-US" sz="1800" dirty="0">
-              <a:solidFill>
-                <a:schemeClr val="accent3"/>
-              </a:solidFill>
-              <a:latin typeface="Lucida Console" charset="0"/>
-              <a:ea typeface="Lucida Console" charset="0"/>
-              <a:cs typeface="Lucida Console" charset="0"/>
-            </a:endParaRPr>
-          </a:p>
-          <a:p>
-            <a:r>
-              <a:rPr lang="en-US" dirty="0" smtClean="0"/>
+          </a:p>
+          <a:p>
+            <a:r>
+              <a:rPr lang="en-US" dirty="0"/>
               <a:t>Extend to program executions as well…</a:t>
             </a:r>
           </a:p>
           <a:p>
             <a:pPr lvl="1"/>
             <a:r>
-              <a:rPr lang="en-US" sz="1800" dirty="0" smtClean="0">
+              <a:rPr lang="en-US" sz="1800" dirty="0">
                 <a:solidFill>
                   <a:schemeClr val="accent3"/>
                 </a:solidFill>
@@ -27283,10 +26975,9 @@
           <a:p>
             <a:pPr lvl="1"/>
             <a:r>
-              <a:rPr lang="en-US" dirty="0" smtClean="0"/>
+              <a:rPr lang="en-US" dirty="0"/>
               <a:t>Server side processing can be included in the name</a:t>
             </a:r>
-            <a:endParaRPr lang="en-US" dirty="0"/>
           </a:p>
         </p:txBody>
       </p:sp>
@@ -27633,7 +27324,7 @@
           <a:lstStyle/>
           <a:p>
             <a:r>
-              <a:rPr lang="en-US" smtClean="0"/>
+              <a:rPr lang="en-US"/>
               <a:t>URL: Uniform Record Locator</a:t>
             </a:r>
             <a:endParaRPr lang="en-US" dirty="0"/>
@@ -27656,14 +27347,14 @@
           <a:lstStyle/>
           <a:p>
             <a:r>
-              <a:rPr lang="en-US" sz="1800" dirty="0" smtClean="0">
+              <a:rPr lang="en-US" sz="1800" dirty="0">
                 <a:latin typeface="Lucida Console" charset="0"/>
                 <a:ea typeface="Lucida Console" charset="0"/>
                 <a:cs typeface="Lucida Console" charset="0"/>
               </a:rPr>
               <a:t>protocol://host-name[:port]/directory-path/resource</a:t>
             </a:r>
-            <a:endParaRPr lang="en-US" dirty="0" smtClean="0">
+            <a:endParaRPr lang="en-US" dirty="0">
               <a:latin typeface="Lucida Console" charset="0"/>
               <a:ea typeface="Lucida Console" charset="0"/>
               <a:cs typeface="Lucida Console" charset="0"/>
@@ -27747,34 +27438,18 @@
             </a:r>
             <a:r>
               <a:rPr lang="en-US" dirty="0"/>
-              <a:t>s standard </a:t>
-            </a:r>
-            <a:r>
-              <a:rPr lang="en-US" dirty="0" smtClean="0"/>
-              <a:t>port </a:t>
+              <a:t>s standard port </a:t>
             </a:r>
           </a:p>
           <a:p>
             <a:pPr lvl="2"/>
             <a:r>
-              <a:rPr lang="en-US" i="1" dirty="0" smtClean="0"/>
+              <a:rPr lang="en-US" i="1" dirty="0"/>
               <a:t>e.g.,</a:t>
             </a:r>
             <a:r>
-              <a:rPr lang="en-US" dirty="0" smtClean="0"/>
-              <a:t> </a:t>
-            </a:r>
-            <a:r>
               <a:rPr lang="en-US" dirty="0"/>
-              <a:t>http: </a:t>
-            </a:r>
-            <a:r>
-              <a:rPr lang="en-US" dirty="0" smtClean="0"/>
-              <a:t>80,  </a:t>
-            </a:r>
-            <a:r>
-              <a:rPr lang="en-US" dirty="0"/>
-              <a:t>https: 443</a:t>
+              <a:t> http: 80,  https: 443</a:t>
             </a:r>
           </a:p>
           <a:p>
@@ -27809,7 +27484,7 @@
           </a:p>
           <a:p>
             <a:pPr lvl="1"/>
-            <a:endParaRPr lang="en-US" dirty="0" smtClean="0"/>
+            <a:endParaRPr lang="en-US" dirty="0"/>
           </a:p>
         </p:txBody>
       </p:sp>
@@ -27847,13 +27522,6 @@
   <p:clrMapOvr>
     <a:masterClrMapping/>
   </p:clrMapOvr>
-  <p:timing>
-    <p:tnLst>
-      <p:par>
-        <p:cTn id="1" dur="indefinite" restart="never" nodeType="tmRoot"/>
-      </p:par>
-    </p:tnLst>
-  </p:timing>
 </p:sld>
 </file>
 
@@ -27890,7 +27558,7 @@
           <a:lstStyle/>
           <a:p>
             <a:r>
-              <a:rPr lang="en-US" smtClean="0"/>
+              <a:rPr lang="en-US"/>
               <a:t>Hyper Text Transfer Protocol (HTTP)</a:t>
             </a:r>
             <a:endParaRPr lang="en-US" dirty="0"/>
@@ -27913,14 +27581,14 @@
           <a:lstStyle/>
           <a:p>
             <a:r>
-              <a:rPr lang="en-US" dirty="0" smtClean="0"/>
+              <a:rPr lang="en-US" dirty="0"/>
               <a:t>Client-server architecture</a:t>
             </a:r>
           </a:p>
           <a:p>
             <a:pPr lvl="1"/>
             <a:r>
-              <a:rPr lang="en-US" dirty="0" smtClean="0"/>
+              <a:rPr lang="en-US" dirty="0"/>
               <a:t>Server is “always on” and “well known”</a:t>
             </a:r>
           </a:p>
@@ -27928,45 +27596,40 @@
             <a:pPr lvl="1"/>
             <a:r>
               <a:rPr lang="en-US" dirty="0"/>
-              <a:t>C</a:t>
-            </a:r>
-            <a:r>
-              <a:rPr lang="en-US" dirty="0" smtClean="0"/>
-              <a:t>lients initiate contact to server</a:t>
-            </a:r>
-          </a:p>
-          <a:p>
-            <a:r>
-              <a:rPr lang="en-US" dirty="0" smtClean="0"/>
+              <a:t>Clients initiate contact to server</a:t>
+            </a:r>
+          </a:p>
+          <a:p>
+            <a:r>
+              <a:rPr lang="en-US" dirty="0"/>
               <a:t>Synchronous request/reply protocol </a:t>
             </a:r>
           </a:p>
           <a:p>
             <a:pPr lvl="1"/>
             <a:r>
-              <a:rPr lang="en-US" dirty="0" smtClean="0"/>
+              <a:rPr lang="en-US" dirty="0"/>
               <a:t>Runs over TCP, Port 80</a:t>
             </a:r>
           </a:p>
           <a:p>
             <a:r>
-              <a:rPr lang="en-US" dirty="0" smtClean="0"/>
+              <a:rPr lang="en-US" dirty="0"/>
               <a:t>Stateless</a:t>
             </a:r>
           </a:p>
           <a:p>
             <a:r>
-              <a:rPr lang="en-US" dirty="0" smtClean="0"/>
+              <a:rPr lang="en-US" dirty="0"/>
               <a:t>ASCII format</a:t>
             </a:r>
           </a:p>
           <a:p>
             <a:pPr lvl="1"/>
             <a:r>
-              <a:rPr lang="en-US" dirty="0" smtClean="0"/>
+              <a:rPr lang="en-US" dirty="0"/>
               <a:t>Before HTTP/2</a:t>
             </a:r>
-            <a:endParaRPr lang="en-US" dirty="0"/>
           </a:p>
         </p:txBody>
       </p:sp>
